--- a/pre/final/5.9_final_report.pptx
+++ b/pre/final/5.9_final_report.pptx
@@ -5,7 +5,7 @@
     <p:sldMasterId id="2147483648" r:id="rId1"/>
   </p:sldMasterIdLst>
   <p:notesMasterIdLst>
-    <p:notesMasterId r:id="rId30"/>
+    <p:notesMasterId r:id="rId35"/>
   </p:notesMasterIdLst>
   <p:sldIdLst>
     <p:sldId id="256" r:id="rId2"/>
@@ -15,27 +15,32 @@
     <p:sldId id="261" r:id="rId6"/>
     <p:sldId id="262" r:id="rId7"/>
     <p:sldId id="273" r:id="rId8"/>
-    <p:sldId id="279" r:id="rId9"/>
-    <p:sldId id="275" r:id="rId10"/>
-    <p:sldId id="274" r:id="rId11"/>
-    <p:sldId id="276" r:id="rId12"/>
-    <p:sldId id="277" r:id="rId13"/>
-    <p:sldId id="278" r:id="rId14"/>
-    <p:sldId id="280" r:id="rId15"/>
-    <p:sldId id="267" r:id="rId16"/>
-    <p:sldId id="270" r:id="rId17"/>
-    <p:sldId id="271" r:id="rId18"/>
-    <p:sldId id="281" r:id="rId19"/>
-    <p:sldId id="282" r:id="rId20"/>
-    <p:sldId id="283" r:id="rId21"/>
-    <p:sldId id="284" r:id="rId22"/>
-    <p:sldId id="285" r:id="rId23"/>
-    <p:sldId id="286" r:id="rId24"/>
-    <p:sldId id="287" r:id="rId25"/>
-    <p:sldId id="291" r:id="rId26"/>
-    <p:sldId id="289" r:id="rId27"/>
-    <p:sldId id="290" r:id="rId28"/>
-    <p:sldId id="288" r:id="rId29"/>
+    <p:sldId id="294" r:id="rId9"/>
+    <p:sldId id="279" r:id="rId10"/>
+    <p:sldId id="275" r:id="rId11"/>
+    <p:sldId id="274" r:id="rId12"/>
+    <p:sldId id="276" r:id="rId13"/>
+    <p:sldId id="277" r:id="rId14"/>
+    <p:sldId id="278" r:id="rId15"/>
+    <p:sldId id="280" r:id="rId16"/>
+    <p:sldId id="267" r:id="rId17"/>
+    <p:sldId id="270" r:id="rId18"/>
+    <p:sldId id="271" r:id="rId19"/>
+    <p:sldId id="281" r:id="rId20"/>
+    <p:sldId id="282" r:id="rId21"/>
+    <p:sldId id="283" r:id="rId22"/>
+    <p:sldId id="284" r:id="rId23"/>
+    <p:sldId id="285" r:id="rId24"/>
+    <p:sldId id="286" r:id="rId25"/>
+    <p:sldId id="295" r:id="rId26"/>
+    <p:sldId id="296" r:id="rId27"/>
+    <p:sldId id="297" r:id="rId28"/>
+    <p:sldId id="298" r:id="rId29"/>
+    <p:sldId id="287" r:id="rId30"/>
+    <p:sldId id="291" r:id="rId31"/>
+    <p:sldId id="289" r:id="rId32"/>
+    <p:sldId id="290" r:id="rId33"/>
+    <p:sldId id="288" r:id="rId34"/>
   </p:sldIdLst>
   <p:sldSz cx="12192000" cy="6858000"/>
   <p:notesSz cx="6858000" cy="9144000"/>
@@ -146,6 +151,7 @@
             <p14:sldId id="261"/>
             <p14:sldId id="262"/>
             <p14:sldId id="273"/>
+            <p14:sldId id="294"/>
             <p14:sldId id="279"/>
             <p14:sldId id="275"/>
             <p14:sldId id="274"/>
@@ -162,6 +168,10 @@
             <p14:sldId id="284"/>
             <p14:sldId id="285"/>
             <p14:sldId id="286"/>
+            <p14:sldId id="295"/>
+            <p14:sldId id="296"/>
+            <p14:sldId id="297"/>
+            <p14:sldId id="298"/>
             <p14:sldId id="287"/>
             <p14:sldId id="291"/>
             <p14:sldId id="289"/>
@@ -4364,6 +4374,8 @@
                 <a:solidFill>
                   <a:prstClr val="black"/>
                 </a:solidFill>
+                <a:latin typeface="Arial" panose="020B0604020202020204" pitchFamily="34" charset="0"/>
+                <a:cs typeface="Arial" panose="020B0604020202020204" pitchFamily="34" charset="0"/>
               </a:rPr>
               <a:t>Bowen Zheng, Shijie Chen, Shuxin Wang</a:t>
             </a:r>
@@ -4381,6 +4393,8 @@
               <a:solidFill>
                 <a:prstClr val="black"/>
               </a:solidFill>
+              <a:latin typeface="Arial" panose="020B0604020202020204" pitchFamily="34" charset="0"/>
+              <a:cs typeface="Arial" panose="020B0604020202020204" pitchFamily="34" charset="0"/>
             </a:endParaRPr>
           </a:p>
           <a:p>
@@ -4397,8 +4411,9 @@
                 <a:solidFill>
                   <a:srgbClr val="000000"/>
                 </a:solidFill>
+                <a:latin typeface="Arial" panose="020B0604020202020204" pitchFamily="34" charset="0"/>
                 <a:ea typeface="Helvetica Neue"/>
-                <a:cs typeface="Helvetica Neue"/>
+                <a:cs typeface="Arial" panose="020B0604020202020204" pitchFamily="34" charset="0"/>
                 <a:sym typeface="Helvetica Neue"/>
               </a:rPr>
               <a:t>Southern University of Science and Technology</a:t>
@@ -4417,6 +4432,8 @@
               <a:solidFill>
                 <a:prstClr val="black"/>
               </a:solidFill>
+              <a:latin typeface="Arial" panose="020B0604020202020204" pitchFamily="34" charset="0"/>
+              <a:cs typeface="Arial" panose="020B0604020202020204" pitchFamily="34" charset="0"/>
             </a:endParaRPr>
           </a:p>
           <a:p>
@@ -4433,15 +4450,18 @@
                 <a:solidFill>
                   <a:prstClr val="black"/>
                 </a:solidFill>
+                <a:latin typeface="Arial" panose="020B0604020202020204" pitchFamily="34" charset="0"/>
+                <a:cs typeface="Arial" panose="020B0604020202020204" pitchFamily="34" charset="0"/>
               </a:rPr>
-              <a:t>May. 9 2019</a:t>
+              <a:t>June. 5 2019</a:t>
             </a:r>
             <a:endParaRPr lang="zh-CN" altLang="en-US" dirty="0">
               <a:solidFill>
                 <a:srgbClr val="000000"/>
               </a:solidFill>
+              <a:latin typeface="Arial" panose="020B0604020202020204" pitchFamily="34" charset="0"/>
               <a:ea typeface="Helvetica Neue"/>
-              <a:cs typeface="Helvetica Neue"/>
+              <a:cs typeface="Arial" panose="020B0604020202020204" pitchFamily="34" charset="0"/>
               <a:sym typeface="Helvetica Neue"/>
             </a:endParaRPr>
           </a:p>
@@ -4852,14 +4872,14 @@
           <p:nvPr>
             <p:extLst>
               <p:ext uri="{D42A27DB-BD31-4B8C-83A1-F6EECF244321}">
-                <p14:modId xmlns:p14="http://schemas.microsoft.com/office/powerpoint/2010/main" val="715708671"/>
+                <p14:modId xmlns:p14="http://schemas.microsoft.com/office/powerpoint/2010/main" val="3848295148"/>
               </p:ext>
             </p:extLst>
           </p:nvPr>
         </p:nvGraphicFramePr>
         <p:xfrm>
-          <a:off x="5353050" y="1529932"/>
-          <a:ext cx="2558500" cy="4937760"/>
+          <a:off x="4999839" y="1529932"/>
+          <a:ext cx="2911712" cy="4483611"/>
         </p:xfrm>
         <a:graphic>
           <a:graphicData uri="http://schemas.openxmlformats.org/drawingml/2006/table">
@@ -4869,14 +4889,1924 @@
                 <a:tableStyleId>{5C22544A-7EE6-4342-B048-85BDC9FD1C3A}</a:tableStyleId>
               </a:tblPr>
               <a:tblGrid>
-                <a:gridCol w="1279250">
+                <a:gridCol w="1455856">
                   <a:extLst>
                     <a:ext uri="{9D8B030D-6E8A-4147-A177-3AD203B41FA5}">
                       <a16:colId xmlns:a16="http://schemas.microsoft.com/office/drawing/2014/main" val="2401383242"/>
                     </a:ext>
                   </a:extLst>
                 </a:gridCol>
-                <a:gridCol w="1279250">
+                <a:gridCol w="1455856">
+                  <a:extLst>
+                    <a:ext uri="{9D8B030D-6E8A-4147-A177-3AD203B41FA5}">
+                      <a16:colId xmlns:a16="http://schemas.microsoft.com/office/drawing/2014/main" val="950134537"/>
+                    </a:ext>
+                  </a:extLst>
+                </a:gridCol>
+              </a:tblGrid>
+              <a:tr h="643131">
+                <a:tc>
+                  <a:txBody>
+                    <a:bodyPr/>
+                    <a:lstStyle/>
+                    <a:p>
+                      <a:pPr algn="ctr"/>
+                      <a:endParaRPr lang="zh-CN" altLang="en-US" sz="2200" b="1" dirty="0">
+                        <a:latin typeface="Times New Roman" panose="02020603050405020304" pitchFamily="18" charset="0"/>
+                        <a:cs typeface="Times New Roman" panose="02020603050405020304" pitchFamily="18" charset="0"/>
+                      </a:endParaRPr>
+                    </a:p>
+                  </a:txBody>
+                  <a:tcPr>
+                    <a:lnL w="12700" cap="flat" cmpd="sng" algn="ctr">
+                      <a:noFill/>
+                      <a:prstDash val="solid"/>
+                      <a:round/>
+                      <a:headEnd type="none" w="med" len="med"/>
+                      <a:tailEnd type="none" w="med" len="med"/>
+                    </a:lnL>
+                    <a:lnR w="12700" cap="flat" cmpd="sng" algn="ctr">
+                      <a:noFill/>
+                      <a:prstDash val="solid"/>
+                      <a:round/>
+                      <a:headEnd type="none" w="med" len="med"/>
+                      <a:tailEnd type="none" w="med" len="med"/>
+                    </a:lnR>
+                    <a:lnT w="12700" cap="flat" cmpd="sng" algn="ctr">
+                      <a:noFill/>
+                      <a:prstDash val="solid"/>
+                      <a:round/>
+                      <a:headEnd type="none" w="med" len="med"/>
+                      <a:tailEnd type="none" w="med" len="med"/>
+                    </a:lnT>
+                    <a:lnB w="12700" cap="flat" cmpd="sng" algn="ctr">
+                      <a:noFill/>
+                      <a:prstDash val="solid"/>
+                      <a:round/>
+                      <a:headEnd type="none" w="med" len="med"/>
+                      <a:tailEnd type="none" w="med" len="med"/>
+                    </a:lnB>
+                    <a:lnTlToBr w="12700" cmpd="sng">
+                      <a:noFill/>
+                      <a:prstDash val="solid"/>
+                    </a:lnTlToBr>
+                    <a:lnBlToTr w="12700" cmpd="sng">
+                      <a:noFill/>
+                      <a:prstDash val="solid"/>
+                    </a:lnBlToTr>
+                    <a:noFill/>
+                  </a:tcPr>
+                </a:tc>
+                <a:tc>
+                  <a:txBody>
+                    <a:bodyPr/>
+                    <a:lstStyle/>
+                    <a:p>
+                      <a:pPr algn="ctr"/>
+                      <a:r>
+                        <a:rPr lang="en-US" altLang="zh-CN" sz="2200" b="1" dirty="0">
+                          <a:solidFill>
+                            <a:schemeClr val="tx1"/>
+                          </a:solidFill>
+                          <a:latin typeface="Times New Roman" panose="02020603050405020304" pitchFamily="18" charset="0"/>
+                          <a:cs typeface="Times New Roman" panose="02020603050405020304" pitchFamily="18" charset="0"/>
+                        </a:rPr>
+                        <a:t>Operation</a:t>
+                      </a:r>
+                      <a:endParaRPr lang="zh-CN" altLang="en-US" sz="2200" b="1" dirty="0">
+                        <a:solidFill>
+                          <a:schemeClr val="tx1"/>
+                        </a:solidFill>
+                        <a:latin typeface="Times New Roman" panose="02020603050405020304" pitchFamily="18" charset="0"/>
+                        <a:cs typeface="Times New Roman" panose="02020603050405020304" pitchFamily="18" charset="0"/>
+                      </a:endParaRPr>
+                    </a:p>
+                  </a:txBody>
+                  <a:tcPr>
+                    <a:lnL w="12700" cap="flat" cmpd="sng" algn="ctr">
+                      <a:noFill/>
+                      <a:prstDash val="solid"/>
+                      <a:round/>
+                      <a:headEnd type="none" w="med" len="med"/>
+                      <a:tailEnd type="none" w="med" len="med"/>
+                    </a:lnL>
+                    <a:lnR w="12700" cap="flat" cmpd="sng" algn="ctr">
+                      <a:noFill/>
+                      <a:prstDash val="solid"/>
+                      <a:round/>
+                      <a:headEnd type="none" w="med" len="med"/>
+                      <a:tailEnd type="none" w="med" len="med"/>
+                    </a:lnR>
+                    <a:lnT w="12700" cap="flat" cmpd="sng" algn="ctr">
+                      <a:noFill/>
+                      <a:prstDash val="solid"/>
+                      <a:round/>
+                      <a:headEnd type="none" w="med" len="med"/>
+                      <a:tailEnd type="none" w="med" len="med"/>
+                    </a:lnT>
+                    <a:lnB w="12700" cap="flat" cmpd="sng" algn="ctr">
+                      <a:noFill/>
+                      <a:prstDash val="solid"/>
+                      <a:round/>
+                      <a:headEnd type="none" w="med" len="med"/>
+                      <a:tailEnd type="none" w="med" len="med"/>
+                    </a:lnB>
+                    <a:lnTlToBr w="12700" cmpd="sng">
+                      <a:noFill/>
+                      <a:prstDash val="solid"/>
+                    </a:lnTlToBr>
+                    <a:lnBlToTr w="12700" cmpd="sng">
+                      <a:noFill/>
+                      <a:prstDash val="solid"/>
+                    </a:lnBlToTr>
+                    <a:noFill/>
+                  </a:tcPr>
+                </a:tc>
+                <a:extLst>
+                  <a:ext uri="{0D108BD9-81ED-4DB2-BD59-A6C34878D82A}">
+                    <a16:rowId xmlns:a16="http://schemas.microsoft.com/office/drawing/2014/main" val="3828241060"/>
+                  </a:ext>
+                </a:extLst>
+              </a:tr>
+              <a:tr h="394227">
+                <a:tc>
+                  <a:txBody>
+                    <a:bodyPr/>
+                    <a:lstStyle/>
+                    <a:p>
+                      <a:pPr algn="ctr"/>
+                      <a:r>
+                        <a:rPr lang="en-US" altLang="zh-CN" sz="2200" b="1" dirty="0">
+                          <a:latin typeface="Times New Roman" panose="02020603050405020304" pitchFamily="18" charset="0"/>
+                          <a:cs typeface="Times New Roman" panose="02020603050405020304" pitchFamily="18" charset="0"/>
+                        </a:rPr>
+                        <a:t>(0, 2)</a:t>
+                      </a:r>
+                      <a:endParaRPr lang="zh-CN" altLang="en-US" sz="2200" b="1" dirty="0">
+                        <a:latin typeface="Times New Roman" panose="02020603050405020304" pitchFamily="18" charset="0"/>
+                        <a:cs typeface="Times New Roman" panose="02020603050405020304" pitchFamily="18" charset="0"/>
+                      </a:endParaRPr>
+                    </a:p>
+                  </a:txBody>
+                  <a:tcPr>
+                    <a:lnL w="12700" cap="flat" cmpd="sng" algn="ctr">
+                      <a:noFill/>
+                      <a:prstDash val="solid"/>
+                      <a:round/>
+                      <a:headEnd type="none" w="med" len="med"/>
+                      <a:tailEnd type="none" w="med" len="med"/>
+                    </a:lnL>
+                    <a:lnR w="12700" cap="flat" cmpd="sng" algn="ctr">
+                      <a:noFill/>
+                      <a:prstDash val="solid"/>
+                      <a:round/>
+                      <a:headEnd type="none" w="med" len="med"/>
+                      <a:tailEnd type="none" w="med" len="med"/>
+                    </a:lnR>
+                    <a:lnT w="12700" cap="flat" cmpd="sng" algn="ctr">
+                      <a:noFill/>
+                      <a:prstDash val="solid"/>
+                      <a:round/>
+                      <a:headEnd type="none" w="med" len="med"/>
+                      <a:tailEnd type="none" w="med" len="med"/>
+                    </a:lnT>
+                    <a:lnB w="12700" cap="flat" cmpd="sng" algn="ctr">
+                      <a:noFill/>
+                      <a:prstDash val="solid"/>
+                      <a:round/>
+                      <a:headEnd type="none" w="med" len="med"/>
+                      <a:tailEnd type="none" w="med" len="med"/>
+                    </a:lnB>
+                    <a:lnTlToBr w="12700" cmpd="sng">
+                      <a:noFill/>
+                      <a:prstDash val="solid"/>
+                    </a:lnTlToBr>
+                    <a:lnBlToTr w="12700" cmpd="sng">
+                      <a:noFill/>
+                      <a:prstDash val="solid"/>
+                    </a:lnBlToTr>
+                    <a:noFill/>
+                  </a:tcPr>
+                </a:tc>
+                <a:tc>
+                  <a:txBody>
+                    <a:bodyPr/>
+                    <a:lstStyle/>
+                    <a:p>
+                      <a:pPr algn="ctr"/>
+                      <a:r>
+                        <a:rPr lang="en-US" altLang="zh-CN" sz="2200" b="1" dirty="0">
+                          <a:latin typeface="Times New Roman" panose="02020603050405020304" pitchFamily="18" charset="0"/>
+                          <a:cs typeface="Times New Roman" panose="02020603050405020304" pitchFamily="18" charset="0"/>
+                        </a:rPr>
+                        <a:t>0</a:t>
+                      </a:r>
+                      <a:endParaRPr lang="zh-CN" altLang="en-US" sz="2200" b="1" dirty="0">
+                        <a:latin typeface="Times New Roman" panose="02020603050405020304" pitchFamily="18" charset="0"/>
+                        <a:cs typeface="Times New Roman" panose="02020603050405020304" pitchFamily="18" charset="0"/>
+                      </a:endParaRPr>
+                    </a:p>
+                  </a:txBody>
+                  <a:tcPr>
+                    <a:lnL w="12700" cap="flat" cmpd="sng" algn="ctr">
+                      <a:noFill/>
+                      <a:prstDash val="solid"/>
+                      <a:round/>
+                      <a:headEnd type="none" w="med" len="med"/>
+                      <a:tailEnd type="none" w="med" len="med"/>
+                    </a:lnL>
+                    <a:lnR w="12700" cap="flat" cmpd="sng" algn="ctr">
+                      <a:noFill/>
+                      <a:prstDash val="solid"/>
+                      <a:round/>
+                      <a:headEnd type="none" w="med" len="med"/>
+                      <a:tailEnd type="none" w="med" len="med"/>
+                    </a:lnR>
+                    <a:lnT w="12700" cap="flat" cmpd="sng" algn="ctr">
+                      <a:noFill/>
+                      <a:prstDash val="solid"/>
+                      <a:round/>
+                      <a:headEnd type="none" w="med" len="med"/>
+                      <a:tailEnd type="none" w="med" len="med"/>
+                    </a:lnT>
+                    <a:lnB w="12700" cap="flat" cmpd="sng" algn="ctr">
+                      <a:noFill/>
+                      <a:prstDash val="solid"/>
+                      <a:round/>
+                      <a:headEnd type="none" w="med" len="med"/>
+                      <a:tailEnd type="none" w="med" len="med"/>
+                    </a:lnB>
+                    <a:lnTlToBr w="12700" cmpd="sng">
+                      <a:noFill/>
+                      <a:prstDash val="solid"/>
+                    </a:lnTlToBr>
+                    <a:lnBlToTr w="12700" cmpd="sng">
+                      <a:noFill/>
+                      <a:prstDash val="solid"/>
+                    </a:lnBlToTr>
+                    <a:noFill/>
+                  </a:tcPr>
+                </a:tc>
+                <a:extLst>
+                  <a:ext uri="{0D108BD9-81ED-4DB2-BD59-A6C34878D82A}">
+                    <a16:rowId xmlns:a16="http://schemas.microsoft.com/office/drawing/2014/main" val="2070731399"/>
+                  </a:ext>
+                </a:extLst>
+              </a:tr>
+              <a:tr h="360154">
+                <a:tc>
+                  <a:txBody>
+                    <a:bodyPr/>
+                    <a:lstStyle/>
+                    <a:p>
+                      <a:pPr algn="ctr"/>
+                      <a:r>
+                        <a:rPr lang="en-US" altLang="zh-CN" sz="2200" b="1" dirty="0">
+                          <a:latin typeface="Times New Roman" panose="02020603050405020304" pitchFamily="18" charset="0"/>
+                          <a:cs typeface="Times New Roman" panose="02020603050405020304" pitchFamily="18" charset="0"/>
+                        </a:rPr>
+                        <a:t>(0, 3)</a:t>
+                      </a:r>
+                      <a:endParaRPr lang="zh-CN" altLang="en-US" sz="2200" b="1" dirty="0">
+                        <a:latin typeface="Times New Roman" panose="02020603050405020304" pitchFamily="18" charset="0"/>
+                        <a:cs typeface="Times New Roman" panose="02020603050405020304" pitchFamily="18" charset="0"/>
+                      </a:endParaRPr>
+                    </a:p>
+                  </a:txBody>
+                  <a:tcPr>
+                    <a:lnL w="12700" cap="flat" cmpd="sng" algn="ctr">
+                      <a:noFill/>
+                      <a:prstDash val="solid"/>
+                      <a:round/>
+                      <a:headEnd type="none" w="med" len="med"/>
+                      <a:tailEnd type="none" w="med" len="med"/>
+                    </a:lnL>
+                    <a:lnR w="12700" cap="flat" cmpd="sng" algn="ctr">
+                      <a:noFill/>
+                      <a:prstDash val="solid"/>
+                      <a:round/>
+                      <a:headEnd type="none" w="med" len="med"/>
+                      <a:tailEnd type="none" w="med" len="med"/>
+                    </a:lnR>
+                    <a:lnT w="12700" cap="flat" cmpd="sng" algn="ctr">
+                      <a:noFill/>
+                      <a:prstDash val="solid"/>
+                      <a:round/>
+                      <a:headEnd type="none" w="med" len="med"/>
+                      <a:tailEnd type="none" w="med" len="med"/>
+                    </a:lnT>
+                    <a:lnB w="12700" cap="flat" cmpd="sng" algn="ctr">
+                      <a:noFill/>
+                      <a:prstDash val="solid"/>
+                      <a:round/>
+                      <a:headEnd type="none" w="med" len="med"/>
+                      <a:tailEnd type="none" w="med" len="med"/>
+                    </a:lnB>
+                    <a:lnTlToBr w="12700" cmpd="sng">
+                      <a:noFill/>
+                      <a:prstDash val="solid"/>
+                    </a:lnTlToBr>
+                    <a:lnBlToTr w="12700" cmpd="sng">
+                      <a:noFill/>
+                      <a:prstDash val="solid"/>
+                    </a:lnBlToTr>
+                    <a:noFill/>
+                  </a:tcPr>
+                </a:tc>
+                <a:tc>
+                  <a:txBody>
+                    <a:bodyPr/>
+                    <a:lstStyle/>
+                    <a:p>
+                      <a:pPr algn="ctr"/>
+                      <a:r>
+                        <a:rPr lang="en-US" altLang="zh-CN" sz="2200" b="1" dirty="0">
+                          <a:latin typeface="Times New Roman" panose="02020603050405020304" pitchFamily="18" charset="0"/>
+                          <a:cs typeface="Times New Roman" panose="02020603050405020304" pitchFamily="18" charset="0"/>
+                        </a:rPr>
+                        <a:t>0</a:t>
+                      </a:r>
+                      <a:endParaRPr lang="zh-CN" altLang="en-US" sz="2200" b="1" dirty="0">
+                        <a:latin typeface="Times New Roman" panose="02020603050405020304" pitchFamily="18" charset="0"/>
+                        <a:cs typeface="Times New Roman" panose="02020603050405020304" pitchFamily="18" charset="0"/>
+                      </a:endParaRPr>
+                    </a:p>
+                  </a:txBody>
+                  <a:tcPr>
+                    <a:lnL w="12700" cap="flat" cmpd="sng" algn="ctr">
+                      <a:noFill/>
+                      <a:prstDash val="solid"/>
+                      <a:round/>
+                      <a:headEnd type="none" w="med" len="med"/>
+                      <a:tailEnd type="none" w="med" len="med"/>
+                    </a:lnL>
+                    <a:lnR w="12700" cap="flat" cmpd="sng" algn="ctr">
+                      <a:noFill/>
+                      <a:prstDash val="solid"/>
+                      <a:round/>
+                      <a:headEnd type="none" w="med" len="med"/>
+                      <a:tailEnd type="none" w="med" len="med"/>
+                    </a:lnR>
+                    <a:lnT w="12700" cap="flat" cmpd="sng" algn="ctr">
+                      <a:noFill/>
+                      <a:prstDash val="solid"/>
+                      <a:round/>
+                      <a:headEnd type="none" w="med" len="med"/>
+                      <a:tailEnd type="none" w="med" len="med"/>
+                    </a:lnT>
+                    <a:lnB w="12700" cap="flat" cmpd="sng" algn="ctr">
+                      <a:noFill/>
+                      <a:prstDash val="solid"/>
+                      <a:round/>
+                      <a:headEnd type="none" w="med" len="med"/>
+                      <a:tailEnd type="none" w="med" len="med"/>
+                    </a:lnB>
+                    <a:lnTlToBr w="12700" cmpd="sng">
+                      <a:noFill/>
+                      <a:prstDash val="solid"/>
+                    </a:lnTlToBr>
+                    <a:lnBlToTr w="12700" cmpd="sng">
+                      <a:noFill/>
+                      <a:prstDash val="solid"/>
+                    </a:lnBlToTr>
+                    <a:noFill/>
+                  </a:tcPr>
+                </a:tc>
+                <a:extLst>
+                  <a:ext uri="{0D108BD9-81ED-4DB2-BD59-A6C34878D82A}">
+                    <a16:rowId xmlns:a16="http://schemas.microsoft.com/office/drawing/2014/main" val="1433526846"/>
+                  </a:ext>
+                </a:extLst>
+              </a:tr>
+              <a:tr h="360154">
+                <a:tc>
+                  <a:txBody>
+                    <a:bodyPr/>
+                    <a:lstStyle/>
+                    <a:p>
+                      <a:pPr algn="ctr"/>
+                      <a:r>
+                        <a:rPr lang="en-US" altLang="zh-CN" sz="2200" b="1" dirty="0">
+                          <a:latin typeface="Times New Roman" panose="02020603050405020304" pitchFamily="18" charset="0"/>
+                          <a:cs typeface="Times New Roman" panose="02020603050405020304" pitchFamily="18" charset="0"/>
+                        </a:rPr>
+                        <a:t>(0, 4)</a:t>
+                      </a:r>
+                      <a:endParaRPr lang="zh-CN" altLang="en-US" sz="2200" b="1" dirty="0">
+                        <a:latin typeface="Times New Roman" panose="02020603050405020304" pitchFamily="18" charset="0"/>
+                        <a:cs typeface="Times New Roman" panose="02020603050405020304" pitchFamily="18" charset="0"/>
+                      </a:endParaRPr>
+                    </a:p>
+                  </a:txBody>
+                  <a:tcPr>
+                    <a:lnL w="12700" cap="flat" cmpd="sng" algn="ctr">
+                      <a:noFill/>
+                      <a:prstDash val="solid"/>
+                      <a:round/>
+                      <a:headEnd type="none" w="med" len="med"/>
+                      <a:tailEnd type="none" w="med" len="med"/>
+                    </a:lnL>
+                    <a:lnR w="12700" cap="flat" cmpd="sng" algn="ctr">
+                      <a:noFill/>
+                      <a:prstDash val="solid"/>
+                      <a:round/>
+                      <a:headEnd type="none" w="med" len="med"/>
+                      <a:tailEnd type="none" w="med" len="med"/>
+                    </a:lnR>
+                    <a:lnT w="12700" cap="flat" cmpd="sng" algn="ctr">
+                      <a:noFill/>
+                      <a:prstDash val="solid"/>
+                      <a:round/>
+                      <a:headEnd type="none" w="med" len="med"/>
+                      <a:tailEnd type="none" w="med" len="med"/>
+                    </a:lnT>
+                    <a:lnB w="12700" cap="flat" cmpd="sng" algn="ctr">
+                      <a:noFill/>
+                      <a:prstDash val="solid"/>
+                      <a:round/>
+                      <a:headEnd type="none" w="med" len="med"/>
+                      <a:tailEnd type="none" w="med" len="med"/>
+                    </a:lnB>
+                    <a:lnTlToBr w="12700" cmpd="sng">
+                      <a:noFill/>
+                      <a:prstDash val="solid"/>
+                    </a:lnTlToBr>
+                    <a:lnBlToTr w="12700" cmpd="sng">
+                      <a:noFill/>
+                      <a:prstDash val="solid"/>
+                    </a:lnBlToTr>
+                    <a:noFill/>
+                  </a:tcPr>
+                </a:tc>
+                <a:tc>
+                  <a:txBody>
+                    <a:bodyPr/>
+                    <a:lstStyle/>
+                    <a:p>
+                      <a:pPr algn="ctr"/>
+                      <a:r>
+                        <a:rPr lang="en-US" altLang="zh-CN" sz="2200" b="1" dirty="0">
+                          <a:latin typeface="Times New Roman" panose="02020603050405020304" pitchFamily="18" charset="0"/>
+                          <a:cs typeface="Times New Roman" panose="02020603050405020304" pitchFamily="18" charset="0"/>
+                        </a:rPr>
+                        <a:t>0</a:t>
+                      </a:r>
+                      <a:endParaRPr lang="zh-CN" altLang="en-US" sz="2200" b="1" dirty="0">
+                        <a:latin typeface="Times New Roman" panose="02020603050405020304" pitchFamily="18" charset="0"/>
+                        <a:cs typeface="Times New Roman" panose="02020603050405020304" pitchFamily="18" charset="0"/>
+                      </a:endParaRPr>
+                    </a:p>
+                  </a:txBody>
+                  <a:tcPr>
+                    <a:lnL w="12700" cap="flat" cmpd="sng" algn="ctr">
+                      <a:noFill/>
+                      <a:prstDash val="solid"/>
+                      <a:round/>
+                      <a:headEnd type="none" w="med" len="med"/>
+                      <a:tailEnd type="none" w="med" len="med"/>
+                    </a:lnL>
+                    <a:lnR w="12700" cap="flat" cmpd="sng" algn="ctr">
+                      <a:noFill/>
+                      <a:prstDash val="solid"/>
+                      <a:round/>
+                      <a:headEnd type="none" w="med" len="med"/>
+                      <a:tailEnd type="none" w="med" len="med"/>
+                    </a:lnR>
+                    <a:lnT w="12700" cap="flat" cmpd="sng" algn="ctr">
+                      <a:noFill/>
+                      <a:prstDash val="solid"/>
+                      <a:round/>
+                      <a:headEnd type="none" w="med" len="med"/>
+                      <a:tailEnd type="none" w="med" len="med"/>
+                    </a:lnT>
+                    <a:lnB w="12700" cap="flat" cmpd="sng" algn="ctr">
+                      <a:noFill/>
+                      <a:prstDash val="solid"/>
+                      <a:round/>
+                      <a:headEnd type="none" w="med" len="med"/>
+                      <a:tailEnd type="none" w="med" len="med"/>
+                    </a:lnB>
+                    <a:lnTlToBr w="12700" cmpd="sng">
+                      <a:noFill/>
+                      <a:prstDash val="solid"/>
+                    </a:lnTlToBr>
+                    <a:lnBlToTr w="12700" cmpd="sng">
+                      <a:noFill/>
+                      <a:prstDash val="solid"/>
+                    </a:lnBlToTr>
+                    <a:noFill/>
+                  </a:tcPr>
+                </a:tc>
+                <a:extLst>
+                  <a:ext uri="{0D108BD9-81ED-4DB2-BD59-A6C34878D82A}">
+                    <a16:rowId xmlns:a16="http://schemas.microsoft.com/office/drawing/2014/main" val="3369269062"/>
+                  </a:ext>
+                </a:extLst>
+              </a:tr>
+              <a:tr h="360154">
+                <a:tc>
+                  <a:txBody>
+                    <a:bodyPr/>
+                    <a:lstStyle/>
+                    <a:p>
+                      <a:pPr algn="ctr"/>
+                      <a:r>
+                        <a:rPr lang="en-US" altLang="zh-CN" sz="2200" b="1" dirty="0">
+                          <a:latin typeface="Times New Roman" panose="02020603050405020304" pitchFamily="18" charset="0"/>
+                          <a:cs typeface="Times New Roman" panose="02020603050405020304" pitchFamily="18" charset="0"/>
+                        </a:rPr>
+                        <a:t>(1, 2)</a:t>
+                      </a:r>
+                      <a:endParaRPr lang="zh-CN" altLang="en-US" sz="2200" b="1" dirty="0">
+                        <a:latin typeface="Times New Roman" panose="02020603050405020304" pitchFamily="18" charset="0"/>
+                        <a:cs typeface="Times New Roman" panose="02020603050405020304" pitchFamily="18" charset="0"/>
+                      </a:endParaRPr>
+                    </a:p>
+                  </a:txBody>
+                  <a:tcPr>
+                    <a:lnL w="12700" cap="flat" cmpd="sng" algn="ctr">
+                      <a:noFill/>
+                      <a:prstDash val="solid"/>
+                      <a:round/>
+                      <a:headEnd type="none" w="med" len="med"/>
+                      <a:tailEnd type="none" w="med" len="med"/>
+                    </a:lnL>
+                    <a:lnR w="12700" cap="flat" cmpd="sng" algn="ctr">
+                      <a:noFill/>
+                      <a:prstDash val="solid"/>
+                      <a:round/>
+                      <a:headEnd type="none" w="med" len="med"/>
+                      <a:tailEnd type="none" w="med" len="med"/>
+                    </a:lnR>
+                    <a:lnT w="12700" cap="flat" cmpd="sng" algn="ctr">
+                      <a:noFill/>
+                      <a:prstDash val="solid"/>
+                      <a:round/>
+                      <a:headEnd type="none" w="med" len="med"/>
+                      <a:tailEnd type="none" w="med" len="med"/>
+                    </a:lnT>
+                    <a:lnB w="12700" cap="flat" cmpd="sng" algn="ctr">
+                      <a:noFill/>
+                      <a:prstDash val="solid"/>
+                      <a:round/>
+                      <a:headEnd type="none" w="med" len="med"/>
+                      <a:tailEnd type="none" w="med" len="med"/>
+                    </a:lnB>
+                    <a:lnTlToBr w="12700" cmpd="sng">
+                      <a:noFill/>
+                      <a:prstDash val="solid"/>
+                    </a:lnTlToBr>
+                    <a:lnBlToTr w="12700" cmpd="sng">
+                      <a:noFill/>
+                      <a:prstDash val="solid"/>
+                    </a:lnBlToTr>
+                    <a:noFill/>
+                  </a:tcPr>
+                </a:tc>
+                <a:tc>
+                  <a:txBody>
+                    <a:bodyPr/>
+                    <a:lstStyle/>
+                    <a:p>
+                      <a:pPr algn="ctr"/>
+                      <a:r>
+                        <a:rPr lang="en-US" altLang="zh-CN" sz="2200" b="1" dirty="0">
+                          <a:latin typeface="Times New Roman" panose="02020603050405020304" pitchFamily="18" charset="0"/>
+                          <a:cs typeface="Times New Roman" panose="02020603050405020304" pitchFamily="18" charset="0"/>
+                        </a:rPr>
+                        <a:t>0</a:t>
+                      </a:r>
+                      <a:endParaRPr lang="zh-CN" altLang="en-US" sz="2200" b="1" dirty="0">
+                        <a:latin typeface="Times New Roman" panose="02020603050405020304" pitchFamily="18" charset="0"/>
+                        <a:cs typeface="Times New Roman" panose="02020603050405020304" pitchFamily="18" charset="0"/>
+                      </a:endParaRPr>
+                    </a:p>
+                  </a:txBody>
+                  <a:tcPr>
+                    <a:lnL w="12700" cap="flat" cmpd="sng" algn="ctr">
+                      <a:noFill/>
+                      <a:prstDash val="solid"/>
+                      <a:round/>
+                      <a:headEnd type="none" w="med" len="med"/>
+                      <a:tailEnd type="none" w="med" len="med"/>
+                    </a:lnL>
+                    <a:lnR w="12700" cap="flat" cmpd="sng" algn="ctr">
+                      <a:noFill/>
+                      <a:prstDash val="solid"/>
+                      <a:round/>
+                      <a:headEnd type="none" w="med" len="med"/>
+                      <a:tailEnd type="none" w="med" len="med"/>
+                    </a:lnR>
+                    <a:lnT w="12700" cap="flat" cmpd="sng" algn="ctr">
+                      <a:noFill/>
+                      <a:prstDash val="solid"/>
+                      <a:round/>
+                      <a:headEnd type="none" w="med" len="med"/>
+                      <a:tailEnd type="none" w="med" len="med"/>
+                    </a:lnT>
+                    <a:lnB w="12700" cap="flat" cmpd="sng" algn="ctr">
+                      <a:noFill/>
+                      <a:prstDash val="solid"/>
+                      <a:round/>
+                      <a:headEnd type="none" w="med" len="med"/>
+                      <a:tailEnd type="none" w="med" len="med"/>
+                    </a:lnB>
+                    <a:lnTlToBr w="12700" cmpd="sng">
+                      <a:noFill/>
+                      <a:prstDash val="solid"/>
+                    </a:lnTlToBr>
+                    <a:lnBlToTr w="12700" cmpd="sng">
+                      <a:noFill/>
+                      <a:prstDash val="solid"/>
+                    </a:lnBlToTr>
+                    <a:noFill/>
+                  </a:tcPr>
+                </a:tc>
+                <a:extLst>
+                  <a:ext uri="{0D108BD9-81ED-4DB2-BD59-A6C34878D82A}">
+                    <a16:rowId xmlns:a16="http://schemas.microsoft.com/office/drawing/2014/main" val="3866625333"/>
+                  </a:ext>
+                </a:extLst>
+              </a:tr>
+              <a:tr h="360154">
+                <a:tc>
+                  <a:txBody>
+                    <a:bodyPr/>
+                    <a:lstStyle/>
+                    <a:p>
+                      <a:pPr algn="ctr"/>
+                      <a:r>
+                        <a:rPr lang="en-US" altLang="zh-CN" sz="2200" b="1" dirty="0">
+                          <a:latin typeface="Times New Roman" panose="02020603050405020304" pitchFamily="18" charset="0"/>
+                          <a:cs typeface="Times New Roman" panose="02020603050405020304" pitchFamily="18" charset="0"/>
+                        </a:rPr>
+                        <a:t>(1, 3)</a:t>
+                      </a:r>
+                      <a:endParaRPr lang="zh-CN" altLang="en-US" sz="2200" b="1" dirty="0">
+                        <a:latin typeface="Times New Roman" panose="02020603050405020304" pitchFamily="18" charset="0"/>
+                        <a:cs typeface="Times New Roman" panose="02020603050405020304" pitchFamily="18" charset="0"/>
+                      </a:endParaRPr>
+                    </a:p>
+                  </a:txBody>
+                  <a:tcPr>
+                    <a:lnL w="12700" cap="flat" cmpd="sng" algn="ctr">
+                      <a:noFill/>
+                      <a:prstDash val="solid"/>
+                      <a:round/>
+                      <a:headEnd type="none" w="med" len="med"/>
+                      <a:tailEnd type="none" w="med" len="med"/>
+                    </a:lnL>
+                    <a:lnR w="12700" cap="flat" cmpd="sng" algn="ctr">
+                      <a:noFill/>
+                      <a:prstDash val="solid"/>
+                      <a:round/>
+                      <a:headEnd type="none" w="med" len="med"/>
+                      <a:tailEnd type="none" w="med" len="med"/>
+                    </a:lnR>
+                    <a:lnT w="12700" cap="flat" cmpd="sng" algn="ctr">
+                      <a:noFill/>
+                      <a:prstDash val="solid"/>
+                      <a:round/>
+                      <a:headEnd type="none" w="med" len="med"/>
+                      <a:tailEnd type="none" w="med" len="med"/>
+                    </a:lnT>
+                    <a:lnB w="12700" cap="flat" cmpd="sng" algn="ctr">
+                      <a:noFill/>
+                      <a:prstDash val="solid"/>
+                      <a:round/>
+                      <a:headEnd type="none" w="med" len="med"/>
+                      <a:tailEnd type="none" w="med" len="med"/>
+                    </a:lnB>
+                    <a:lnTlToBr w="12700" cmpd="sng">
+                      <a:noFill/>
+                      <a:prstDash val="solid"/>
+                    </a:lnTlToBr>
+                    <a:lnBlToTr w="12700" cmpd="sng">
+                      <a:noFill/>
+                      <a:prstDash val="solid"/>
+                    </a:lnBlToTr>
+                    <a:noFill/>
+                  </a:tcPr>
+                </a:tc>
+                <a:tc>
+                  <a:txBody>
+                    <a:bodyPr/>
+                    <a:lstStyle/>
+                    <a:p>
+                      <a:pPr algn="ctr"/>
+                      <a:r>
+                        <a:rPr lang="en-US" altLang="zh-CN" sz="2200" b="1" dirty="0">
+                          <a:latin typeface="Times New Roman" panose="02020603050405020304" pitchFamily="18" charset="0"/>
+                          <a:cs typeface="Times New Roman" panose="02020603050405020304" pitchFamily="18" charset="0"/>
+                        </a:rPr>
+                        <a:t>0</a:t>
+                      </a:r>
+                      <a:endParaRPr lang="zh-CN" altLang="en-US" sz="2200" b="1" dirty="0">
+                        <a:latin typeface="Times New Roman" panose="02020603050405020304" pitchFamily="18" charset="0"/>
+                        <a:cs typeface="Times New Roman" panose="02020603050405020304" pitchFamily="18" charset="0"/>
+                      </a:endParaRPr>
+                    </a:p>
+                  </a:txBody>
+                  <a:tcPr>
+                    <a:lnL w="12700" cap="flat" cmpd="sng" algn="ctr">
+                      <a:noFill/>
+                      <a:prstDash val="solid"/>
+                      <a:round/>
+                      <a:headEnd type="none" w="med" len="med"/>
+                      <a:tailEnd type="none" w="med" len="med"/>
+                    </a:lnL>
+                    <a:lnR w="12700" cap="flat" cmpd="sng" algn="ctr">
+                      <a:noFill/>
+                      <a:prstDash val="solid"/>
+                      <a:round/>
+                      <a:headEnd type="none" w="med" len="med"/>
+                      <a:tailEnd type="none" w="med" len="med"/>
+                    </a:lnR>
+                    <a:lnT w="12700" cap="flat" cmpd="sng" algn="ctr">
+                      <a:noFill/>
+                      <a:prstDash val="solid"/>
+                      <a:round/>
+                      <a:headEnd type="none" w="med" len="med"/>
+                      <a:tailEnd type="none" w="med" len="med"/>
+                    </a:lnT>
+                    <a:lnB w="12700" cap="flat" cmpd="sng" algn="ctr">
+                      <a:noFill/>
+                      <a:prstDash val="solid"/>
+                      <a:round/>
+                      <a:headEnd type="none" w="med" len="med"/>
+                      <a:tailEnd type="none" w="med" len="med"/>
+                    </a:lnB>
+                    <a:lnTlToBr w="12700" cmpd="sng">
+                      <a:noFill/>
+                      <a:prstDash val="solid"/>
+                    </a:lnTlToBr>
+                    <a:lnBlToTr w="12700" cmpd="sng">
+                      <a:noFill/>
+                      <a:prstDash val="solid"/>
+                    </a:lnBlToTr>
+                    <a:noFill/>
+                  </a:tcPr>
+                </a:tc>
+                <a:extLst>
+                  <a:ext uri="{0D108BD9-81ED-4DB2-BD59-A6C34878D82A}">
+                    <a16:rowId xmlns:a16="http://schemas.microsoft.com/office/drawing/2014/main" val="4177470859"/>
+                  </a:ext>
+                </a:extLst>
+              </a:tr>
+              <a:tr h="360154">
+                <a:tc>
+                  <a:txBody>
+                    <a:bodyPr/>
+                    <a:lstStyle/>
+                    <a:p>
+                      <a:pPr algn="ctr"/>
+                      <a:r>
+                        <a:rPr lang="en-US" altLang="zh-CN" sz="2200" b="1" dirty="0">
+                          <a:latin typeface="Times New Roman" panose="02020603050405020304" pitchFamily="18" charset="0"/>
+                          <a:cs typeface="Times New Roman" panose="02020603050405020304" pitchFamily="18" charset="0"/>
+                        </a:rPr>
+                        <a:t>(1, 4)</a:t>
+                      </a:r>
+                      <a:endParaRPr lang="zh-CN" altLang="en-US" sz="2200" b="1" dirty="0">
+                        <a:latin typeface="Times New Roman" panose="02020603050405020304" pitchFamily="18" charset="0"/>
+                        <a:cs typeface="Times New Roman" panose="02020603050405020304" pitchFamily="18" charset="0"/>
+                      </a:endParaRPr>
+                    </a:p>
+                  </a:txBody>
+                  <a:tcPr>
+                    <a:lnL w="12700" cap="flat" cmpd="sng" algn="ctr">
+                      <a:noFill/>
+                      <a:prstDash val="solid"/>
+                      <a:round/>
+                      <a:headEnd type="none" w="med" len="med"/>
+                      <a:tailEnd type="none" w="med" len="med"/>
+                    </a:lnL>
+                    <a:lnR w="12700" cap="flat" cmpd="sng" algn="ctr">
+                      <a:noFill/>
+                      <a:prstDash val="solid"/>
+                      <a:round/>
+                      <a:headEnd type="none" w="med" len="med"/>
+                      <a:tailEnd type="none" w="med" len="med"/>
+                    </a:lnR>
+                    <a:lnT w="12700" cap="flat" cmpd="sng" algn="ctr">
+                      <a:noFill/>
+                      <a:prstDash val="solid"/>
+                      <a:round/>
+                      <a:headEnd type="none" w="med" len="med"/>
+                      <a:tailEnd type="none" w="med" len="med"/>
+                    </a:lnT>
+                    <a:lnB w="12700" cap="flat" cmpd="sng" algn="ctr">
+                      <a:noFill/>
+                      <a:prstDash val="solid"/>
+                      <a:round/>
+                      <a:headEnd type="none" w="med" len="med"/>
+                      <a:tailEnd type="none" w="med" len="med"/>
+                    </a:lnB>
+                    <a:lnTlToBr w="12700" cmpd="sng">
+                      <a:noFill/>
+                      <a:prstDash val="solid"/>
+                    </a:lnTlToBr>
+                    <a:lnBlToTr w="12700" cmpd="sng">
+                      <a:noFill/>
+                      <a:prstDash val="solid"/>
+                    </a:lnBlToTr>
+                    <a:noFill/>
+                  </a:tcPr>
+                </a:tc>
+                <a:tc>
+                  <a:txBody>
+                    <a:bodyPr/>
+                    <a:lstStyle/>
+                    <a:p>
+                      <a:pPr algn="ctr"/>
+                      <a:r>
+                        <a:rPr lang="en-US" altLang="zh-CN" sz="2200" b="1" dirty="0">
+                          <a:latin typeface="Times New Roman" panose="02020603050405020304" pitchFamily="18" charset="0"/>
+                          <a:cs typeface="Times New Roman" panose="02020603050405020304" pitchFamily="18" charset="0"/>
+                        </a:rPr>
+                        <a:t>0</a:t>
+                      </a:r>
+                      <a:endParaRPr lang="zh-CN" altLang="en-US" sz="2200" b="1" dirty="0">
+                        <a:latin typeface="Times New Roman" panose="02020603050405020304" pitchFamily="18" charset="0"/>
+                        <a:cs typeface="Times New Roman" panose="02020603050405020304" pitchFamily="18" charset="0"/>
+                      </a:endParaRPr>
+                    </a:p>
+                  </a:txBody>
+                  <a:tcPr>
+                    <a:lnL w="12700" cap="flat" cmpd="sng" algn="ctr">
+                      <a:noFill/>
+                      <a:prstDash val="solid"/>
+                      <a:round/>
+                      <a:headEnd type="none" w="med" len="med"/>
+                      <a:tailEnd type="none" w="med" len="med"/>
+                    </a:lnL>
+                    <a:lnR w="12700" cap="flat" cmpd="sng" algn="ctr">
+                      <a:noFill/>
+                      <a:prstDash val="solid"/>
+                      <a:round/>
+                      <a:headEnd type="none" w="med" len="med"/>
+                      <a:tailEnd type="none" w="med" len="med"/>
+                    </a:lnR>
+                    <a:lnT w="12700" cap="flat" cmpd="sng" algn="ctr">
+                      <a:noFill/>
+                      <a:prstDash val="solid"/>
+                      <a:round/>
+                      <a:headEnd type="none" w="med" len="med"/>
+                      <a:tailEnd type="none" w="med" len="med"/>
+                    </a:lnT>
+                    <a:lnB w="12700" cap="flat" cmpd="sng" algn="ctr">
+                      <a:noFill/>
+                      <a:prstDash val="solid"/>
+                      <a:round/>
+                      <a:headEnd type="none" w="med" len="med"/>
+                      <a:tailEnd type="none" w="med" len="med"/>
+                    </a:lnB>
+                    <a:lnTlToBr w="12700" cmpd="sng">
+                      <a:noFill/>
+                      <a:prstDash val="solid"/>
+                    </a:lnTlToBr>
+                    <a:lnBlToTr w="12700" cmpd="sng">
+                      <a:noFill/>
+                      <a:prstDash val="solid"/>
+                    </a:lnBlToTr>
+                    <a:noFill/>
+                  </a:tcPr>
+                </a:tc>
+                <a:extLst>
+                  <a:ext uri="{0D108BD9-81ED-4DB2-BD59-A6C34878D82A}">
+                    <a16:rowId xmlns:a16="http://schemas.microsoft.com/office/drawing/2014/main" val="221414494"/>
+                  </a:ext>
+                </a:extLst>
+              </a:tr>
+              <a:tr h="360154">
+                <a:tc>
+                  <a:txBody>
+                    <a:bodyPr/>
+                    <a:lstStyle/>
+                    <a:p>
+                      <a:pPr algn="ctr"/>
+                      <a:r>
+                        <a:rPr lang="en-US" altLang="zh-CN" sz="2200" b="1" dirty="0">
+                          <a:latin typeface="Times New Roman" panose="02020603050405020304" pitchFamily="18" charset="0"/>
+                          <a:cs typeface="Times New Roman" panose="02020603050405020304" pitchFamily="18" charset="0"/>
+                        </a:rPr>
+                        <a:t>(2, 3)</a:t>
+                      </a:r>
+                      <a:endParaRPr lang="zh-CN" altLang="en-US" sz="2200" b="1" dirty="0">
+                        <a:latin typeface="Times New Roman" panose="02020603050405020304" pitchFamily="18" charset="0"/>
+                        <a:cs typeface="Times New Roman" panose="02020603050405020304" pitchFamily="18" charset="0"/>
+                      </a:endParaRPr>
+                    </a:p>
+                  </a:txBody>
+                  <a:tcPr>
+                    <a:lnL w="12700" cap="flat" cmpd="sng" algn="ctr">
+                      <a:noFill/>
+                      <a:prstDash val="solid"/>
+                      <a:round/>
+                      <a:headEnd type="none" w="med" len="med"/>
+                      <a:tailEnd type="none" w="med" len="med"/>
+                    </a:lnL>
+                    <a:lnR w="12700" cap="flat" cmpd="sng" algn="ctr">
+                      <a:noFill/>
+                      <a:prstDash val="solid"/>
+                      <a:round/>
+                      <a:headEnd type="none" w="med" len="med"/>
+                      <a:tailEnd type="none" w="med" len="med"/>
+                    </a:lnR>
+                    <a:lnT w="12700" cap="flat" cmpd="sng" algn="ctr">
+                      <a:noFill/>
+                      <a:prstDash val="solid"/>
+                      <a:round/>
+                      <a:headEnd type="none" w="med" len="med"/>
+                      <a:tailEnd type="none" w="med" len="med"/>
+                    </a:lnT>
+                    <a:lnB w="12700" cap="flat" cmpd="sng" algn="ctr">
+                      <a:noFill/>
+                      <a:prstDash val="solid"/>
+                      <a:round/>
+                      <a:headEnd type="none" w="med" len="med"/>
+                      <a:tailEnd type="none" w="med" len="med"/>
+                    </a:lnB>
+                    <a:lnTlToBr w="12700" cmpd="sng">
+                      <a:noFill/>
+                      <a:prstDash val="solid"/>
+                    </a:lnTlToBr>
+                    <a:lnBlToTr w="12700" cmpd="sng">
+                      <a:noFill/>
+                      <a:prstDash val="solid"/>
+                    </a:lnBlToTr>
+                    <a:noFill/>
+                  </a:tcPr>
+                </a:tc>
+                <a:tc>
+                  <a:txBody>
+                    <a:bodyPr/>
+                    <a:lstStyle/>
+                    <a:p>
+                      <a:pPr algn="ctr"/>
+                      <a:r>
+                        <a:rPr lang="en-US" altLang="zh-CN" sz="2200" b="1" dirty="0">
+                          <a:latin typeface="Times New Roman" panose="02020603050405020304" pitchFamily="18" charset="0"/>
+                          <a:cs typeface="Times New Roman" panose="02020603050405020304" pitchFamily="18" charset="0"/>
+                        </a:rPr>
+                        <a:t>0</a:t>
+                      </a:r>
+                      <a:endParaRPr lang="zh-CN" altLang="en-US" sz="2200" b="1" dirty="0">
+                        <a:latin typeface="Times New Roman" panose="02020603050405020304" pitchFamily="18" charset="0"/>
+                        <a:cs typeface="Times New Roman" panose="02020603050405020304" pitchFamily="18" charset="0"/>
+                      </a:endParaRPr>
+                    </a:p>
+                  </a:txBody>
+                  <a:tcPr>
+                    <a:lnL w="12700" cap="flat" cmpd="sng" algn="ctr">
+                      <a:noFill/>
+                      <a:prstDash val="solid"/>
+                      <a:round/>
+                      <a:headEnd type="none" w="med" len="med"/>
+                      <a:tailEnd type="none" w="med" len="med"/>
+                    </a:lnL>
+                    <a:lnR w="12700" cap="flat" cmpd="sng" algn="ctr">
+                      <a:noFill/>
+                      <a:prstDash val="solid"/>
+                      <a:round/>
+                      <a:headEnd type="none" w="med" len="med"/>
+                      <a:tailEnd type="none" w="med" len="med"/>
+                    </a:lnR>
+                    <a:lnT w="12700" cap="flat" cmpd="sng" algn="ctr">
+                      <a:noFill/>
+                      <a:prstDash val="solid"/>
+                      <a:round/>
+                      <a:headEnd type="none" w="med" len="med"/>
+                      <a:tailEnd type="none" w="med" len="med"/>
+                    </a:lnT>
+                    <a:lnB w="12700" cap="flat" cmpd="sng" algn="ctr">
+                      <a:noFill/>
+                      <a:prstDash val="solid"/>
+                      <a:round/>
+                      <a:headEnd type="none" w="med" len="med"/>
+                      <a:tailEnd type="none" w="med" len="med"/>
+                    </a:lnB>
+                    <a:lnTlToBr w="12700" cmpd="sng">
+                      <a:noFill/>
+                      <a:prstDash val="solid"/>
+                    </a:lnTlToBr>
+                    <a:lnBlToTr w="12700" cmpd="sng">
+                      <a:noFill/>
+                      <a:prstDash val="solid"/>
+                    </a:lnBlToTr>
+                    <a:noFill/>
+                  </a:tcPr>
+                </a:tc>
+                <a:extLst>
+                  <a:ext uri="{0D108BD9-81ED-4DB2-BD59-A6C34878D82A}">
+                    <a16:rowId xmlns:a16="http://schemas.microsoft.com/office/drawing/2014/main" val="2189636756"/>
+                  </a:ext>
+                </a:extLst>
+              </a:tr>
+              <a:tr h="360154">
+                <a:tc>
+                  <a:txBody>
+                    <a:bodyPr/>
+                    <a:lstStyle/>
+                    <a:p>
+                      <a:pPr algn="ctr"/>
+                      <a:r>
+                        <a:rPr lang="en-US" altLang="zh-CN" sz="2200" b="1" dirty="0">
+                          <a:latin typeface="Times New Roman" panose="02020603050405020304" pitchFamily="18" charset="0"/>
+                          <a:cs typeface="Times New Roman" panose="02020603050405020304" pitchFamily="18" charset="0"/>
+                        </a:rPr>
+                        <a:t>(2, 4)</a:t>
+                      </a:r>
+                      <a:endParaRPr lang="zh-CN" altLang="en-US" sz="2200" b="1" dirty="0">
+                        <a:latin typeface="Times New Roman" panose="02020603050405020304" pitchFamily="18" charset="0"/>
+                        <a:cs typeface="Times New Roman" panose="02020603050405020304" pitchFamily="18" charset="0"/>
+                      </a:endParaRPr>
+                    </a:p>
+                  </a:txBody>
+                  <a:tcPr>
+                    <a:lnL w="12700" cap="flat" cmpd="sng" algn="ctr">
+                      <a:noFill/>
+                      <a:prstDash val="solid"/>
+                      <a:round/>
+                      <a:headEnd type="none" w="med" len="med"/>
+                      <a:tailEnd type="none" w="med" len="med"/>
+                    </a:lnL>
+                    <a:lnR w="12700" cap="flat" cmpd="sng" algn="ctr">
+                      <a:noFill/>
+                      <a:prstDash val="solid"/>
+                      <a:round/>
+                      <a:headEnd type="none" w="med" len="med"/>
+                      <a:tailEnd type="none" w="med" len="med"/>
+                    </a:lnR>
+                    <a:lnT w="12700" cap="flat" cmpd="sng" algn="ctr">
+                      <a:noFill/>
+                      <a:prstDash val="solid"/>
+                      <a:round/>
+                      <a:headEnd type="none" w="med" len="med"/>
+                      <a:tailEnd type="none" w="med" len="med"/>
+                    </a:lnT>
+                    <a:lnB w="12700" cap="flat" cmpd="sng" algn="ctr">
+                      <a:noFill/>
+                      <a:prstDash val="solid"/>
+                      <a:round/>
+                      <a:headEnd type="none" w="med" len="med"/>
+                      <a:tailEnd type="none" w="med" len="med"/>
+                    </a:lnB>
+                    <a:lnTlToBr w="12700" cmpd="sng">
+                      <a:noFill/>
+                      <a:prstDash val="solid"/>
+                    </a:lnTlToBr>
+                    <a:lnBlToTr w="12700" cmpd="sng">
+                      <a:noFill/>
+                      <a:prstDash val="solid"/>
+                    </a:lnBlToTr>
+                    <a:noFill/>
+                  </a:tcPr>
+                </a:tc>
+                <a:tc>
+                  <a:txBody>
+                    <a:bodyPr/>
+                    <a:lstStyle/>
+                    <a:p>
+                      <a:pPr algn="ctr"/>
+                      <a:r>
+                        <a:rPr lang="en-US" altLang="zh-CN" sz="2200" b="1" dirty="0">
+                          <a:latin typeface="Times New Roman" panose="02020603050405020304" pitchFamily="18" charset="0"/>
+                          <a:cs typeface="Times New Roman" panose="02020603050405020304" pitchFamily="18" charset="0"/>
+                        </a:rPr>
+                        <a:t>0</a:t>
+                      </a:r>
+                      <a:endParaRPr lang="zh-CN" altLang="en-US" sz="2200" b="1" dirty="0">
+                        <a:latin typeface="Times New Roman" panose="02020603050405020304" pitchFamily="18" charset="0"/>
+                        <a:cs typeface="Times New Roman" panose="02020603050405020304" pitchFamily="18" charset="0"/>
+                      </a:endParaRPr>
+                    </a:p>
+                  </a:txBody>
+                  <a:tcPr>
+                    <a:lnL w="12700" cap="flat" cmpd="sng" algn="ctr">
+                      <a:noFill/>
+                      <a:prstDash val="solid"/>
+                      <a:round/>
+                      <a:headEnd type="none" w="med" len="med"/>
+                      <a:tailEnd type="none" w="med" len="med"/>
+                    </a:lnL>
+                    <a:lnR w="12700" cap="flat" cmpd="sng" algn="ctr">
+                      <a:noFill/>
+                      <a:prstDash val="solid"/>
+                      <a:round/>
+                      <a:headEnd type="none" w="med" len="med"/>
+                      <a:tailEnd type="none" w="med" len="med"/>
+                    </a:lnR>
+                    <a:lnT w="12700" cap="flat" cmpd="sng" algn="ctr">
+                      <a:noFill/>
+                      <a:prstDash val="solid"/>
+                      <a:round/>
+                      <a:headEnd type="none" w="med" len="med"/>
+                      <a:tailEnd type="none" w="med" len="med"/>
+                    </a:lnT>
+                    <a:lnB w="12700" cap="flat" cmpd="sng" algn="ctr">
+                      <a:noFill/>
+                      <a:prstDash val="solid"/>
+                      <a:round/>
+                      <a:headEnd type="none" w="med" len="med"/>
+                      <a:tailEnd type="none" w="med" len="med"/>
+                    </a:lnB>
+                    <a:lnTlToBr w="12700" cmpd="sng">
+                      <a:noFill/>
+                      <a:prstDash val="solid"/>
+                    </a:lnTlToBr>
+                    <a:lnBlToTr w="12700" cmpd="sng">
+                      <a:noFill/>
+                      <a:prstDash val="solid"/>
+                    </a:lnBlToTr>
+                    <a:noFill/>
+                  </a:tcPr>
+                </a:tc>
+                <a:extLst>
+                  <a:ext uri="{0D108BD9-81ED-4DB2-BD59-A6C34878D82A}">
+                    <a16:rowId xmlns:a16="http://schemas.microsoft.com/office/drawing/2014/main" val="1022040071"/>
+                  </a:ext>
+                </a:extLst>
+              </a:tr>
+              <a:tr h="360154">
+                <a:tc>
+                  <a:txBody>
+                    <a:bodyPr/>
+                    <a:lstStyle/>
+                    <a:p>
+                      <a:pPr algn="ctr"/>
+                      <a:r>
+                        <a:rPr lang="en-US" altLang="zh-CN" sz="2200" b="1" dirty="0">
+                          <a:latin typeface="Times New Roman" panose="02020603050405020304" pitchFamily="18" charset="0"/>
+                          <a:cs typeface="Times New Roman" panose="02020603050405020304" pitchFamily="18" charset="0"/>
+                        </a:rPr>
+                        <a:t>(3, 4)</a:t>
+                      </a:r>
+                      <a:endParaRPr lang="zh-CN" altLang="en-US" sz="2200" b="1" dirty="0">
+                        <a:latin typeface="Times New Roman" panose="02020603050405020304" pitchFamily="18" charset="0"/>
+                        <a:cs typeface="Times New Roman" panose="02020603050405020304" pitchFamily="18" charset="0"/>
+                      </a:endParaRPr>
+                    </a:p>
+                  </a:txBody>
+                  <a:tcPr>
+                    <a:lnL w="12700" cap="flat" cmpd="sng" algn="ctr">
+                      <a:noFill/>
+                      <a:prstDash val="solid"/>
+                      <a:round/>
+                      <a:headEnd type="none" w="med" len="med"/>
+                      <a:tailEnd type="none" w="med" len="med"/>
+                    </a:lnL>
+                    <a:lnR w="12700" cap="flat" cmpd="sng" algn="ctr">
+                      <a:noFill/>
+                      <a:prstDash val="solid"/>
+                      <a:round/>
+                      <a:headEnd type="none" w="med" len="med"/>
+                      <a:tailEnd type="none" w="med" len="med"/>
+                    </a:lnR>
+                    <a:lnT w="12700" cap="flat" cmpd="sng" algn="ctr">
+                      <a:noFill/>
+                      <a:prstDash val="solid"/>
+                      <a:round/>
+                      <a:headEnd type="none" w="med" len="med"/>
+                      <a:tailEnd type="none" w="med" len="med"/>
+                    </a:lnT>
+                    <a:lnB w="12700" cap="flat" cmpd="sng" algn="ctr">
+                      <a:noFill/>
+                      <a:prstDash val="solid"/>
+                      <a:round/>
+                      <a:headEnd type="none" w="med" len="med"/>
+                      <a:tailEnd type="none" w="med" len="med"/>
+                    </a:lnB>
+                    <a:lnTlToBr w="12700" cmpd="sng">
+                      <a:noFill/>
+                      <a:prstDash val="solid"/>
+                    </a:lnTlToBr>
+                    <a:lnBlToTr w="12700" cmpd="sng">
+                      <a:noFill/>
+                      <a:prstDash val="solid"/>
+                    </a:lnBlToTr>
+                    <a:noFill/>
+                  </a:tcPr>
+                </a:tc>
+                <a:tc>
+                  <a:txBody>
+                    <a:bodyPr/>
+                    <a:lstStyle/>
+                    <a:p>
+                      <a:pPr algn="ctr"/>
+                      <a:r>
+                        <a:rPr lang="en-US" altLang="zh-CN" sz="2200" b="1" dirty="0">
+                          <a:latin typeface="Times New Roman" panose="02020603050405020304" pitchFamily="18" charset="0"/>
+                          <a:cs typeface="Times New Roman" panose="02020603050405020304" pitchFamily="18" charset="0"/>
+                        </a:rPr>
+                        <a:t>0</a:t>
+                      </a:r>
+                      <a:endParaRPr lang="zh-CN" altLang="en-US" sz="2200" b="1" dirty="0">
+                        <a:latin typeface="Times New Roman" panose="02020603050405020304" pitchFamily="18" charset="0"/>
+                        <a:cs typeface="Times New Roman" panose="02020603050405020304" pitchFamily="18" charset="0"/>
+                      </a:endParaRPr>
+                    </a:p>
+                  </a:txBody>
+                  <a:tcPr>
+                    <a:lnL w="12700" cap="flat" cmpd="sng" algn="ctr">
+                      <a:noFill/>
+                      <a:prstDash val="solid"/>
+                      <a:round/>
+                      <a:headEnd type="none" w="med" len="med"/>
+                      <a:tailEnd type="none" w="med" len="med"/>
+                    </a:lnL>
+                    <a:lnR w="12700" cap="flat" cmpd="sng" algn="ctr">
+                      <a:noFill/>
+                      <a:prstDash val="solid"/>
+                      <a:round/>
+                      <a:headEnd type="none" w="med" len="med"/>
+                      <a:tailEnd type="none" w="med" len="med"/>
+                    </a:lnR>
+                    <a:lnT w="12700" cap="flat" cmpd="sng" algn="ctr">
+                      <a:noFill/>
+                      <a:prstDash val="solid"/>
+                      <a:round/>
+                      <a:headEnd type="none" w="med" len="med"/>
+                      <a:tailEnd type="none" w="med" len="med"/>
+                    </a:lnT>
+                    <a:lnB w="12700" cap="flat" cmpd="sng" algn="ctr">
+                      <a:noFill/>
+                      <a:prstDash val="solid"/>
+                      <a:round/>
+                      <a:headEnd type="none" w="med" len="med"/>
+                      <a:tailEnd type="none" w="med" len="med"/>
+                    </a:lnB>
+                    <a:lnTlToBr w="12700" cmpd="sng">
+                      <a:noFill/>
+                      <a:prstDash val="solid"/>
+                    </a:lnTlToBr>
+                    <a:lnBlToTr w="12700" cmpd="sng">
+                      <a:noFill/>
+                      <a:prstDash val="solid"/>
+                    </a:lnBlToTr>
+                    <a:noFill/>
+                  </a:tcPr>
+                </a:tc>
+                <a:extLst>
+                  <a:ext uri="{0D108BD9-81ED-4DB2-BD59-A6C34878D82A}">
+                    <a16:rowId xmlns:a16="http://schemas.microsoft.com/office/drawing/2014/main" val="2817310640"/>
+                  </a:ext>
+                </a:extLst>
+              </a:tr>
+            </a:tbl>
+          </a:graphicData>
+        </a:graphic>
+      </p:graphicFrame>
+      <p:sp>
+        <p:nvSpPr>
+          <p:cNvPr id="16" name="箭头: 右 15">
+            <a:extLst>
+              <a:ext uri="{FF2B5EF4-FFF2-40B4-BE49-F238E27FC236}">
+                <a16:creationId xmlns:a16="http://schemas.microsoft.com/office/drawing/2014/main" id="{FC795799-2757-4B69-8148-12E9DA1C2DCD}"/>
+              </a:ext>
+            </a:extLst>
+          </p:cNvPr>
+          <p:cNvSpPr/>
+          <p:nvPr/>
+        </p:nvSpPr>
+        <p:spPr>
+          <a:xfrm>
+            <a:off x="7826861" y="3417324"/>
+            <a:ext cx="682176" cy="246210"/>
+          </a:xfrm>
+          <a:prstGeom prst="rightArrow">
+            <a:avLst/>
+          </a:prstGeom>
+        </p:spPr>
+        <p:style>
+          <a:lnRef idx="2">
+            <a:schemeClr val="dk1">
+              <a:shade val="50000"/>
+            </a:schemeClr>
+          </a:lnRef>
+          <a:fillRef idx="1">
+            <a:schemeClr val="dk1"/>
+          </a:fillRef>
+          <a:effectRef idx="0">
+            <a:schemeClr val="dk1"/>
+          </a:effectRef>
+          <a:fontRef idx="minor">
+            <a:schemeClr val="lt1"/>
+          </a:fontRef>
+        </p:style>
+        <p:txBody>
+          <a:bodyPr rtlCol="0" anchor="ctr"/>
+          <a:lstStyle/>
+          <a:p>
+            <a:pPr algn="ctr"/>
+            <a:endParaRPr lang="zh-CN" altLang="en-US" b="1">
+              <a:latin typeface="Arial" panose="020B0604020202020204" pitchFamily="34" charset="0"/>
+              <a:cs typeface="Arial" panose="020B0604020202020204" pitchFamily="34" charset="0"/>
+            </a:endParaRPr>
+          </a:p>
+        </p:txBody>
+      </p:sp>
+      <p:sp>
+        <p:nvSpPr>
+          <p:cNvPr id="2" name="文本框 1">
+            <a:extLst>
+              <a:ext uri="{FF2B5EF4-FFF2-40B4-BE49-F238E27FC236}">
+                <a16:creationId xmlns:a16="http://schemas.microsoft.com/office/drawing/2014/main" id="{E829DC47-F0EC-4EDC-B77E-9CDCB911AA5F}"/>
+              </a:ext>
+            </a:extLst>
+          </p:cNvPr>
+          <p:cNvSpPr txBox="1"/>
+          <p:nvPr/>
+        </p:nvSpPr>
+        <p:spPr>
+          <a:xfrm>
+            <a:off x="730212" y="2343165"/>
+            <a:ext cx="4622837" cy="2031325"/>
+          </a:xfrm>
+          <a:prstGeom prst="rect">
+            <a:avLst/>
+          </a:prstGeom>
+          <a:noFill/>
+        </p:spPr>
+        <p:txBody>
+          <a:bodyPr wrap="square" rtlCol="0">
+            <a:spAutoFit/>
+          </a:bodyPr>
+          <a:lstStyle/>
+          <a:p>
+            <a:pPr marL="342900" indent="-342900">
+              <a:buAutoNum type="arabicPeriod"/>
+            </a:pPr>
+            <a:r>
+              <a:rPr lang="en-US" altLang="zh-CN" b="1" dirty="0">
+                <a:latin typeface="Arial" panose="020B0604020202020204" pitchFamily="34" charset="0"/>
+                <a:cs typeface="Arial" panose="020B0604020202020204" pitchFamily="34" charset="0"/>
+              </a:rPr>
+              <a:t>Randomly generate a legal network architecture.</a:t>
+            </a:r>
+          </a:p>
+          <a:p>
+            <a:pPr marL="342900" indent="-342900">
+              <a:buAutoNum type="arabicPeriod"/>
+            </a:pPr>
+            <a:endParaRPr lang="en-US" altLang="zh-CN" dirty="0">
+              <a:latin typeface="Arial" panose="020B0604020202020204" pitchFamily="34" charset="0"/>
+              <a:cs typeface="Arial" panose="020B0604020202020204" pitchFamily="34" charset="0"/>
+            </a:endParaRPr>
+          </a:p>
+          <a:p>
+            <a:pPr marL="342900" indent="-342900">
+              <a:buAutoNum type="arabicPeriod"/>
+            </a:pPr>
+            <a:r>
+              <a:rPr lang="en-US" altLang="zh-CN" dirty="0">
+                <a:solidFill>
+                  <a:schemeClr val="bg1">
+                    <a:lumMod val="50000"/>
+                  </a:schemeClr>
+                </a:solidFill>
+                <a:latin typeface="Arial" panose="020B0604020202020204" pitchFamily="34" charset="0"/>
+                <a:cs typeface="Arial" panose="020B0604020202020204" pitchFamily="34" charset="0"/>
+              </a:rPr>
+              <a:t>Initialize age and life span of the individual</a:t>
+            </a:r>
+          </a:p>
+          <a:p>
+            <a:pPr marL="342900" indent="-342900">
+              <a:buAutoNum type="arabicPeriod"/>
+            </a:pPr>
+            <a:endParaRPr lang="en-US" altLang="zh-CN" dirty="0">
+              <a:solidFill>
+                <a:schemeClr val="bg1">
+                  <a:lumMod val="50000"/>
+                </a:schemeClr>
+              </a:solidFill>
+              <a:latin typeface="Arial" panose="020B0604020202020204" pitchFamily="34" charset="0"/>
+              <a:cs typeface="Arial" panose="020B0604020202020204" pitchFamily="34" charset="0"/>
+            </a:endParaRPr>
+          </a:p>
+          <a:p>
+            <a:pPr marL="342900" indent="-342900">
+              <a:buAutoNum type="arabicPeriod"/>
+            </a:pPr>
+            <a:r>
+              <a:rPr lang="en-US" altLang="zh-CN" dirty="0">
+                <a:solidFill>
+                  <a:schemeClr val="bg1">
+                    <a:lumMod val="50000"/>
+                  </a:schemeClr>
+                </a:solidFill>
+                <a:latin typeface="Arial" panose="020B0604020202020204" pitchFamily="34" charset="0"/>
+                <a:cs typeface="Arial" panose="020B0604020202020204" pitchFamily="34" charset="0"/>
+              </a:rPr>
+              <a:t>Train the NN and get its accuracy. </a:t>
+            </a:r>
+            <a:endParaRPr lang="zh-CN" altLang="en-US" dirty="0">
+              <a:solidFill>
+                <a:schemeClr val="bg1">
+                  <a:lumMod val="50000"/>
+                </a:schemeClr>
+              </a:solidFill>
+              <a:latin typeface="Arial" panose="020B0604020202020204" pitchFamily="34" charset="0"/>
+              <a:cs typeface="Arial" panose="020B0604020202020204" pitchFamily="34" charset="0"/>
+            </a:endParaRPr>
+          </a:p>
+        </p:txBody>
+      </p:sp>
+      <p:sp>
+        <p:nvSpPr>
+          <p:cNvPr id="12" name="矩形 11">
+            <a:extLst>
+              <a:ext uri="{FF2B5EF4-FFF2-40B4-BE49-F238E27FC236}">
+                <a16:creationId xmlns:a16="http://schemas.microsoft.com/office/drawing/2014/main" id="{44623C05-05E8-434B-8402-9271999706A1}"/>
+              </a:ext>
+            </a:extLst>
+          </p:cNvPr>
+          <p:cNvSpPr/>
+          <p:nvPr/>
+        </p:nvSpPr>
+        <p:spPr>
+          <a:xfrm>
+            <a:off x="10386202" y="6363425"/>
+            <a:ext cx="607834" cy="258900"/>
+          </a:xfrm>
+          <a:prstGeom prst="rect">
+            <a:avLst/>
+          </a:prstGeom>
+          <a:noFill/>
+          <a:ln w="38100"/>
+        </p:spPr>
+        <p:style>
+          <a:lnRef idx="2">
+            <a:schemeClr val="dk1">
+              <a:shade val="50000"/>
+            </a:schemeClr>
+          </a:lnRef>
+          <a:fillRef idx="1">
+            <a:schemeClr val="dk1"/>
+          </a:fillRef>
+          <a:effectRef idx="0">
+            <a:schemeClr val="dk1"/>
+          </a:effectRef>
+          <a:fontRef idx="minor">
+            <a:schemeClr val="lt1"/>
+          </a:fontRef>
+        </p:style>
+        <p:txBody>
+          <a:bodyPr rtlCol="0" anchor="ctr"/>
+          <a:lstStyle/>
+          <a:p>
+            <a:pPr algn="ctr"/>
+            <a:r>
+              <a:rPr lang="en-US" altLang="zh-CN" b="1" dirty="0">
+                <a:solidFill>
+                  <a:schemeClr val="tx1"/>
+                </a:solidFill>
+                <a:latin typeface="Arial" panose="020B0604020202020204" pitchFamily="34" charset="0"/>
+                <a:cs typeface="Arial" panose="020B0604020202020204" pitchFamily="34" charset="0"/>
+              </a:rPr>
+              <a:t>5</a:t>
+            </a:r>
+            <a:endParaRPr lang="zh-CN" altLang="en-US" b="1" dirty="0">
+              <a:solidFill>
+                <a:schemeClr val="tx1"/>
+              </a:solidFill>
+              <a:latin typeface="Arial" panose="020B0604020202020204" pitchFamily="34" charset="0"/>
+              <a:cs typeface="Arial" panose="020B0604020202020204" pitchFamily="34" charset="0"/>
+            </a:endParaRPr>
+          </a:p>
+        </p:txBody>
+      </p:sp>
+    </p:spTree>
+    <p:extLst>
+      <p:ext uri="{BB962C8B-B14F-4D97-AF65-F5344CB8AC3E}">
+        <p14:creationId xmlns:p14="http://schemas.microsoft.com/office/powerpoint/2010/main" val="399615947"/>
+      </p:ext>
+    </p:extLst>
+  </p:cSld>
+  <p:clrMapOvr>
+    <a:masterClrMapping/>
+  </p:clrMapOvr>
+</p:sld>
+</file>
+
+<file path=ppt/slides/slide11.xml><?xml version="1.0" encoding="utf-8"?>
+<p:sld xmlns:a="http://schemas.openxmlformats.org/drawingml/2006/main" xmlns:r="http://schemas.openxmlformats.org/officeDocument/2006/relationships" xmlns:p="http://schemas.openxmlformats.org/presentationml/2006/main">
+  <p:cSld>
+    <p:spTree>
+      <p:nvGrpSpPr>
+        <p:cNvPr id="1" name=""/>
+        <p:cNvGrpSpPr/>
+        <p:nvPr/>
+      </p:nvGrpSpPr>
+      <p:grpSpPr>
+        <a:xfrm>
+          <a:off x="0" y="0"/>
+          <a:ext cx="0" cy="0"/>
+          <a:chOff x="0" y="0"/>
+          <a:chExt cx="0" cy="0"/>
+        </a:xfrm>
+      </p:grpSpPr>
+      <p:sp>
+        <p:nvSpPr>
+          <p:cNvPr id="4" name="标题 1">
+            <a:extLst>
+              <a:ext uri="{FF2B5EF4-FFF2-40B4-BE49-F238E27FC236}">
+                <a16:creationId xmlns:a16="http://schemas.microsoft.com/office/drawing/2014/main" id="{0130A5E9-2E9A-487E-BAFE-5ED8AF5A20A7}"/>
+              </a:ext>
+            </a:extLst>
+          </p:cNvPr>
+          <p:cNvSpPr>
+            <a:spLocks noGrp="1"/>
+          </p:cNvSpPr>
+          <p:nvPr>
+            <p:ph type="title"/>
+          </p:nvPr>
+        </p:nvSpPr>
+        <p:spPr>
+          <a:xfrm>
+            <a:off x="838200" y="365125"/>
+            <a:ext cx="10515600" cy="1325563"/>
+          </a:xfrm>
+        </p:spPr>
+        <p:txBody>
+          <a:bodyPr/>
+          <a:lstStyle/>
+          <a:p>
+            <a:r>
+              <a:rPr lang="en-US" altLang="zh-CN" dirty="0">
+                <a:latin typeface="Arial" panose="020B0604020202020204" pitchFamily="34" charset="0"/>
+                <a:cs typeface="Arial" panose="020B0604020202020204" pitchFamily="34" charset="0"/>
+              </a:rPr>
+              <a:t>Network Initialization </a:t>
+            </a:r>
+            <a:endParaRPr lang="zh-CN" altLang="en-US" dirty="0">
+              <a:latin typeface="Arial" panose="020B0604020202020204" pitchFamily="34" charset="0"/>
+              <a:cs typeface="Arial" panose="020B0604020202020204" pitchFamily="34" charset="0"/>
+            </a:endParaRPr>
+          </a:p>
+        </p:txBody>
+      </p:sp>
+      <p:sp>
+        <p:nvSpPr>
+          <p:cNvPr id="5" name="矩形 4">
+            <a:extLst>
+              <a:ext uri="{FF2B5EF4-FFF2-40B4-BE49-F238E27FC236}">
+                <a16:creationId xmlns:a16="http://schemas.microsoft.com/office/drawing/2014/main" id="{1CE064F3-E5C8-46E4-A585-DBDFB5370642}"/>
+              </a:ext>
+            </a:extLst>
+          </p:cNvPr>
+          <p:cNvSpPr/>
+          <p:nvPr/>
+        </p:nvSpPr>
+        <p:spPr>
+          <a:xfrm>
+            <a:off x="10787610" y="1820408"/>
+            <a:ext cx="607834" cy="258900"/>
+          </a:xfrm>
+          <a:prstGeom prst="rect">
+            <a:avLst/>
+          </a:prstGeom>
+          <a:noFill/>
+          <a:ln w="38100"/>
+        </p:spPr>
+        <p:style>
+          <a:lnRef idx="2">
+            <a:schemeClr val="dk1">
+              <a:shade val="50000"/>
+            </a:schemeClr>
+          </a:lnRef>
+          <a:fillRef idx="1">
+            <a:schemeClr val="dk1"/>
+          </a:fillRef>
+          <a:effectRef idx="0">
+            <a:schemeClr val="dk1"/>
+          </a:effectRef>
+          <a:fontRef idx="minor">
+            <a:schemeClr val="lt1"/>
+          </a:fontRef>
+        </p:style>
+        <p:txBody>
+          <a:bodyPr rtlCol="0" anchor="ctr"/>
+          <a:lstStyle/>
+          <a:p>
+            <a:pPr algn="ctr"/>
+            <a:r>
+              <a:rPr lang="en-US" altLang="zh-CN" b="1" dirty="0">
+                <a:solidFill>
+                  <a:schemeClr val="tx1"/>
+                </a:solidFill>
+                <a:latin typeface="Arial" panose="020B0604020202020204" pitchFamily="34" charset="0"/>
+                <a:cs typeface="Arial" panose="020B0604020202020204" pitchFamily="34" charset="0"/>
+              </a:rPr>
+              <a:t>1</a:t>
+            </a:r>
+            <a:endParaRPr lang="zh-CN" altLang="en-US" b="1" dirty="0">
+              <a:solidFill>
+                <a:schemeClr val="tx1"/>
+              </a:solidFill>
+              <a:latin typeface="Arial" panose="020B0604020202020204" pitchFamily="34" charset="0"/>
+              <a:cs typeface="Arial" panose="020B0604020202020204" pitchFamily="34" charset="0"/>
+            </a:endParaRPr>
+          </a:p>
+        </p:txBody>
+      </p:sp>
+      <p:sp>
+        <p:nvSpPr>
+          <p:cNvPr id="6" name="矩形 5">
+            <a:extLst>
+              <a:ext uri="{FF2B5EF4-FFF2-40B4-BE49-F238E27FC236}">
+                <a16:creationId xmlns:a16="http://schemas.microsoft.com/office/drawing/2014/main" id="{02E254B8-9310-4BC7-8FA2-F3E0DF655959}"/>
+              </a:ext>
+            </a:extLst>
+          </p:cNvPr>
+          <p:cNvSpPr/>
+          <p:nvPr/>
+        </p:nvSpPr>
+        <p:spPr>
+          <a:xfrm>
+            <a:off x="9283963" y="1820408"/>
+            <a:ext cx="607834" cy="258900"/>
+          </a:xfrm>
+          <a:prstGeom prst="rect">
+            <a:avLst/>
+          </a:prstGeom>
+          <a:noFill/>
+          <a:ln w="38100"/>
+        </p:spPr>
+        <p:style>
+          <a:lnRef idx="2">
+            <a:schemeClr val="dk1">
+              <a:shade val="50000"/>
+            </a:schemeClr>
+          </a:lnRef>
+          <a:fillRef idx="1">
+            <a:schemeClr val="dk1"/>
+          </a:fillRef>
+          <a:effectRef idx="0">
+            <a:schemeClr val="dk1"/>
+          </a:effectRef>
+          <a:fontRef idx="minor">
+            <a:schemeClr val="lt1"/>
+          </a:fontRef>
+        </p:style>
+        <p:txBody>
+          <a:bodyPr rtlCol="0" anchor="ctr"/>
+          <a:lstStyle/>
+          <a:p>
+            <a:pPr algn="ctr"/>
+            <a:r>
+              <a:rPr lang="en-US" altLang="zh-CN" b="1" dirty="0">
+                <a:solidFill>
+                  <a:schemeClr val="tx1"/>
+                </a:solidFill>
+                <a:latin typeface="Arial" panose="020B0604020202020204" pitchFamily="34" charset="0"/>
+                <a:cs typeface="Arial" panose="020B0604020202020204" pitchFamily="34" charset="0"/>
+              </a:rPr>
+              <a:t>0</a:t>
+            </a:r>
+            <a:endParaRPr lang="zh-CN" altLang="en-US" b="1" dirty="0">
+              <a:solidFill>
+                <a:schemeClr val="tx1"/>
+              </a:solidFill>
+              <a:latin typeface="Arial" panose="020B0604020202020204" pitchFamily="34" charset="0"/>
+              <a:cs typeface="Arial" panose="020B0604020202020204" pitchFamily="34" charset="0"/>
+            </a:endParaRPr>
+          </a:p>
+        </p:txBody>
+      </p:sp>
+      <p:sp>
+        <p:nvSpPr>
+          <p:cNvPr id="7" name="矩形 6">
+            <a:extLst>
+              <a:ext uri="{FF2B5EF4-FFF2-40B4-BE49-F238E27FC236}">
+                <a16:creationId xmlns:a16="http://schemas.microsoft.com/office/drawing/2014/main" id="{3140A6CF-6134-49A5-B53C-8F956EB8BBCD}"/>
+              </a:ext>
+            </a:extLst>
+          </p:cNvPr>
+          <p:cNvSpPr/>
+          <p:nvPr/>
+        </p:nvSpPr>
+        <p:spPr>
+          <a:xfrm>
+            <a:off x="8856140" y="3658751"/>
+            <a:ext cx="607834" cy="258900"/>
+          </a:xfrm>
+          <a:prstGeom prst="rect">
+            <a:avLst/>
+          </a:prstGeom>
+          <a:noFill/>
+          <a:ln w="38100"/>
+        </p:spPr>
+        <p:style>
+          <a:lnRef idx="2">
+            <a:schemeClr val="dk1">
+              <a:shade val="50000"/>
+            </a:schemeClr>
+          </a:lnRef>
+          <a:fillRef idx="1">
+            <a:schemeClr val="dk1"/>
+          </a:fillRef>
+          <a:effectRef idx="0">
+            <a:schemeClr val="dk1"/>
+          </a:effectRef>
+          <a:fontRef idx="minor">
+            <a:schemeClr val="lt1"/>
+          </a:fontRef>
+        </p:style>
+        <p:txBody>
+          <a:bodyPr rtlCol="0" anchor="ctr"/>
+          <a:lstStyle/>
+          <a:p>
+            <a:pPr algn="ctr"/>
+            <a:r>
+              <a:rPr lang="en-US" altLang="zh-CN" b="1" dirty="0">
+                <a:solidFill>
+                  <a:schemeClr val="tx1"/>
+                </a:solidFill>
+                <a:latin typeface="Arial" panose="020B0604020202020204" pitchFamily="34" charset="0"/>
+                <a:cs typeface="Arial" panose="020B0604020202020204" pitchFamily="34" charset="0"/>
+              </a:rPr>
+              <a:t>2</a:t>
+            </a:r>
+            <a:endParaRPr lang="zh-CN" altLang="en-US" b="1" dirty="0">
+              <a:solidFill>
+                <a:schemeClr val="tx1"/>
+              </a:solidFill>
+              <a:latin typeface="Arial" panose="020B0604020202020204" pitchFamily="34" charset="0"/>
+              <a:cs typeface="Arial" panose="020B0604020202020204" pitchFamily="34" charset="0"/>
+            </a:endParaRPr>
+          </a:p>
+        </p:txBody>
+      </p:sp>
+      <p:sp>
+        <p:nvSpPr>
+          <p:cNvPr id="8" name="矩形 7">
+            <a:extLst>
+              <a:ext uri="{FF2B5EF4-FFF2-40B4-BE49-F238E27FC236}">
+                <a16:creationId xmlns:a16="http://schemas.microsoft.com/office/drawing/2014/main" id="{5B82E632-94F2-462B-926C-1AAD02364071}"/>
+              </a:ext>
+            </a:extLst>
+          </p:cNvPr>
+          <p:cNvSpPr/>
+          <p:nvPr/>
+        </p:nvSpPr>
+        <p:spPr>
+          <a:xfrm>
+            <a:off x="10874638" y="4615536"/>
+            <a:ext cx="607834" cy="258900"/>
+          </a:xfrm>
+          <a:prstGeom prst="rect">
+            <a:avLst/>
+          </a:prstGeom>
+          <a:noFill/>
+          <a:ln w="38100"/>
+        </p:spPr>
+        <p:style>
+          <a:lnRef idx="2">
+            <a:schemeClr val="dk1">
+              <a:shade val="50000"/>
+            </a:schemeClr>
+          </a:lnRef>
+          <a:fillRef idx="1">
+            <a:schemeClr val="dk1"/>
+          </a:fillRef>
+          <a:effectRef idx="0">
+            <a:schemeClr val="dk1"/>
+          </a:effectRef>
+          <a:fontRef idx="minor">
+            <a:schemeClr val="lt1"/>
+          </a:fontRef>
+        </p:style>
+        <p:txBody>
+          <a:bodyPr rtlCol="0" anchor="ctr"/>
+          <a:lstStyle/>
+          <a:p>
+            <a:pPr algn="ctr"/>
+            <a:r>
+              <a:rPr lang="en-US" altLang="zh-CN" b="1" dirty="0">
+                <a:solidFill>
+                  <a:schemeClr val="tx1"/>
+                </a:solidFill>
+                <a:latin typeface="Arial" panose="020B0604020202020204" pitchFamily="34" charset="0"/>
+                <a:cs typeface="Arial" panose="020B0604020202020204" pitchFamily="34" charset="0"/>
+              </a:rPr>
+              <a:t>3</a:t>
+            </a:r>
+            <a:endParaRPr lang="zh-CN" altLang="en-US" b="1" dirty="0">
+              <a:solidFill>
+                <a:schemeClr val="tx1"/>
+              </a:solidFill>
+              <a:latin typeface="Arial" panose="020B0604020202020204" pitchFamily="34" charset="0"/>
+              <a:cs typeface="Arial" panose="020B0604020202020204" pitchFamily="34" charset="0"/>
+            </a:endParaRPr>
+          </a:p>
+        </p:txBody>
+      </p:sp>
+      <p:sp>
+        <p:nvSpPr>
+          <p:cNvPr id="9" name="矩形 8">
+            <a:extLst>
+              <a:ext uri="{FF2B5EF4-FFF2-40B4-BE49-F238E27FC236}">
+                <a16:creationId xmlns:a16="http://schemas.microsoft.com/office/drawing/2014/main" id="{6E09DB1E-6EA7-4D44-8AB7-54D0CE4C832A}"/>
+              </a:ext>
+            </a:extLst>
+          </p:cNvPr>
+          <p:cNvSpPr/>
+          <p:nvPr/>
+        </p:nvSpPr>
+        <p:spPr>
+          <a:xfrm>
+            <a:off x="9019332" y="5603931"/>
+            <a:ext cx="607834" cy="258900"/>
+          </a:xfrm>
+          <a:prstGeom prst="rect">
+            <a:avLst/>
+          </a:prstGeom>
+          <a:noFill/>
+          <a:ln w="38100"/>
+        </p:spPr>
+        <p:style>
+          <a:lnRef idx="2">
+            <a:schemeClr val="dk1">
+              <a:shade val="50000"/>
+            </a:schemeClr>
+          </a:lnRef>
+          <a:fillRef idx="1">
+            <a:schemeClr val="dk1"/>
+          </a:fillRef>
+          <a:effectRef idx="0">
+            <a:schemeClr val="dk1"/>
+          </a:effectRef>
+          <a:fontRef idx="minor">
+            <a:schemeClr val="lt1"/>
+          </a:fontRef>
+        </p:style>
+        <p:txBody>
+          <a:bodyPr rtlCol="0" anchor="ctr"/>
+          <a:lstStyle/>
+          <a:p>
+            <a:pPr algn="ctr"/>
+            <a:r>
+              <a:rPr lang="en-US" altLang="zh-CN" b="1" dirty="0">
+                <a:solidFill>
+                  <a:schemeClr val="tx1"/>
+                </a:solidFill>
+                <a:latin typeface="Arial" panose="020B0604020202020204" pitchFamily="34" charset="0"/>
+                <a:cs typeface="Arial" panose="020B0604020202020204" pitchFamily="34" charset="0"/>
+              </a:rPr>
+              <a:t>4</a:t>
+            </a:r>
+            <a:endParaRPr lang="zh-CN" altLang="en-US" b="1" dirty="0">
+              <a:solidFill>
+                <a:schemeClr val="tx1"/>
+              </a:solidFill>
+              <a:latin typeface="Arial" panose="020B0604020202020204" pitchFamily="34" charset="0"/>
+              <a:cs typeface="Arial" panose="020B0604020202020204" pitchFamily="34" charset="0"/>
+            </a:endParaRPr>
+          </a:p>
+        </p:txBody>
+      </p:sp>
+      <p:graphicFrame>
+        <p:nvGraphicFramePr>
+          <p:cNvPr id="10" name="表格 9">
+            <a:extLst>
+              <a:ext uri="{FF2B5EF4-FFF2-40B4-BE49-F238E27FC236}">
+                <a16:creationId xmlns:a16="http://schemas.microsoft.com/office/drawing/2014/main" id="{6EA18A7B-ECB7-4D6F-AFA6-71169A84961A}"/>
+              </a:ext>
+            </a:extLst>
+          </p:cNvPr>
+          <p:cNvGraphicFramePr>
+            <a:graphicFrameLocks noGrp="1"/>
+          </p:cNvGraphicFramePr>
+          <p:nvPr>
+            <p:extLst>
+              <p:ext uri="{D42A27DB-BD31-4B8C-83A1-F6EECF244321}">
+                <p14:modId xmlns:p14="http://schemas.microsoft.com/office/powerpoint/2010/main" val="2134082991"/>
+              </p:ext>
+            </p:extLst>
+          </p:nvPr>
+        </p:nvGraphicFramePr>
+        <p:xfrm>
+          <a:off x="5066950" y="1529932"/>
+          <a:ext cx="2844600" cy="4818891"/>
+        </p:xfrm>
+        <a:graphic>
+          <a:graphicData uri="http://schemas.openxmlformats.org/drawingml/2006/table">
+            <a:tbl>
+              <a:tblPr firstRow="1" bandRow="1">
+                <a:effectLst/>
+                <a:tableStyleId>{5C22544A-7EE6-4342-B048-85BDC9FD1C3A}</a:tableStyleId>
+              </a:tblPr>
+              <a:tblGrid>
+                <a:gridCol w="1422300">
+                  <a:extLst>
+                    <a:ext uri="{9D8B030D-6E8A-4147-A177-3AD203B41FA5}">
+                      <a16:colId xmlns:a16="http://schemas.microsoft.com/office/drawing/2014/main" val="2401383242"/>
+                    </a:ext>
+                  </a:extLst>
+                </a:gridCol>
+                <a:gridCol w="1422300">
                   <a:extLst>
                     <a:ext uri="{9D8B030D-6E8A-4147-A177-3AD203B41FA5}">
                       <a16:colId xmlns:a16="http://schemas.microsoft.com/office/drawing/2014/main" val="950134537"/>
@@ -6800,7 +8730,7 @@
 </p:sld>
 </file>
 
-<file path=ppt/slides/slide11.xml><?xml version="1.0" encoding="utf-8"?>
+<file path=ppt/slides/slide12.xml><?xml version="1.0" encoding="utf-8"?>
 <p:sld xmlns:a="http://schemas.openxmlformats.org/drawingml/2006/main" xmlns:r="http://schemas.openxmlformats.org/officeDocument/2006/relationships" xmlns:p="http://schemas.openxmlformats.org/presentationml/2006/main">
   <p:cSld>
     <p:spTree>
@@ -7189,11 +9119,17 @@
           <p:cNvGraphicFramePr>
             <a:graphicFrameLocks noGrp="1"/>
           </p:cNvGraphicFramePr>
-          <p:nvPr/>
+          <p:nvPr>
+            <p:extLst>
+              <p:ext uri="{D42A27DB-BD31-4B8C-83A1-F6EECF244321}">
+                <p14:modId xmlns:p14="http://schemas.microsoft.com/office/powerpoint/2010/main" val="633557658"/>
+              </p:ext>
+            </p:extLst>
+          </p:nvPr>
         </p:nvGraphicFramePr>
         <p:xfrm>
-          <a:off x="5353050" y="1529932"/>
-          <a:ext cx="2558500" cy="4937760"/>
+          <a:off x="5066950" y="1529932"/>
+          <a:ext cx="2844600" cy="4818891"/>
         </p:xfrm>
         <a:graphic>
           <a:graphicData uri="http://schemas.openxmlformats.org/drawingml/2006/table">
@@ -7203,14 +9139,14 @@
                 <a:tableStyleId>{5C22544A-7EE6-4342-B048-85BDC9FD1C3A}</a:tableStyleId>
               </a:tblPr>
               <a:tblGrid>
-                <a:gridCol w="1279250">
+                <a:gridCol w="1422300">
                   <a:extLst>
                     <a:ext uri="{9D8B030D-6E8A-4147-A177-3AD203B41FA5}">
                       <a16:colId xmlns:a16="http://schemas.microsoft.com/office/drawing/2014/main" val="2401383242"/>
                     </a:ext>
                   </a:extLst>
                 </a:gridCol>
-                <a:gridCol w="1279250">
+                <a:gridCol w="1422300">
                   <a:extLst>
                     <a:ext uri="{9D8B030D-6E8A-4147-A177-3AD203B41FA5}">
                       <a16:colId xmlns:a16="http://schemas.microsoft.com/office/drawing/2014/main" val="950134537"/>
@@ -9324,243 +11260,6 @@
 </p:sld>
 </file>
 
-<file path=ppt/slides/slide12.xml><?xml version="1.0" encoding="utf-8"?>
-<p:sld xmlns:a="http://schemas.openxmlformats.org/drawingml/2006/main" xmlns:r="http://schemas.openxmlformats.org/officeDocument/2006/relationships" xmlns:p="http://schemas.openxmlformats.org/presentationml/2006/main">
-  <p:cSld>
-    <p:spTree>
-      <p:nvGrpSpPr>
-        <p:cNvPr id="1" name=""/>
-        <p:cNvGrpSpPr/>
-        <p:nvPr/>
-      </p:nvGrpSpPr>
-      <p:grpSpPr>
-        <a:xfrm>
-          <a:off x="0" y="0"/>
-          <a:ext cx="0" cy="0"/>
-          <a:chOff x="0" y="0"/>
-          <a:chExt cx="0" cy="0"/>
-        </a:xfrm>
-      </p:grpSpPr>
-      <p:sp>
-        <p:nvSpPr>
-          <p:cNvPr id="4" name="标题 1">
-            <a:extLst>
-              <a:ext uri="{FF2B5EF4-FFF2-40B4-BE49-F238E27FC236}">
-                <a16:creationId xmlns:a16="http://schemas.microsoft.com/office/drawing/2014/main" id="{0130A5E9-2E9A-487E-BAFE-5ED8AF5A20A7}"/>
-              </a:ext>
-            </a:extLst>
-          </p:cNvPr>
-          <p:cNvSpPr>
-            <a:spLocks noGrp="1"/>
-          </p:cNvSpPr>
-          <p:nvPr>
-            <p:ph type="title"/>
-          </p:nvPr>
-        </p:nvSpPr>
-        <p:spPr>
-          <a:xfrm>
-            <a:off x="838200" y="365125"/>
-            <a:ext cx="10515600" cy="1325563"/>
-          </a:xfrm>
-        </p:spPr>
-        <p:txBody>
-          <a:bodyPr/>
-          <a:lstStyle/>
-          <a:p>
-            <a:r>
-              <a:rPr lang="en-US" altLang="zh-CN" dirty="0">
-                <a:latin typeface="Arial" panose="020B0604020202020204" pitchFamily="34" charset="0"/>
-                <a:cs typeface="Arial" panose="020B0604020202020204" pitchFamily="34" charset="0"/>
-              </a:rPr>
-              <a:t>Network Initialization </a:t>
-            </a:r>
-            <a:endParaRPr lang="zh-CN" altLang="en-US" dirty="0">
-              <a:latin typeface="Arial" panose="020B0604020202020204" pitchFamily="34" charset="0"/>
-              <a:cs typeface="Arial" panose="020B0604020202020204" pitchFamily="34" charset="0"/>
-            </a:endParaRPr>
-          </a:p>
-        </p:txBody>
-      </p:sp>
-      <p:sp>
-        <p:nvSpPr>
-          <p:cNvPr id="22" name="矩形 21">
-            <a:extLst>
-              <a:ext uri="{FF2B5EF4-FFF2-40B4-BE49-F238E27FC236}">
-                <a16:creationId xmlns:a16="http://schemas.microsoft.com/office/drawing/2014/main" id="{76C03648-433C-42CC-A4A8-256028E9DC82}"/>
-              </a:ext>
-            </a:extLst>
-          </p:cNvPr>
-          <p:cNvSpPr/>
-          <p:nvPr/>
-        </p:nvSpPr>
-        <p:spPr>
-          <a:xfrm>
-            <a:off x="6791325" y="3105834"/>
-            <a:ext cx="6096000" cy="646331"/>
-          </a:xfrm>
-          <a:prstGeom prst="rect">
-            <a:avLst/>
-          </a:prstGeom>
-        </p:spPr>
-        <p:txBody>
-          <a:bodyPr>
-            <a:spAutoFit/>
-          </a:bodyPr>
-          <a:lstStyle/>
-          <a:p>
-            <a:r>
-              <a:rPr lang="en-US" altLang="zh-CN" b="1" dirty="0" err="1">
-                <a:latin typeface="DejaVu Sans Mono for Powerline" panose="020B0609030804020204" pitchFamily="49" charset="0"/>
-              </a:rPr>
-              <a:t>model.age</a:t>
-            </a:r>
-            <a:r>
-              <a:rPr lang="en-US" altLang="zh-CN" b="1" dirty="0">
-                <a:latin typeface="DejaVu Sans Mono for Powerline" panose="020B0609030804020204" pitchFamily="49" charset="0"/>
-              </a:rPr>
-              <a:t> = 1</a:t>
-            </a:r>
-          </a:p>
-          <a:p>
-            <a:r>
-              <a:rPr lang="en-US" altLang="zh-CN" b="1" dirty="0" err="1">
-                <a:latin typeface="DejaVu Sans Mono for Powerline" panose="020B0609030804020204" pitchFamily="49" charset="0"/>
-              </a:rPr>
-              <a:t>model.life</a:t>
-            </a:r>
-            <a:r>
-              <a:rPr lang="en-US" altLang="zh-CN" b="1" dirty="0">
-                <a:latin typeface="DejaVu Sans Mono for Powerline" panose="020B0609030804020204" pitchFamily="49" charset="0"/>
-              </a:rPr>
-              <a:t> = DEFAULT_LIFESPAN</a:t>
-            </a:r>
-            <a:endParaRPr lang="en-US" altLang="zh-CN" b="1" dirty="0">
-              <a:effectLst/>
-              <a:latin typeface="DejaVu Sans Mono for Powerline" panose="020B0609030804020204" pitchFamily="49" charset="0"/>
-            </a:endParaRPr>
-          </a:p>
-        </p:txBody>
-      </p:sp>
-      <p:sp>
-        <p:nvSpPr>
-          <p:cNvPr id="12" name="文本框 11">
-            <a:extLst>
-              <a:ext uri="{FF2B5EF4-FFF2-40B4-BE49-F238E27FC236}">
-                <a16:creationId xmlns:a16="http://schemas.microsoft.com/office/drawing/2014/main" id="{D3E65644-07EF-49FA-A09D-699F6A1F65F4}"/>
-              </a:ext>
-            </a:extLst>
-          </p:cNvPr>
-          <p:cNvSpPr txBox="1"/>
-          <p:nvPr/>
-        </p:nvSpPr>
-        <p:spPr>
-          <a:xfrm>
-            <a:off x="730212" y="2351554"/>
-            <a:ext cx="4622837" cy="2031325"/>
-          </a:xfrm>
-          <a:prstGeom prst="rect">
-            <a:avLst/>
-          </a:prstGeom>
-          <a:noFill/>
-        </p:spPr>
-        <p:txBody>
-          <a:bodyPr wrap="square" rtlCol="0">
-            <a:spAutoFit/>
-          </a:bodyPr>
-          <a:lstStyle/>
-          <a:p>
-            <a:pPr marL="342900" indent="-342900">
-              <a:buAutoNum type="arabicPeriod"/>
-            </a:pPr>
-            <a:r>
-              <a:rPr lang="en-US" altLang="zh-CN" dirty="0">
-                <a:solidFill>
-                  <a:schemeClr val="bg1">
-                    <a:lumMod val="50000"/>
-                  </a:schemeClr>
-                </a:solidFill>
-                <a:latin typeface="Arial" panose="020B0604020202020204" pitchFamily="34" charset="0"/>
-                <a:cs typeface="Arial" panose="020B0604020202020204" pitchFamily="34" charset="0"/>
-              </a:rPr>
-              <a:t>Randomly generate a legal network architecture.</a:t>
-            </a:r>
-          </a:p>
-          <a:p>
-            <a:pPr marL="342900" indent="-342900">
-              <a:buAutoNum type="arabicPeriod"/>
-            </a:pPr>
-            <a:endParaRPr lang="en-US" altLang="zh-CN" dirty="0">
-              <a:latin typeface="Arial" panose="020B0604020202020204" pitchFamily="34" charset="0"/>
-              <a:cs typeface="Arial" panose="020B0604020202020204" pitchFamily="34" charset="0"/>
-            </a:endParaRPr>
-          </a:p>
-          <a:p>
-            <a:pPr marL="342900" indent="-342900">
-              <a:buAutoNum type="arabicPeriod"/>
-            </a:pPr>
-            <a:r>
-              <a:rPr lang="en-US" altLang="zh-CN" b="1" dirty="0">
-                <a:latin typeface="Arial" panose="020B0604020202020204" pitchFamily="34" charset="0"/>
-                <a:cs typeface="Arial" panose="020B0604020202020204" pitchFamily="34" charset="0"/>
-              </a:rPr>
-              <a:t>Initialize age and life span of the individual</a:t>
-            </a:r>
-          </a:p>
-          <a:p>
-            <a:pPr marL="342900" indent="-342900">
-              <a:buAutoNum type="arabicPeriod"/>
-            </a:pPr>
-            <a:endParaRPr lang="en-US" altLang="zh-CN" dirty="0">
-              <a:solidFill>
-                <a:schemeClr val="bg1">
-                  <a:lumMod val="50000"/>
-                </a:schemeClr>
-              </a:solidFill>
-              <a:latin typeface="Arial" panose="020B0604020202020204" pitchFamily="34" charset="0"/>
-              <a:cs typeface="Arial" panose="020B0604020202020204" pitchFamily="34" charset="0"/>
-            </a:endParaRPr>
-          </a:p>
-          <a:p>
-            <a:pPr marL="342900" indent="-342900">
-              <a:buAutoNum type="arabicPeriod"/>
-            </a:pPr>
-            <a:r>
-              <a:rPr lang="en-US" altLang="zh-CN" dirty="0">
-                <a:solidFill>
-                  <a:schemeClr val="bg1">
-                    <a:lumMod val="50000"/>
-                  </a:schemeClr>
-                </a:solidFill>
-                <a:latin typeface="Arial" panose="020B0604020202020204" pitchFamily="34" charset="0"/>
-                <a:cs typeface="Arial" panose="020B0604020202020204" pitchFamily="34" charset="0"/>
-              </a:rPr>
-              <a:t>Train the NN and get its accuracy. </a:t>
-            </a:r>
-            <a:endParaRPr lang="zh-CN" altLang="en-US" dirty="0">
-              <a:solidFill>
-                <a:schemeClr val="bg1">
-                  <a:lumMod val="50000"/>
-                </a:schemeClr>
-              </a:solidFill>
-              <a:latin typeface="Arial" panose="020B0604020202020204" pitchFamily="34" charset="0"/>
-              <a:cs typeface="Arial" panose="020B0604020202020204" pitchFamily="34" charset="0"/>
-            </a:endParaRPr>
-          </a:p>
-        </p:txBody>
-      </p:sp>
-    </p:spTree>
-    <p:extLst>
-      <p:ext uri="{BB962C8B-B14F-4D97-AF65-F5344CB8AC3E}">
-        <p14:creationId xmlns:p14="http://schemas.microsoft.com/office/powerpoint/2010/main" val="2801099372"/>
-      </p:ext>
-    </p:extLst>
-  </p:cSld>
-  <p:clrMapOvr>
-    <a:masterClrMapping/>
-  </p:clrMapOvr>
-</p:sld>
-</file>
-
 <file path=ppt/slides/slide13.xml><?xml version="1.0" encoding="utf-8"?>
 <p:sld xmlns:a="http://schemas.openxmlformats.org/drawingml/2006/main" xmlns:r="http://schemas.openxmlformats.org/officeDocument/2006/relationships" xmlns:p="http://schemas.openxmlformats.org/presentationml/2006/main">
   <p:cSld>
@@ -9632,8 +11331,8 @@
         </p:nvSpPr>
         <p:spPr>
           <a:xfrm>
-            <a:off x="6838953" y="3182550"/>
-            <a:ext cx="6096000" cy="369332"/>
+            <a:off x="6791325" y="3105834"/>
+            <a:ext cx="6096000" cy="646331"/>
           </a:xfrm>
           <a:prstGeom prst="rect">
             <a:avLst/>
@@ -9646,13 +11345,35 @@
           <a:lstStyle/>
           <a:p>
             <a:r>
-              <a:rPr lang="pl-PL" altLang="zh-CN" b="1" dirty="0">
+              <a:rPr lang="en-US" altLang="zh-CN" b="1" dirty="0" err="1">
                 <a:latin typeface="DejaVu Sans Mono for Powerline" panose="020B0609030804020204" pitchFamily="49" charset="0"/>
-                <a:ea typeface="DejaVu Sans Mono for Powerline" panose="020B0609030804020204" pitchFamily="49" charset="0"/>
-                <a:cs typeface="DejaVu Sans Mono for Powerline" panose="020B0609030804020204" pitchFamily="49" charset="0"/>
               </a:rPr>
-              <a:t>model.accuracy = model.train_NAS()</a:t>
-            </a:r>
+              <a:t>model.age</a:t>
+            </a:r>
+            <a:r>
+              <a:rPr lang="en-US" altLang="zh-CN" b="1" dirty="0">
+                <a:latin typeface="DejaVu Sans Mono for Powerline" panose="020B0609030804020204" pitchFamily="49" charset="0"/>
+              </a:rPr>
+              <a:t> = 1</a:t>
+            </a:r>
+          </a:p>
+          <a:p>
+            <a:r>
+              <a:rPr lang="en-US" altLang="zh-CN" b="1" dirty="0" err="1">
+                <a:latin typeface="DejaVu Sans Mono for Powerline" panose="020B0609030804020204" pitchFamily="49" charset="0"/>
+              </a:rPr>
+              <a:t>model.life</a:t>
+            </a:r>
+            <a:r>
+              <a:rPr lang="en-US" altLang="zh-CN" b="1" dirty="0">
+                <a:latin typeface="DejaVu Sans Mono for Powerline" panose="020B0609030804020204" pitchFamily="49" charset="0"/>
+              </a:rPr>
+              <a:t> = DEFAULT_LIFESPAN</a:t>
+            </a:r>
+            <a:endParaRPr lang="en-US" altLang="zh-CN" b="1" dirty="0">
+              <a:effectLst/>
+              <a:latin typeface="DejaVu Sans Mono for Powerline" panose="020B0609030804020204" pitchFamily="49" charset="0"/>
+            </a:endParaRPr>
           </a:p>
         </p:txBody>
       </p:sp>
@@ -9714,6 +11435,221 @@
               <a:buAutoNum type="arabicPeriod"/>
             </a:pPr>
             <a:r>
+              <a:rPr lang="en-US" altLang="zh-CN" b="1" dirty="0">
+                <a:latin typeface="Arial" panose="020B0604020202020204" pitchFamily="34" charset="0"/>
+                <a:cs typeface="Arial" panose="020B0604020202020204" pitchFamily="34" charset="0"/>
+              </a:rPr>
+              <a:t>Initialize age and life span of the individual</a:t>
+            </a:r>
+          </a:p>
+          <a:p>
+            <a:pPr marL="342900" indent="-342900">
+              <a:buAutoNum type="arabicPeriod"/>
+            </a:pPr>
+            <a:endParaRPr lang="en-US" altLang="zh-CN" dirty="0">
+              <a:solidFill>
+                <a:schemeClr val="bg1">
+                  <a:lumMod val="50000"/>
+                </a:schemeClr>
+              </a:solidFill>
+              <a:latin typeface="Arial" panose="020B0604020202020204" pitchFamily="34" charset="0"/>
+              <a:cs typeface="Arial" panose="020B0604020202020204" pitchFamily="34" charset="0"/>
+            </a:endParaRPr>
+          </a:p>
+          <a:p>
+            <a:pPr marL="342900" indent="-342900">
+              <a:buAutoNum type="arabicPeriod"/>
+            </a:pPr>
+            <a:r>
+              <a:rPr lang="en-US" altLang="zh-CN" dirty="0">
+                <a:solidFill>
+                  <a:schemeClr val="bg1">
+                    <a:lumMod val="50000"/>
+                  </a:schemeClr>
+                </a:solidFill>
+                <a:latin typeface="Arial" panose="020B0604020202020204" pitchFamily="34" charset="0"/>
+                <a:cs typeface="Arial" panose="020B0604020202020204" pitchFamily="34" charset="0"/>
+              </a:rPr>
+              <a:t>Train the NN and get its accuracy. </a:t>
+            </a:r>
+            <a:endParaRPr lang="zh-CN" altLang="en-US" dirty="0">
+              <a:solidFill>
+                <a:schemeClr val="bg1">
+                  <a:lumMod val="50000"/>
+                </a:schemeClr>
+              </a:solidFill>
+              <a:latin typeface="Arial" panose="020B0604020202020204" pitchFamily="34" charset="0"/>
+              <a:cs typeface="Arial" panose="020B0604020202020204" pitchFamily="34" charset="0"/>
+            </a:endParaRPr>
+          </a:p>
+        </p:txBody>
+      </p:sp>
+    </p:spTree>
+    <p:extLst>
+      <p:ext uri="{BB962C8B-B14F-4D97-AF65-F5344CB8AC3E}">
+        <p14:creationId xmlns:p14="http://schemas.microsoft.com/office/powerpoint/2010/main" val="2801099372"/>
+      </p:ext>
+    </p:extLst>
+  </p:cSld>
+  <p:clrMapOvr>
+    <a:masterClrMapping/>
+  </p:clrMapOvr>
+</p:sld>
+</file>
+
+<file path=ppt/slides/slide14.xml><?xml version="1.0" encoding="utf-8"?>
+<p:sld xmlns:a="http://schemas.openxmlformats.org/drawingml/2006/main" xmlns:r="http://schemas.openxmlformats.org/officeDocument/2006/relationships" xmlns:p="http://schemas.openxmlformats.org/presentationml/2006/main">
+  <p:cSld>
+    <p:spTree>
+      <p:nvGrpSpPr>
+        <p:cNvPr id="1" name=""/>
+        <p:cNvGrpSpPr/>
+        <p:nvPr/>
+      </p:nvGrpSpPr>
+      <p:grpSpPr>
+        <a:xfrm>
+          <a:off x="0" y="0"/>
+          <a:ext cx="0" cy="0"/>
+          <a:chOff x="0" y="0"/>
+          <a:chExt cx="0" cy="0"/>
+        </a:xfrm>
+      </p:grpSpPr>
+      <p:sp>
+        <p:nvSpPr>
+          <p:cNvPr id="4" name="标题 1">
+            <a:extLst>
+              <a:ext uri="{FF2B5EF4-FFF2-40B4-BE49-F238E27FC236}">
+                <a16:creationId xmlns:a16="http://schemas.microsoft.com/office/drawing/2014/main" id="{0130A5E9-2E9A-487E-BAFE-5ED8AF5A20A7}"/>
+              </a:ext>
+            </a:extLst>
+          </p:cNvPr>
+          <p:cNvSpPr>
+            <a:spLocks noGrp="1"/>
+          </p:cNvSpPr>
+          <p:nvPr>
+            <p:ph type="title"/>
+          </p:nvPr>
+        </p:nvSpPr>
+        <p:spPr>
+          <a:xfrm>
+            <a:off x="838200" y="365125"/>
+            <a:ext cx="10515600" cy="1325563"/>
+          </a:xfrm>
+        </p:spPr>
+        <p:txBody>
+          <a:bodyPr/>
+          <a:lstStyle/>
+          <a:p>
+            <a:r>
+              <a:rPr lang="en-US" altLang="zh-CN" dirty="0">
+                <a:latin typeface="Arial" panose="020B0604020202020204" pitchFamily="34" charset="0"/>
+                <a:cs typeface="Arial" panose="020B0604020202020204" pitchFamily="34" charset="0"/>
+              </a:rPr>
+              <a:t>Network Initialization </a:t>
+            </a:r>
+            <a:endParaRPr lang="zh-CN" altLang="en-US" dirty="0">
+              <a:latin typeface="Arial" panose="020B0604020202020204" pitchFamily="34" charset="0"/>
+              <a:cs typeface="Arial" panose="020B0604020202020204" pitchFamily="34" charset="0"/>
+            </a:endParaRPr>
+          </a:p>
+        </p:txBody>
+      </p:sp>
+      <p:sp>
+        <p:nvSpPr>
+          <p:cNvPr id="22" name="矩形 21">
+            <a:extLst>
+              <a:ext uri="{FF2B5EF4-FFF2-40B4-BE49-F238E27FC236}">
+                <a16:creationId xmlns:a16="http://schemas.microsoft.com/office/drawing/2014/main" id="{76C03648-433C-42CC-A4A8-256028E9DC82}"/>
+              </a:ext>
+            </a:extLst>
+          </p:cNvPr>
+          <p:cNvSpPr/>
+          <p:nvPr/>
+        </p:nvSpPr>
+        <p:spPr>
+          <a:xfrm>
+            <a:off x="6838953" y="3182550"/>
+            <a:ext cx="6096000" cy="369332"/>
+          </a:xfrm>
+          <a:prstGeom prst="rect">
+            <a:avLst/>
+          </a:prstGeom>
+        </p:spPr>
+        <p:txBody>
+          <a:bodyPr>
+            <a:spAutoFit/>
+          </a:bodyPr>
+          <a:lstStyle/>
+          <a:p>
+            <a:r>
+              <a:rPr lang="pl-PL" altLang="zh-CN" b="1" dirty="0">
+                <a:latin typeface="DejaVu Sans Mono for Powerline" panose="020B0609030804020204" pitchFamily="49" charset="0"/>
+                <a:ea typeface="DejaVu Sans Mono for Powerline" panose="020B0609030804020204" pitchFamily="49" charset="0"/>
+                <a:cs typeface="DejaVu Sans Mono for Powerline" panose="020B0609030804020204" pitchFamily="49" charset="0"/>
+              </a:rPr>
+              <a:t>model.accuracy = model.train_NAS()</a:t>
+            </a:r>
+          </a:p>
+        </p:txBody>
+      </p:sp>
+      <p:sp>
+        <p:nvSpPr>
+          <p:cNvPr id="12" name="文本框 11">
+            <a:extLst>
+              <a:ext uri="{FF2B5EF4-FFF2-40B4-BE49-F238E27FC236}">
+                <a16:creationId xmlns:a16="http://schemas.microsoft.com/office/drawing/2014/main" id="{D3E65644-07EF-49FA-A09D-699F6A1F65F4}"/>
+              </a:ext>
+            </a:extLst>
+          </p:cNvPr>
+          <p:cNvSpPr txBox="1"/>
+          <p:nvPr/>
+        </p:nvSpPr>
+        <p:spPr>
+          <a:xfrm>
+            <a:off x="730212" y="2351554"/>
+            <a:ext cx="4622837" cy="2031325"/>
+          </a:xfrm>
+          <a:prstGeom prst="rect">
+            <a:avLst/>
+          </a:prstGeom>
+          <a:noFill/>
+        </p:spPr>
+        <p:txBody>
+          <a:bodyPr wrap="square" rtlCol="0">
+            <a:spAutoFit/>
+          </a:bodyPr>
+          <a:lstStyle/>
+          <a:p>
+            <a:pPr marL="342900" indent="-342900">
+              <a:buAutoNum type="arabicPeriod"/>
+            </a:pPr>
+            <a:r>
+              <a:rPr lang="en-US" altLang="zh-CN" dirty="0">
+                <a:solidFill>
+                  <a:schemeClr val="bg1">
+                    <a:lumMod val="50000"/>
+                  </a:schemeClr>
+                </a:solidFill>
+                <a:latin typeface="Arial" panose="020B0604020202020204" pitchFamily="34" charset="0"/>
+                <a:cs typeface="Arial" panose="020B0604020202020204" pitchFamily="34" charset="0"/>
+              </a:rPr>
+              <a:t>Randomly generate a legal network architecture.</a:t>
+            </a:r>
+          </a:p>
+          <a:p>
+            <a:pPr marL="342900" indent="-342900">
+              <a:buAutoNum type="arabicPeriod"/>
+            </a:pPr>
+            <a:endParaRPr lang="en-US" altLang="zh-CN" dirty="0">
+              <a:latin typeface="Arial" panose="020B0604020202020204" pitchFamily="34" charset="0"/>
+              <a:cs typeface="Arial" panose="020B0604020202020204" pitchFamily="34" charset="0"/>
+            </a:endParaRPr>
+          </a:p>
+          <a:p>
+            <a:pPr marL="342900" indent="-342900">
+              <a:buAutoNum type="arabicPeriod"/>
+            </a:pPr>
+            <a:r>
               <a:rPr lang="en-US" altLang="zh-CN" dirty="0">
                 <a:solidFill>
                   <a:schemeClr val="bg1">
@@ -9771,7 +11707,7 @@
 </p:sld>
 </file>
 
-<file path=ppt/slides/slide14.xml><?xml version="1.0" encoding="utf-8"?>
+<file path=ppt/slides/slide15.xml><?xml version="1.0" encoding="utf-8"?>
 <p:sld xmlns:a="http://schemas.openxmlformats.org/drawingml/2006/main" xmlns:r="http://schemas.openxmlformats.org/officeDocument/2006/relationships" xmlns:p="http://schemas.openxmlformats.org/presentationml/2006/main">
   <p:cSld>
     <p:spTree>
@@ -9837,7 +11773,7 @@
 </p:sld>
 </file>
 
-<file path=ppt/slides/slide15.xml><?xml version="1.0" encoding="utf-8"?>
+<file path=ppt/slides/slide16.xml><?xml version="1.0" encoding="utf-8"?>
 <p:sld xmlns:a="http://schemas.openxmlformats.org/drawingml/2006/main" xmlns:r="http://schemas.openxmlformats.org/officeDocument/2006/relationships" xmlns:p="http://schemas.openxmlformats.org/presentationml/2006/main">
   <p:cSld>
     <p:spTree>
@@ -10998,7 +12934,7 @@
 </p:sld>
 </file>
 
-<file path=ppt/slides/slide16.xml><?xml version="1.0" encoding="utf-8"?>
+<file path=ppt/slides/slide17.xml><?xml version="1.0" encoding="utf-8"?>
 <p:sld xmlns:a="http://schemas.openxmlformats.org/drawingml/2006/main" xmlns:r="http://schemas.openxmlformats.org/officeDocument/2006/relationships" xmlns:p="http://schemas.openxmlformats.org/presentationml/2006/main">
   <p:cSld>
     <p:spTree>
@@ -11964,7 +13900,7 @@
 </p:sld>
 </file>
 
-<file path=ppt/slides/slide17.xml><?xml version="1.0" encoding="utf-8"?>
+<file path=ppt/slides/slide18.xml><?xml version="1.0" encoding="utf-8"?>
 <p:sld xmlns:a="http://schemas.openxmlformats.org/drawingml/2006/main" xmlns:r="http://schemas.openxmlformats.org/officeDocument/2006/relationships" xmlns:p="http://schemas.openxmlformats.org/presentationml/2006/main">
   <p:cSld>
     <p:spTree>
@@ -13027,7 +14963,7 @@
 </p:sld>
 </file>
 
-<file path=ppt/slides/slide18.xml><?xml version="1.0" encoding="utf-8"?>
+<file path=ppt/slides/slide19.xml><?xml version="1.0" encoding="utf-8"?>
 <p:sld xmlns:a="http://schemas.openxmlformats.org/drawingml/2006/main" xmlns:r="http://schemas.openxmlformats.org/officeDocument/2006/relationships" xmlns:p="http://schemas.openxmlformats.org/presentationml/2006/main">
   <p:cSld>
     <p:spTree>
@@ -13093,7 +15029,80 @@
 </p:sld>
 </file>
 
-<file path=ppt/slides/slide19.xml><?xml version="1.0" encoding="utf-8"?>
+<file path=ppt/slides/slide2.xml><?xml version="1.0" encoding="utf-8"?>
+<p:sld xmlns:a="http://schemas.openxmlformats.org/drawingml/2006/main" xmlns:r="http://schemas.openxmlformats.org/officeDocument/2006/relationships" xmlns:p="http://schemas.openxmlformats.org/presentationml/2006/main">
+  <p:cSld>
+    <p:spTree>
+      <p:nvGrpSpPr>
+        <p:cNvPr id="1" name=""/>
+        <p:cNvGrpSpPr/>
+        <p:nvPr/>
+      </p:nvGrpSpPr>
+      <p:grpSpPr>
+        <a:xfrm>
+          <a:off x="0" y="0"/>
+          <a:ext cx="0" cy="0"/>
+          <a:chOff x="0" y="0"/>
+          <a:chExt cx="0" cy="0"/>
+        </a:xfrm>
+      </p:grpSpPr>
+      <p:sp>
+        <p:nvSpPr>
+          <p:cNvPr id="4" name="标题 1">
+            <a:extLst>
+              <a:ext uri="{FF2B5EF4-FFF2-40B4-BE49-F238E27FC236}">
+                <a16:creationId xmlns:a16="http://schemas.microsoft.com/office/drawing/2014/main" id="{D5DEED4E-8A35-4F89-AC2B-45D3FCE01389}"/>
+              </a:ext>
+            </a:extLst>
+          </p:cNvPr>
+          <p:cNvSpPr>
+            <a:spLocks noGrp="1"/>
+          </p:cNvSpPr>
+          <p:nvPr>
+            <p:ph type="title"/>
+          </p:nvPr>
+        </p:nvSpPr>
+        <p:spPr>
+          <a:xfrm>
+            <a:off x="838200" y="1836115"/>
+            <a:ext cx="10515600" cy="3185770"/>
+          </a:xfrm>
+        </p:spPr>
+        <p:txBody>
+          <a:bodyPr>
+            <a:normAutofit/>
+          </a:bodyPr>
+          <a:lstStyle/>
+          <a:p>
+            <a:pPr algn="ctr"/>
+            <a:r>
+              <a:rPr lang="en-US" altLang="zh-CN" sz="5000" dirty="0">
+                <a:latin typeface="Arial" panose="020B0604020202020204" pitchFamily="34" charset="0"/>
+                <a:cs typeface="Arial" panose="020B0604020202020204" pitchFamily="34" charset="0"/>
+              </a:rPr>
+              <a:t>System Design</a:t>
+            </a:r>
+            <a:endParaRPr lang="zh-CN" altLang="en-US" sz="5000" dirty="0">
+              <a:latin typeface="Arial" panose="020B0604020202020204" pitchFamily="34" charset="0"/>
+              <a:cs typeface="Arial" panose="020B0604020202020204" pitchFamily="34" charset="0"/>
+            </a:endParaRPr>
+          </a:p>
+        </p:txBody>
+      </p:sp>
+    </p:spTree>
+    <p:extLst>
+      <p:ext uri="{BB962C8B-B14F-4D97-AF65-F5344CB8AC3E}">
+        <p14:creationId xmlns:p14="http://schemas.microsoft.com/office/powerpoint/2010/main" val="111020438"/>
+      </p:ext>
+    </p:extLst>
+  </p:cSld>
+  <p:clrMapOvr>
+    <a:masterClrMapping/>
+  </p:clrMapOvr>
+</p:sld>
+</file>
+
+<file path=ppt/slides/slide20.xml><?xml version="1.0" encoding="utf-8"?>
 <p:sld xmlns:a="http://schemas.openxmlformats.org/drawingml/2006/main" xmlns:r="http://schemas.openxmlformats.org/officeDocument/2006/relationships" xmlns:p="http://schemas.openxmlformats.org/presentationml/2006/main">
   <p:cSld>
     <p:spTree>
@@ -13308,80 +15317,7 @@
 </p:sld>
 </file>
 
-<file path=ppt/slides/slide2.xml><?xml version="1.0" encoding="utf-8"?>
-<p:sld xmlns:a="http://schemas.openxmlformats.org/drawingml/2006/main" xmlns:r="http://schemas.openxmlformats.org/officeDocument/2006/relationships" xmlns:p="http://schemas.openxmlformats.org/presentationml/2006/main">
-  <p:cSld>
-    <p:spTree>
-      <p:nvGrpSpPr>
-        <p:cNvPr id="1" name=""/>
-        <p:cNvGrpSpPr/>
-        <p:nvPr/>
-      </p:nvGrpSpPr>
-      <p:grpSpPr>
-        <a:xfrm>
-          <a:off x="0" y="0"/>
-          <a:ext cx="0" cy="0"/>
-          <a:chOff x="0" y="0"/>
-          <a:chExt cx="0" cy="0"/>
-        </a:xfrm>
-      </p:grpSpPr>
-      <p:sp>
-        <p:nvSpPr>
-          <p:cNvPr id="4" name="标题 1">
-            <a:extLst>
-              <a:ext uri="{FF2B5EF4-FFF2-40B4-BE49-F238E27FC236}">
-                <a16:creationId xmlns:a16="http://schemas.microsoft.com/office/drawing/2014/main" id="{D5DEED4E-8A35-4F89-AC2B-45D3FCE01389}"/>
-              </a:ext>
-            </a:extLst>
-          </p:cNvPr>
-          <p:cNvSpPr>
-            <a:spLocks noGrp="1"/>
-          </p:cNvSpPr>
-          <p:nvPr>
-            <p:ph type="title"/>
-          </p:nvPr>
-        </p:nvSpPr>
-        <p:spPr>
-          <a:xfrm>
-            <a:off x="838200" y="1836115"/>
-            <a:ext cx="10515600" cy="3185770"/>
-          </a:xfrm>
-        </p:spPr>
-        <p:txBody>
-          <a:bodyPr>
-            <a:normAutofit/>
-          </a:bodyPr>
-          <a:lstStyle/>
-          <a:p>
-            <a:pPr algn="ctr"/>
-            <a:r>
-              <a:rPr lang="en-US" altLang="zh-CN" sz="5000" dirty="0">
-                <a:latin typeface="Arial" panose="020B0604020202020204" pitchFamily="34" charset="0"/>
-                <a:cs typeface="Arial" panose="020B0604020202020204" pitchFamily="34" charset="0"/>
-              </a:rPr>
-              <a:t>System Design</a:t>
-            </a:r>
-            <a:endParaRPr lang="zh-CN" altLang="en-US" sz="5000" dirty="0">
-              <a:latin typeface="Arial" panose="020B0604020202020204" pitchFamily="34" charset="0"/>
-              <a:cs typeface="Arial" panose="020B0604020202020204" pitchFamily="34" charset="0"/>
-            </a:endParaRPr>
-          </a:p>
-        </p:txBody>
-      </p:sp>
-    </p:spTree>
-    <p:extLst>
-      <p:ext uri="{BB962C8B-B14F-4D97-AF65-F5344CB8AC3E}">
-        <p14:creationId xmlns:p14="http://schemas.microsoft.com/office/powerpoint/2010/main" val="111020438"/>
-      </p:ext>
-    </p:extLst>
-  </p:cSld>
-  <p:clrMapOvr>
-    <a:masterClrMapping/>
-  </p:clrMapOvr>
-</p:sld>
-</file>
-
-<file path=ppt/slides/slide20.xml><?xml version="1.0" encoding="utf-8"?>
+<file path=ppt/slides/slide21.xml><?xml version="1.0" encoding="utf-8"?>
 <p:sld xmlns:a="http://schemas.openxmlformats.org/drawingml/2006/main" xmlns:r="http://schemas.openxmlformats.org/officeDocument/2006/relationships" xmlns:p="http://schemas.openxmlformats.org/presentationml/2006/main">
   <p:cSld>
     <p:spTree>
@@ -13632,7 +15568,7 @@
 </p:sld>
 </file>
 
-<file path=ppt/slides/slide21.xml><?xml version="1.0" encoding="utf-8"?>
+<file path=ppt/slides/slide22.xml><?xml version="1.0" encoding="utf-8"?>
 <p:sld xmlns:a="http://schemas.openxmlformats.org/drawingml/2006/main" xmlns:r="http://schemas.openxmlformats.org/officeDocument/2006/relationships" xmlns:p="http://schemas.openxmlformats.org/presentationml/2006/main">
   <p:cSld>
     <p:spTree>
@@ -13939,7 +15875,7 @@
 </p:sld>
 </file>
 
-<file path=ppt/slides/slide22.xml><?xml version="1.0" encoding="utf-8"?>
+<file path=ppt/slides/slide23.xml><?xml version="1.0" encoding="utf-8"?>
 <p:sld xmlns:a="http://schemas.openxmlformats.org/drawingml/2006/main" xmlns:r="http://schemas.openxmlformats.org/officeDocument/2006/relationships" xmlns:p="http://schemas.openxmlformats.org/presentationml/2006/main">
   <p:cSld>
     <p:spTree>
@@ -14246,7 +16182,7 @@
 </p:sld>
 </file>
 
-<file path=ppt/slides/slide23.xml><?xml version="1.0" encoding="utf-8"?>
+<file path=ppt/slides/slide24.xml><?xml version="1.0" encoding="utf-8"?>
 <p:sld xmlns:a="http://schemas.openxmlformats.org/drawingml/2006/main" xmlns:r="http://schemas.openxmlformats.org/officeDocument/2006/relationships" xmlns:p="http://schemas.openxmlformats.org/presentationml/2006/main">
   <p:cSld>
     <p:spTree>
@@ -14363,7 +16299,2745 @@
 </p:sld>
 </file>
 
-<file path=ppt/slides/slide24.xml><?xml version="1.0" encoding="utf-8"?>
+<file path=ppt/slides/slide25.xml><?xml version="1.0" encoding="utf-8"?>
+<p:sld xmlns:a="http://schemas.openxmlformats.org/drawingml/2006/main" xmlns:r="http://schemas.openxmlformats.org/officeDocument/2006/relationships" xmlns:p="http://schemas.openxmlformats.org/presentationml/2006/main">
+  <p:cSld>
+    <p:spTree>
+      <p:nvGrpSpPr>
+        <p:cNvPr id="1" name=""/>
+        <p:cNvGrpSpPr/>
+        <p:nvPr/>
+      </p:nvGrpSpPr>
+      <p:grpSpPr>
+        <a:xfrm>
+          <a:off x="0" y="0"/>
+          <a:ext cx="0" cy="0"/>
+          <a:chOff x="0" y="0"/>
+          <a:chExt cx="0" cy="0"/>
+        </a:xfrm>
+      </p:grpSpPr>
+      <p:pic>
+        <p:nvPicPr>
+          <p:cNvPr id="5" name="图片 4" descr="图片包含 文字&#10;&#10;描述已自动生成">
+            <a:extLst>
+              <a:ext uri="{FF2B5EF4-FFF2-40B4-BE49-F238E27FC236}">
+                <a16:creationId xmlns:a16="http://schemas.microsoft.com/office/drawing/2014/main" id="{3A912AAB-0CD7-4AD7-B352-679C1D3F1C6B}"/>
+              </a:ext>
+            </a:extLst>
+          </p:cNvPr>
+          <p:cNvPicPr>
+            <a:picLocks noChangeAspect="1"/>
+          </p:cNvPicPr>
+          <p:nvPr/>
+        </p:nvPicPr>
+        <p:blipFill>
+          <a:blip r:embed="rId2">
+            <a:extLst>
+              <a:ext uri="{28A0092B-C50C-407E-A947-70E740481C1C}">
+                <a14:useLocalDpi xmlns:a14="http://schemas.microsoft.com/office/drawing/2010/main" val="0"/>
+              </a:ext>
+            </a:extLst>
+          </a:blip>
+          <a:stretch>
+            <a:fillRect/>
+          </a:stretch>
+        </p:blipFill>
+        <p:spPr>
+          <a:xfrm>
+            <a:off x="672248" y="0"/>
+            <a:ext cx="3549081" cy="6858000"/>
+          </a:xfrm>
+          <a:prstGeom prst="rect">
+            <a:avLst/>
+          </a:prstGeom>
+        </p:spPr>
+      </p:pic>
+      <p:sp>
+        <p:nvSpPr>
+          <p:cNvPr id="2" name="矩形 1">
+            <a:extLst>
+              <a:ext uri="{FF2B5EF4-FFF2-40B4-BE49-F238E27FC236}">
+                <a16:creationId xmlns:a16="http://schemas.microsoft.com/office/drawing/2014/main" id="{A3B0FA06-2766-4A1C-99AC-61D58C8EB54A}"/>
+              </a:ext>
+            </a:extLst>
+          </p:cNvPr>
+          <p:cNvSpPr/>
+          <p:nvPr/>
+        </p:nvSpPr>
+        <p:spPr>
+          <a:xfrm>
+            <a:off x="1249960" y="1853967"/>
+            <a:ext cx="2541864" cy="738231"/>
+          </a:xfrm>
+          <a:prstGeom prst="rect">
+            <a:avLst/>
+          </a:prstGeom>
+          <a:noFill/>
+          <a:ln w="57150">
+            <a:solidFill>
+              <a:srgbClr val="C00000"/>
+            </a:solidFill>
+          </a:ln>
+        </p:spPr>
+        <p:style>
+          <a:lnRef idx="2">
+            <a:schemeClr val="accent1">
+              <a:shade val="50000"/>
+            </a:schemeClr>
+          </a:lnRef>
+          <a:fillRef idx="1">
+            <a:schemeClr val="accent1"/>
+          </a:fillRef>
+          <a:effectRef idx="0">
+            <a:schemeClr val="accent1"/>
+          </a:effectRef>
+          <a:fontRef idx="minor">
+            <a:schemeClr val="lt1"/>
+          </a:fontRef>
+        </p:style>
+        <p:txBody>
+          <a:bodyPr rtlCol="0" anchor="ctr"/>
+          <a:lstStyle/>
+          <a:p>
+            <a:pPr algn="ctr"/>
+            <a:endParaRPr lang="zh-CN" altLang="en-US"/>
+          </a:p>
+        </p:txBody>
+      </p:sp>
+      <p:sp>
+        <p:nvSpPr>
+          <p:cNvPr id="4" name="矩形 3">
+            <a:extLst>
+              <a:ext uri="{FF2B5EF4-FFF2-40B4-BE49-F238E27FC236}">
+                <a16:creationId xmlns:a16="http://schemas.microsoft.com/office/drawing/2014/main" id="{4BEA3F21-66FC-4E50-8C35-D48E9842F096}"/>
+              </a:ext>
+            </a:extLst>
+          </p:cNvPr>
+          <p:cNvSpPr/>
+          <p:nvPr/>
+        </p:nvSpPr>
+        <p:spPr>
+          <a:xfrm>
+            <a:off x="1249960" y="362126"/>
+            <a:ext cx="2541864" cy="738231"/>
+          </a:xfrm>
+          <a:prstGeom prst="rect">
+            <a:avLst/>
+          </a:prstGeom>
+          <a:noFill/>
+          <a:ln w="57150">
+            <a:solidFill>
+              <a:srgbClr val="C00000"/>
+            </a:solidFill>
+          </a:ln>
+        </p:spPr>
+        <p:style>
+          <a:lnRef idx="2">
+            <a:schemeClr val="accent1">
+              <a:shade val="50000"/>
+            </a:schemeClr>
+          </a:lnRef>
+          <a:fillRef idx="1">
+            <a:schemeClr val="accent1"/>
+          </a:fillRef>
+          <a:effectRef idx="0">
+            <a:schemeClr val="accent1"/>
+          </a:effectRef>
+          <a:fontRef idx="minor">
+            <a:schemeClr val="lt1"/>
+          </a:fontRef>
+        </p:style>
+        <p:txBody>
+          <a:bodyPr rtlCol="0" anchor="ctr"/>
+          <a:lstStyle/>
+          <a:p>
+            <a:pPr algn="ctr"/>
+            <a:endParaRPr lang="zh-CN" altLang="en-US" dirty="0"/>
+          </a:p>
+        </p:txBody>
+      </p:sp>
+      <p:sp>
+        <p:nvSpPr>
+          <p:cNvPr id="7" name="箭头: 右 6">
+            <a:extLst>
+              <a:ext uri="{FF2B5EF4-FFF2-40B4-BE49-F238E27FC236}">
+                <a16:creationId xmlns:a16="http://schemas.microsoft.com/office/drawing/2014/main" id="{8E48140D-6045-473F-A5E0-1104072ADB26}"/>
+              </a:ext>
+            </a:extLst>
+          </p:cNvPr>
+          <p:cNvSpPr/>
+          <p:nvPr/>
+        </p:nvSpPr>
+        <p:spPr>
+          <a:xfrm>
+            <a:off x="3791824" y="429936"/>
+            <a:ext cx="1870745" cy="602609"/>
+          </a:xfrm>
+          <a:prstGeom prst="rightArrow">
+            <a:avLst/>
+          </a:prstGeom>
+          <a:solidFill>
+            <a:srgbClr val="0099CC"/>
+          </a:solidFill>
+          <a:ln>
+            <a:noFill/>
+          </a:ln>
+        </p:spPr>
+        <p:style>
+          <a:lnRef idx="2">
+            <a:schemeClr val="accent1">
+              <a:shade val="50000"/>
+            </a:schemeClr>
+          </a:lnRef>
+          <a:fillRef idx="1">
+            <a:schemeClr val="accent1"/>
+          </a:fillRef>
+          <a:effectRef idx="0">
+            <a:schemeClr val="accent1"/>
+          </a:effectRef>
+          <a:fontRef idx="minor">
+            <a:schemeClr val="lt1"/>
+          </a:fontRef>
+        </p:style>
+        <p:txBody>
+          <a:bodyPr rtlCol="0" anchor="ctr"/>
+          <a:lstStyle/>
+          <a:p>
+            <a:pPr algn="ctr"/>
+            <a:endParaRPr lang="zh-CN" altLang="en-US"/>
+          </a:p>
+        </p:txBody>
+      </p:sp>
+      <p:sp>
+        <p:nvSpPr>
+          <p:cNvPr id="8" name="箭头: 右 7">
+            <a:extLst>
+              <a:ext uri="{FF2B5EF4-FFF2-40B4-BE49-F238E27FC236}">
+                <a16:creationId xmlns:a16="http://schemas.microsoft.com/office/drawing/2014/main" id="{E980AD1B-47A5-49F6-A8EF-2F73E8F1FF6D}"/>
+              </a:ext>
+            </a:extLst>
+          </p:cNvPr>
+          <p:cNvSpPr/>
+          <p:nvPr/>
+        </p:nvSpPr>
+        <p:spPr>
+          <a:xfrm>
+            <a:off x="3791824" y="1991338"/>
+            <a:ext cx="1870745" cy="602609"/>
+          </a:xfrm>
+          <a:prstGeom prst="rightArrow">
+            <a:avLst/>
+          </a:prstGeom>
+          <a:solidFill>
+            <a:srgbClr val="0099CC"/>
+          </a:solidFill>
+          <a:ln>
+            <a:noFill/>
+          </a:ln>
+        </p:spPr>
+        <p:style>
+          <a:lnRef idx="2">
+            <a:schemeClr val="accent1">
+              <a:shade val="50000"/>
+            </a:schemeClr>
+          </a:lnRef>
+          <a:fillRef idx="1">
+            <a:schemeClr val="accent1"/>
+          </a:fillRef>
+          <a:effectRef idx="0">
+            <a:schemeClr val="accent1"/>
+          </a:effectRef>
+          <a:fontRef idx="minor">
+            <a:schemeClr val="lt1"/>
+          </a:fontRef>
+        </p:style>
+        <p:txBody>
+          <a:bodyPr rtlCol="0" anchor="ctr"/>
+          <a:lstStyle/>
+          <a:p>
+            <a:pPr algn="ctr"/>
+            <a:endParaRPr lang="zh-CN" altLang="en-US"/>
+          </a:p>
+        </p:txBody>
+      </p:sp>
+      <p:sp>
+        <p:nvSpPr>
+          <p:cNvPr id="10" name="文本框 9">
+            <a:extLst>
+              <a:ext uri="{FF2B5EF4-FFF2-40B4-BE49-F238E27FC236}">
+                <a16:creationId xmlns:a16="http://schemas.microsoft.com/office/drawing/2014/main" id="{042185DB-1D85-43D0-AF03-39DD8916EB69}"/>
+              </a:ext>
+            </a:extLst>
+          </p:cNvPr>
+          <p:cNvSpPr txBox="1"/>
+          <p:nvPr/>
+        </p:nvSpPr>
+        <p:spPr>
+          <a:xfrm>
+            <a:off x="5662569" y="546574"/>
+            <a:ext cx="4748168" cy="861774"/>
+          </a:xfrm>
+          <a:prstGeom prst="rect">
+            <a:avLst/>
+          </a:prstGeom>
+          <a:noFill/>
+        </p:spPr>
+        <p:txBody>
+          <a:bodyPr wrap="square" rtlCol="0">
+            <a:spAutoFit/>
+          </a:bodyPr>
+          <a:lstStyle/>
+          <a:p>
+            <a:r>
+              <a:rPr lang="en-US" altLang="zh-CN" sz="2500" dirty="0">
+                <a:latin typeface="Arial" panose="020B0604020202020204" pitchFamily="34" charset="0"/>
+                <a:cs typeface="Arial" panose="020B0604020202020204" pitchFamily="34" charset="0"/>
+              </a:rPr>
+              <a:t>Based on an existing </a:t>
+            </a:r>
+          </a:p>
+          <a:p>
+            <a:r>
+              <a:rPr lang="en-US" altLang="zh-CN" sz="2500" dirty="0">
+                <a:latin typeface="Arial" panose="020B0604020202020204" pitchFamily="34" charset="0"/>
+                <a:cs typeface="Arial" panose="020B0604020202020204" pitchFamily="34" charset="0"/>
+              </a:rPr>
+              <a:t>network architecture  </a:t>
+            </a:r>
+            <a:endParaRPr lang="zh-CN" altLang="en-US" sz="2500" dirty="0">
+              <a:latin typeface="Arial" panose="020B0604020202020204" pitchFamily="34" charset="0"/>
+              <a:cs typeface="Arial" panose="020B0604020202020204" pitchFamily="34" charset="0"/>
+            </a:endParaRPr>
+          </a:p>
+        </p:txBody>
+      </p:sp>
+      <p:sp>
+        <p:nvSpPr>
+          <p:cNvPr id="11" name="文本框 10">
+            <a:extLst>
+              <a:ext uri="{FF2B5EF4-FFF2-40B4-BE49-F238E27FC236}">
+                <a16:creationId xmlns:a16="http://schemas.microsoft.com/office/drawing/2014/main" id="{D79A9721-7E19-4A79-BE68-B59F0DACBE59}"/>
+              </a:ext>
+            </a:extLst>
+          </p:cNvPr>
+          <p:cNvSpPr txBox="1"/>
+          <p:nvPr/>
+        </p:nvSpPr>
+        <p:spPr>
+          <a:xfrm>
+            <a:off x="5662569" y="2107976"/>
+            <a:ext cx="4018326" cy="477054"/>
+          </a:xfrm>
+          <a:prstGeom prst="rect">
+            <a:avLst/>
+          </a:prstGeom>
+          <a:noFill/>
+        </p:spPr>
+        <p:txBody>
+          <a:bodyPr wrap="square" rtlCol="0">
+            <a:spAutoFit/>
+          </a:bodyPr>
+          <a:lstStyle/>
+          <a:p>
+            <a:r>
+              <a:rPr lang="en-US" altLang="zh-CN" sz="2500" dirty="0">
+                <a:latin typeface="Arial" panose="020B0604020202020204" pitchFamily="34" charset="0"/>
+                <a:cs typeface="Arial" panose="020B0604020202020204" pitchFamily="34" charset="0"/>
+              </a:rPr>
+              <a:t>Heuristic Mutation</a:t>
+            </a:r>
+            <a:endParaRPr lang="zh-CN" altLang="en-US" sz="2500" dirty="0">
+              <a:latin typeface="Arial" panose="020B0604020202020204" pitchFamily="34" charset="0"/>
+              <a:cs typeface="Arial" panose="020B0604020202020204" pitchFamily="34" charset="0"/>
+            </a:endParaRPr>
+          </a:p>
+        </p:txBody>
+      </p:sp>
+    </p:spTree>
+    <p:extLst>
+      <p:ext uri="{BB962C8B-B14F-4D97-AF65-F5344CB8AC3E}">
+        <p14:creationId xmlns:p14="http://schemas.microsoft.com/office/powerpoint/2010/main" val="503796443"/>
+      </p:ext>
+    </p:extLst>
+  </p:cSld>
+  <p:clrMapOvr>
+    <a:masterClrMapping/>
+  </p:clrMapOvr>
+</p:sld>
+</file>
+
+<file path=ppt/slides/slide26.xml><?xml version="1.0" encoding="utf-8"?>
+<p:sld xmlns:a="http://schemas.openxmlformats.org/drawingml/2006/main" xmlns:r="http://schemas.openxmlformats.org/officeDocument/2006/relationships" xmlns:p="http://schemas.openxmlformats.org/presentationml/2006/main">
+  <p:cSld>
+    <p:spTree>
+      <p:nvGrpSpPr>
+        <p:cNvPr id="1" name=""/>
+        <p:cNvGrpSpPr/>
+        <p:nvPr/>
+      </p:nvGrpSpPr>
+      <p:grpSpPr>
+        <a:xfrm>
+          <a:off x="0" y="0"/>
+          <a:ext cx="0" cy="0"/>
+          <a:chOff x="0" y="0"/>
+          <a:chExt cx="0" cy="0"/>
+        </a:xfrm>
+      </p:grpSpPr>
+      <p:sp>
+        <p:nvSpPr>
+          <p:cNvPr id="4" name="矩形 3">
+            <a:extLst>
+              <a:ext uri="{FF2B5EF4-FFF2-40B4-BE49-F238E27FC236}">
+                <a16:creationId xmlns:a16="http://schemas.microsoft.com/office/drawing/2014/main" id="{F54F6193-7580-4D54-A6B3-5BBCA0E2AF10}"/>
+              </a:ext>
+            </a:extLst>
+          </p:cNvPr>
+          <p:cNvSpPr/>
+          <p:nvPr/>
+        </p:nvSpPr>
+        <p:spPr>
+          <a:xfrm>
+            <a:off x="8366330" y="1544176"/>
+            <a:ext cx="607834" cy="258900"/>
+          </a:xfrm>
+          <a:prstGeom prst="rect">
+            <a:avLst/>
+          </a:prstGeom>
+          <a:noFill/>
+          <a:ln w="38100"/>
+        </p:spPr>
+        <p:style>
+          <a:lnRef idx="2">
+            <a:schemeClr val="dk1">
+              <a:shade val="50000"/>
+            </a:schemeClr>
+          </a:lnRef>
+          <a:fillRef idx="1">
+            <a:schemeClr val="dk1"/>
+          </a:fillRef>
+          <a:effectRef idx="0">
+            <a:schemeClr val="dk1"/>
+          </a:effectRef>
+          <a:fontRef idx="minor">
+            <a:schemeClr val="lt1"/>
+          </a:fontRef>
+        </p:style>
+        <p:txBody>
+          <a:bodyPr rtlCol="0" anchor="ctr"/>
+          <a:lstStyle/>
+          <a:p>
+            <a:pPr algn="ctr"/>
+            <a:r>
+              <a:rPr lang="en-US" altLang="zh-CN" b="1" dirty="0">
+                <a:solidFill>
+                  <a:schemeClr val="tx1"/>
+                </a:solidFill>
+                <a:latin typeface="Arial" panose="020B0604020202020204" pitchFamily="34" charset="0"/>
+                <a:cs typeface="Arial" panose="020B0604020202020204" pitchFamily="34" charset="0"/>
+              </a:rPr>
+              <a:t>1</a:t>
+            </a:r>
+            <a:endParaRPr lang="zh-CN" altLang="en-US" b="1" dirty="0">
+              <a:solidFill>
+                <a:schemeClr val="tx1"/>
+              </a:solidFill>
+              <a:latin typeface="Arial" panose="020B0604020202020204" pitchFamily="34" charset="0"/>
+              <a:cs typeface="Arial" panose="020B0604020202020204" pitchFamily="34" charset="0"/>
+            </a:endParaRPr>
+          </a:p>
+        </p:txBody>
+      </p:sp>
+      <p:sp>
+        <p:nvSpPr>
+          <p:cNvPr id="5" name="矩形 4">
+            <a:extLst>
+              <a:ext uri="{FF2B5EF4-FFF2-40B4-BE49-F238E27FC236}">
+                <a16:creationId xmlns:a16="http://schemas.microsoft.com/office/drawing/2014/main" id="{C1641625-DFB0-4F64-AEE4-5FB2FB7D22BB}"/>
+              </a:ext>
+            </a:extLst>
+          </p:cNvPr>
+          <p:cNvSpPr/>
+          <p:nvPr/>
+        </p:nvSpPr>
+        <p:spPr>
+          <a:xfrm>
+            <a:off x="6608296" y="1556183"/>
+            <a:ext cx="607834" cy="258900"/>
+          </a:xfrm>
+          <a:prstGeom prst="rect">
+            <a:avLst/>
+          </a:prstGeom>
+          <a:noFill/>
+          <a:ln w="38100"/>
+        </p:spPr>
+        <p:style>
+          <a:lnRef idx="2">
+            <a:schemeClr val="dk1">
+              <a:shade val="50000"/>
+            </a:schemeClr>
+          </a:lnRef>
+          <a:fillRef idx="1">
+            <a:schemeClr val="dk1"/>
+          </a:fillRef>
+          <a:effectRef idx="0">
+            <a:schemeClr val="dk1"/>
+          </a:effectRef>
+          <a:fontRef idx="minor">
+            <a:schemeClr val="lt1"/>
+          </a:fontRef>
+        </p:style>
+        <p:txBody>
+          <a:bodyPr rtlCol="0" anchor="ctr"/>
+          <a:lstStyle/>
+          <a:p>
+            <a:pPr algn="ctr"/>
+            <a:r>
+              <a:rPr lang="en-US" altLang="zh-CN" b="1" dirty="0">
+                <a:solidFill>
+                  <a:schemeClr val="tx1"/>
+                </a:solidFill>
+                <a:latin typeface="Arial" panose="020B0604020202020204" pitchFamily="34" charset="0"/>
+                <a:cs typeface="Arial" panose="020B0604020202020204" pitchFamily="34" charset="0"/>
+              </a:rPr>
+              <a:t>0</a:t>
+            </a:r>
+            <a:endParaRPr lang="zh-CN" altLang="en-US" b="1" dirty="0">
+              <a:solidFill>
+                <a:schemeClr val="tx1"/>
+              </a:solidFill>
+              <a:latin typeface="Arial" panose="020B0604020202020204" pitchFamily="34" charset="0"/>
+              <a:cs typeface="Arial" panose="020B0604020202020204" pitchFamily="34" charset="0"/>
+            </a:endParaRPr>
+          </a:p>
+        </p:txBody>
+      </p:sp>
+      <p:sp>
+        <p:nvSpPr>
+          <p:cNvPr id="6" name="矩形 5">
+            <a:extLst>
+              <a:ext uri="{FF2B5EF4-FFF2-40B4-BE49-F238E27FC236}">
+                <a16:creationId xmlns:a16="http://schemas.microsoft.com/office/drawing/2014/main" id="{E87500DC-5B6E-4197-9C1A-2E64590373A3}"/>
+              </a:ext>
+            </a:extLst>
+          </p:cNvPr>
+          <p:cNvSpPr/>
+          <p:nvPr/>
+        </p:nvSpPr>
+        <p:spPr>
+          <a:xfrm>
+            <a:off x="7533945" y="2615581"/>
+            <a:ext cx="607834" cy="258900"/>
+          </a:xfrm>
+          <a:prstGeom prst="rect">
+            <a:avLst/>
+          </a:prstGeom>
+          <a:noFill/>
+          <a:ln w="38100"/>
+        </p:spPr>
+        <p:style>
+          <a:lnRef idx="2">
+            <a:schemeClr val="dk1">
+              <a:shade val="50000"/>
+            </a:schemeClr>
+          </a:lnRef>
+          <a:fillRef idx="1">
+            <a:schemeClr val="dk1"/>
+          </a:fillRef>
+          <a:effectRef idx="0">
+            <a:schemeClr val="dk1"/>
+          </a:effectRef>
+          <a:fontRef idx="minor">
+            <a:schemeClr val="lt1"/>
+          </a:fontRef>
+        </p:style>
+        <p:txBody>
+          <a:bodyPr rtlCol="0" anchor="ctr"/>
+          <a:lstStyle/>
+          <a:p>
+            <a:pPr algn="ctr"/>
+            <a:r>
+              <a:rPr lang="en-US" altLang="zh-CN" b="1" dirty="0">
+                <a:solidFill>
+                  <a:schemeClr val="tx1"/>
+                </a:solidFill>
+                <a:latin typeface="Arial" panose="020B0604020202020204" pitchFamily="34" charset="0"/>
+                <a:cs typeface="Arial" panose="020B0604020202020204" pitchFamily="34" charset="0"/>
+              </a:rPr>
+              <a:t>2</a:t>
+            </a:r>
+            <a:endParaRPr lang="zh-CN" altLang="en-US" b="1" dirty="0">
+              <a:solidFill>
+                <a:schemeClr val="tx1"/>
+              </a:solidFill>
+              <a:latin typeface="Arial" panose="020B0604020202020204" pitchFamily="34" charset="0"/>
+              <a:cs typeface="Arial" panose="020B0604020202020204" pitchFamily="34" charset="0"/>
+            </a:endParaRPr>
+          </a:p>
+        </p:txBody>
+      </p:sp>
+      <p:sp>
+        <p:nvSpPr>
+          <p:cNvPr id="7" name="矩形 6">
+            <a:extLst>
+              <a:ext uri="{FF2B5EF4-FFF2-40B4-BE49-F238E27FC236}">
+                <a16:creationId xmlns:a16="http://schemas.microsoft.com/office/drawing/2014/main" id="{0238705F-2AD4-42A5-BF6F-31092C0616AA}"/>
+              </a:ext>
+            </a:extLst>
+          </p:cNvPr>
+          <p:cNvSpPr/>
+          <p:nvPr/>
+        </p:nvSpPr>
+        <p:spPr>
+          <a:xfrm>
+            <a:off x="7548810" y="3384822"/>
+            <a:ext cx="607834" cy="258900"/>
+          </a:xfrm>
+          <a:prstGeom prst="rect">
+            <a:avLst/>
+          </a:prstGeom>
+          <a:noFill/>
+          <a:ln w="38100"/>
+        </p:spPr>
+        <p:style>
+          <a:lnRef idx="2">
+            <a:schemeClr val="dk1">
+              <a:shade val="50000"/>
+            </a:schemeClr>
+          </a:lnRef>
+          <a:fillRef idx="1">
+            <a:schemeClr val="dk1"/>
+          </a:fillRef>
+          <a:effectRef idx="0">
+            <a:schemeClr val="dk1"/>
+          </a:effectRef>
+          <a:fontRef idx="minor">
+            <a:schemeClr val="lt1"/>
+          </a:fontRef>
+        </p:style>
+        <p:txBody>
+          <a:bodyPr rtlCol="0" anchor="ctr"/>
+          <a:lstStyle/>
+          <a:p>
+            <a:pPr algn="ctr"/>
+            <a:r>
+              <a:rPr lang="en-US" altLang="zh-CN" b="1" dirty="0">
+                <a:solidFill>
+                  <a:schemeClr val="tx1"/>
+                </a:solidFill>
+                <a:latin typeface="Arial" panose="020B0604020202020204" pitchFamily="34" charset="0"/>
+                <a:cs typeface="Arial" panose="020B0604020202020204" pitchFamily="34" charset="0"/>
+              </a:rPr>
+              <a:t>3</a:t>
+            </a:r>
+            <a:endParaRPr lang="zh-CN" altLang="en-US" b="1" dirty="0">
+              <a:solidFill>
+                <a:schemeClr val="tx1"/>
+              </a:solidFill>
+              <a:latin typeface="Arial" panose="020B0604020202020204" pitchFamily="34" charset="0"/>
+              <a:cs typeface="Arial" panose="020B0604020202020204" pitchFamily="34" charset="0"/>
+            </a:endParaRPr>
+          </a:p>
+        </p:txBody>
+      </p:sp>
+      <p:sp>
+        <p:nvSpPr>
+          <p:cNvPr id="8" name="矩形 7">
+            <a:extLst>
+              <a:ext uri="{FF2B5EF4-FFF2-40B4-BE49-F238E27FC236}">
+                <a16:creationId xmlns:a16="http://schemas.microsoft.com/office/drawing/2014/main" id="{3510628C-B74B-4B57-BA2C-C5DFD350AE44}"/>
+              </a:ext>
+            </a:extLst>
+          </p:cNvPr>
+          <p:cNvSpPr/>
+          <p:nvPr/>
+        </p:nvSpPr>
+        <p:spPr>
+          <a:xfrm>
+            <a:off x="7559112" y="4165726"/>
+            <a:ext cx="607834" cy="258900"/>
+          </a:xfrm>
+          <a:prstGeom prst="rect">
+            <a:avLst/>
+          </a:prstGeom>
+          <a:noFill/>
+          <a:ln w="38100"/>
+        </p:spPr>
+        <p:style>
+          <a:lnRef idx="2">
+            <a:schemeClr val="dk1">
+              <a:shade val="50000"/>
+            </a:schemeClr>
+          </a:lnRef>
+          <a:fillRef idx="1">
+            <a:schemeClr val="dk1"/>
+          </a:fillRef>
+          <a:effectRef idx="0">
+            <a:schemeClr val="dk1"/>
+          </a:effectRef>
+          <a:fontRef idx="minor">
+            <a:schemeClr val="lt1"/>
+          </a:fontRef>
+        </p:style>
+        <p:txBody>
+          <a:bodyPr rtlCol="0" anchor="ctr"/>
+          <a:lstStyle/>
+          <a:p>
+            <a:pPr algn="ctr"/>
+            <a:r>
+              <a:rPr lang="en-US" altLang="zh-CN" b="1" dirty="0">
+                <a:solidFill>
+                  <a:schemeClr val="tx1"/>
+                </a:solidFill>
+                <a:latin typeface="Arial" panose="020B0604020202020204" pitchFamily="34" charset="0"/>
+                <a:cs typeface="Arial" panose="020B0604020202020204" pitchFamily="34" charset="0"/>
+              </a:rPr>
+              <a:t>4</a:t>
+            </a:r>
+            <a:endParaRPr lang="zh-CN" altLang="en-US" b="1" dirty="0">
+              <a:solidFill>
+                <a:schemeClr val="tx1"/>
+              </a:solidFill>
+              <a:latin typeface="Arial" panose="020B0604020202020204" pitchFamily="34" charset="0"/>
+              <a:cs typeface="Arial" panose="020B0604020202020204" pitchFamily="34" charset="0"/>
+            </a:endParaRPr>
+          </a:p>
+        </p:txBody>
+      </p:sp>
+      <p:sp>
+        <p:nvSpPr>
+          <p:cNvPr id="11" name="矩形 10">
+            <a:extLst>
+              <a:ext uri="{FF2B5EF4-FFF2-40B4-BE49-F238E27FC236}">
+                <a16:creationId xmlns:a16="http://schemas.microsoft.com/office/drawing/2014/main" id="{9D65F6EA-DFB6-4D84-ADD3-A02305E53D6A}"/>
+              </a:ext>
+            </a:extLst>
+          </p:cNvPr>
+          <p:cNvSpPr/>
+          <p:nvPr/>
+        </p:nvSpPr>
+        <p:spPr>
+          <a:xfrm>
+            <a:off x="7565588" y="4972010"/>
+            <a:ext cx="607834" cy="258900"/>
+          </a:xfrm>
+          <a:prstGeom prst="rect">
+            <a:avLst/>
+          </a:prstGeom>
+          <a:noFill/>
+          <a:ln w="38100"/>
+        </p:spPr>
+        <p:style>
+          <a:lnRef idx="2">
+            <a:schemeClr val="dk1">
+              <a:shade val="50000"/>
+            </a:schemeClr>
+          </a:lnRef>
+          <a:fillRef idx="1">
+            <a:schemeClr val="dk1"/>
+          </a:fillRef>
+          <a:effectRef idx="0">
+            <a:schemeClr val="dk1"/>
+          </a:effectRef>
+          <a:fontRef idx="minor">
+            <a:schemeClr val="lt1"/>
+          </a:fontRef>
+        </p:style>
+        <p:txBody>
+          <a:bodyPr rtlCol="0" anchor="ctr"/>
+          <a:lstStyle/>
+          <a:p>
+            <a:pPr algn="ctr"/>
+            <a:r>
+              <a:rPr lang="en-US" altLang="zh-CN" b="1" dirty="0">
+                <a:solidFill>
+                  <a:schemeClr val="tx1"/>
+                </a:solidFill>
+                <a:latin typeface="Arial" panose="020B0604020202020204" pitchFamily="34" charset="0"/>
+                <a:cs typeface="Arial" panose="020B0604020202020204" pitchFamily="34" charset="0"/>
+              </a:rPr>
+              <a:t>5</a:t>
+            </a:r>
+            <a:endParaRPr lang="zh-CN" altLang="en-US" b="1" dirty="0">
+              <a:solidFill>
+                <a:schemeClr val="tx1"/>
+              </a:solidFill>
+              <a:latin typeface="Arial" panose="020B0604020202020204" pitchFamily="34" charset="0"/>
+              <a:cs typeface="Arial" panose="020B0604020202020204" pitchFamily="34" charset="0"/>
+            </a:endParaRPr>
+          </a:p>
+        </p:txBody>
+      </p:sp>
+      <p:sp>
+        <p:nvSpPr>
+          <p:cNvPr id="12" name="文本框 11">
+            <a:extLst>
+              <a:ext uri="{FF2B5EF4-FFF2-40B4-BE49-F238E27FC236}">
+                <a16:creationId xmlns:a16="http://schemas.microsoft.com/office/drawing/2014/main" id="{82B8129C-1127-4692-ABF9-D334BF72E36C}"/>
+              </a:ext>
+            </a:extLst>
+          </p:cNvPr>
+          <p:cNvSpPr txBox="1"/>
+          <p:nvPr/>
+        </p:nvSpPr>
+        <p:spPr>
+          <a:xfrm>
+            <a:off x="391988" y="1834895"/>
+            <a:ext cx="4990469" cy="3847207"/>
+          </a:xfrm>
+          <a:prstGeom prst="rect">
+            <a:avLst/>
+          </a:prstGeom>
+          <a:noFill/>
+        </p:spPr>
+        <p:txBody>
+          <a:bodyPr wrap="square" rtlCol="0">
+            <a:spAutoFit/>
+          </a:bodyPr>
+          <a:lstStyle/>
+          <a:p>
+            <a:r>
+              <a:rPr lang="en-US" altLang="zh-CN" sz="2800" b="1" dirty="0">
+                <a:latin typeface="Arial" panose="020B0604020202020204" pitchFamily="34" charset="0"/>
+                <a:cs typeface="Arial" panose="020B0604020202020204" pitchFamily="34" charset="0"/>
+              </a:rPr>
+              <a:t>Normal cell component:</a:t>
+            </a:r>
+          </a:p>
+          <a:p>
+            <a:r>
+              <a:rPr lang="en-US" altLang="zh-CN" sz="2400" b="1" dirty="0">
+                <a:latin typeface="Arial" panose="020B0604020202020204" pitchFamily="34" charset="0"/>
+                <a:cs typeface="Arial" panose="020B0604020202020204" pitchFamily="34" charset="0"/>
+              </a:rPr>
+              <a:t>0: zero</a:t>
+            </a:r>
+          </a:p>
+          <a:p>
+            <a:r>
+              <a:rPr lang="en-US" altLang="zh-CN" sz="2400" b="1" dirty="0">
+                <a:solidFill>
+                  <a:schemeClr val="accent1">
+                    <a:lumMod val="75000"/>
+                  </a:schemeClr>
+                </a:solidFill>
+                <a:latin typeface="Arial" panose="020B0604020202020204" pitchFamily="34" charset="0"/>
+                <a:cs typeface="Arial" panose="020B0604020202020204" pitchFamily="34" charset="0"/>
+              </a:rPr>
+              <a:t>1: identity</a:t>
+            </a:r>
+          </a:p>
+          <a:p>
+            <a:r>
+              <a:rPr lang="en-US" altLang="zh-CN" sz="2400" b="1" dirty="0">
+                <a:solidFill>
+                  <a:srgbClr val="7030A0"/>
+                </a:solidFill>
+                <a:latin typeface="Arial" panose="020B0604020202020204" pitchFamily="34" charset="0"/>
+                <a:cs typeface="Arial" panose="020B0604020202020204" pitchFamily="34" charset="0"/>
+              </a:rPr>
+              <a:t>2: 3x3 average pooling</a:t>
+            </a:r>
+          </a:p>
+          <a:p>
+            <a:r>
+              <a:rPr lang="en-US" altLang="zh-CN" sz="2400" b="1" dirty="0">
+                <a:solidFill>
+                  <a:schemeClr val="accent2">
+                    <a:lumMod val="75000"/>
+                  </a:schemeClr>
+                </a:solidFill>
+                <a:latin typeface="Arial" panose="020B0604020202020204" pitchFamily="34" charset="0"/>
+                <a:cs typeface="Arial" panose="020B0604020202020204" pitchFamily="34" charset="0"/>
+              </a:rPr>
+              <a:t>3: 3x3 max pooling</a:t>
+            </a:r>
+          </a:p>
+          <a:p>
+            <a:r>
+              <a:rPr lang="en-US" altLang="zh-CN" sz="2400" b="1" dirty="0">
+                <a:solidFill>
+                  <a:srgbClr val="0000CC"/>
+                </a:solidFill>
+                <a:latin typeface="Arial" panose="020B0604020202020204" pitchFamily="34" charset="0"/>
+                <a:cs typeface="Arial" panose="020B0604020202020204" pitchFamily="34" charset="0"/>
+              </a:rPr>
+              <a:t>4: 1x1 conv</a:t>
+            </a:r>
+          </a:p>
+          <a:p>
+            <a:r>
+              <a:rPr lang="en-US" altLang="zh-CN" sz="2400" b="1" dirty="0">
+                <a:solidFill>
+                  <a:schemeClr val="accent4">
+                    <a:lumMod val="75000"/>
+                  </a:schemeClr>
+                </a:solidFill>
+                <a:latin typeface="Arial" panose="020B0604020202020204" pitchFamily="34" charset="0"/>
+                <a:cs typeface="Arial" panose="020B0604020202020204" pitchFamily="34" charset="0"/>
+              </a:rPr>
+              <a:t>5: 3x3 </a:t>
+            </a:r>
+            <a:r>
+              <a:rPr lang="en-US" altLang="zh-CN" sz="2400" b="1" dirty="0" err="1">
+                <a:solidFill>
+                  <a:schemeClr val="accent4">
+                    <a:lumMod val="75000"/>
+                  </a:schemeClr>
+                </a:solidFill>
+                <a:latin typeface="Arial" panose="020B0604020202020204" pitchFamily="34" charset="0"/>
+                <a:cs typeface="Arial" panose="020B0604020202020204" pitchFamily="34" charset="0"/>
+              </a:rPr>
+              <a:t>depthwise</a:t>
+            </a:r>
+            <a:r>
+              <a:rPr lang="en-US" altLang="zh-CN" sz="2400" b="1" dirty="0">
+                <a:solidFill>
+                  <a:schemeClr val="accent4">
+                    <a:lumMod val="75000"/>
+                  </a:schemeClr>
+                </a:solidFill>
+                <a:latin typeface="Arial" panose="020B0604020202020204" pitchFamily="34" charset="0"/>
+                <a:cs typeface="Arial" panose="020B0604020202020204" pitchFamily="34" charset="0"/>
+              </a:rPr>
+              <a:t>-separable conv</a:t>
+            </a:r>
+          </a:p>
+          <a:p>
+            <a:r>
+              <a:rPr lang="en-US" altLang="zh-CN" sz="2400" b="1" dirty="0">
+                <a:solidFill>
+                  <a:srgbClr val="0099CC"/>
+                </a:solidFill>
+                <a:latin typeface="Arial" panose="020B0604020202020204" pitchFamily="34" charset="0"/>
+                <a:cs typeface="Arial" panose="020B0604020202020204" pitchFamily="34" charset="0"/>
+              </a:rPr>
+              <a:t>6: 3x3 dilated conv</a:t>
+            </a:r>
+          </a:p>
+          <a:p>
+            <a:r>
+              <a:rPr lang="en-US" altLang="zh-CN" sz="2400" b="1" dirty="0">
+                <a:solidFill>
+                  <a:schemeClr val="accent6">
+                    <a:lumMod val="75000"/>
+                  </a:schemeClr>
+                </a:solidFill>
+                <a:latin typeface="Arial" panose="020B0604020202020204" pitchFamily="34" charset="0"/>
+                <a:cs typeface="Arial" panose="020B0604020202020204" pitchFamily="34" charset="0"/>
+              </a:rPr>
+              <a:t>7: 3x3 conv</a:t>
+            </a:r>
+          </a:p>
+          <a:p>
+            <a:endParaRPr lang="zh-CN" altLang="en-US" sz="2400" b="1" dirty="0">
+              <a:latin typeface="Arial" panose="020B0604020202020204" pitchFamily="34" charset="0"/>
+              <a:cs typeface="Arial" panose="020B0604020202020204" pitchFamily="34" charset="0"/>
+            </a:endParaRPr>
+          </a:p>
+        </p:txBody>
+      </p:sp>
+      <p:sp>
+        <p:nvSpPr>
+          <p:cNvPr id="13" name="文本框 12">
+            <a:extLst>
+              <a:ext uri="{FF2B5EF4-FFF2-40B4-BE49-F238E27FC236}">
+                <a16:creationId xmlns:a16="http://schemas.microsoft.com/office/drawing/2014/main" id="{8211E864-7954-4791-8869-90B0783E7257}"/>
+              </a:ext>
+            </a:extLst>
+          </p:cNvPr>
+          <p:cNvSpPr txBox="1"/>
+          <p:nvPr/>
+        </p:nvSpPr>
+        <p:spPr>
+          <a:xfrm>
+            <a:off x="391987" y="413570"/>
+            <a:ext cx="9499810" cy="630942"/>
+          </a:xfrm>
+          <a:prstGeom prst="rect">
+            <a:avLst/>
+          </a:prstGeom>
+          <a:noFill/>
+        </p:spPr>
+        <p:txBody>
+          <a:bodyPr wrap="square" rtlCol="0">
+            <a:spAutoFit/>
+          </a:bodyPr>
+          <a:lstStyle/>
+          <a:p>
+            <a:r>
+              <a:rPr lang="en-US" altLang="zh-CN" sz="3500" b="1" dirty="0">
+                <a:latin typeface="Arial" panose="020B0604020202020204" pitchFamily="34" charset="0"/>
+                <a:cs typeface="Arial" panose="020B0604020202020204" pitchFamily="34" charset="0"/>
+              </a:rPr>
+              <a:t>Based on an existing network architecture  </a:t>
+            </a:r>
+            <a:endParaRPr lang="zh-CN" altLang="en-US" sz="3500" b="1" dirty="0">
+              <a:latin typeface="Arial" panose="020B0604020202020204" pitchFamily="34" charset="0"/>
+              <a:cs typeface="Arial" panose="020B0604020202020204" pitchFamily="34" charset="0"/>
+            </a:endParaRPr>
+          </a:p>
+        </p:txBody>
+      </p:sp>
+      <p:sp>
+        <p:nvSpPr>
+          <p:cNvPr id="15" name="矩形 14">
+            <a:extLst>
+              <a:ext uri="{FF2B5EF4-FFF2-40B4-BE49-F238E27FC236}">
+                <a16:creationId xmlns:a16="http://schemas.microsoft.com/office/drawing/2014/main" id="{3085F3FB-BFE3-40E8-A48F-491A40EA8906}"/>
+              </a:ext>
+            </a:extLst>
+          </p:cNvPr>
+          <p:cNvSpPr/>
+          <p:nvPr/>
+        </p:nvSpPr>
+        <p:spPr>
+          <a:xfrm>
+            <a:off x="7577354" y="5773025"/>
+            <a:ext cx="607834" cy="258900"/>
+          </a:xfrm>
+          <a:prstGeom prst="rect">
+            <a:avLst/>
+          </a:prstGeom>
+          <a:noFill/>
+          <a:ln w="38100"/>
+        </p:spPr>
+        <p:style>
+          <a:lnRef idx="2">
+            <a:schemeClr val="dk1">
+              <a:shade val="50000"/>
+            </a:schemeClr>
+          </a:lnRef>
+          <a:fillRef idx="1">
+            <a:schemeClr val="dk1"/>
+          </a:fillRef>
+          <a:effectRef idx="0">
+            <a:schemeClr val="dk1"/>
+          </a:effectRef>
+          <a:fontRef idx="minor">
+            <a:schemeClr val="lt1"/>
+          </a:fontRef>
+        </p:style>
+        <p:txBody>
+          <a:bodyPr rtlCol="0" anchor="ctr"/>
+          <a:lstStyle/>
+          <a:p>
+            <a:pPr algn="ctr"/>
+            <a:r>
+              <a:rPr lang="en-US" altLang="zh-CN" b="1" dirty="0">
+                <a:solidFill>
+                  <a:schemeClr val="tx1"/>
+                </a:solidFill>
+                <a:latin typeface="Arial" panose="020B0604020202020204" pitchFamily="34" charset="0"/>
+                <a:cs typeface="Arial" panose="020B0604020202020204" pitchFamily="34" charset="0"/>
+              </a:rPr>
+              <a:t>6</a:t>
+            </a:r>
+            <a:endParaRPr lang="zh-CN" altLang="en-US" b="1" dirty="0">
+              <a:solidFill>
+                <a:schemeClr val="tx1"/>
+              </a:solidFill>
+              <a:latin typeface="Arial" panose="020B0604020202020204" pitchFamily="34" charset="0"/>
+              <a:cs typeface="Arial" panose="020B0604020202020204" pitchFamily="34" charset="0"/>
+            </a:endParaRPr>
+          </a:p>
+        </p:txBody>
+      </p:sp>
+      <p:cxnSp>
+        <p:nvCxnSpPr>
+          <p:cNvPr id="16" name="直接箭头连接符 15">
+            <a:extLst>
+              <a:ext uri="{FF2B5EF4-FFF2-40B4-BE49-F238E27FC236}">
+                <a16:creationId xmlns:a16="http://schemas.microsoft.com/office/drawing/2014/main" id="{48C593DE-3F19-461C-BC71-39C89935ACAC}"/>
+              </a:ext>
+            </a:extLst>
+          </p:cNvPr>
+          <p:cNvCxnSpPr>
+            <a:cxnSpLocks/>
+            <a:stCxn id="5" idx="2"/>
+            <a:endCxn id="6" idx="0"/>
+          </p:cNvCxnSpPr>
+          <p:nvPr/>
+        </p:nvCxnSpPr>
+        <p:spPr>
+          <a:xfrm>
+            <a:off x="6912213" y="1815083"/>
+            <a:ext cx="925649" cy="800498"/>
+          </a:xfrm>
+          <a:prstGeom prst="straightConnector1">
+            <a:avLst/>
+          </a:prstGeom>
+          <a:ln w="44450">
+            <a:solidFill>
+              <a:schemeClr val="accent1"/>
+            </a:solidFill>
+            <a:prstDash val="sysDot"/>
+            <a:tailEnd type="triangle"/>
+          </a:ln>
+        </p:spPr>
+        <p:style>
+          <a:lnRef idx="1">
+            <a:schemeClr val="dk1"/>
+          </a:lnRef>
+          <a:fillRef idx="0">
+            <a:schemeClr val="dk1"/>
+          </a:fillRef>
+          <a:effectRef idx="0">
+            <a:schemeClr val="dk1"/>
+          </a:effectRef>
+          <a:fontRef idx="minor">
+            <a:schemeClr val="tx1"/>
+          </a:fontRef>
+        </p:style>
+      </p:cxnSp>
+      <p:sp>
+        <p:nvSpPr>
+          <p:cNvPr id="17" name="矩形 16">
+            <a:extLst>
+              <a:ext uri="{FF2B5EF4-FFF2-40B4-BE49-F238E27FC236}">
+                <a16:creationId xmlns:a16="http://schemas.microsoft.com/office/drawing/2014/main" id="{83302D5D-3ECA-4F56-9F2C-EEE7D3095A9B}"/>
+              </a:ext>
+            </a:extLst>
+          </p:cNvPr>
+          <p:cNvSpPr/>
+          <p:nvPr/>
+        </p:nvSpPr>
+        <p:spPr>
+          <a:xfrm>
+            <a:off x="6935680" y="2072243"/>
+            <a:ext cx="280450" cy="369332"/>
+          </a:xfrm>
+          <a:prstGeom prst="rect">
+            <a:avLst/>
+          </a:prstGeom>
+        </p:spPr>
+        <p:txBody>
+          <a:bodyPr wrap="square">
+            <a:spAutoFit/>
+          </a:bodyPr>
+          <a:lstStyle/>
+          <a:p>
+            <a:pPr algn="ctr"/>
+            <a:r>
+              <a:rPr lang="en-US" altLang="zh-CN" b="1" dirty="0">
+                <a:solidFill>
+                  <a:schemeClr val="accent1"/>
+                </a:solidFill>
+                <a:latin typeface="Arial" panose="020B0604020202020204" pitchFamily="34" charset="0"/>
+                <a:cs typeface="Arial" panose="020B0604020202020204" pitchFamily="34" charset="0"/>
+              </a:rPr>
+              <a:t>1</a:t>
+            </a:r>
+            <a:endParaRPr lang="zh-CN" altLang="en-US" b="1" dirty="0">
+              <a:solidFill>
+                <a:schemeClr val="accent1"/>
+              </a:solidFill>
+              <a:latin typeface="Arial" panose="020B0604020202020204" pitchFamily="34" charset="0"/>
+              <a:cs typeface="Arial" panose="020B0604020202020204" pitchFamily="34" charset="0"/>
+            </a:endParaRPr>
+          </a:p>
+        </p:txBody>
+      </p:sp>
+      <p:cxnSp>
+        <p:nvCxnSpPr>
+          <p:cNvPr id="20" name="直接箭头连接符 19">
+            <a:extLst>
+              <a:ext uri="{FF2B5EF4-FFF2-40B4-BE49-F238E27FC236}">
+                <a16:creationId xmlns:a16="http://schemas.microsoft.com/office/drawing/2014/main" id="{A85E57A2-00BC-481B-883C-97115D84FE29}"/>
+              </a:ext>
+            </a:extLst>
+          </p:cNvPr>
+          <p:cNvCxnSpPr>
+            <a:cxnSpLocks/>
+            <a:stCxn id="4" idx="2"/>
+            <a:endCxn id="6" idx="0"/>
+          </p:cNvCxnSpPr>
+          <p:nvPr/>
+        </p:nvCxnSpPr>
+        <p:spPr>
+          <a:xfrm flipH="1">
+            <a:off x="7837862" y="1803076"/>
+            <a:ext cx="832385" cy="812505"/>
+          </a:xfrm>
+          <a:prstGeom prst="straightConnector1">
+            <a:avLst/>
+          </a:prstGeom>
+          <a:ln w="44450">
+            <a:solidFill>
+              <a:schemeClr val="accent6"/>
+            </a:solidFill>
+            <a:prstDash val="sysDash"/>
+            <a:tailEnd type="triangle"/>
+          </a:ln>
+        </p:spPr>
+        <p:style>
+          <a:lnRef idx="1">
+            <a:schemeClr val="dk1"/>
+          </a:lnRef>
+          <a:fillRef idx="0">
+            <a:schemeClr val="dk1"/>
+          </a:fillRef>
+          <a:effectRef idx="0">
+            <a:schemeClr val="dk1"/>
+          </a:effectRef>
+          <a:fontRef idx="minor">
+            <a:schemeClr val="tx1"/>
+          </a:fontRef>
+        </p:style>
+      </p:cxnSp>
+      <p:sp>
+        <p:nvSpPr>
+          <p:cNvPr id="21" name="矩形 20">
+            <a:extLst>
+              <a:ext uri="{FF2B5EF4-FFF2-40B4-BE49-F238E27FC236}">
+                <a16:creationId xmlns:a16="http://schemas.microsoft.com/office/drawing/2014/main" id="{DB5E2CA0-2457-4F34-B540-7B92119129B6}"/>
+              </a:ext>
+            </a:extLst>
+          </p:cNvPr>
+          <p:cNvSpPr/>
+          <p:nvPr/>
+        </p:nvSpPr>
+        <p:spPr>
+          <a:xfrm>
+            <a:off x="8530177" y="2066788"/>
+            <a:ext cx="312907" cy="369332"/>
+          </a:xfrm>
+          <a:prstGeom prst="rect">
+            <a:avLst/>
+          </a:prstGeom>
+        </p:spPr>
+        <p:txBody>
+          <a:bodyPr wrap="square">
+            <a:spAutoFit/>
+          </a:bodyPr>
+          <a:lstStyle/>
+          <a:p>
+            <a:pPr algn="ctr"/>
+            <a:r>
+              <a:rPr lang="en-US" altLang="zh-CN" b="1" dirty="0">
+                <a:solidFill>
+                  <a:schemeClr val="accent6"/>
+                </a:solidFill>
+                <a:latin typeface="Arial" panose="020B0604020202020204" pitchFamily="34" charset="0"/>
+                <a:cs typeface="Arial" panose="020B0604020202020204" pitchFamily="34" charset="0"/>
+              </a:rPr>
+              <a:t>7</a:t>
+            </a:r>
+            <a:endParaRPr lang="zh-CN" altLang="en-US" b="1" dirty="0">
+              <a:solidFill>
+                <a:schemeClr val="accent6"/>
+              </a:solidFill>
+              <a:latin typeface="Arial" panose="020B0604020202020204" pitchFamily="34" charset="0"/>
+              <a:cs typeface="Arial" panose="020B0604020202020204" pitchFamily="34" charset="0"/>
+            </a:endParaRPr>
+          </a:p>
+        </p:txBody>
+      </p:sp>
+      <p:cxnSp>
+        <p:nvCxnSpPr>
+          <p:cNvPr id="24" name="直接箭头连接符 23">
+            <a:extLst>
+              <a:ext uri="{FF2B5EF4-FFF2-40B4-BE49-F238E27FC236}">
+                <a16:creationId xmlns:a16="http://schemas.microsoft.com/office/drawing/2014/main" id="{D4A80B3E-756E-4814-A580-66803091A943}"/>
+              </a:ext>
+            </a:extLst>
+          </p:cNvPr>
+          <p:cNvCxnSpPr>
+            <a:cxnSpLocks/>
+            <a:stCxn id="6" idx="2"/>
+            <a:endCxn id="7" idx="0"/>
+          </p:cNvCxnSpPr>
+          <p:nvPr/>
+        </p:nvCxnSpPr>
+        <p:spPr>
+          <a:xfrm>
+            <a:off x="7837862" y="2874481"/>
+            <a:ext cx="14865" cy="510341"/>
+          </a:xfrm>
+          <a:prstGeom prst="straightConnector1">
+            <a:avLst/>
+          </a:prstGeom>
+          <a:ln w="44450">
+            <a:solidFill>
+              <a:schemeClr val="accent6"/>
+            </a:solidFill>
+            <a:prstDash val="sysDash"/>
+            <a:tailEnd type="triangle"/>
+          </a:ln>
+        </p:spPr>
+        <p:style>
+          <a:lnRef idx="1">
+            <a:schemeClr val="dk1"/>
+          </a:lnRef>
+          <a:fillRef idx="0">
+            <a:schemeClr val="dk1"/>
+          </a:fillRef>
+          <a:effectRef idx="0">
+            <a:schemeClr val="dk1"/>
+          </a:effectRef>
+          <a:fontRef idx="minor">
+            <a:schemeClr val="tx1"/>
+          </a:fontRef>
+        </p:style>
+      </p:cxnSp>
+      <p:sp>
+        <p:nvSpPr>
+          <p:cNvPr id="28" name="矩形 27">
+            <a:extLst>
+              <a:ext uri="{FF2B5EF4-FFF2-40B4-BE49-F238E27FC236}">
+                <a16:creationId xmlns:a16="http://schemas.microsoft.com/office/drawing/2014/main" id="{FC5262A2-DE15-4CA8-B3F2-A41656347CDE}"/>
+              </a:ext>
+            </a:extLst>
+          </p:cNvPr>
+          <p:cNvSpPr/>
+          <p:nvPr/>
+        </p:nvSpPr>
+        <p:spPr>
+          <a:xfrm>
+            <a:off x="7904606" y="2953946"/>
+            <a:ext cx="312907" cy="369332"/>
+          </a:xfrm>
+          <a:prstGeom prst="rect">
+            <a:avLst/>
+          </a:prstGeom>
+        </p:spPr>
+        <p:txBody>
+          <a:bodyPr wrap="square">
+            <a:spAutoFit/>
+          </a:bodyPr>
+          <a:lstStyle/>
+          <a:p>
+            <a:pPr algn="ctr"/>
+            <a:r>
+              <a:rPr lang="en-US" altLang="zh-CN" b="1" dirty="0">
+                <a:solidFill>
+                  <a:schemeClr val="accent6"/>
+                </a:solidFill>
+                <a:latin typeface="Arial" panose="020B0604020202020204" pitchFamily="34" charset="0"/>
+                <a:cs typeface="Arial" panose="020B0604020202020204" pitchFamily="34" charset="0"/>
+              </a:rPr>
+              <a:t>7</a:t>
+            </a:r>
+            <a:endParaRPr lang="zh-CN" altLang="en-US" b="1" dirty="0">
+              <a:solidFill>
+                <a:schemeClr val="accent6"/>
+              </a:solidFill>
+              <a:latin typeface="Arial" panose="020B0604020202020204" pitchFamily="34" charset="0"/>
+              <a:cs typeface="Arial" panose="020B0604020202020204" pitchFamily="34" charset="0"/>
+            </a:endParaRPr>
+          </a:p>
+        </p:txBody>
+      </p:sp>
+      <p:cxnSp>
+        <p:nvCxnSpPr>
+          <p:cNvPr id="29" name="直接箭头连接符 28">
+            <a:extLst>
+              <a:ext uri="{FF2B5EF4-FFF2-40B4-BE49-F238E27FC236}">
+                <a16:creationId xmlns:a16="http://schemas.microsoft.com/office/drawing/2014/main" id="{26587A86-6B96-45E3-844F-FA2E6168D7FE}"/>
+              </a:ext>
+            </a:extLst>
+          </p:cNvPr>
+          <p:cNvCxnSpPr>
+            <a:cxnSpLocks/>
+          </p:cNvCxnSpPr>
+          <p:nvPr/>
+        </p:nvCxnSpPr>
+        <p:spPr>
+          <a:xfrm>
+            <a:off x="7837862" y="3663321"/>
+            <a:ext cx="14865" cy="510341"/>
+          </a:xfrm>
+          <a:prstGeom prst="straightConnector1">
+            <a:avLst/>
+          </a:prstGeom>
+          <a:ln w="44450">
+            <a:solidFill>
+              <a:schemeClr val="accent6"/>
+            </a:solidFill>
+            <a:prstDash val="sysDash"/>
+            <a:tailEnd type="triangle"/>
+          </a:ln>
+        </p:spPr>
+        <p:style>
+          <a:lnRef idx="1">
+            <a:schemeClr val="dk1"/>
+          </a:lnRef>
+          <a:fillRef idx="0">
+            <a:schemeClr val="dk1"/>
+          </a:fillRef>
+          <a:effectRef idx="0">
+            <a:schemeClr val="dk1"/>
+          </a:effectRef>
+          <a:fontRef idx="minor">
+            <a:schemeClr val="tx1"/>
+          </a:fontRef>
+        </p:style>
+      </p:cxnSp>
+      <p:sp>
+        <p:nvSpPr>
+          <p:cNvPr id="30" name="矩形 29">
+            <a:extLst>
+              <a:ext uri="{FF2B5EF4-FFF2-40B4-BE49-F238E27FC236}">
+                <a16:creationId xmlns:a16="http://schemas.microsoft.com/office/drawing/2014/main" id="{62712191-76EB-421E-903D-F2CBD78F2937}"/>
+              </a:ext>
+            </a:extLst>
+          </p:cNvPr>
+          <p:cNvSpPr/>
+          <p:nvPr/>
+        </p:nvSpPr>
+        <p:spPr>
+          <a:xfrm>
+            <a:off x="7904606" y="3742786"/>
+            <a:ext cx="312907" cy="369332"/>
+          </a:xfrm>
+          <a:prstGeom prst="rect">
+            <a:avLst/>
+          </a:prstGeom>
+        </p:spPr>
+        <p:txBody>
+          <a:bodyPr wrap="square">
+            <a:spAutoFit/>
+          </a:bodyPr>
+          <a:lstStyle/>
+          <a:p>
+            <a:pPr algn="ctr"/>
+            <a:r>
+              <a:rPr lang="en-US" altLang="zh-CN" b="1" dirty="0">
+                <a:solidFill>
+                  <a:schemeClr val="accent6"/>
+                </a:solidFill>
+                <a:latin typeface="Arial" panose="020B0604020202020204" pitchFamily="34" charset="0"/>
+                <a:cs typeface="Arial" panose="020B0604020202020204" pitchFamily="34" charset="0"/>
+              </a:rPr>
+              <a:t>7</a:t>
+            </a:r>
+            <a:endParaRPr lang="zh-CN" altLang="en-US" b="1" dirty="0">
+              <a:solidFill>
+                <a:schemeClr val="accent6"/>
+              </a:solidFill>
+              <a:latin typeface="Arial" panose="020B0604020202020204" pitchFamily="34" charset="0"/>
+              <a:cs typeface="Arial" panose="020B0604020202020204" pitchFamily="34" charset="0"/>
+            </a:endParaRPr>
+          </a:p>
+        </p:txBody>
+      </p:sp>
+      <p:cxnSp>
+        <p:nvCxnSpPr>
+          <p:cNvPr id="31" name="直接箭头连接符 30">
+            <a:extLst>
+              <a:ext uri="{FF2B5EF4-FFF2-40B4-BE49-F238E27FC236}">
+                <a16:creationId xmlns:a16="http://schemas.microsoft.com/office/drawing/2014/main" id="{CB051E82-2FBA-40CF-A775-99209AD90D84}"/>
+              </a:ext>
+            </a:extLst>
+          </p:cNvPr>
+          <p:cNvCxnSpPr>
+            <a:cxnSpLocks/>
+          </p:cNvCxnSpPr>
+          <p:nvPr/>
+        </p:nvCxnSpPr>
+        <p:spPr>
+          <a:xfrm>
+            <a:off x="7853927" y="4463425"/>
+            <a:ext cx="14865" cy="510341"/>
+          </a:xfrm>
+          <a:prstGeom prst="straightConnector1">
+            <a:avLst/>
+          </a:prstGeom>
+          <a:ln w="44450">
+            <a:solidFill>
+              <a:schemeClr val="accent6"/>
+            </a:solidFill>
+            <a:prstDash val="sysDash"/>
+            <a:tailEnd type="triangle"/>
+          </a:ln>
+        </p:spPr>
+        <p:style>
+          <a:lnRef idx="1">
+            <a:schemeClr val="dk1"/>
+          </a:lnRef>
+          <a:fillRef idx="0">
+            <a:schemeClr val="dk1"/>
+          </a:fillRef>
+          <a:effectRef idx="0">
+            <a:schemeClr val="dk1"/>
+          </a:effectRef>
+          <a:fontRef idx="minor">
+            <a:schemeClr val="tx1"/>
+          </a:fontRef>
+        </p:style>
+      </p:cxnSp>
+      <p:sp>
+        <p:nvSpPr>
+          <p:cNvPr id="32" name="矩形 31">
+            <a:extLst>
+              <a:ext uri="{FF2B5EF4-FFF2-40B4-BE49-F238E27FC236}">
+                <a16:creationId xmlns:a16="http://schemas.microsoft.com/office/drawing/2014/main" id="{FBA1FCB8-ACF2-4ACD-ACEB-B5424045BC07}"/>
+              </a:ext>
+            </a:extLst>
+          </p:cNvPr>
+          <p:cNvSpPr/>
+          <p:nvPr/>
+        </p:nvSpPr>
+        <p:spPr>
+          <a:xfrm>
+            <a:off x="7920671" y="4542890"/>
+            <a:ext cx="312907" cy="369332"/>
+          </a:xfrm>
+          <a:prstGeom prst="rect">
+            <a:avLst/>
+          </a:prstGeom>
+        </p:spPr>
+        <p:txBody>
+          <a:bodyPr wrap="square">
+            <a:spAutoFit/>
+          </a:bodyPr>
+          <a:lstStyle/>
+          <a:p>
+            <a:pPr algn="ctr"/>
+            <a:r>
+              <a:rPr lang="en-US" altLang="zh-CN" b="1" dirty="0">
+                <a:solidFill>
+                  <a:schemeClr val="accent6"/>
+                </a:solidFill>
+                <a:latin typeface="Arial" panose="020B0604020202020204" pitchFamily="34" charset="0"/>
+                <a:cs typeface="Arial" panose="020B0604020202020204" pitchFamily="34" charset="0"/>
+              </a:rPr>
+              <a:t>7</a:t>
+            </a:r>
+            <a:endParaRPr lang="zh-CN" altLang="en-US" b="1" dirty="0">
+              <a:solidFill>
+                <a:schemeClr val="accent6"/>
+              </a:solidFill>
+              <a:latin typeface="Arial" panose="020B0604020202020204" pitchFamily="34" charset="0"/>
+              <a:cs typeface="Arial" panose="020B0604020202020204" pitchFamily="34" charset="0"/>
+            </a:endParaRPr>
+          </a:p>
+        </p:txBody>
+      </p:sp>
+      <p:cxnSp>
+        <p:nvCxnSpPr>
+          <p:cNvPr id="33" name="直接箭头连接符 32">
+            <a:extLst>
+              <a:ext uri="{FF2B5EF4-FFF2-40B4-BE49-F238E27FC236}">
+                <a16:creationId xmlns:a16="http://schemas.microsoft.com/office/drawing/2014/main" id="{B33CCE3A-9A21-4EFE-8B72-070A19B9EEC2}"/>
+              </a:ext>
+            </a:extLst>
+          </p:cNvPr>
+          <p:cNvCxnSpPr>
+            <a:cxnSpLocks/>
+          </p:cNvCxnSpPr>
+          <p:nvPr/>
+        </p:nvCxnSpPr>
+        <p:spPr>
+          <a:xfrm>
+            <a:off x="7866406" y="5233305"/>
+            <a:ext cx="14865" cy="510341"/>
+          </a:xfrm>
+          <a:prstGeom prst="straightConnector1">
+            <a:avLst/>
+          </a:prstGeom>
+          <a:ln w="44450">
+            <a:solidFill>
+              <a:schemeClr val="accent6"/>
+            </a:solidFill>
+            <a:prstDash val="sysDash"/>
+            <a:tailEnd type="triangle"/>
+          </a:ln>
+        </p:spPr>
+        <p:style>
+          <a:lnRef idx="1">
+            <a:schemeClr val="dk1"/>
+          </a:lnRef>
+          <a:fillRef idx="0">
+            <a:schemeClr val="dk1"/>
+          </a:fillRef>
+          <a:effectRef idx="0">
+            <a:schemeClr val="dk1"/>
+          </a:effectRef>
+          <a:fontRef idx="minor">
+            <a:schemeClr val="tx1"/>
+          </a:fontRef>
+        </p:style>
+      </p:cxnSp>
+      <p:sp>
+        <p:nvSpPr>
+          <p:cNvPr id="34" name="矩形 33">
+            <a:extLst>
+              <a:ext uri="{FF2B5EF4-FFF2-40B4-BE49-F238E27FC236}">
+                <a16:creationId xmlns:a16="http://schemas.microsoft.com/office/drawing/2014/main" id="{2A84D03F-E63A-40A3-B2ED-5F2F401D5739}"/>
+              </a:ext>
+            </a:extLst>
+          </p:cNvPr>
+          <p:cNvSpPr/>
+          <p:nvPr/>
+        </p:nvSpPr>
+        <p:spPr>
+          <a:xfrm>
+            <a:off x="7933150" y="5312770"/>
+            <a:ext cx="312907" cy="369332"/>
+          </a:xfrm>
+          <a:prstGeom prst="rect">
+            <a:avLst/>
+          </a:prstGeom>
+        </p:spPr>
+        <p:txBody>
+          <a:bodyPr wrap="square">
+            <a:spAutoFit/>
+          </a:bodyPr>
+          <a:lstStyle/>
+          <a:p>
+            <a:pPr algn="ctr"/>
+            <a:r>
+              <a:rPr lang="en-US" altLang="zh-CN" b="1" dirty="0">
+                <a:solidFill>
+                  <a:schemeClr val="accent6"/>
+                </a:solidFill>
+                <a:latin typeface="Arial" panose="020B0604020202020204" pitchFamily="34" charset="0"/>
+                <a:cs typeface="Arial" panose="020B0604020202020204" pitchFamily="34" charset="0"/>
+              </a:rPr>
+              <a:t>7</a:t>
+            </a:r>
+            <a:endParaRPr lang="zh-CN" altLang="en-US" b="1" dirty="0">
+              <a:solidFill>
+                <a:schemeClr val="accent6"/>
+              </a:solidFill>
+              <a:latin typeface="Arial" panose="020B0604020202020204" pitchFamily="34" charset="0"/>
+              <a:cs typeface="Arial" panose="020B0604020202020204" pitchFamily="34" charset="0"/>
+            </a:endParaRPr>
+          </a:p>
+        </p:txBody>
+      </p:sp>
+      <p:pic>
+        <p:nvPicPr>
+          <p:cNvPr id="56" name="图片 55">
+            <a:extLst>
+              <a:ext uri="{FF2B5EF4-FFF2-40B4-BE49-F238E27FC236}">
+                <a16:creationId xmlns:a16="http://schemas.microsoft.com/office/drawing/2014/main" id="{1A7C0C75-407F-47C4-A2BE-279A88341823}"/>
+              </a:ext>
+            </a:extLst>
+          </p:cNvPr>
+          <p:cNvPicPr>
+            <a:picLocks noChangeAspect="1"/>
+          </p:cNvPicPr>
+          <p:nvPr/>
+        </p:nvPicPr>
+        <p:blipFill>
+          <a:blip r:embed="rId2">
+            <a:extLst>
+              <a:ext uri="{28A0092B-C50C-407E-A947-70E740481C1C}">
+                <a14:useLocalDpi xmlns:a14="http://schemas.microsoft.com/office/drawing/2010/main" val="0"/>
+              </a:ext>
+            </a:extLst>
+          </a:blip>
+          <a:stretch>
+            <a:fillRect/>
+          </a:stretch>
+        </p:blipFill>
+        <p:spPr>
+          <a:xfrm>
+            <a:off x="7822691" y="2885157"/>
+            <a:ext cx="638175" cy="1323975"/>
+          </a:xfrm>
+          <a:prstGeom prst="rect">
+            <a:avLst/>
+          </a:prstGeom>
+        </p:spPr>
+      </p:pic>
+      <p:pic>
+        <p:nvPicPr>
+          <p:cNvPr id="57" name="图片 56">
+            <a:extLst>
+              <a:ext uri="{FF2B5EF4-FFF2-40B4-BE49-F238E27FC236}">
+                <a16:creationId xmlns:a16="http://schemas.microsoft.com/office/drawing/2014/main" id="{071C3645-9F57-4C9B-BDE8-4536273C8C01}"/>
+              </a:ext>
+            </a:extLst>
+          </p:cNvPr>
+          <p:cNvPicPr>
+            <a:picLocks noChangeAspect="1"/>
+          </p:cNvPicPr>
+          <p:nvPr/>
+        </p:nvPicPr>
+        <p:blipFill>
+          <a:blip r:embed="rId2">
+            <a:extLst>
+              <a:ext uri="{28A0092B-C50C-407E-A947-70E740481C1C}">
+                <a14:useLocalDpi xmlns:a14="http://schemas.microsoft.com/office/drawing/2010/main" val="0"/>
+              </a:ext>
+            </a:extLst>
+          </a:blip>
+          <a:stretch>
+            <a:fillRect/>
+          </a:stretch>
+        </p:blipFill>
+        <p:spPr>
+          <a:xfrm>
+            <a:off x="7892002" y="3654892"/>
+            <a:ext cx="638175" cy="1323975"/>
+          </a:xfrm>
+          <a:prstGeom prst="rect">
+            <a:avLst/>
+          </a:prstGeom>
+        </p:spPr>
+      </p:pic>
+      <p:pic>
+        <p:nvPicPr>
+          <p:cNvPr id="58" name="图片 57">
+            <a:extLst>
+              <a:ext uri="{FF2B5EF4-FFF2-40B4-BE49-F238E27FC236}">
+                <a16:creationId xmlns:a16="http://schemas.microsoft.com/office/drawing/2014/main" id="{39BC31FD-649D-438D-BC9D-883FFFE52753}"/>
+              </a:ext>
+            </a:extLst>
+          </p:cNvPr>
+          <p:cNvPicPr>
+            <a:picLocks noChangeAspect="1"/>
+          </p:cNvPicPr>
+          <p:nvPr/>
+        </p:nvPicPr>
+        <p:blipFill>
+          <a:blip r:embed="rId2">
+            <a:extLst>
+              <a:ext uri="{28A0092B-C50C-407E-A947-70E740481C1C}">
+                <a14:useLocalDpi xmlns:a14="http://schemas.microsoft.com/office/drawing/2010/main" val="0"/>
+              </a:ext>
+            </a:extLst>
+          </a:blip>
+          <a:stretch>
+            <a:fillRect/>
+          </a:stretch>
+        </p:blipFill>
+        <p:spPr>
+          <a:xfrm>
+            <a:off x="7871068" y="4449050"/>
+            <a:ext cx="638175" cy="1323975"/>
+          </a:xfrm>
+          <a:prstGeom prst="rect">
+            <a:avLst/>
+          </a:prstGeom>
+        </p:spPr>
+      </p:pic>
+      <p:sp>
+        <p:nvSpPr>
+          <p:cNvPr id="59" name="矩形 58">
+            <a:extLst>
+              <a:ext uri="{FF2B5EF4-FFF2-40B4-BE49-F238E27FC236}">
+                <a16:creationId xmlns:a16="http://schemas.microsoft.com/office/drawing/2014/main" id="{77F56D9A-3D95-4CEA-8AF1-892DB0351047}"/>
+              </a:ext>
+            </a:extLst>
+          </p:cNvPr>
+          <p:cNvSpPr/>
+          <p:nvPr/>
+        </p:nvSpPr>
+        <p:spPr>
+          <a:xfrm>
+            <a:off x="8507631" y="3200156"/>
+            <a:ext cx="280450" cy="369332"/>
+          </a:xfrm>
+          <a:prstGeom prst="rect">
+            <a:avLst/>
+          </a:prstGeom>
+        </p:spPr>
+        <p:txBody>
+          <a:bodyPr wrap="square">
+            <a:spAutoFit/>
+          </a:bodyPr>
+          <a:lstStyle/>
+          <a:p>
+            <a:pPr algn="ctr"/>
+            <a:r>
+              <a:rPr lang="en-US" altLang="zh-CN" b="1" dirty="0">
+                <a:solidFill>
+                  <a:schemeClr val="accent1"/>
+                </a:solidFill>
+                <a:latin typeface="Arial" panose="020B0604020202020204" pitchFamily="34" charset="0"/>
+                <a:cs typeface="Arial" panose="020B0604020202020204" pitchFamily="34" charset="0"/>
+              </a:rPr>
+              <a:t>1</a:t>
+            </a:r>
+            <a:endParaRPr lang="zh-CN" altLang="en-US" b="1" dirty="0">
+              <a:solidFill>
+                <a:schemeClr val="accent1"/>
+              </a:solidFill>
+              <a:latin typeface="Arial" panose="020B0604020202020204" pitchFamily="34" charset="0"/>
+              <a:cs typeface="Arial" panose="020B0604020202020204" pitchFamily="34" charset="0"/>
+            </a:endParaRPr>
+          </a:p>
+        </p:txBody>
+      </p:sp>
+      <p:sp>
+        <p:nvSpPr>
+          <p:cNvPr id="60" name="矩形 59">
+            <a:extLst>
+              <a:ext uri="{FF2B5EF4-FFF2-40B4-BE49-F238E27FC236}">
+                <a16:creationId xmlns:a16="http://schemas.microsoft.com/office/drawing/2014/main" id="{71032EB4-44F6-438B-9C4E-BEAB9C37CD49}"/>
+              </a:ext>
+            </a:extLst>
+          </p:cNvPr>
+          <p:cNvSpPr/>
+          <p:nvPr/>
+        </p:nvSpPr>
+        <p:spPr>
+          <a:xfrm>
+            <a:off x="8556433" y="4024466"/>
+            <a:ext cx="280450" cy="369332"/>
+          </a:xfrm>
+          <a:prstGeom prst="rect">
+            <a:avLst/>
+          </a:prstGeom>
+        </p:spPr>
+        <p:txBody>
+          <a:bodyPr wrap="square">
+            <a:spAutoFit/>
+          </a:bodyPr>
+          <a:lstStyle/>
+          <a:p>
+            <a:pPr algn="ctr"/>
+            <a:r>
+              <a:rPr lang="en-US" altLang="zh-CN" b="1" dirty="0">
+                <a:solidFill>
+                  <a:schemeClr val="accent1"/>
+                </a:solidFill>
+                <a:latin typeface="Arial" panose="020B0604020202020204" pitchFamily="34" charset="0"/>
+                <a:cs typeface="Arial" panose="020B0604020202020204" pitchFamily="34" charset="0"/>
+              </a:rPr>
+              <a:t>1</a:t>
+            </a:r>
+            <a:endParaRPr lang="zh-CN" altLang="en-US" b="1" dirty="0">
+              <a:solidFill>
+                <a:schemeClr val="accent1"/>
+              </a:solidFill>
+              <a:latin typeface="Arial" panose="020B0604020202020204" pitchFamily="34" charset="0"/>
+              <a:cs typeface="Arial" panose="020B0604020202020204" pitchFamily="34" charset="0"/>
+            </a:endParaRPr>
+          </a:p>
+        </p:txBody>
+      </p:sp>
+      <p:sp>
+        <p:nvSpPr>
+          <p:cNvPr id="61" name="矩形 60">
+            <a:extLst>
+              <a:ext uri="{FF2B5EF4-FFF2-40B4-BE49-F238E27FC236}">
+                <a16:creationId xmlns:a16="http://schemas.microsoft.com/office/drawing/2014/main" id="{53052A71-4190-416D-BA8A-48F16742DBD7}"/>
+              </a:ext>
+            </a:extLst>
+          </p:cNvPr>
+          <p:cNvSpPr/>
+          <p:nvPr/>
+        </p:nvSpPr>
+        <p:spPr>
+          <a:xfrm>
+            <a:off x="8563641" y="4926371"/>
+            <a:ext cx="280450" cy="369332"/>
+          </a:xfrm>
+          <a:prstGeom prst="rect">
+            <a:avLst/>
+          </a:prstGeom>
+        </p:spPr>
+        <p:txBody>
+          <a:bodyPr wrap="square">
+            <a:spAutoFit/>
+          </a:bodyPr>
+          <a:lstStyle/>
+          <a:p>
+            <a:pPr algn="ctr"/>
+            <a:r>
+              <a:rPr lang="en-US" altLang="zh-CN" b="1" dirty="0">
+                <a:solidFill>
+                  <a:schemeClr val="accent1"/>
+                </a:solidFill>
+                <a:latin typeface="Arial" panose="020B0604020202020204" pitchFamily="34" charset="0"/>
+                <a:cs typeface="Arial" panose="020B0604020202020204" pitchFamily="34" charset="0"/>
+              </a:rPr>
+              <a:t>1</a:t>
+            </a:r>
+            <a:endParaRPr lang="zh-CN" altLang="en-US" b="1" dirty="0">
+              <a:solidFill>
+                <a:schemeClr val="accent1"/>
+              </a:solidFill>
+              <a:latin typeface="Arial" panose="020B0604020202020204" pitchFamily="34" charset="0"/>
+              <a:cs typeface="Arial" panose="020B0604020202020204" pitchFamily="34" charset="0"/>
+            </a:endParaRPr>
+          </a:p>
+        </p:txBody>
+      </p:sp>
+      <p:sp>
+        <p:nvSpPr>
+          <p:cNvPr id="62" name="文本框 61">
+            <a:extLst>
+              <a:ext uri="{FF2B5EF4-FFF2-40B4-BE49-F238E27FC236}">
+                <a16:creationId xmlns:a16="http://schemas.microsoft.com/office/drawing/2014/main" id="{FA910A10-6C2E-4E59-A01F-7C1B5493D8AA}"/>
+              </a:ext>
+            </a:extLst>
+          </p:cNvPr>
+          <p:cNvSpPr txBox="1"/>
+          <p:nvPr/>
+        </p:nvSpPr>
+        <p:spPr>
+          <a:xfrm>
+            <a:off x="9319309" y="3439690"/>
+            <a:ext cx="1857375" cy="1169551"/>
+          </a:xfrm>
+          <a:prstGeom prst="rect">
+            <a:avLst/>
+          </a:prstGeom>
+          <a:noFill/>
+        </p:spPr>
+        <p:txBody>
+          <a:bodyPr wrap="square" rtlCol="0">
+            <a:spAutoFit/>
+          </a:bodyPr>
+          <a:lstStyle/>
+          <a:p>
+            <a:r>
+              <a:rPr lang="en-US" altLang="zh-CN" sz="3500" b="1" dirty="0" err="1">
+                <a:latin typeface="Arial" panose="020B0604020202020204" pitchFamily="34" charset="0"/>
+                <a:cs typeface="Arial" panose="020B0604020202020204" pitchFamily="34" charset="0"/>
+              </a:rPr>
+              <a:t>ResNet</a:t>
+            </a:r>
+            <a:endParaRPr lang="zh-CN" altLang="en-US" sz="3500" b="1" dirty="0">
+              <a:latin typeface="Arial" panose="020B0604020202020204" pitchFamily="34" charset="0"/>
+              <a:cs typeface="Arial" panose="020B0604020202020204" pitchFamily="34" charset="0"/>
+            </a:endParaRPr>
+          </a:p>
+          <a:p>
+            <a:endParaRPr lang="zh-CN" altLang="en-US" sz="3500" b="1" dirty="0">
+              <a:latin typeface="Arial" panose="020B0604020202020204" pitchFamily="34" charset="0"/>
+              <a:cs typeface="Arial" panose="020B0604020202020204" pitchFamily="34" charset="0"/>
+            </a:endParaRPr>
+          </a:p>
+        </p:txBody>
+      </p:sp>
+    </p:spTree>
+    <p:extLst>
+      <p:ext uri="{BB962C8B-B14F-4D97-AF65-F5344CB8AC3E}">
+        <p14:creationId xmlns:p14="http://schemas.microsoft.com/office/powerpoint/2010/main" val="241478479"/>
+      </p:ext>
+    </p:extLst>
+  </p:cSld>
+  <p:clrMapOvr>
+    <a:masterClrMapping/>
+  </p:clrMapOvr>
+</p:sld>
+</file>
+
+<file path=ppt/slides/slide27.xml><?xml version="1.0" encoding="utf-8"?>
+<p:sld xmlns:a="http://schemas.openxmlformats.org/drawingml/2006/main" xmlns:r="http://schemas.openxmlformats.org/officeDocument/2006/relationships" xmlns:p="http://schemas.openxmlformats.org/presentationml/2006/main">
+  <p:cSld>
+    <p:spTree>
+      <p:nvGrpSpPr>
+        <p:cNvPr id="1" name=""/>
+        <p:cNvGrpSpPr/>
+        <p:nvPr/>
+      </p:nvGrpSpPr>
+      <p:grpSpPr>
+        <a:xfrm>
+          <a:off x="0" y="0"/>
+          <a:ext cx="0" cy="0"/>
+          <a:chOff x="0" y="0"/>
+          <a:chExt cx="0" cy="0"/>
+        </a:xfrm>
+      </p:grpSpPr>
+      <p:sp>
+        <p:nvSpPr>
+          <p:cNvPr id="2" name="文本框 1">
+            <a:extLst>
+              <a:ext uri="{FF2B5EF4-FFF2-40B4-BE49-F238E27FC236}">
+                <a16:creationId xmlns:a16="http://schemas.microsoft.com/office/drawing/2014/main" id="{BAE2D1E7-61B6-4234-9DC4-424BB673C2DC}"/>
+              </a:ext>
+            </a:extLst>
+          </p:cNvPr>
+          <p:cNvSpPr txBox="1"/>
+          <p:nvPr/>
+        </p:nvSpPr>
+        <p:spPr>
+          <a:xfrm>
+            <a:off x="395244" y="374426"/>
+            <a:ext cx="5700756" cy="630942"/>
+          </a:xfrm>
+          <a:prstGeom prst="rect">
+            <a:avLst/>
+          </a:prstGeom>
+          <a:noFill/>
+        </p:spPr>
+        <p:txBody>
+          <a:bodyPr wrap="square" rtlCol="0">
+            <a:spAutoFit/>
+          </a:bodyPr>
+          <a:lstStyle/>
+          <a:p>
+            <a:r>
+              <a:rPr lang="en-US" altLang="zh-CN" sz="3500" b="1" dirty="0">
+                <a:latin typeface="Arial" panose="020B0604020202020204" pitchFamily="34" charset="0"/>
+                <a:cs typeface="Arial" panose="020B0604020202020204" pitchFamily="34" charset="0"/>
+              </a:rPr>
+              <a:t>Heuristic Mutation</a:t>
+            </a:r>
+            <a:endParaRPr lang="zh-CN" altLang="en-US" sz="3500" b="1" dirty="0">
+              <a:latin typeface="Arial" panose="020B0604020202020204" pitchFamily="34" charset="0"/>
+              <a:cs typeface="Arial" panose="020B0604020202020204" pitchFamily="34" charset="0"/>
+            </a:endParaRPr>
+          </a:p>
+        </p:txBody>
+      </p:sp>
+      <p:sp>
+        <p:nvSpPr>
+          <p:cNvPr id="4" name="左大括号 3">
+            <a:extLst>
+              <a:ext uri="{FF2B5EF4-FFF2-40B4-BE49-F238E27FC236}">
+                <a16:creationId xmlns:a16="http://schemas.microsoft.com/office/drawing/2014/main" id="{B1101B81-D253-4CA5-9CEF-6C7BF7DB4D19}"/>
+              </a:ext>
+            </a:extLst>
+          </p:cNvPr>
+          <p:cNvSpPr/>
+          <p:nvPr/>
+        </p:nvSpPr>
+        <p:spPr>
+          <a:xfrm>
+            <a:off x="592418" y="1511674"/>
+            <a:ext cx="485775" cy="4333875"/>
+          </a:xfrm>
+          <a:prstGeom prst="leftBrace">
+            <a:avLst>
+              <a:gd name="adj1" fmla="val 8333"/>
+              <a:gd name="adj2" fmla="val 51099"/>
+            </a:avLst>
+          </a:prstGeom>
+          <a:ln w="44450"/>
+        </p:spPr>
+        <p:style>
+          <a:lnRef idx="1">
+            <a:schemeClr val="accent1"/>
+          </a:lnRef>
+          <a:fillRef idx="0">
+            <a:schemeClr val="accent1"/>
+          </a:fillRef>
+          <a:effectRef idx="0">
+            <a:schemeClr val="accent1"/>
+          </a:effectRef>
+          <a:fontRef idx="minor">
+            <a:schemeClr val="tx1"/>
+          </a:fontRef>
+        </p:style>
+        <p:txBody>
+          <a:bodyPr rtlCol="0" anchor="ctr"/>
+          <a:lstStyle/>
+          <a:p>
+            <a:pPr algn="ctr"/>
+            <a:endParaRPr lang="zh-CN" altLang="en-US"/>
+          </a:p>
+        </p:txBody>
+      </p:sp>
+      <p:pic>
+        <p:nvPicPr>
+          <p:cNvPr id="27" name="图片 26">
+            <a:extLst>
+              <a:ext uri="{FF2B5EF4-FFF2-40B4-BE49-F238E27FC236}">
+                <a16:creationId xmlns:a16="http://schemas.microsoft.com/office/drawing/2014/main" id="{C9CBB0C0-7627-4587-866D-C19F1D93D847}"/>
+              </a:ext>
+            </a:extLst>
+          </p:cNvPr>
+          <p:cNvPicPr>
+            <a:picLocks noChangeAspect="1"/>
+          </p:cNvPicPr>
+          <p:nvPr/>
+        </p:nvPicPr>
+        <p:blipFill>
+          <a:blip r:embed="rId2"/>
+          <a:stretch>
+            <a:fillRect/>
+          </a:stretch>
+        </p:blipFill>
+        <p:spPr>
+          <a:xfrm>
+            <a:off x="1078193" y="4544727"/>
+            <a:ext cx="5961296" cy="1501270"/>
+          </a:xfrm>
+          <a:prstGeom prst="rect">
+            <a:avLst/>
+          </a:prstGeom>
+        </p:spPr>
+      </p:pic>
+      <p:pic>
+        <p:nvPicPr>
+          <p:cNvPr id="28" name="图片 27">
+            <a:extLst>
+              <a:ext uri="{FF2B5EF4-FFF2-40B4-BE49-F238E27FC236}">
+                <a16:creationId xmlns:a16="http://schemas.microsoft.com/office/drawing/2014/main" id="{819BACC0-7836-4884-8907-850DCE23F0F7}"/>
+              </a:ext>
+            </a:extLst>
+          </p:cNvPr>
+          <p:cNvPicPr>
+            <a:picLocks noChangeAspect="1"/>
+          </p:cNvPicPr>
+          <p:nvPr/>
+        </p:nvPicPr>
+        <p:blipFill>
+          <a:blip r:embed="rId3"/>
+          <a:stretch>
+            <a:fillRect/>
+          </a:stretch>
+        </p:blipFill>
+        <p:spPr>
+          <a:xfrm>
+            <a:off x="1078193" y="1265502"/>
+            <a:ext cx="5806943" cy="1546994"/>
+          </a:xfrm>
+          <a:prstGeom prst="rect">
+            <a:avLst/>
+          </a:prstGeom>
+        </p:spPr>
+      </p:pic>
+      <p:pic>
+        <p:nvPicPr>
+          <p:cNvPr id="29" name="图片 28">
+            <a:extLst>
+              <a:ext uri="{FF2B5EF4-FFF2-40B4-BE49-F238E27FC236}">
+                <a16:creationId xmlns:a16="http://schemas.microsoft.com/office/drawing/2014/main" id="{AEE92AFB-4E60-426A-ACA8-75FB2913B055}"/>
+              </a:ext>
+            </a:extLst>
+          </p:cNvPr>
+          <p:cNvPicPr>
+            <a:picLocks noChangeAspect="1"/>
+          </p:cNvPicPr>
+          <p:nvPr/>
+        </p:nvPicPr>
+        <p:blipFill>
+          <a:blip r:embed="rId4"/>
+          <a:stretch>
+            <a:fillRect/>
+          </a:stretch>
+        </p:blipFill>
+        <p:spPr>
+          <a:xfrm>
+            <a:off x="1190625" y="2773315"/>
+            <a:ext cx="5692633" cy="1501270"/>
+          </a:xfrm>
+          <a:prstGeom prst="rect">
+            <a:avLst/>
+          </a:prstGeom>
+        </p:spPr>
+      </p:pic>
+      <p:sp>
+        <p:nvSpPr>
+          <p:cNvPr id="30" name="文本框 29">
+            <a:extLst>
+              <a:ext uri="{FF2B5EF4-FFF2-40B4-BE49-F238E27FC236}">
+                <a16:creationId xmlns:a16="http://schemas.microsoft.com/office/drawing/2014/main" id="{87248093-BCBD-4814-8CC1-7AED8DCA9413}"/>
+              </a:ext>
+            </a:extLst>
+          </p:cNvPr>
+          <p:cNvSpPr txBox="1"/>
+          <p:nvPr/>
+        </p:nvSpPr>
+        <p:spPr>
+          <a:xfrm>
+            <a:off x="7410450" y="3113529"/>
+            <a:ext cx="1657350" cy="630942"/>
+          </a:xfrm>
+          <a:prstGeom prst="rect">
+            <a:avLst/>
+          </a:prstGeom>
+          <a:noFill/>
+        </p:spPr>
+        <p:txBody>
+          <a:bodyPr wrap="square" rtlCol="0">
+            <a:spAutoFit/>
+          </a:bodyPr>
+          <a:lstStyle/>
+          <a:p>
+            <a:r>
+              <a:rPr lang="en-US" altLang="zh-CN" sz="3500" dirty="0">
+                <a:latin typeface="Arial" panose="020B0604020202020204" pitchFamily="34" charset="0"/>
+                <a:cs typeface="Arial" panose="020B0604020202020204" pitchFamily="34" charset="0"/>
+              </a:rPr>
+              <a:t>15%</a:t>
+            </a:r>
+            <a:endParaRPr lang="zh-CN" altLang="en-US" sz="3500" dirty="0">
+              <a:latin typeface="Arial" panose="020B0604020202020204" pitchFamily="34" charset="0"/>
+              <a:cs typeface="Arial" panose="020B0604020202020204" pitchFamily="34" charset="0"/>
+            </a:endParaRPr>
+          </a:p>
+        </p:txBody>
+      </p:sp>
+      <p:sp>
+        <p:nvSpPr>
+          <p:cNvPr id="31" name="文本框 30">
+            <a:extLst>
+              <a:ext uri="{FF2B5EF4-FFF2-40B4-BE49-F238E27FC236}">
+                <a16:creationId xmlns:a16="http://schemas.microsoft.com/office/drawing/2014/main" id="{B7669FDF-FF38-47F0-AEC0-69BBF7848D93}"/>
+              </a:ext>
+            </a:extLst>
+          </p:cNvPr>
+          <p:cNvSpPr txBox="1"/>
+          <p:nvPr/>
+        </p:nvSpPr>
+        <p:spPr>
+          <a:xfrm>
+            <a:off x="7410450" y="1981200"/>
+            <a:ext cx="1657350" cy="630942"/>
+          </a:xfrm>
+          <a:prstGeom prst="rect">
+            <a:avLst/>
+          </a:prstGeom>
+          <a:noFill/>
+        </p:spPr>
+        <p:txBody>
+          <a:bodyPr wrap="square" rtlCol="0">
+            <a:spAutoFit/>
+          </a:bodyPr>
+          <a:lstStyle/>
+          <a:p>
+            <a:r>
+              <a:rPr lang="en-US" altLang="zh-CN" sz="3500" dirty="0">
+                <a:latin typeface="Arial" panose="020B0604020202020204" pitchFamily="34" charset="0"/>
+                <a:cs typeface="Arial" panose="020B0604020202020204" pitchFamily="34" charset="0"/>
+              </a:rPr>
+              <a:t>15%</a:t>
+            </a:r>
+            <a:endParaRPr lang="zh-CN" altLang="en-US" sz="3500" dirty="0">
+              <a:latin typeface="Arial" panose="020B0604020202020204" pitchFamily="34" charset="0"/>
+              <a:cs typeface="Arial" panose="020B0604020202020204" pitchFamily="34" charset="0"/>
+            </a:endParaRPr>
+          </a:p>
+        </p:txBody>
+      </p:sp>
+      <p:sp>
+        <p:nvSpPr>
+          <p:cNvPr id="32" name="文本框 31">
+            <a:extLst>
+              <a:ext uri="{FF2B5EF4-FFF2-40B4-BE49-F238E27FC236}">
+                <a16:creationId xmlns:a16="http://schemas.microsoft.com/office/drawing/2014/main" id="{5EA1330C-C8EC-4583-A671-ECDFFCA00712}"/>
+              </a:ext>
+            </a:extLst>
+          </p:cNvPr>
+          <p:cNvSpPr txBox="1"/>
+          <p:nvPr/>
+        </p:nvSpPr>
+        <p:spPr>
+          <a:xfrm>
+            <a:off x="7410450" y="4895850"/>
+            <a:ext cx="1657350" cy="630942"/>
+          </a:xfrm>
+          <a:prstGeom prst="rect">
+            <a:avLst/>
+          </a:prstGeom>
+          <a:noFill/>
+        </p:spPr>
+        <p:txBody>
+          <a:bodyPr wrap="square" rtlCol="0">
+            <a:spAutoFit/>
+          </a:bodyPr>
+          <a:lstStyle/>
+          <a:p>
+            <a:r>
+              <a:rPr lang="en-US" altLang="zh-CN" sz="3500" dirty="0">
+                <a:latin typeface="Arial" panose="020B0604020202020204" pitchFamily="34" charset="0"/>
+                <a:cs typeface="Arial" panose="020B0604020202020204" pitchFamily="34" charset="0"/>
+              </a:rPr>
+              <a:t>70%</a:t>
+            </a:r>
+            <a:endParaRPr lang="zh-CN" altLang="en-US" sz="3500" dirty="0">
+              <a:latin typeface="Arial" panose="020B0604020202020204" pitchFamily="34" charset="0"/>
+              <a:cs typeface="Arial" panose="020B0604020202020204" pitchFamily="34" charset="0"/>
+            </a:endParaRPr>
+          </a:p>
+        </p:txBody>
+      </p:sp>
+    </p:spTree>
+    <p:extLst>
+      <p:ext uri="{BB962C8B-B14F-4D97-AF65-F5344CB8AC3E}">
+        <p14:creationId xmlns:p14="http://schemas.microsoft.com/office/powerpoint/2010/main" val="2937039086"/>
+      </p:ext>
+    </p:extLst>
+  </p:cSld>
+  <p:clrMapOvr>
+    <a:masterClrMapping/>
+  </p:clrMapOvr>
+</p:sld>
+</file>
+
+<file path=ppt/slides/slide28.xml><?xml version="1.0" encoding="utf-8"?>
+<p:sld xmlns:a="http://schemas.openxmlformats.org/drawingml/2006/main" xmlns:r="http://schemas.openxmlformats.org/officeDocument/2006/relationships" xmlns:p="http://schemas.openxmlformats.org/presentationml/2006/main">
+  <p:cSld>
+    <p:spTree>
+      <p:nvGrpSpPr>
+        <p:cNvPr id="1" name=""/>
+        <p:cNvGrpSpPr/>
+        <p:nvPr/>
+      </p:nvGrpSpPr>
+      <p:grpSpPr>
+        <a:xfrm>
+          <a:off x="0" y="0"/>
+          <a:ext cx="0" cy="0"/>
+          <a:chOff x="0" y="0"/>
+          <a:chExt cx="0" cy="0"/>
+        </a:xfrm>
+      </p:grpSpPr>
+      <p:sp>
+        <p:nvSpPr>
+          <p:cNvPr id="2" name="文本框 1">
+            <a:extLst>
+              <a:ext uri="{FF2B5EF4-FFF2-40B4-BE49-F238E27FC236}">
+                <a16:creationId xmlns:a16="http://schemas.microsoft.com/office/drawing/2014/main" id="{E0A94C89-A0F6-40F4-8B72-E15A5AB0A813}"/>
+              </a:ext>
+            </a:extLst>
+          </p:cNvPr>
+          <p:cNvSpPr txBox="1"/>
+          <p:nvPr/>
+        </p:nvSpPr>
+        <p:spPr>
+          <a:xfrm>
+            <a:off x="725363" y="1962596"/>
+            <a:ext cx="4990469" cy="4031873"/>
+          </a:xfrm>
+          <a:prstGeom prst="rect">
+            <a:avLst/>
+          </a:prstGeom>
+          <a:noFill/>
+        </p:spPr>
+        <p:txBody>
+          <a:bodyPr wrap="square" rtlCol="0">
+            <a:spAutoFit/>
+          </a:bodyPr>
+          <a:lstStyle/>
+          <a:p>
+            <a:r>
+              <a:rPr lang="en-US" altLang="zh-CN" sz="2800" b="1" dirty="0">
+                <a:latin typeface="Arial" panose="020B0604020202020204" pitchFamily="34" charset="0"/>
+                <a:cs typeface="Arial" panose="020B0604020202020204" pitchFamily="34" charset="0"/>
+              </a:rPr>
+              <a:t>Normal cell component:</a:t>
+            </a:r>
+            <a:endParaRPr lang="en-US" altLang="zh-CN" sz="3000" b="1" dirty="0">
+              <a:solidFill>
+                <a:schemeClr val="accent1">
+                  <a:lumMod val="75000"/>
+                </a:schemeClr>
+              </a:solidFill>
+              <a:latin typeface="Arial" panose="020B0604020202020204" pitchFamily="34" charset="0"/>
+              <a:cs typeface="Arial" panose="020B0604020202020204" pitchFamily="34" charset="0"/>
+            </a:endParaRPr>
+          </a:p>
+          <a:p>
+            <a:r>
+              <a:rPr lang="en-US" altLang="zh-CN" sz="3000" b="1" dirty="0">
+                <a:solidFill>
+                  <a:schemeClr val="accent1">
+                    <a:lumMod val="75000"/>
+                  </a:schemeClr>
+                </a:solidFill>
+                <a:latin typeface="Arial" panose="020B0604020202020204" pitchFamily="34" charset="0"/>
+                <a:cs typeface="Arial" panose="020B0604020202020204" pitchFamily="34" charset="0"/>
+              </a:rPr>
+              <a:t>1: identity</a:t>
+            </a:r>
+          </a:p>
+          <a:p>
+            <a:endParaRPr lang="en-US" altLang="zh-CN" sz="3000" b="1" dirty="0">
+              <a:solidFill>
+                <a:schemeClr val="accent1">
+                  <a:lumMod val="75000"/>
+                </a:schemeClr>
+              </a:solidFill>
+              <a:latin typeface="Arial" panose="020B0604020202020204" pitchFamily="34" charset="0"/>
+              <a:cs typeface="Arial" panose="020B0604020202020204" pitchFamily="34" charset="0"/>
+            </a:endParaRPr>
+          </a:p>
+          <a:p>
+            <a:r>
+              <a:rPr lang="en-US" altLang="zh-CN" sz="2400" b="1" dirty="0">
+                <a:solidFill>
+                  <a:srgbClr val="7030A0"/>
+                </a:solidFill>
+                <a:latin typeface="Arial" panose="020B0604020202020204" pitchFamily="34" charset="0"/>
+                <a:cs typeface="Arial" panose="020B0604020202020204" pitchFamily="34" charset="0"/>
+              </a:rPr>
+              <a:t>2: 3x3 average pooling</a:t>
+            </a:r>
+          </a:p>
+          <a:p>
+            <a:r>
+              <a:rPr lang="en-US" altLang="zh-CN" sz="2400" b="1" dirty="0">
+                <a:solidFill>
+                  <a:schemeClr val="accent2">
+                    <a:lumMod val="75000"/>
+                  </a:schemeClr>
+                </a:solidFill>
+                <a:latin typeface="Arial" panose="020B0604020202020204" pitchFamily="34" charset="0"/>
+                <a:cs typeface="Arial" panose="020B0604020202020204" pitchFamily="34" charset="0"/>
+              </a:rPr>
+              <a:t>3: 3x3 max pooling</a:t>
+            </a:r>
+          </a:p>
+          <a:p>
+            <a:r>
+              <a:rPr lang="en-US" altLang="zh-CN" sz="2400" b="1" dirty="0">
+                <a:solidFill>
+                  <a:srgbClr val="0000CC"/>
+                </a:solidFill>
+                <a:latin typeface="Arial" panose="020B0604020202020204" pitchFamily="34" charset="0"/>
+                <a:cs typeface="Arial" panose="020B0604020202020204" pitchFamily="34" charset="0"/>
+              </a:rPr>
+              <a:t>4: 1x1 conv</a:t>
+            </a:r>
+          </a:p>
+          <a:p>
+            <a:r>
+              <a:rPr lang="en-US" altLang="zh-CN" sz="2400" b="1" dirty="0">
+                <a:solidFill>
+                  <a:schemeClr val="accent4">
+                    <a:lumMod val="75000"/>
+                  </a:schemeClr>
+                </a:solidFill>
+                <a:latin typeface="Arial" panose="020B0604020202020204" pitchFamily="34" charset="0"/>
+                <a:cs typeface="Arial" panose="020B0604020202020204" pitchFamily="34" charset="0"/>
+              </a:rPr>
+              <a:t>5: 3x3 </a:t>
+            </a:r>
+            <a:r>
+              <a:rPr lang="en-US" altLang="zh-CN" sz="2400" b="1" dirty="0" err="1">
+                <a:solidFill>
+                  <a:schemeClr val="accent4">
+                    <a:lumMod val="75000"/>
+                  </a:schemeClr>
+                </a:solidFill>
+                <a:latin typeface="Arial" panose="020B0604020202020204" pitchFamily="34" charset="0"/>
+                <a:cs typeface="Arial" panose="020B0604020202020204" pitchFamily="34" charset="0"/>
+              </a:rPr>
+              <a:t>depthwise</a:t>
+            </a:r>
+            <a:r>
+              <a:rPr lang="en-US" altLang="zh-CN" sz="2400" b="1" dirty="0">
+                <a:solidFill>
+                  <a:schemeClr val="accent4">
+                    <a:lumMod val="75000"/>
+                  </a:schemeClr>
+                </a:solidFill>
+                <a:latin typeface="Arial" panose="020B0604020202020204" pitchFamily="34" charset="0"/>
+                <a:cs typeface="Arial" panose="020B0604020202020204" pitchFamily="34" charset="0"/>
+              </a:rPr>
+              <a:t>-separable conv</a:t>
+            </a:r>
+          </a:p>
+          <a:p>
+            <a:r>
+              <a:rPr lang="en-US" altLang="zh-CN" sz="2400" b="1" dirty="0">
+                <a:solidFill>
+                  <a:srgbClr val="0099CC"/>
+                </a:solidFill>
+                <a:latin typeface="Arial" panose="020B0604020202020204" pitchFamily="34" charset="0"/>
+                <a:cs typeface="Arial" panose="020B0604020202020204" pitchFamily="34" charset="0"/>
+              </a:rPr>
+              <a:t>6: 3x3 dilated conv</a:t>
+            </a:r>
+          </a:p>
+          <a:p>
+            <a:r>
+              <a:rPr lang="en-US" altLang="zh-CN" sz="2400" b="1" dirty="0">
+                <a:solidFill>
+                  <a:schemeClr val="accent6">
+                    <a:lumMod val="75000"/>
+                  </a:schemeClr>
+                </a:solidFill>
+                <a:latin typeface="Arial" panose="020B0604020202020204" pitchFamily="34" charset="0"/>
+                <a:cs typeface="Arial" panose="020B0604020202020204" pitchFamily="34" charset="0"/>
+              </a:rPr>
+              <a:t>7: 3x3 conv</a:t>
+            </a:r>
+          </a:p>
+          <a:p>
+            <a:endParaRPr lang="zh-CN" altLang="en-US" sz="2400" b="1" dirty="0">
+              <a:latin typeface="Arial" panose="020B0604020202020204" pitchFamily="34" charset="0"/>
+              <a:cs typeface="Arial" panose="020B0604020202020204" pitchFamily="34" charset="0"/>
+            </a:endParaRPr>
+          </a:p>
+        </p:txBody>
+      </p:sp>
+      <p:sp>
+        <p:nvSpPr>
+          <p:cNvPr id="4" name="文本框 3">
+            <a:extLst>
+              <a:ext uri="{FF2B5EF4-FFF2-40B4-BE49-F238E27FC236}">
+                <a16:creationId xmlns:a16="http://schemas.microsoft.com/office/drawing/2014/main" id="{ADDFE2E6-F6F8-4E45-B0B5-81356506A6C0}"/>
+              </a:ext>
+            </a:extLst>
+          </p:cNvPr>
+          <p:cNvSpPr txBox="1"/>
+          <p:nvPr/>
+        </p:nvSpPr>
+        <p:spPr>
+          <a:xfrm>
+            <a:off x="395244" y="374426"/>
+            <a:ext cx="5700756" cy="630942"/>
+          </a:xfrm>
+          <a:prstGeom prst="rect">
+            <a:avLst/>
+          </a:prstGeom>
+          <a:noFill/>
+        </p:spPr>
+        <p:txBody>
+          <a:bodyPr wrap="square" rtlCol="0">
+            <a:spAutoFit/>
+          </a:bodyPr>
+          <a:lstStyle/>
+          <a:p>
+            <a:r>
+              <a:rPr lang="en-US" altLang="zh-CN" sz="3500" b="1" dirty="0">
+                <a:latin typeface="Arial" panose="020B0604020202020204" pitchFamily="34" charset="0"/>
+                <a:cs typeface="Arial" panose="020B0604020202020204" pitchFamily="34" charset="0"/>
+              </a:rPr>
+              <a:t>Heuristic Mutation</a:t>
+            </a:r>
+            <a:endParaRPr lang="zh-CN" altLang="en-US" sz="3500" b="1" dirty="0">
+              <a:latin typeface="Arial" panose="020B0604020202020204" pitchFamily="34" charset="0"/>
+              <a:cs typeface="Arial" panose="020B0604020202020204" pitchFamily="34" charset="0"/>
+            </a:endParaRPr>
+          </a:p>
+        </p:txBody>
+      </p:sp>
+      <p:sp>
+        <p:nvSpPr>
+          <p:cNvPr id="5" name="右大括号 4">
+            <a:extLst>
+              <a:ext uri="{FF2B5EF4-FFF2-40B4-BE49-F238E27FC236}">
+                <a16:creationId xmlns:a16="http://schemas.microsoft.com/office/drawing/2014/main" id="{4340C92A-2A69-4DCC-BB50-C4DD1A1AB4C0}"/>
+              </a:ext>
+            </a:extLst>
+          </p:cNvPr>
+          <p:cNvSpPr/>
+          <p:nvPr/>
+        </p:nvSpPr>
+        <p:spPr>
+          <a:xfrm>
+            <a:off x="6181725" y="4400550"/>
+            <a:ext cx="485775" cy="1133475"/>
+          </a:xfrm>
+          <a:prstGeom prst="rightBrace">
+            <a:avLst/>
+          </a:prstGeom>
+          <a:ln w="38100">
+            <a:solidFill>
+              <a:schemeClr val="tx1">
+                <a:lumMod val="95000"/>
+                <a:lumOff val="5000"/>
+              </a:schemeClr>
+            </a:solidFill>
+          </a:ln>
+        </p:spPr>
+        <p:style>
+          <a:lnRef idx="1">
+            <a:schemeClr val="accent1"/>
+          </a:lnRef>
+          <a:fillRef idx="0">
+            <a:schemeClr val="accent1"/>
+          </a:fillRef>
+          <a:effectRef idx="0">
+            <a:schemeClr val="accent1"/>
+          </a:effectRef>
+          <a:fontRef idx="minor">
+            <a:schemeClr val="tx1"/>
+          </a:fontRef>
+        </p:style>
+        <p:txBody>
+          <a:bodyPr rtlCol="0" anchor="ctr"/>
+          <a:lstStyle/>
+          <a:p>
+            <a:pPr algn="ctr"/>
+            <a:endParaRPr lang="zh-CN" altLang="en-US"/>
+          </a:p>
+        </p:txBody>
+      </p:sp>
+      <p:sp>
+        <p:nvSpPr>
+          <p:cNvPr id="6" name="右大括号 5">
+            <a:extLst>
+              <a:ext uri="{FF2B5EF4-FFF2-40B4-BE49-F238E27FC236}">
+                <a16:creationId xmlns:a16="http://schemas.microsoft.com/office/drawing/2014/main" id="{466B6036-8100-4C33-BFBB-D6F4E4C10A8C}"/>
+              </a:ext>
+            </a:extLst>
+          </p:cNvPr>
+          <p:cNvSpPr/>
+          <p:nvPr/>
+        </p:nvSpPr>
+        <p:spPr>
+          <a:xfrm>
+            <a:off x="6161845" y="3228975"/>
+            <a:ext cx="485775" cy="1133475"/>
+          </a:xfrm>
+          <a:prstGeom prst="rightBrace">
+            <a:avLst/>
+          </a:prstGeom>
+          <a:ln w="38100">
+            <a:solidFill>
+              <a:schemeClr val="tx1">
+                <a:lumMod val="95000"/>
+                <a:lumOff val="5000"/>
+              </a:schemeClr>
+            </a:solidFill>
+          </a:ln>
+        </p:spPr>
+        <p:style>
+          <a:lnRef idx="1">
+            <a:schemeClr val="accent1"/>
+          </a:lnRef>
+          <a:fillRef idx="0">
+            <a:schemeClr val="accent1"/>
+          </a:fillRef>
+          <a:effectRef idx="0">
+            <a:schemeClr val="accent1"/>
+          </a:effectRef>
+          <a:fontRef idx="minor">
+            <a:schemeClr val="tx1"/>
+          </a:fontRef>
+        </p:style>
+        <p:txBody>
+          <a:bodyPr rtlCol="0" anchor="ctr"/>
+          <a:lstStyle/>
+          <a:p>
+            <a:pPr algn="ctr"/>
+            <a:endParaRPr lang="zh-CN" altLang="en-US"/>
+          </a:p>
+        </p:txBody>
+      </p:sp>
+      <p:sp>
+        <p:nvSpPr>
+          <p:cNvPr id="7" name="文本框 6">
+            <a:extLst>
+              <a:ext uri="{FF2B5EF4-FFF2-40B4-BE49-F238E27FC236}">
+                <a16:creationId xmlns:a16="http://schemas.microsoft.com/office/drawing/2014/main" id="{0E59ED8F-914B-463A-8D9A-631BD31C636D}"/>
+              </a:ext>
+            </a:extLst>
+          </p:cNvPr>
+          <p:cNvSpPr txBox="1"/>
+          <p:nvPr/>
+        </p:nvSpPr>
+        <p:spPr>
+          <a:xfrm>
+            <a:off x="6924675" y="4651816"/>
+            <a:ext cx="1657350" cy="630942"/>
+          </a:xfrm>
+          <a:prstGeom prst="rect">
+            <a:avLst/>
+          </a:prstGeom>
+          <a:noFill/>
+        </p:spPr>
+        <p:txBody>
+          <a:bodyPr wrap="square" rtlCol="0">
+            <a:spAutoFit/>
+          </a:bodyPr>
+          <a:lstStyle/>
+          <a:p>
+            <a:r>
+              <a:rPr lang="en-US" altLang="zh-CN" sz="3500" dirty="0">
+                <a:latin typeface="Arial" panose="020B0604020202020204" pitchFamily="34" charset="0"/>
+                <a:cs typeface="Arial" panose="020B0604020202020204" pitchFamily="34" charset="0"/>
+              </a:rPr>
+              <a:t>48%</a:t>
+            </a:r>
+            <a:endParaRPr lang="zh-CN" altLang="en-US" sz="3500" dirty="0">
+              <a:latin typeface="Arial" panose="020B0604020202020204" pitchFamily="34" charset="0"/>
+              <a:cs typeface="Arial" panose="020B0604020202020204" pitchFamily="34" charset="0"/>
+            </a:endParaRPr>
+          </a:p>
+        </p:txBody>
+      </p:sp>
+      <p:sp>
+        <p:nvSpPr>
+          <p:cNvPr id="8" name="文本框 7">
+            <a:extLst>
+              <a:ext uri="{FF2B5EF4-FFF2-40B4-BE49-F238E27FC236}">
+                <a16:creationId xmlns:a16="http://schemas.microsoft.com/office/drawing/2014/main" id="{BB970629-B1FC-4751-A8CF-17A68DCF3464}"/>
+              </a:ext>
+            </a:extLst>
+          </p:cNvPr>
+          <p:cNvSpPr txBox="1"/>
+          <p:nvPr/>
+        </p:nvSpPr>
+        <p:spPr>
+          <a:xfrm>
+            <a:off x="6924675" y="2368771"/>
+            <a:ext cx="1657350" cy="630942"/>
+          </a:xfrm>
+          <a:prstGeom prst="rect">
+            <a:avLst/>
+          </a:prstGeom>
+          <a:noFill/>
+        </p:spPr>
+        <p:txBody>
+          <a:bodyPr wrap="square" rtlCol="0">
+            <a:spAutoFit/>
+          </a:bodyPr>
+          <a:lstStyle/>
+          <a:p>
+            <a:r>
+              <a:rPr lang="en-US" altLang="zh-CN" sz="3500" dirty="0">
+                <a:latin typeface="Arial" panose="020B0604020202020204" pitchFamily="34" charset="0"/>
+                <a:cs typeface="Arial" panose="020B0604020202020204" pitchFamily="34" charset="0"/>
+              </a:rPr>
+              <a:t>40%</a:t>
+            </a:r>
+            <a:endParaRPr lang="zh-CN" altLang="en-US" sz="3500" dirty="0">
+              <a:latin typeface="Arial" panose="020B0604020202020204" pitchFamily="34" charset="0"/>
+              <a:cs typeface="Arial" panose="020B0604020202020204" pitchFamily="34" charset="0"/>
+            </a:endParaRPr>
+          </a:p>
+        </p:txBody>
+      </p:sp>
+      <p:sp>
+        <p:nvSpPr>
+          <p:cNvPr id="9" name="文本框 8">
+            <a:extLst>
+              <a:ext uri="{FF2B5EF4-FFF2-40B4-BE49-F238E27FC236}">
+                <a16:creationId xmlns:a16="http://schemas.microsoft.com/office/drawing/2014/main" id="{1C4420F3-2024-413F-8F85-3D8DFB75757F}"/>
+              </a:ext>
+            </a:extLst>
+          </p:cNvPr>
+          <p:cNvSpPr txBox="1"/>
+          <p:nvPr/>
+        </p:nvSpPr>
+        <p:spPr>
+          <a:xfrm>
+            <a:off x="6924675" y="3429000"/>
+            <a:ext cx="1657350" cy="630942"/>
+          </a:xfrm>
+          <a:prstGeom prst="rect">
+            <a:avLst/>
+          </a:prstGeom>
+          <a:noFill/>
+        </p:spPr>
+        <p:txBody>
+          <a:bodyPr wrap="square" rtlCol="0">
+            <a:spAutoFit/>
+          </a:bodyPr>
+          <a:lstStyle/>
+          <a:p>
+            <a:r>
+              <a:rPr lang="en-US" altLang="zh-CN" sz="3500" dirty="0">
+                <a:latin typeface="Arial" panose="020B0604020202020204" pitchFamily="34" charset="0"/>
+                <a:cs typeface="Arial" panose="020B0604020202020204" pitchFamily="34" charset="0"/>
+              </a:rPr>
+              <a:t>12%</a:t>
+            </a:r>
+            <a:endParaRPr lang="zh-CN" altLang="en-US" sz="3500" dirty="0">
+              <a:latin typeface="Arial" panose="020B0604020202020204" pitchFamily="34" charset="0"/>
+              <a:cs typeface="Arial" panose="020B0604020202020204" pitchFamily="34" charset="0"/>
+            </a:endParaRPr>
+          </a:p>
+        </p:txBody>
+      </p:sp>
+    </p:spTree>
+    <p:extLst>
+      <p:ext uri="{BB962C8B-B14F-4D97-AF65-F5344CB8AC3E}">
+        <p14:creationId xmlns:p14="http://schemas.microsoft.com/office/powerpoint/2010/main" val="780805979"/>
+      </p:ext>
+    </p:extLst>
+  </p:cSld>
+  <p:clrMapOvr>
+    <a:masterClrMapping/>
+  </p:clrMapOvr>
+</p:sld>
+</file>
+
+<file path=ppt/slides/slide29.xml><?xml version="1.0" encoding="utf-8"?>
 <p:sld xmlns:a="http://schemas.openxmlformats.org/drawingml/2006/main" xmlns:r="http://schemas.openxmlformats.org/officeDocument/2006/relationships" xmlns:p="http://schemas.openxmlformats.org/presentationml/2006/main">
   <p:cSld>
     <p:spTree>
@@ -14436,7 +19110,80 @@
 </p:sld>
 </file>
 
-<file path=ppt/slides/slide25.xml><?xml version="1.0" encoding="utf-8"?>
+<file path=ppt/slides/slide3.xml><?xml version="1.0" encoding="utf-8"?>
+<p:sld xmlns:a="http://schemas.openxmlformats.org/drawingml/2006/main" xmlns:r="http://schemas.openxmlformats.org/officeDocument/2006/relationships" xmlns:p="http://schemas.openxmlformats.org/presentationml/2006/main">
+  <p:cSld>
+    <p:spTree>
+      <p:nvGrpSpPr>
+        <p:cNvPr id="1" name=""/>
+        <p:cNvGrpSpPr/>
+        <p:nvPr/>
+      </p:nvGrpSpPr>
+      <p:grpSpPr>
+        <a:xfrm>
+          <a:off x="0" y="0"/>
+          <a:ext cx="0" cy="0"/>
+          <a:chOff x="0" y="0"/>
+          <a:chExt cx="0" cy="0"/>
+        </a:xfrm>
+      </p:grpSpPr>
+      <p:sp>
+        <p:nvSpPr>
+          <p:cNvPr id="4" name="标题 1">
+            <a:extLst>
+              <a:ext uri="{FF2B5EF4-FFF2-40B4-BE49-F238E27FC236}">
+                <a16:creationId xmlns:a16="http://schemas.microsoft.com/office/drawing/2014/main" id="{D5DEED4E-8A35-4F89-AC2B-45D3FCE01389}"/>
+              </a:ext>
+            </a:extLst>
+          </p:cNvPr>
+          <p:cNvSpPr>
+            <a:spLocks noGrp="1"/>
+          </p:cNvSpPr>
+          <p:nvPr>
+            <p:ph type="title"/>
+          </p:nvPr>
+        </p:nvSpPr>
+        <p:spPr>
+          <a:xfrm>
+            <a:off x="742950" y="2766218"/>
+            <a:ext cx="10515600" cy="1325563"/>
+          </a:xfrm>
+        </p:spPr>
+        <p:txBody>
+          <a:bodyPr>
+            <a:normAutofit/>
+          </a:bodyPr>
+          <a:lstStyle/>
+          <a:p>
+            <a:pPr algn="ctr"/>
+            <a:r>
+              <a:rPr lang="en-US" altLang="zh-CN" sz="5000" dirty="0">
+                <a:latin typeface="Arial" panose="020B0604020202020204" pitchFamily="34" charset="0"/>
+                <a:cs typeface="Arial" panose="020B0604020202020204" pitchFamily="34" charset="0"/>
+              </a:rPr>
+              <a:t>CNN architecture</a:t>
+            </a:r>
+            <a:endParaRPr lang="zh-CN" altLang="en-US" sz="5000" dirty="0">
+              <a:latin typeface="Arial" panose="020B0604020202020204" pitchFamily="34" charset="0"/>
+              <a:cs typeface="Arial" panose="020B0604020202020204" pitchFamily="34" charset="0"/>
+            </a:endParaRPr>
+          </a:p>
+        </p:txBody>
+      </p:sp>
+    </p:spTree>
+    <p:extLst>
+      <p:ext uri="{BB962C8B-B14F-4D97-AF65-F5344CB8AC3E}">
+        <p14:creationId xmlns:p14="http://schemas.microsoft.com/office/powerpoint/2010/main" val="3331706731"/>
+      </p:ext>
+    </p:extLst>
+  </p:cSld>
+  <p:clrMapOvr>
+    <a:masterClrMapping/>
+  </p:clrMapOvr>
+</p:sld>
+</file>
+
+<file path=ppt/slides/slide30.xml><?xml version="1.0" encoding="utf-8"?>
 <p:sld xmlns:a="http://schemas.openxmlformats.org/drawingml/2006/main" xmlns:r="http://schemas.openxmlformats.org/officeDocument/2006/relationships" xmlns:p="http://schemas.openxmlformats.org/presentationml/2006/main">
   <p:cSld>
     <p:spTree>
@@ -14633,7 +19380,7 @@
 </p:sld>
 </file>
 
-<file path=ppt/slides/slide26.xml><?xml version="1.0" encoding="utf-8"?>
+<file path=ppt/slides/slide31.xml><?xml version="1.0" encoding="utf-8"?>
 <p:sld xmlns:a="http://schemas.openxmlformats.org/drawingml/2006/main" xmlns:r="http://schemas.openxmlformats.org/officeDocument/2006/relationships" xmlns:p="http://schemas.openxmlformats.org/presentationml/2006/main">
   <p:cSld>
     <p:spTree>
@@ -16306,7 +21053,7 @@
 </p:sld>
 </file>
 
-<file path=ppt/slides/slide27.xml><?xml version="1.0" encoding="utf-8"?>
+<file path=ppt/slides/slide32.xml><?xml version="1.0" encoding="utf-8"?>
 <p:sld xmlns:a="http://schemas.openxmlformats.org/drawingml/2006/main" xmlns:r="http://schemas.openxmlformats.org/officeDocument/2006/relationships" xmlns:p="http://schemas.openxmlformats.org/presentationml/2006/main">
   <p:cSld>
     <p:spTree>
@@ -16379,7 +21126,7 @@
 </p:sld>
 </file>
 
-<file path=ppt/slides/slide28.xml><?xml version="1.0" encoding="utf-8"?>
+<file path=ppt/slides/slide33.xml><?xml version="1.0" encoding="utf-8"?>
 <p:sld xmlns:a="http://schemas.openxmlformats.org/drawingml/2006/main" xmlns:r="http://schemas.openxmlformats.org/officeDocument/2006/relationships" xmlns:p="http://schemas.openxmlformats.org/presentationml/2006/main">
   <p:cSld>
     <p:spTree>
@@ -16546,79 +21293,6 @@
     <p:extLst>
       <p:ext uri="{BB962C8B-B14F-4D97-AF65-F5344CB8AC3E}">
         <p14:creationId xmlns:p14="http://schemas.microsoft.com/office/powerpoint/2010/main" val="3516523388"/>
-      </p:ext>
-    </p:extLst>
-  </p:cSld>
-  <p:clrMapOvr>
-    <a:masterClrMapping/>
-  </p:clrMapOvr>
-</p:sld>
-</file>
-
-<file path=ppt/slides/slide3.xml><?xml version="1.0" encoding="utf-8"?>
-<p:sld xmlns:a="http://schemas.openxmlformats.org/drawingml/2006/main" xmlns:r="http://schemas.openxmlformats.org/officeDocument/2006/relationships" xmlns:p="http://schemas.openxmlformats.org/presentationml/2006/main">
-  <p:cSld>
-    <p:spTree>
-      <p:nvGrpSpPr>
-        <p:cNvPr id="1" name=""/>
-        <p:cNvGrpSpPr/>
-        <p:nvPr/>
-      </p:nvGrpSpPr>
-      <p:grpSpPr>
-        <a:xfrm>
-          <a:off x="0" y="0"/>
-          <a:ext cx="0" cy="0"/>
-          <a:chOff x="0" y="0"/>
-          <a:chExt cx="0" cy="0"/>
-        </a:xfrm>
-      </p:grpSpPr>
-      <p:sp>
-        <p:nvSpPr>
-          <p:cNvPr id="4" name="标题 1">
-            <a:extLst>
-              <a:ext uri="{FF2B5EF4-FFF2-40B4-BE49-F238E27FC236}">
-                <a16:creationId xmlns:a16="http://schemas.microsoft.com/office/drawing/2014/main" id="{D5DEED4E-8A35-4F89-AC2B-45D3FCE01389}"/>
-              </a:ext>
-            </a:extLst>
-          </p:cNvPr>
-          <p:cNvSpPr>
-            <a:spLocks noGrp="1"/>
-          </p:cNvSpPr>
-          <p:nvPr>
-            <p:ph type="title"/>
-          </p:nvPr>
-        </p:nvSpPr>
-        <p:spPr>
-          <a:xfrm>
-            <a:off x="742950" y="2766218"/>
-            <a:ext cx="10515600" cy="1325563"/>
-          </a:xfrm>
-        </p:spPr>
-        <p:txBody>
-          <a:bodyPr>
-            <a:normAutofit/>
-          </a:bodyPr>
-          <a:lstStyle/>
-          <a:p>
-            <a:pPr algn="ctr"/>
-            <a:r>
-              <a:rPr lang="en-US" altLang="zh-CN" sz="5000" dirty="0">
-                <a:latin typeface="Arial" panose="020B0604020202020204" pitchFamily="34" charset="0"/>
-                <a:cs typeface="Arial" panose="020B0604020202020204" pitchFamily="34" charset="0"/>
-              </a:rPr>
-              <a:t>CNN architecture</a:t>
-            </a:r>
-            <a:endParaRPr lang="zh-CN" altLang="en-US" sz="5000" dirty="0">
-              <a:latin typeface="Arial" panose="020B0604020202020204" pitchFamily="34" charset="0"/>
-              <a:cs typeface="Arial" panose="020B0604020202020204" pitchFamily="34" charset="0"/>
-            </a:endParaRPr>
-          </a:p>
-        </p:txBody>
-      </p:sp>
-    </p:spTree>
-    <p:extLst>
-      <p:ext uri="{BB962C8B-B14F-4D97-AF65-F5344CB8AC3E}">
-        <p14:creationId xmlns:p14="http://schemas.microsoft.com/office/powerpoint/2010/main" val="3331706731"/>
       </p:ext>
     </p:extLst>
   </p:cSld>
@@ -18166,7 +22840,12 @@
             <p:ph type="title"/>
           </p:nvPr>
         </p:nvSpPr>
-        <p:spPr/>
+        <p:spPr>
+          <a:xfrm>
+            <a:off x="838200" y="365125"/>
+            <a:ext cx="10515600" cy="1325563"/>
+          </a:xfrm>
+        </p:spPr>
         <p:txBody>
           <a:bodyPr/>
           <a:lstStyle/>
@@ -20901,46 +25580,53 @@
           <a:chExt cx="0" cy="0"/>
         </a:xfrm>
       </p:grpSpPr>
-      <p:pic>
-        <p:nvPicPr>
-          <p:cNvPr id="5" name="图片 4" descr="图片包含 文字&#10;&#10;描述已自动生成">
-            <a:extLst>
-              <a:ext uri="{FF2B5EF4-FFF2-40B4-BE49-F238E27FC236}">
-                <a16:creationId xmlns:a16="http://schemas.microsoft.com/office/drawing/2014/main" id="{3A912AAB-0CD7-4AD7-B352-679C1D3F1C6B}"/>
-              </a:ext>
-            </a:extLst>
-          </p:cNvPr>
-          <p:cNvPicPr>
-            <a:picLocks noChangeAspect="1"/>
-          </p:cNvPicPr>
-          <p:nvPr/>
-        </p:nvPicPr>
-        <p:blipFill>
-          <a:blip r:embed="rId2">
-            <a:extLst>
-              <a:ext uri="{28A0092B-C50C-407E-A947-70E740481C1C}">
-                <a14:useLocalDpi xmlns:a14="http://schemas.microsoft.com/office/drawing/2010/main" val="0"/>
-              </a:ext>
-            </a:extLst>
-          </a:blip>
-          <a:stretch>
-            <a:fillRect/>
-          </a:stretch>
-        </p:blipFill>
+      <p:sp>
+        <p:nvSpPr>
+          <p:cNvPr id="4" name="标题 1">
+            <a:extLst>
+              <a:ext uri="{FF2B5EF4-FFF2-40B4-BE49-F238E27FC236}">
+                <a16:creationId xmlns:a16="http://schemas.microsoft.com/office/drawing/2014/main" id="{570A16A2-EB9A-4C03-AA40-34314C70CC70}"/>
+              </a:ext>
+            </a:extLst>
+          </p:cNvPr>
+          <p:cNvSpPr>
+            <a:spLocks noGrp="1"/>
+          </p:cNvSpPr>
+          <p:nvPr>
+            <p:ph type="title"/>
+          </p:nvPr>
+        </p:nvSpPr>
         <p:spPr>
           <a:xfrm>
-            <a:off x="4321459" y="0"/>
-            <a:ext cx="3549081" cy="6858000"/>
+            <a:off x="2068935" y="2833330"/>
+            <a:ext cx="8054130" cy="958494"/>
           </a:xfrm>
-          <a:prstGeom prst="rect">
-            <a:avLst/>
-          </a:prstGeom>
         </p:spPr>
-      </p:pic>
+        <p:txBody>
+          <a:bodyPr>
+            <a:normAutofit/>
+          </a:bodyPr>
+          <a:lstStyle/>
+          <a:p>
+            <a:pPr algn="ctr"/>
+            <a:r>
+              <a:rPr lang="en-US" altLang="zh-CN" sz="4000" dirty="0">
+                <a:latin typeface="Arial" panose="020B0604020202020204" pitchFamily="34" charset="0"/>
+                <a:cs typeface="Arial" panose="020B0604020202020204" pitchFamily="34" charset="0"/>
+              </a:rPr>
+              <a:t>Quickly Review</a:t>
+            </a:r>
+            <a:endParaRPr lang="zh-CN" altLang="en-US" sz="4000" dirty="0">
+              <a:latin typeface="Arial" panose="020B0604020202020204" pitchFamily="34" charset="0"/>
+              <a:cs typeface="Arial" panose="020B0604020202020204" pitchFamily="34" charset="0"/>
+            </a:endParaRPr>
+          </a:p>
+        </p:txBody>
+      </p:sp>
     </p:spTree>
     <p:extLst>
       <p:ext uri="{BB962C8B-B14F-4D97-AF65-F5344CB8AC3E}">
-        <p14:creationId xmlns:p14="http://schemas.microsoft.com/office/powerpoint/2010/main" val="1622894134"/>
+        <p14:creationId xmlns:p14="http://schemas.microsoft.com/office/powerpoint/2010/main" val="3781964562"/>
       </p:ext>
     </p:extLst>
   </p:cSld>
@@ -20967,1890 +25653,46 @@
           <a:chExt cx="0" cy="0"/>
         </a:xfrm>
       </p:grpSpPr>
-      <p:sp>
-        <p:nvSpPr>
-          <p:cNvPr id="4" name="标题 1">
-            <a:extLst>
-              <a:ext uri="{FF2B5EF4-FFF2-40B4-BE49-F238E27FC236}">
-                <a16:creationId xmlns:a16="http://schemas.microsoft.com/office/drawing/2014/main" id="{0130A5E9-2E9A-487E-BAFE-5ED8AF5A20A7}"/>
-              </a:ext>
-            </a:extLst>
-          </p:cNvPr>
-          <p:cNvSpPr>
-            <a:spLocks noGrp="1"/>
-          </p:cNvSpPr>
-          <p:nvPr>
-            <p:ph type="title"/>
-          </p:nvPr>
-        </p:nvSpPr>
+      <p:pic>
+        <p:nvPicPr>
+          <p:cNvPr id="5" name="图片 4" descr="图片包含 文字&#10;&#10;描述已自动生成">
+            <a:extLst>
+              <a:ext uri="{FF2B5EF4-FFF2-40B4-BE49-F238E27FC236}">
+                <a16:creationId xmlns:a16="http://schemas.microsoft.com/office/drawing/2014/main" id="{3A912AAB-0CD7-4AD7-B352-679C1D3F1C6B}"/>
+              </a:ext>
+            </a:extLst>
+          </p:cNvPr>
+          <p:cNvPicPr>
+            <a:picLocks noChangeAspect="1"/>
+          </p:cNvPicPr>
+          <p:nvPr/>
+        </p:nvPicPr>
+        <p:blipFill>
+          <a:blip r:embed="rId2">
+            <a:extLst>
+              <a:ext uri="{28A0092B-C50C-407E-A947-70E740481C1C}">
+                <a14:useLocalDpi xmlns:a14="http://schemas.microsoft.com/office/drawing/2010/main" val="0"/>
+              </a:ext>
+            </a:extLst>
+          </a:blip>
+          <a:stretch>
+            <a:fillRect/>
+          </a:stretch>
+        </p:blipFill>
         <p:spPr>
           <a:xfrm>
-            <a:off x="838200" y="365125"/>
-            <a:ext cx="10515600" cy="1325563"/>
-          </a:xfrm>
-        </p:spPr>
-        <p:txBody>
-          <a:bodyPr/>
-          <a:lstStyle/>
-          <a:p>
-            <a:r>
-              <a:rPr lang="en-US" altLang="zh-CN" dirty="0">
-                <a:latin typeface="Arial" panose="020B0604020202020204" pitchFamily="34" charset="0"/>
-                <a:cs typeface="Arial" panose="020B0604020202020204" pitchFamily="34" charset="0"/>
-              </a:rPr>
-              <a:t>Network Initialization </a:t>
-            </a:r>
-            <a:endParaRPr lang="zh-CN" altLang="en-US" dirty="0">
-              <a:latin typeface="Arial" panose="020B0604020202020204" pitchFamily="34" charset="0"/>
-              <a:cs typeface="Arial" panose="020B0604020202020204" pitchFamily="34" charset="0"/>
-            </a:endParaRPr>
-          </a:p>
-        </p:txBody>
-      </p:sp>
-      <p:sp>
-        <p:nvSpPr>
-          <p:cNvPr id="5" name="矩形 4">
-            <a:extLst>
-              <a:ext uri="{FF2B5EF4-FFF2-40B4-BE49-F238E27FC236}">
-                <a16:creationId xmlns:a16="http://schemas.microsoft.com/office/drawing/2014/main" id="{1CE064F3-E5C8-46E4-A585-DBDFB5370642}"/>
-              </a:ext>
-            </a:extLst>
-          </p:cNvPr>
-          <p:cNvSpPr/>
-          <p:nvPr/>
-        </p:nvSpPr>
-        <p:spPr>
-          <a:xfrm>
-            <a:off x="10787610" y="1820408"/>
-            <a:ext cx="607834" cy="258900"/>
+            <a:off x="4321459" y="0"/>
+            <a:ext cx="3549081" cy="6858000"/>
           </a:xfrm>
           <a:prstGeom prst="rect">
             <a:avLst/>
           </a:prstGeom>
-          <a:noFill/>
-          <a:ln w="38100"/>
         </p:spPr>
-        <p:style>
-          <a:lnRef idx="2">
-            <a:schemeClr val="dk1">
-              <a:shade val="50000"/>
-            </a:schemeClr>
-          </a:lnRef>
-          <a:fillRef idx="1">
-            <a:schemeClr val="dk1"/>
-          </a:fillRef>
-          <a:effectRef idx="0">
-            <a:schemeClr val="dk1"/>
-          </a:effectRef>
-          <a:fontRef idx="minor">
-            <a:schemeClr val="lt1"/>
-          </a:fontRef>
-        </p:style>
-        <p:txBody>
-          <a:bodyPr rtlCol="0" anchor="ctr"/>
-          <a:lstStyle/>
-          <a:p>
-            <a:pPr algn="ctr"/>
-            <a:r>
-              <a:rPr lang="en-US" altLang="zh-CN" b="1" dirty="0">
-                <a:solidFill>
-                  <a:schemeClr val="tx1"/>
-                </a:solidFill>
-                <a:latin typeface="Arial" panose="020B0604020202020204" pitchFamily="34" charset="0"/>
-                <a:cs typeface="Arial" panose="020B0604020202020204" pitchFamily="34" charset="0"/>
-              </a:rPr>
-              <a:t>1</a:t>
-            </a:r>
-            <a:endParaRPr lang="zh-CN" altLang="en-US" b="1" dirty="0">
-              <a:solidFill>
-                <a:schemeClr val="tx1"/>
-              </a:solidFill>
-              <a:latin typeface="Arial" panose="020B0604020202020204" pitchFamily="34" charset="0"/>
-              <a:cs typeface="Arial" panose="020B0604020202020204" pitchFamily="34" charset="0"/>
-            </a:endParaRPr>
-          </a:p>
-        </p:txBody>
-      </p:sp>
-      <p:sp>
-        <p:nvSpPr>
-          <p:cNvPr id="6" name="矩形 5">
-            <a:extLst>
-              <a:ext uri="{FF2B5EF4-FFF2-40B4-BE49-F238E27FC236}">
-                <a16:creationId xmlns:a16="http://schemas.microsoft.com/office/drawing/2014/main" id="{02E254B8-9310-4BC7-8FA2-F3E0DF655959}"/>
-              </a:ext>
-            </a:extLst>
-          </p:cNvPr>
-          <p:cNvSpPr/>
-          <p:nvPr/>
-        </p:nvSpPr>
-        <p:spPr>
-          <a:xfrm>
-            <a:off x="9283963" y="1820408"/>
-            <a:ext cx="607834" cy="258900"/>
-          </a:xfrm>
-          <a:prstGeom prst="rect">
-            <a:avLst/>
-          </a:prstGeom>
-          <a:noFill/>
-          <a:ln w="38100"/>
-        </p:spPr>
-        <p:style>
-          <a:lnRef idx="2">
-            <a:schemeClr val="dk1">
-              <a:shade val="50000"/>
-            </a:schemeClr>
-          </a:lnRef>
-          <a:fillRef idx="1">
-            <a:schemeClr val="dk1"/>
-          </a:fillRef>
-          <a:effectRef idx="0">
-            <a:schemeClr val="dk1"/>
-          </a:effectRef>
-          <a:fontRef idx="minor">
-            <a:schemeClr val="lt1"/>
-          </a:fontRef>
-        </p:style>
-        <p:txBody>
-          <a:bodyPr rtlCol="0" anchor="ctr"/>
-          <a:lstStyle/>
-          <a:p>
-            <a:pPr algn="ctr"/>
-            <a:r>
-              <a:rPr lang="en-US" altLang="zh-CN" b="1" dirty="0">
-                <a:solidFill>
-                  <a:schemeClr val="tx1"/>
-                </a:solidFill>
-                <a:latin typeface="Arial" panose="020B0604020202020204" pitchFamily="34" charset="0"/>
-                <a:cs typeface="Arial" panose="020B0604020202020204" pitchFamily="34" charset="0"/>
-              </a:rPr>
-              <a:t>0</a:t>
-            </a:r>
-            <a:endParaRPr lang="zh-CN" altLang="en-US" b="1" dirty="0">
-              <a:solidFill>
-                <a:schemeClr val="tx1"/>
-              </a:solidFill>
-              <a:latin typeface="Arial" panose="020B0604020202020204" pitchFamily="34" charset="0"/>
-              <a:cs typeface="Arial" panose="020B0604020202020204" pitchFamily="34" charset="0"/>
-            </a:endParaRPr>
-          </a:p>
-        </p:txBody>
-      </p:sp>
-      <p:sp>
-        <p:nvSpPr>
-          <p:cNvPr id="7" name="矩形 6">
-            <a:extLst>
-              <a:ext uri="{FF2B5EF4-FFF2-40B4-BE49-F238E27FC236}">
-                <a16:creationId xmlns:a16="http://schemas.microsoft.com/office/drawing/2014/main" id="{3140A6CF-6134-49A5-B53C-8F956EB8BBCD}"/>
-              </a:ext>
-            </a:extLst>
-          </p:cNvPr>
-          <p:cNvSpPr/>
-          <p:nvPr/>
-        </p:nvSpPr>
-        <p:spPr>
-          <a:xfrm>
-            <a:off x="8856140" y="3658751"/>
-            <a:ext cx="607834" cy="258900"/>
-          </a:xfrm>
-          <a:prstGeom prst="rect">
-            <a:avLst/>
-          </a:prstGeom>
-          <a:noFill/>
-          <a:ln w="38100"/>
-        </p:spPr>
-        <p:style>
-          <a:lnRef idx="2">
-            <a:schemeClr val="dk1">
-              <a:shade val="50000"/>
-            </a:schemeClr>
-          </a:lnRef>
-          <a:fillRef idx="1">
-            <a:schemeClr val="dk1"/>
-          </a:fillRef>
-          <a:effectRef idx="0">
-            <a:schemeClr val="dk1"/>
-          </a:effectRef>
-          <a:fontRef idx="minor">
-            <a:schemeClr val="lt1"/>
-          </a:fontRef>
-        </p:style>
-        <p:txBody>
-          <a:bodyPr rtlCol="0" anchor="ctr"/>
-          <a:lstStyle/>
-          <a:p>
-            <a:pPr algn="ctr"/>
-            <a:r>
-              <a:rPr lang="en-US" altLang="zh-CN" b="1" dirty="0">
-                <a:solidFill>
-                  <a:schemeClr val="tx1"/>
-                </a:solidFill>
-                <a:latin typeface="Arial" panose="020B0604020202020204" pitchFamily="34" charset="0"/>
-                <a:cs typeface="Arial" panose="020B0604020202020204" pitchFamily="34" charset="0"/>
-              </a:rPr>
-              <a:t>2</a:t>
-            </a:r>
-            <a:endParaRPr lang="zh-CN" altLang="en-US" b="1" dirty="0">
-              <a:solidFill>
-                <a:schemeClr val="tx1"/>
-              </a:solidFill>
-              <a:latin typeface="Arial" panose="020B0604020202020204" pitchFamily="34" charset="0"/>
-              <a:cs typeface="Arial" panose="020B0604020202020204" pitchFamily="34" charset="0"/>
-            </a:endParaRPr>
-          </a:p>
-        </p:txBody>
-      </p:sp>
-      <p:sp>
-        <p:nvSpPr>
-          <p:cNvPr id="8" name="矩形 7">
-            <a:extLst>
-              <a:ext uri="{FF2B5EF4-FFF2-40B4-BE49-F238E27FC236}">
-                <a16:creationId xmlns:a16="http://schemas.microsoft.com/office/drawing/2014/main" id="{5B82E632-94F2-462B-926C-1AAD02364071}"/>
-              </a:ext>
-            </a:extLst>
-          </p:cNvPr>
-          <p:cNvSpPr/>
-          <p:nvPr/>
-        </p:nvSpPr>
-        <p:spPr>
-          <a:xfrm>
-            <a:off x="10874638" y="4615536"/>
-            <a:ext cx="607834" cy="258900"/>
-          </a:xfrm>
-          <a:prstGeom prst="rect">
-            <a:avLst/>
-          </a:prstGeom>
-          <a:noFill/>
-          <a:ln w="38100"/>
-        </p:spPr>
-        <p:style>
-          <a:lnRef idx="2">
-            <a:schemeClr val="dk1">
-              <a:shade val="50000"/>
-            </a:schemeClr>
-          </a:lnRef>
-          <a:fillRef idx="1">
-            <a:schemeClr val="dk1"/>
-          </a:fillRef>
-          <a:effectRef idx="0">
-            <a:schemeClr val="dk1"/>
-          </a:effectRef>
-          <a:fontRef idx="minor">
-            <a:schemeClr val="lt1"/>
-          </a:fontRef>
-        </p:style>
-        <p:txBody>
-          <a:bodyPr rtlCol="0" anchor="ctr"/>
-          <a:lstStyle/>
-          <a:p>
-            <a:pPr algn="ctr"/>
-            <a:r>
-              <a:rPr lang="en-US" altLang="zh-CN" b="1" dirty="0">
-                <a:solidFill>
-                  <a:schemeClr val="tx1"/>
-                </a:solidFill>
-                <a:latin typeface="Arial" panose="020B0604020202020204" pitchFamily="34" charset="0"/>
-                <a:cs typeface="Arial" panose="020B0604020202020204" pitchFamily="34" charset="0"/>
-              </a:rPr>
-              <a:t>3</a:t>
-            </a:r>
-            <a:endParaRPr lang="zh-CN" altLang="en-US" b="1" dirty="0">
-              <a:solidFill>
-                <a:schemeClr val="tx1"/>
-              </a:solidFill>
-              <a:latin typeface="Arial" panose="020B0604020202020204" pitchFamily="34" charset="0"/>
-              <a:cs typeface="Arial" panose="020B0604020202020204" pitchFamily="34" charset="0"/>
-            </a:endParaRPr>
-          </a:p>
-        </p:txBody>
-      </p:sp>
-      <p:sp>
-        <p:nvSpPr>
-          <p:cNvPr id="9" name="矩形 8">
-            <a:extLst>
-              <a:ext uri="{FF2B5EF4-FFF2-40B4-BE49-F238E27FC236}">
-                <a16:creationId xmlns:a16="http://schemas.microsoft.com/office/drawing/2014/main" id="{6E09DB1E-6EA7-4D44-8AB7-54D0CE4C832A}"/>
-              </a:ext>
-            </a:extLst>
-          </p:cNvPr>
-          <p:cNvSpPr/>
-          <p:nvPr/>
-        </p:nvSpPr>
-        <p:spPr>
-          <a:xfrm>
-            <a:off x="9019332" y="5603931"/>
-            <a:ext cx="607834" cy="258900"/>
-          </a:xfrm>
-          <a:prstGeom prst="rect">
-            <a:avLst/>
-          </a:prstGeom>
-          <a:noFill/>
-          <a:ln w="38100"/>
-        </p:spPr>
-        <p:style>
-          <a:lnRef idx="2">
-            <a:schemeClr val="dk1">
-              <a:shade val="50000"/>
-            </a:schemeClr>
-          </a:lnRef>
-          <a:fillRef idx="1">
-            <a:schemeClr val="dk1"/>
-          </a:fillRef>
-          <a:effectRef idx="0">
-            <a:schemeClr val="dk1"/>
-          </a:effectRef>
-          <a:fontRef idx="minor">
-            <a:schemeClr val="lt1"/>
-          </a:fontRef>
-        </p:style>
-        <p:txBody>
-          <a:bodyPr rtlCol="0" anchor="ctr"/>
-          <a:lstStyle/>
-          <a:p>
-            <a:pPr algn="ctr"/>
-            <a:r>
-              <a:rPr lang="en-US" altLang="zh-CN" b="1" dirty="0">
-                <a:solidFill>
-                  <a:schemeClr val="tx1"/>
-                </a:solidFill>
-                <a:latin typeface="Arial" panose="020B0604020202020204" pitchFamily="34" charset="0"/>
-                <a:cs typeface="Arial" panose="020B0604020202020204" pitchFamily="34" charset="0"/>
-              </a:rPr>
-              <a:t>4</a:t>
-            </a:r>
-            <a:endParaRPr lang="zh-CN" altLang="en-US" b="1" dirty="0">
-              <a:solidFill>
-                <a:schemeClr val="tx1"/>
-              </a:solidFill>
-              <a:latin typeface="Arial" panose="020B0604020202020204" pitchFamily="34" charset="0"/>
-              <a:cs typeface="Arial" panose="020B0604020202020204" pitchFamily="34" charset="0"/>
-            </a:endParaRPr>
-          </a:p>
-        </p:txBody>
-      </p:sp>
-      <p:graphicFrame>
-        <p:nvGraphicFramePr>
-          <p:cNvPr id="10" name="表格 9">
-            <a:extLst>
-              <a:ext uri="{FF2B5EF4-FFF2-40B4-BE49-F238E27FC236}">
-                <a16:creationId xmlns:a16="http://schemas.microsoft.com/office/drawing/2014/main" id="{6EA18A7B-ECB7-4D6F-AFA6-71169A84961A}"/>
-              </a:ext>
-            </a:extLst>
-          </p:cNvPr>
-          <p:cNvGraphicFramePr>
-            <a:graphicFrameLocks noGrp="1"/>
-          </p:cNvGraphicFramePr>
-          <p:nvPr>
-            <p:extLst>
-              <p:ext uri="{D42A27DB-BD31-4B8C-83A1-F6EECF244321}">
-                <p14:modId xmlns:p14="http://schemas.microsoft.com/office/powerpoint/2010/main" val="2550981113"/>
-              </p:ext>
-            </p:extLst>
-          </p:nvPr>
-        </p:nvGraphicFramePr>
-        <p:xfrm>
-          <a:off x="5353050" y="1529932"/>
-          <a:ext cx="2558500" cy="4602480"/>
-        </p:xfrm>
-        <a:graphic>
-          <a:graphicData uri="http://schemas.openxmlformats.org/drawingml/2006/table">
-            <a:tbl>
-              <a:tblPr firstRow="1" bandRow="1">
-                <a:effectLst/>
-                <a:tableStyleId>{5C22544A-7EE6-4342-B048-85BDC9FD1C3A}</a:tableStyleId>
-              </a:tblPr>
-              <a:tblGrid>
-                <a:gridCol w="1279250">
-                  <a:extLst>
-                    <a:ext uri="{9D8B030D-6E8A-4147-A177-3AD203B41FA5}">
-                      <a16:colId xmlns:a16="http://schemas.microsoft.com/office/drawing/2014/main" val="2401383242"/>
-                    </a:ext>
-                  </a:extLst>
-                </a:gridCol>
-                <a:gridCol w="1279250">
-                  <a:extLst>
-                    <a:ext uri="{9D8B030D-6E8A-4147-A177-3AD203B41FA5}">
-                      <a16:colId xmlns:a16="http://schemas.microsoft.com/office/drawing/2014/main" val="950134537"/>
-                    </a:ext>
-                  </a:extLst>
-                </a:gridCol>
-              </a:tblGrid>
-              <a:tr h="643131">
-                <a:tc>
-                  <a:txBody>
-                    <a:bodyPr/>
-                    <a:lstStyle/>
-                    <a:p>
-                      <a:pPr algn="ctr"/>
-                      <a:endParaRPr lang="zh-CN" altLang="en-US" sz="2200" b="1" dirty="0">
-                        <a:latin typeface="Times New Roman" panose="02020603050405020304" pitchFamily="18" charset="0"/>
-                        <a:cs typeface="Times New Roman" panose="02020603050405020304" pitchFamily="18" charset="0"/>
-                      </a:endParaRPr>
-                    </a:p>
-                  </a:txBody>
-                  <a:tcPr>
-                    <a:lnL w="12700" cap="flat" cmpd="sng" algn="ctr">
-                      <a:noFill/>
-                      <a:prstDash val="solid"/>
-                      <a:round/>
-                      <a:headEnd type="none" w="med" len="med"/>
-                      <a:tailEnd type="none" w="med" len="med"/>
-                    </a:lnL>
-                    <a:lnR w="12700" cap="flat" cmpd="sng" algn="ctr">
-                      <a:noFill/>
-                      <a:prstDash val="solid"/>
-                      <a:round/>
-                      <a:headEnd type="none" w="med" len="med"/>
-                      <a:tailEnd type="none" w="med" len="med"/>
-                    </a:lnR>
-                    <a:lnT w="12700" cap="flat" cmpd="sng" algn="ctr">
-                      <a:noFill/>
-                      <a:prstDash val="solid"/>
-                      <a:round/>
-                      <a:headEnd type="none" w="med" len="med"/>
-                      <a:tailEnd type="none" w="med" len="med"/>
-                    </a:lnT>
-                    <a:lnB w="12700" cap="flat" cmpd="sng" algn="ctr">
-                      <a:noFill/>
-                      <a:prstDash val="solid"/>
-                      <a:round/>
-                      <a:headEnd type="none" w="med" len="med"/>
-                      <a:tailEnd type="none" w="med" len="med"/>
-                    </a:lnB>
-                    <a:lnTlToBr w="12700" cmpd="sng">
-                      <a:noFill/>
-                      <a:prstDash val="solid"/>
-                    </a:lnTlToBr>
-                    <a:lnBlToTr w="12700" cmpd="sng">
-                      <a:noFill/>
-                      <a:prstDash val="solid"/>
-                    </a:lnBlToTr>
-                    <a:noFill/>
-                  </a:tcPr>
-                </a:tc>
-                <a:tc>
-                  <a:txBody>
-                    <a:bodyPr/>
-                    <a:lstStyle/>
-                    <a:p>
-                      <a:pPr algn="ctr"/>
-                      <a:r>
-                        <a:rPr lang="en-US" altLang="zh-CN" sz="2200" b="1" dirty="0">
-                          <a:solidFill>
-                            <a:schemeClr val="tx1"/>
-                          </a:solidFill>
-                          <a:latin typeface="Times New Roman" panose="02020603050405020304" pitchFamily="18" charset="0"/>
-                          <a:cs typeface="Times New Roman" panose="02020603050405020304" pitchFamily="18" charset="0"/>
-                        </a:rPr>
-                        <a:t>Operation</a:t>
-                      </a:r>
-                      <a:endParaRPr lang="zh-CN" altLang="en-US" sz="2200" b="1" dirty="0">
-                        <a:solidFill>
-                          <a:schemeClr val="tx1"/>
-                        </a:solidFill>
-                        <a:latin typeface="Times New Roman" panose="02020603050405020304" pitchFamily="18" charset="0"/>
-                        <a:cs typeface="Times New Roman" panose="02020603050405020304" pitchFamily="18" charset="0"/>
-                      </a:endParaRPr>
-                    </a:p>
-                  </a:txBody>
-                  <a:tcPr>
-                    <a:lnL w="12700" cap="flat" cmpd="sng" algn="ctr">
-                      <a:noFill/>
-                      <a:prstDash val="solid"/>
-                      <a:round/>
-                      <a:headEnd type="none" w="med" len="med"/>
-                      <a:tailEnd type="none" w="med" len="med"/>
-                    </a:lnL>
-                    <a:lnR w="12700" cap="flat" cmpd="sng" algn="ctr">
-                      <a:noFill/>
-                      <a:prstDash val="solid"/>
-                      <a:round/>
-                      <a:headEnd type="none" w="med" len="med"/>
-                      <a:tailEnd type="none" w="med" len="med"/>
-                    </a:lnR>
-                    <a:lnT w="12700" cap="flat" cmpd="sng" algn="ctr">
-                      <a:noFill/>
-                      <a:prstDash val="solid"/>
-                      <a:round/>
-                      <a:headEnd type="none" w="med" len="med"/>
-                      <a:tailEnd type="none" w="med" len="med"/>
-                    </a:lnT>
-                    <a:lnB w="12700" cap="flat" cmpd="sng" algn="ctr">
-                      <a:noFill/>
-                      <a:prstDash val="solid"/>
-                      <a:round/>
-                      <a:headEnd type="none" w="med" len="med"/>
-                      <a:tailEnd type="none" w="med" len="med"/>
-                    </a:lnB>
-                    <a:lnTlToBr w="12700" cmpd="sng">
-                      <a:noFill/>
-                      <a:prstDash val="solid"/>
-                    </a:lnTlToBr>
-                    <a:lnBlToTr w="12700" cmpd="sng">
-                      <a:noFill/>
-                      <a:prstDash val="solid"/>
-                    </a:lnBlToTr>
-                    <a:noFill/>
-                  </a:tcPr>
-                </a:tc>
-                <a:extLst>
-                  <a:ext uri="{0D108BD9-81ED-4DB2-BD59-A6C34878D82A}">
-                    <a16:rowId xmlns:a16="http://schemas.microsoft.com/office/drawing/2014/main" val="3828241060"/>
-                  </a:ext>
-                </a:extLst>
-              </a:tr>
-              <a:tr h="394227">
-                <a:tc>
-                  <a:txBody>
-                    <a:bodyPr/>
-                    <a:lstStyle/>
-                    <a:p>
-                      <a:pPr algn="ctr"/>
-                      <a:r>
-                        <a:rPr lang="en-US" altLang="zh-CN" sz="2200" b="1" dirty="0">
-                          <a:latin typeface="Times New Roman" panose="02020603050405020304" pitchFamily="18" charset="0"/>
-                          <a:cs typeface="Times New Roman" panose="02020603050405020304" pitchFamily="18" charset="0"/>
-                        </a:rPr>
-                        <a:t>(0, 2)</a:t>
-                      </a:r>
-                      <a:endParaRPr lang="zh-CN" altLang="en-US" sz="2200" b="1" dirty="0">
-                        <a:latin typeface="Times New Roman" panose="02020603050405020304" pitchFamily="18" charset="0"/>
-                        <a:cs typeface="Times New Roman" panose="02020603050405020304" pitchFamily="18" charset="0"/>
-                      </a:endParaRPr>
-                    </a:p>
-                  </a:txBody>
-                  <a:tcPr>
-                    <a:lnL w="12700" cap="flat" cmpd="sng" algn="ctr">
-                      <a:noFill/>
-                      <a:prstDash val="solid"/>
-                      <a:round/>
-                      <a:headEnd type="none" w="med" len="med"/>
-                      <a:tailEnd type="none" w="med" len="med"/>
-                    </a:lnL>
-                    <a:lnR w="12700" cap="flat" cmpd="sng" algn="ctr">
-                      <a:noFill/>
-                      <a:prstDash val="solid"/>
-                      <a:round/>
-                      <a:headEnd type="none" w="med" len="med"/>
-                      <a:tailEnd type="none" w="med" len="med"/>
-                    </a:lnR>
-                    <a:lnT w="12700" cap="flat" cmpd="sng" algn="ctr">
-                      <a:noFill/>
-                      <a:prstDash val="solid"/>
-                      <a:round/>
-                      <a:headEnd type="none" w="med" len="med"/>
-                      <a:tailEnd type="none" w="med" len="med"/>
-                    </a:lnT>
-                    <a:lnB w="12700" cap="flat" cmpd="sng" algn="ctr">
-                      <a:noFill/>
-                      <a:prstDash val="solid"/>
-                      <a:round/>
-                      <a:headEnd type="none" w="med" len="med"/>
-                      <a:tailEnd type="none" w="med" len="med"/>
-                    </a:lnB>
-                    <a:lnTlToBr w="12700" cmpd="sng">
-                      <a:noFill/>
-                      <a:prstDash val="solid"/>
-                    </a:lnTlToBr>
-                    <a:lnBlToTr w="12700" cmpd="sng">
-                      <a:noFill/>
-                      <a:prstDash val="solid"/>
-                    </a:lnBlToTr>
-                    <a:noFill/>
-                  </a:tcPr>
-                </a:tc>
-                <a:tc>
-                  <a:txBody>
-                    <a:bodyPr/>
-                    <a:lstStyle/>
-                    <a:p>
-                      <a:pPr algn="ctr"/>
-                      <a:r>
-                        <a:rPr lang="en-US" altLang="zh-CN" sz="2200" b="1" dirty="0">
-                          <a:latin typeface="Times New Roman" panose="02020603050405020304" pitchFamily="18" charset="0"/>
-                          <a:cs typeface="Times New Roman" panose="02020603050405020304" pitchFamily="18" charset="0"/>
-                        </a:rPr>
-                        <a:t>0</a:t>
-                      </a:r>
-                      <a:endParaRPr lang="zh-CN" altLang="en-US" sz="2200" b="1" dirty="0">
-                        <a:latin typeface="Times New Roman" panose="02020603050405020304" pitchFamily="18" charset="0"/>
-                        <a:cs typeface="Times New Roman" panose="02020603050405020304" pitchFamily="18" charset="0"/>
-                      </a:endParaRPr>
-                    </a:p>
-                  </a:txBody>
-                  <a:tcPr>
-                    <a:lnL w="12700" cap="flat" cmpd="sng" algn="ctr">
-                      <a:noFill/>
-                      <a:prstDash val="solid"/>
-                      <a:round/>
-                      <a:headEnd type="none" w="med" len="med"/>
-                      <a:tailEnd type="none" w="med" len="med"/>
-                    </a:lnL>
-                    <a:lnR w="12700" cap="flat" cmpd="sng" algn="ctr">
-                      <a:noFill/>
-                      <a:prstDash val="solid"/>
-                      <a:round/>
-                      <a:headEnd type="none" w="med" len="med"/>
-                      <a:tailEnd type="none" w="med" len="med"/>
-                    </a:lnR>
-                    <a:lnT w="12700" cap="flat" cmpd="sng" algn="ctr">
-                      <a:noFill/>
-                      <a:prstDash val="solid"/>
-                      <a:round/>
-                      <a:headEnd type="none" w="med" len="med"/>
-                      <a:tailEnd type="none" w="med" len="med"/>
-                    </a:lnT>
-                    <a:lnB w="12700" cap="flat" cmpd="sng" algn="ctr">
-                      <a:noFill/>
-                      <a:prstDash val="solid"/>
-                      <a:round/>
-                      <a:headEnd type="none" w="med" len="med"/>
-                      <a:tailEnd type="none" w="med" len="med"/>
-                    </a:lnB>
-                    <a:lnTlToBr w="12700" cmpd="sng">
-                      <a:noFill/>
-                      <a:prstDash val="solid"/>
-                    </a:lnTlToBr>
-                    <a:lnBlToTr w="12700" cmpd="sng">
-                      <a:noFill/>
-                      <a:prstDash val="solid"/>
-                    </a:lnBlToTr>
-                    <a:noFill/>
-                  </a:tcPr>
-                </a:tc>
-                <a:extLst>
-                  <a:ext uri="{0D108BD9-81ED-4DB2-BD59-A6C34878D82A}">
-                    <a16:rowId xmlns:a16="http://schemas.microsoft.com/office/drawing/2014/main" val="2070731399"/>
-                  </a:ext>
-                </a:extLst>
-              </a:tr>
-              <a:tr h="360154">
-                <a:tc>
-                  <a:txBody>
-                    <a:bodyPr/>
-                    <a:lstStyle/>
-                    <a:p>
-                      <a:pPr algn="ctr"/>
-                      <a:r>
-                        <a:rPr lang="en-US" altLang="zh-CN" sz="2200" b="1" dirty="0">
-                          <a:latin typeface="Times New Roman" panose="02020603050405020304" pitchFamily="18" charset="0"/>
-                          <a:cs typeface="Times New Roman" panose="02020603050405020304" pitchFamily="18" charset="0"/>
-                        </a:rPr>
-                        <a:t>(0, 3)</a:t>
-                      </a:r>
-                      <a:endParaRPr lang="zh-CN" altLang="en-US" sz="2200" b="1" dirty="0">
-                        <a:latin typeface="Times New Roman" panose="02020603050405020304" pitchFamily="18" charset="0"/>
-                        <a:cs typeface="Times New Roman" panose="02020603050405020304" pitchFamily="18" charset="0"/>
-                      </a:endParaRPr>
-                    </a:p>
-                  </a:txBody>
-                  <a:tcPr>
-                    <a:lnL w="12700" cap="flat" cmpd="sng" algn="ctr">
-                      <a:noFill/>
-                      <a:prstDash val="solid"/>
-                      <a:round/>
-                      <a:headEnd type="none" w="med" len="med"/>
-                      <a:tailEnd type="none" w="med" len="med"/>
-                    </a:lnL>
-                    <a:lnR w="12700" cap="flat" cmpd="sng" algn="ctr">
-                      <a:noFill/>
-                      <a:prstDash val="solid"/>
-                      <a:round/>
-                      <a:headEnd type="none" w="med" len="med"/>
-                      <a:tailEnd type="none" w="med" len="med"/>
-                    </a:lnR>
-                    <a:lnT w="12700" cap="flat" cmpd="sng" algn="ctr">
-                      <a:noFill/>
-                      <a:prstDash val="solid"/>
-                      <a:round/>
-                      <a:headEnd type="none" w="med" len="med"/>
-                      <a:tailEnd type="none" w="med" len="med"/>
-                    </a:lnT>
-                    <a:lnB w="12700" cap="flat" cmpd="sng" algn="ctr">
-                      <a:noFill/>
-                      <a:prstDash val="solid"/>
-                      <a:round/>
-                      <a:headEnd type="none" w="med" len="med"/>
-                      <a:tailEnd type="none" w="med" len="med"/>
-                    </a:lnB>
-                    <a:lnTlToBr w="12700" cmpd="sng">
-                      <a:noFill/>
-                      <a:prstDash val="solid"/>
-                    </a:lnTlToBr>
-                    <a:lnBlToTr w="12700" cmpd="sng">
-                      <a:noFill/>
-                      <a:prstDash val="solid"/>
-                    </a:lnBlToTr>
-                    <a:noFill/>
-                  </a:tcPr>
-                </a:tc>
-                <a:tc>
-                  <a:txBody>
-                    <a:bodyPr/>
-                    <a:lstStyle/>
-                    <a:p>
-                      <a:pPr algn="ctr"/>
-                      <a:r>
-                        <a:rPr lang="en-US" altLang="zh-CN" sz="2200" b="1" dirty="0">
-                          <a:latin typeface="Times New Roman" panose="02020603050405020304" pitchFamily="18" charset="0"/>
-                          <a:cs typeface="Times New Roman" panose="02020603050405020304" pitchFamily="18" charset="0"/>
-                        </a:rPr>
-                        <a:t>0</a:t>
-                      </a:r>
-                      <a:endParaRPr lang="zh-CN" altLang="en-US" sz="2200" b="1" dirty="0">
-                        <a:latin typeface="Times New Roman" panose="02020603050405020304" pitchFamily="18" charset="0"/>
-                        <a:cs typeface="Times New Roman" panose="02020603050405020304" pitchFamily="18" charset="0"/>
-                      </a:endParaRPr>
-                    </a:p>
-                  </a:txBody>
-                  <a:tcPr>
-                    <a:lnL w="12700" cap="flat" cmpd="sng" algn="ctr">
-                      <a:noFill/>
-                      <a:prstDash val="solid"/>
-                      <a:round/>
-                      <a:headEnd type="none" w="med" len="med"/>
-                      <a:tailEnd type="none" w="med" len="med"/>
-                    </a:lnL>
-                    <a:lnR w="12700" cap="flat" cmpd="sng" algn="ctr">
-                      <a:noFill/>
-                      <a:prstDash val="solid"/>
-                      <a:round/>
-                      <a:headEnd type="none" w="med" len="med"/>
-                      <a:tailEnd type="none" w="med" len="med"/>
-                    </a:lnR>
-                    <a:lnT w="12700" cap="flat" cmpd="sng" algn="ctr">
-                      <a:noFill/>
-                      <a:prstDash val="solid"/>
-                      <a:round/>
-                      <a:headEnd type="none" w="med" len="med"/>
-                      <a:tailEnd type="none" w="med" len="med"/>
-                    </a:lnT>
-                    <a:lnB w="12700" cap="flat" cmpd="sng" algn="ctr">
-                      <a:noFill/>
-                      <a:prstDash val="solid"/>
-                      <a:round/>
-                      <a:headEnd type="none" w="med" len="med"/>
-                      <a:tailEnd type="none" w="med" len="med"/>
-                    </a:lnB>
-                    <a:lnTlToBr w="12700" cmpd="sng">
-                      <a:noFill/>
-                      <a:prstDash val="solid"/>
-                    </a:lnTlToBr>
-                    <a:lnBlToTr w="12700" cmpd="sng">
-                      <a:noFill/>
-                      <a:prstDash val="solid"/>
-                    </a:lnBlToTr>
-                    <a:noFill/>
-                  </a:tcPr>
-                </a:tc>
-                <a:extLst>
-                  <a:ext uri="{0D108BD9-81ED-4DB2-BD59-A6C34878D82A}">
-                    <a16:rowId xmlns:a16="http://schemas.microsoft.com/office/drawing/2014/main" val="1433526846"/>
-                  </a:ext>
-                </a:extLst>
-              </a:tr>
-              <a:tr h="360154">
-                <a:tc>
-                  <a:txBody>
-                    <a:bodyPr/>
-                    <a:lstStyle/>
-                    <a:p>
-                      <a:pPr algn="ctr"/>
-                      <a:r>
-                        <a:rPr lang="en-US" altLang="zh-CN" sz="2200" b="1" dirty="0">
-                          <a:latin typeface="Times New Roman" panose="02020603050405020304" pitchFamily="18" charset="0"/>
-                          <a:cs typeface="Times New Roman" panose="02020603050405020304" pitchFamily="18" charset="0"/>
-                        </a:rPr>
-                        <a:t>(0, 4)</a:t>
-                      </a:r>
-                      <a:endParaRPr lang="zh-CN" altLang="en-US" sz="2200" b="1" dirty="0">
-                        <a:latin typeface="Times New Roman" panose="02020603050405020304" pitchFamily="18" charset="0"/>
-                        <a:cs typeface="Times New Roman" panose="02020603050405020304" pitchFamily="18" charset="0"/>
-                      </a:endParaRPr>
-                    </a:p>
-                  </a:txBody>
-                  <a:tcPr>
-                    <a:lnL w="12700" cap="flat" cmpd="sng" algn="ctr">
-                      <a:noFill/>
-                      <a:prstDash val="solid"/>
-                      <a:round/>
-                      <a:headEnd type="none" w="med" len="med"/>
-                      <a:tailEnd type="none" w="med" len="med"/>
-                    </a:lnL>
-                    <a:lnR w="12700" cap="flat" cmpd="sng" algn="ctr">
-                      <a:noFill/>
-                      <a:prstDash val="solid"/>
-                      <a:round/>
-                      <a:headEnd type="none" w="med" len="med"/>
-                      <a:tailEnd type="none" w="med" len="med"/>
-                    </a:lnR>
-                    <a:lnT w="12700" cap="flat" cmpd="sng" algn="ctr">
-                      <a:noFill/>
-                      <a:prstDash val="solid"/>
-                      <a:round/>
-                      <a:headEnd type="none" w="med" len="med"/>
-                      <a:tailEnd type="none" w="med" len="med"/>
-                    </a:lnT>
-                    <a:lnB w="12700" cap="flat" cmpd="sng" algn="ctr">
-                      <a:noFill/>
-                      <a:prstDash val="solid"/>
-                      <a:round/>
-                      <a:headEnd type="none" w="med" len="med"/>
-                      <a:tailEnd type="none" w="med" len="med"/>
-                    </a:lnB>
-                    <a:lnTlToBr w="12700" cmpd="sng">
-                      <a:noFill/>
-                      <a:prstDash val="solid"/>
-                    </a:lnTlToBr>
-                    <a:lnBlToTr w="12700" cmpd="sng">
-                      <a:noFill/>
-                      <a:prstDash val="solid"/>
-                    </a:lnBlToTr>
-                    <a:noFill/>
-                  </a:tcPr>
-                </a:tc>
-                <a:tc>
-                  <a:txBody>
-                    <a:bodyPr/>
-                    <a:lstStyle/>
-                    <a:p>
-                      <a:pPr algn="ctr"/>
-                      <a:r>
-                        <a:rPr lang="en-US" altLang="zh-CN" sz="2200" b="1" dirty="0">
-                          <a:latin typeface="Times New Roman" panose="02020603050405020304" pitchFamily="18" charset="0"/>
-                          <a:cs typeface="Times New Roman" panose="02020603050405020304" pitchFamily="18" charset="0"/>
-                        </a:rPr>
-                        <a:t>0</a:t>
-                      </a:r>
-                      <a:endParaRPr lang="zh-CN" altLang="en-US" sz="2200" b="1" dirty="0">
-                        <a:latin typeface="Times New Roman" panose="02020603050405020304" pitchFamily="18" charset="0"/>
-                        <a:cs typeface="Times New Roman" panose="02020603050405020304" pitchFamily="18" charset="0"/>
-                      </a:endParaRPr>
-                    </a:p>
-                  </a:txBody>
-                  <a:tcPr>
-                    <a:lnL w="12700" cap="flat" cmpd="sng" algn="ctr">
-                      <a:noFill/>
-                      <a:prstDash val="solid"/>
-                      <a:round/>
-                      <a:headEnd type="none" w="med" len="med"/>
-                      <a:tailEnd type="none" w="med" len="med"/>
-                    </a:lnL>
-                    <a:lnR w="12700" cap="flat" cmpd="sng" algn="ctr">
-                      <a:noFill/>
-                      <a:prstDash val="solid"/>
-                      <a:round/>
-                      <a:headEnd type="none" w="med" len="med"/>
-                      <a:tailEnd type="none" w="med" len="med"/>
-                    </a:lnR>
-                    <a:lnT w="12700" cap="flat" cmpd="sng" algn="ctr">
-                      <a:noFill/>
-                      <a:prstDash val="solid"/>
-                      <a:round/>
-                      <a:headEnd type="none" w="med" len="med"/>
-                      <a:tailEnd type="none" w="med" len="med"/>
-                    </a:lnT>
-                    <a:lnB w="12700" cap="flat" cmpd="sng" algn="ctr">
-                      <a:noFill/>
-                      <a:prstDash val="solid"/>
-                      <a:round/>
-                      <a:headEnd type="none" w="med" len="med"/>
-                      <a:tailEnd type="none" w="med" len="med"/>
-                    </a:lnB>
-                    <a:lnTlToBr w="12700" cmpd="sng">
-                      <a:noFill/>
-                      <a:prstDash val="solid"/>
-                    </a:lnTlToBr>
-                    <a:lnBlToTr w="12700" cmpd="sng">
-                      <a:noFill/>
-                      <a:prstDash val="solid"/>
-                    </a:lnBlToTr>
-                    <a:noFill/>
-                  </a:tcPr>
-                </a:tc>
-                <a:extLst>
-                  <a:ext uri="{0D108BD9-81ED-4DB2-BD59-A6C34878D82A}">
-                    <a16:rowId xmlns:a16="http://schemas.microsoft.com/office/drawing/2014/main" val="3369269062"/>
-                  </a:ext>
-                </a:extLst>
-              </a:tr>
-              <a:tr h="360154">
-                <a:tc>
-                  <a:txBody>
-                    <a:bodyPr/>
-                    <a:lstStyle/>
-                    <a:p>
-                      <a:pPr algn="ctr"/>
-                      <a:r>
-                        <a:rPr lang="en-US" altLang="zh-CN" sz="2200" b="1" dirty="0">
-                          <a:latin typeface="Times New Roman" panose="02020603050405020304" pitchFamily="18" charset="0"/>
-                          <a:cs typeface="Times New Roman" panose="02020603050405020304" pitchFamily="18" charset="0"/>
-                        </a:rPr>
-                        <a:t>(1, 2)</a:t>
-                      </a:r>
-                      <a:endParaRPr lang="zh-CN" altLang="en-US" sz="2200" b="1" dirty="0">
-                        <a:latin typeface="Times New Roman" panose="02020603050405020304" pitchFamily="18" charset="0"/>
-                        <a:cs typeface="Times New Roman" panose="02020603050405020304" pitchFamily="18" charset="0"/>
-                      </a:endParaRPr>
-                    </a:p>
-                  </a:txBody>
-                  <a:tcPr>
-                    <a:lnL w="12700" cap="flat" cmpd="sng" algn="ctr">
-                      <a:noFill/>
-                      <a:prstDash val="solid"/>
-                      <a:round/>
-                      <a:headEnd type="none" w="med" len="med"/>
-                      <a:tailEnd type="none" w="med" len="med"/>
-                    </a:lnL>
-                    <a:lnR w="12700" cap="flat" cmpd="sng" algn="ctr">
-                      <a:noFill/>
-                      <a:prstDash val="solid"/>
-                      <a:round/>
-                      <a:headEnd type="none" w="med" len="med"/>
-                      <a:tailEnd type="none" w="med" len="med"/>
-                    </a:lnR>
-                    <a:lnT w="12700" cap="flat" cmpd="sng" algn="ctr">
-                      <a:noFill/>
-                      <a:prstDash val="solid"/>
-                      <a:round/>
-                      <a:headEnd type="none" w="med" len="med"/>
-                      <a:tailEnd type="none" w="med" len="med"/>
-                    </a:lnT>
-                    <a:lnB w="12700" cap="flat" cmpd="sng" algn="ctr">
-                      <a:noFill/>
-                      <a:prstDash val="solid"/>
-                      <a:round/>
-                      <a:headEnd type="none" w="med" len="med"/>
-                      <a:tailEnd type="none" w="med" len="med"/>
-                    </a:lnB>
-                    <a:lnTlToBr w="12700" cmpd="sng">
-                      <a:noFill/>
-                      <a:prstDash val="solid"/>
-                    </a:lnTlToBr>
-                    <a:lnBlToTr w="12700" cmpd="sng">
-                      <a:noFill/>
-                      <a:prstDash val="solid"/>
-                    </a:lnBlToTr>
-                    <a:noFill/>
-                  </a:tcPr>
-                </a:tc>
-                <a:tc>
-                  <a:txBody>
-                    <a:bodyPr/>
-                    <a:lstStyle/>
-                    <a:p>
-                      <a:pPr algn="ctr"/>
-                      <a:r>
-                        <a:rPr lang="en-US" altLang="zh-CN" sz="2200" b="1" dirty="0">
-                          <a:latin typeface="Times New Roman" panose="02020603050405020304" pitchFamily="18" charset="0"/>
-                          <a:cs typeface="Times New Roman" panose="02020603050405020304" pitchFamily="18" charset="0"/>
-                        </a:rPr>
-                        <a:t>0</a:t>
-                      </a:r>
-                      <a:endParaRPr lang="zh-CN" altLang="en-US" sz="2200" b="1" dirty="0">
-                        <a:latin typeface="Times New Roman" panose="02020603050405020304" pitchFamily="18" charset="0"/>
-                        <a:cs typeface="Times New Roman" panose="02020603050405020304" pitchFamily="18" charset="0"/>
-                      </a:endParaRPr>
-                    </a:p>
-                  </a:txBody>
-                  <a:tcPr>
-                    <a:lnL w="12700" cap="flat" cmpd="sng" algn="ctr">
-                      <a:noFill/>
-                      <a:prstDash val="solid"/>
-                      <a:round/>
-                      <a:headEnd type="none" w="med" len="med"/>
-                      <a:tailEnd type="none" w="med" len="med"/>
-                    </a:lnL>
-                    <a:lnR w="12700" cap="flat" cmpd="sng" algn="ctr">
-                      <a:noFill/>
-                      <a:prstDash val="solid"/>
-                      <a:round/>
-                      <a:headEnd type="none" w="med" len="med"/>
-                      <a:tailEnd type="none" w="med" len="med"/>
-                    </a:lnR>
-                    <a:lnT w="12700" cap="flat" cmpd="sng" algn="ctr">
-                      <a:noFill/>
-                      <a:prstDash val="solid"/>
-                      <a:round/>
-                      <a:headEnd type="none" w="med" len="med"/>
-                      <a:tailEnd type="none" w="med" len="med"/>
-                    </a:lnT>
-                    <a:lnB w="12700" cap="flat" cmpd="sng" algn="ctr">
-                      <a:noFill/>
-                      <a:prstDash val="solid"/>
-                      <a:round/>
-                      <a:headEnd type="none" w="med" len="med"/>
-                      <a:tailEnd type="none" w="med" len="med"/>
-                    </a:lnB>
-                    <a:lnTlToBr w="12700" cmpd="sng">
-                      <a:noFill/>
-                      <a:prstDash val="solid"/>
-                    </a:lnTlToBr>
-                    <a:lnBlToTr w="12700" cmpd="sng">
-                      <a:noFill/>
-                      <a:prstDash val="solid"/>
-                    </a:lnBlToTr>
-                    <a:noFill/>
-                  </a:tcPr>
-                </a:tc>
-                <a:extLst>
-                  <a:ext uri="{0D108BD9-81ED-4DB2-BD59-A6C34878D82A}">
-                    <a16:rowId xmlns:a16="http://schemas.microsoft.com/office/drawing/2014/main" val="3866625333"/>
-                  </a:ext>
-                </a:extLst>
-              </a:tr>
-              <a:tr h="360154">
-                <a:tc>
-                  <a:txBody>
-                    <a:bodyPr/>
-                    <a:lstStyle/>
-                    <a:p>
-                      <a:pPr algn="ctr"/>
-                      <a:r>
-                        <a:rPr lang="en-US" altLang="zh-CN" sz="2200" b="1" dirty="0">
-                          <a:latin typeface="Times New Roman" panose="02020603050405020304" pitchFamily="18" charset="0"/>
-                          <a:cs typeface="Times New Roman" panose="02020603050405020304" pitchFamily="18" charset="0"/>
-                        </a:rPr>
-                        <a:t>(1, 3)</a:t>
-                      </a:r>
-                      <a:endParaRPr lang="zh-CN" altLang="en-US" sz="2200" b="1" dirty="0">
-                        <a:latin typeface="Times New Roman" panose="02020603050405020304" pitchFamily="18" charset="0"/>
-                        <a:cs typeface="Times New Roman" panose="02020603050405020304" pitchFamily="18" charset="0"/>
-                      </a:endParaRPr>
-                    </a:p>
-                  </a:txBody>
-                  <a:tcPr>
-                    <a:lnL w="12700" cap="flat" cmpd="sng" algn="ctr">
-                      <a:noFill/>
-                      <a:prstDash val="solid"/>
-                      <a:round/>
-                      <a:headEnd type="none" w="med" len="med"/>
-                      <a:tailEnd type="none" w="med" len="med"/>
-                    </a:lnL>
-                    <a:lnR w="12700" cap="flat" cmpd="sng" algn="ctr">
-                      <a:noFill/>
-                      <a:prstDash val="solid"/>
-                      <a:round/>
-                      <a:headEnd type="none" w="med" len="med"/>
-                      <a:tailEnd type="none" w="med" len="med"/>
-                    </a:lnR>
-                    <a:lnT w="12700" cap="flat" cmpd="sng" algn="ctr">
-                      <a:noFill/>
-                      <a:prstDash val="solid"/>
-                      <a:round/>
-                      <a:headEnd type="none" w="med" len="med"/>
-                      <a:tailEnd type="none" w="med" len="med"/>
-                    </a:lnT>
-                    <a:lnB w="12700" cap="flat" cmpd="sng" algn="ctr">
-                      <a:noFill/>
-                      <a:prstDash val="solid"/>
-                      <a:round/>
-                      <a:headEnd type="none" w="med" len="med"/>
-                      <a:tailEnd type="none" w="med" len="med"/>
-                    </a:lnB>
-                    <a:lnTlToBr w="12700" cmpd="sng">
-                      <a:noFill/>
-                      <a:prstDash val="solid"/>
-                    </a:lnTlToBr>
-                    <a:lnBlToTr w="12700" cmpd="sng">
-                      <a:noFill/>
-                      <a:prstDash val="solid"/>
-                    </a:lnBlToTr>
-                    <a:noFill/>
-                  </a:tcPr>
-                </a:tc>
-                <a:tc>
-                  <a:txBody>
-                    <a:bodyPr/>
-                    <a:lstStyle/>
-                    <a:p>
-                      <a:pPr algn="ctr"/>
-                      <a:r>
-                        <a:rPr lang="en-US" altLang="zh-CN" sz="2200" b="1" dirty="0">
-                          <a:latin typeface="Times New Roman" panose="02020603050405020304" pitchFamily="18" charset="0"/>
-                          <a:cs typeface="Times New Roman" panose="02020603050405020304" pitchFamily="18" charset="0"/>
-                        </a:rPr>
-                        <a:t>0</a:t>
-                      </a:r>
-                      <a:endParaRPr lang="zh-CN" altLang="en-US" sz="2200" b="1" dirty="0">
-                        <a:latin typeface="Times New Roman" panose="02020603050405020304" pitchFamily="18" charset="0"/>
-                        <a:cs typeface="Times New Roman" panose="02020603050405020304" pitchFamily="18" charset="0"/>
-                      </a:endParaRPr>
-                    </a:p>
-                  </a:txBody>
-                  <a:tcPr>
-                    <a:lnL w="12700" cap="flat" cmpd="sng" algn="ctr">
-                      <a:noFill/>
-                      <a:prstDash val="solid"/>
-                      <a:round/>
-                      <a:headEnd type="none" w="med" len="med"/>
-                      <a:tailEnd type="none" w="med" len="med"/>
-                    </a:lnL>
-                    <a:lnR w="12700" cap="flat" cmpd="sng" algn="ctr">
-                      <a:noFill/>
-                      <a:prstDash val="solid"/>
-                      <a:round/>
-                      <a:headEnd type="none" w="med" len="med"/>
-                      <a:tailEnd type="none" w="med" len="med"/>
-                    </a:lnR>
-                    <a:lnT w="12700" cap="flat" cmpd="sng" algn="ctr">
-                      <a:noFill/>
-                      <a:prstDash val="solid"/>
-                      <a:round/>
-                      <a:headEnd type="none" w="med" len="med"/>
-                      <a:tailEnd type="none" w="med" len="med"/>
-                    </a:lnT>
-                    <a:lnB w="12700" cap="flat" cmpd="sng" algn="ctr">
-                      <a:noFill/>
-                      <a:prstDash val="solid"/>
-                      <a:round/>
-                      <a:headEnd type="none" w="med" len="med"/>
-                      <a:tailEnd type="none" w="med" len="med"/>
-                    </a:lnB>
-                    <a:lnTlToBr w="12700" cmpd="sng">
-                      <a:noFill/>
-                      <a:prstDash val="solid"/>
-                    </a:lnTlToBr>
-                    <a:lnBlToTr w="12700" cmpd="sng">
-                      <a:noFill/>
-                      <a:prstDash val="solid"/>
-                    </a:lnBlToTr>
-                    <a:noFill/>
-                  </a:tcPr>
-                </a:tc>
-                <a:extLst>
-                  <a:ext uri="{0D108BD9-81ED-4DB2-BD59-A6C34878D82A}">
-                    <a16:rowId xmlns:a16="http://schemas.microsoft.com/office/drawing/2014/main" val="4177470859"/>
-                  </a:ext>
-                </a:extLst>
-              </a:tr>
-              <a:tr h="360154">
-                <a:tc>
-                  <a:txBody>
-                    <a:bodyPr/>
-                    <a:lstStyle/>
-                    <a:p>
-                      <a:pPr algn="ctr"/>
-                      <a:r>
-                        <a:rPr lang="en-US" altLang="zh-CN" sz="2200" b="1" dirty="0">
-                          <a:latin typeface="Times New Roman" panose="02020603050405020304" pitchFamily="18" charset="0"/>
-                          <a:cs typeface="Times New Roman" panose="02020603050405020304" pitchFamily="18" charset="0"/>
-                        </a:rPr>
-                        <a:t>(1, 4)</a:t>
-                      </a:r>
-                      <a:endParaRPr lang="zh-CN" altLang="en-US" sz="2200" b="1" dirty="0">
-                        <a:latin typeface="Times New Roman" panose="02020603050405020304" pitchFamily="18" charset="0"/>
-                        <a:cs typeface="Times New Roman" panose="02020603050405020304" pitchFamily="18" charset="0"/>
-                      </a:endParaRPr>
-                    </a:p>
-                  </a:txBody>
-                  <a:tcPr>
-                    <a:lnL w="12700" cap="flat" cmpd="sng" algn="ctr">
-                      <a:noFill/>
-                      <a:prstDash val="solid"/>
-                      <a:round/>
-                      <a:headEnd type="none" w="med" len="med"/>
-                      <a:tailEnd type="none" w="med" len="med"/>
-                    </a:lnL>
-                    <a:lnR w="12700" cap="flat" cmpd="sng" algn="ctr">
-                      <a:noFill/>
-                      <a:prstDash val="solid"/>
-                      <a:round/>
-                      <a:headEnd type="none" w="med" len="med"/>
-                      <a:tailEnd type="none" w="med" len="med"/>
-                    </a:lnR>
-                    <a:lnT w="12700" cap="flat" cmpd="sng" algn="ctr">
-                      <a:noFill/>
-                      <a:prstDash val="solid"/>
-                      <a:round/>
-                      <a:headEnd type="none" w="med" len="med"/>
-                      <a:tailEnd type="none" w="med" len="med"/>
-                    </a:lnT>
-                    <a:lnB w="12700" cap="flat" cmpd="sng" algn="ctr">
-                      <a:noFill/>
-                      <a:prstDash val="solid"/>
-                      <a:round/>
-                      <a:headEnd type="none" w="med" len="med"/>
-                      <a:tailEnd type="none" w="med" len="med"/>
-                    </a:lnB>
-                    <a:lnTlToBr w="12700" cmpd="sng">
-                      <a:noFill/>
-                      <a:prstDash val="solid"/>
-                    </a:lnTlToBr>
-                    <a:lnBlToTr w="12700" cmpd="sng">
-                      <a:noFill/>
-                      <a:prstDash val="solid"/>
-                    </a:lnBlToTr>
-                    <a:noFill/>
-                  </a:tcPr>
-                </a:tc>
-                <a:tc>
-                  <a:txBody>
-                    <a:bodyPr/>
-                    <a:lstStyle/>
-                    <a:p>
-                      <a:pPr algn="ctr"/>
-                      <a:r>
-                        <a:rPr lang="en-US" altLang="zh-CN" sz="2200" b="1" dirty="0">
-                          <a:latin typeface="Times New Roman" panose="02020603050405020304" pitchFamily="18" charset="0"/>
-                          <a:cs typeface="Times New Roman" panose="02020603050405020304" pitchFamily="18" charset="0"/>
-                        </a:rPr>
-                        <a:t>0</a:t>
-                      </a:r>
-                      <a:endParaRPr lang="zh-CN" altLang="en-US" sz="2200" b="1" dirty="0">
-                        <a:latin typeface="Times New Roman" panose="02020603050405020304" pitchFamily="18" charset="0"/>
-                        <a:cs typeface="Times New Roman" panose="02020603050405020304" pitchFamily="18" charset="0"/>
-                      </a:endParaRPr>
-                    </a:p>
-                  </a:txBody>
-                  <a:tcPr>
-                    <a:lnL w="12700" cap="flat" cmpd="sng" algn="ctr">
-                      <a:noFill/>
-                      <a:prstDash val="solid"/>
-                      <a:round/>
-                      <a:headEnd type="none" w="med" len="med"/>
-                      <a:tailEnd type="none" w="med" len="med"/>
-                    </a:lnL>
-                    <a:lnR w="12700" cap="flat" cmpd="sng" algn="ctr">
-                      <a:noFill/>
-                      <a:prstDash val="solid"/>
-                      <a:round/>
-                      <a:headEnd type="none" w="med" len="med"/>
-                      <a:tailEnd type="none" w="med" len="med"/>
-                    </a:lnR>
-                    <a:lnT w="12700" cap="flat" cmpd="sng" algn="ctr">
-                      <a:noFill/>
-                      <a:prstDash val="solid"/>
-                      <a:round/>
-                      <a:headEnd type="none" w="med" len="med"/>
-                      <a:tailEnd type="none" w="med" len="med"/>
-                    </a:lnT>
-                    <a:lnB w="12700" cap="flat" cmpd="sng" algn="ctr">
-                      <a:noFill/>
-                      <a:prstDash val="solid"/>
-                      <a:round/>
-                      <a:headEnd type="none" w="med" len="med"/>
-                      <a:tailEnd type="none" w="med" len="med"/>
-                    </a:lnB>
-                    <a:lnTlToBr w="12700" cmpd="sng">
-                      <a:noFill/>
-                      <a:prstDash val="solid"/>
-                    </a:lnTlToBr>
-                    <a:lnBlToTr w="12700" cmpd="sng">
-                      <a:noFill/>
-                      <a:prstDash val="solid"/>
-                    </a:lnBlToTr>
-                    <a:noFill/>
-                  </a:tcPr>
-                </a:tc>
-                <a:extLst>
-                  <a:ext uri="{0D108BD9-81ED-4DB2-BD59-A6C34878D82A}">
-                    <a16:rowId xmlns:a16="http://schemas.microsoft.com/office/drawing/2014/main" val="221414494"/>
-                  </a:ext>
-                </a:extLst>
-              </a:tr>
-              <a:tr h="360154">
-                <a:tc>
-                  <a:txBody>
-                    <a:bodyPr/>
-                    <a:lstStyle/>
-                    <a:p>
-                      <a:pPr algn="ctr"/>
-                      <a:r>
-                        <a:rPr lang="en-US" altLang="zh-CN" sz="2200" b="1" dirty="0">
-                          <a:latin typeface="Times New Roman" panose="02020603050405020304" pitchFamily="18" charset="0"/>
-                          <a:cs typeface="Times New Roman" panose="02020603050405020304" pitchFamily="18" charset="0"/>
-                        </a:rPr>
-                        <a:t>(2, 3)</a:t>
-                      </a:r>
-                      <a:endParaRPr lang="zh-CN" altLang="en-US" sz="2200" b="1" dirty="0">
-                        <a:latin typeface="Times New Roman" panose="02020603050405020304" pitchFamily="18" charset="0"/>
-                        <a:cs typeface="Times New Roman" panose="02020603050405020304" pitchFamily="18" charset="0"/>
-                      </a:endParaRPr>
-                    </a:p>
-                  </a:txBody>
-                  <a:tcPr>
-                    <a:lnL w="12700" cap="flat" cmpd="sng" algn="ctr">
-                      <a:noFill/>
-                      <a:prstDash val="solid"/>
-                      <a:round/>
-                      <a:headEnd type="none" w="med" len="med"/>
-                      <a:tailEnd type="none" w="med" len="med"/>
-                    </a:lnL>
-                    <a:lnR w="12700" cap="flat" cmpd="sng" algn="ctr">
-                      <a:noFill/>
-                      <a:prstDash val="solid"/>
-                      <a:round/>
-                      <a:headEnd type="none" w="med" len="med"/>
-                      <a:tailEnd type="none" w="med" len="med"/>
-                    </a:lnR>
-                    <a:lnT w="12700" cap="flat" cmpd="sng" algn="ctr">
-                      <a:noFill/>
-                      <a:prstDash val="solid"/>
-                      <a:round/>
-                      <a:headEnd type="none" w="med" len="med"/>
-                      <a:tailEnd type="none" w="med" len="med"/>
-                    </a:lnT>
-                    <a:lnB w="12700" cap="flat" cmpd="sng" algn="ctr">
-                      <a:noFill/>
-                      <a:prstDash val="solid"/>
-                      <a:round/>
-                      <a:headEnd type="none" w="med" len="med"/>
-                      <a:tailEnd type="none" w="med" len="med"/>
-                    </a:lnB>
-                    <a:lnTlToBr w="12700" cmpd="sng">
-                      <a:noFill/>
-                      <a:prstDash val="solid"/>
-                    </a:lnTlToBr>
-                    <a:lnBlToTr w="12700" cmpd="sng">
-                      <a:noFill/>
-                      <a:prstDash val="solid"/>
-                    </a:lnBlToTr>
-                    <a:noFill/>
-                  </a:tcPr>
-                </a:tc>
-                <a:tc>
-                  <a:txBody>
-                    <a:bodyPr/>
-                    <a:lstStyle/>
-                    <a:p>
-                      <a:pPr algn="ctr"/>
-                      <a:r>
-                        <a:rPr lang="en-US" altLang="zh-CN" sz="2200" b="1" dirty="0">
-                          <a:latin typeface="Times New Roman" panose="02020603050405020304" pitchFamily="18" charset="0"/>
-                          <a:cs typeface="Times New Roman" panose="02020603050405020304" pitchFamily="18" charset="0"/>
-                        </a:rPr>
-                        <a:t>0</a:t>
-                      </a:r>
-                      <a:endParaRPr lang="zh-CN" altLang="en-US" sz="2200" b="1" dirty="0">
-                        <a:latin typeface="Times New Roman" panose="02020603050405020304" pitchFamily="18" charset="0"/>
-                        <a:cs typeface="Times New Roman" panose="02020603050405020304" pitchFamily="18" charset="0"/>
-                      </a:endParaRPr>
-                    </a:p>
-                  </a:txBody>
-                  <a:tcPr>
-                    <a:lnL w="12700" cap="flat" cmpd="sng" algn="ctr">
-                      <a:noFill/>
-                      <a:prstDash val="solid"/>
-                      <a:round/>
-                      <a:headEnd type="none" w="med" len="med"/>
-                      <a:tailEnd type="none" w="med" len="med"/>
-                    </a:lnL>
-                    <a:lnR w="12700" cap="flat" cmpd="sng" algn="ctr">
-                      <a:noFill/>
-                      <a:prstDash val="solid"/>
-                      <a:round/>
-                      <a:headEnd type="none" w="med" len="med"/>
-                      <a:tailEnd type="none" w="med" len="med"/>
-                    </a:lnR>
-                    <a:lnT w="12700" cap="flat" cmpd="sng" algn="ctr">
-                      <a:noFill/>
-                      <a:prstDash val="solid"/>
-                      <a:round/>
-                      <a:headEnd type="none" w="med" len="med"/>
-                      <a:tailEnd type="none" w="med" len="med"/>
-                    </a:lnT>
-                    <a:lnB w="12700" cap="flat" cmpd="sng" algn="ctr">
-                      <a:noFill/>
-                      <a:prstDash val="solid"/>
-                      <a:round/>
-                      <a:headEnd type="none" w="med" len="med"/>
-                      <a:tailEnd type="none" w="med" len="med"/>
-                    </a:lnB>
-                    <a:lnTlToBr w="12700" cmpd="sng">
-                      <a:noFill/>
-                      <a:prstDash val="solid"/>
-                    </a:lnTlToBr>
-                    <a:lnBlToTr w="12700" cmpd="sng">
-                      <a:noFill/>
-                      <a:prstDash val="solid"/>
-                    </a:lnBlToTr>
-                    <a:noFill/>
-                  </a:tcPr>
-                </a:tc>
-                <a:extLst>
-                  <a:ext uri="{0D108BD9-81ED-4DB2-BD59-A6C34878D82A}">
-                    <a16:rowId xmlns:a16="http://schemas.microsoft.com/office/drawing/2014/main" val="2189636756"/>
-                  </a:ext>
-                </a:extLst>
-              </a:tr>
-              <a:tr h="360154">
-                <a:tc>
-                  <a:txBody>
-                    <a:bodyPr/>
-                    <a:lstStyle/>
-                    <a:p>
-                      <a:pPr algn="ctr"/>
-                      <a:r>
-                        <a:rPr lang="en-US" altLang="zh-CN" sz="2200" b="1" dirty="0">
-                          <a:latin typeface="Times New Roman" panose="02020603050405020304" pitchFamily="18" charset="0"/>
-                          <a:cs typeface="Times New Roman" panose="02020603050405020304" pitchFamily="18" charset="0"/>
-                        </a:rPr>
-                        <a:t>(2, 4)</a:t>
-                      </a:r>
-                      <a:endParaRPr lang="zh-CN" altLang="en-US" sz="2200" b="1" dirty="0">
-                        <a:latin typeface="Times New Roman" panose="02020603050405020304" pitchFamily="18" charset="0"/>
-                        <a:cs typeface="Times New Roman" panose="02020603050405020304" pitchFamily="18" charset="0"/>
-                      </a:endParaRPr>
-                    </a:p>
-                  </a:txBody>
-                  <a:tcPr>
-                    <a:lnL w="12700" cap="flat" cmpd="sng" algn="ctr">
-                      <a:noFill/>
-                      <a:prstDash val="solid"/>
-                      <a:round/>
-                      <a:headEnd type="none" w="med" len="med"/>
-                      <a:tailEnd type="none" w="med" len="med"/>
-                    </a:lnL>
-                    <a:lnR w="12700" cap="flat" cmpd="sng" algn="ctr">
-                      <a:noFill/>
-                      <a:prstDash val="solid"/>
-                      <a:round/>
-                      <a:headEnd type="none" w="med" len="med"/>
-                      <a:tailEnd type="none" w="med" len="med"/>
-                    </a:lnR>
-                    <a:lnT w="12700" cap="flat" cmpd="sng" algn="ctr">
-                      <a:noFill/>
-                      <a:prstDash val="solid"/>
-                      <a:round/>
-                      <a:headEnd type="none" w="med" len="med"/>
-                      <a:tailEnd type="none" w="med" len="med"/>
-                    </a:lnT>
-                    <a:lnB w="12700" cap="flat" cmpd="sng" algn="ctr">
-                      <a:noFill/>
-                      <a:prstDash val="solid"/>
-                      <a:round/>
-                      <a:headEnd type="none" w="med" len="med"/>
-                      <a:tailEnd type="none" w="med" len="med"/>
-                    </a:lnB>
-                    <a:lnTlToBr w="12700" cmpd="sng">
-                      <a:noFill/>
-                      <a:prstDash val="solid"/>
-                    </a:lnTlToBr>
-                    <a:lnBlToTr w="12700" cmpd="sng">
-                      <a:noFill/>
-                      <a:prstDash val="solid"/>
-                    </a:lnBlToTr>
-                    <a:noFill/>
-                  </a:tcPr>
-                </a:tc>
-                <a:tc>
-                  <a:txBody>
-                    <a:bodyPr/>
-                    <a:lstStyle/>
-                    <a:p>
-                      <a:pPr algn="ctr"/>
-                      <a:r>
-                        <a:rPr lang="en-US" altLang="zh-CN" sz="2200" b="1" dirty="0">
-                          <a:latin typeface="Times New Roman" panose="02020603050405020304" pitchFamily="18" charset="0"/>
-                          <a:cs typeface="Times New Roman" panose="02020603050405020304" pitchFamily="18" charset="0"/>
-                        </a:rPr>
-                        <a:t>0</a:t>
-                      </a:r>
-                      <a:endParaRPr lang="zh-CN" altLang="en-US" sz="2200" b="1" dirty="0">
-                        <a:latin typeface="Times New Roman" panose="02020603050405020304" pitchFamily="18" charset="0"/>
-                        <a:cs typeface="Times New Roman" panose="02020603050405020304" pitchFamily="18" charset="0"/>
-                      </a:endParaRPr>
-                    </a:p>
-                  </a:txBody>
-                  <a:tcPr>
-                    <a:lnL w="12700" cap="flat" cmpd="sng" algn="ctr">
-                      <a:noFill/>
-                      <a:prstDash val="solid"/>
-                      <a:round/>
-                      <a:headEnd type="none" w="med" len="med"/>
-                      <a:tailEnd type="none" w="med" len="med"/>
-                    </a:lnL>
-                    <a:lnR w="12700" cap="flat" cmpd="sng" algn="ctr">
-                      <a:noFill/>
-                      <a:prstDash val="solid"/>
-                      <a:round/>
-                      <a:headEnd type="none" w="med" len="med"/>
-                      <a:tailEnd type="none" w="med" len="med"/>
-                    </a:lnR>
-                    <a:lnT w="12700" cap="flat" cmpd="sng" algn="ctr">
-                      <a:noFill/>
-                      <a:prstDash val="solid"/>
-                      <a:round/>
-                      <a:headEnd type="none" w="med" len="med"/>
-                      <a:tailEnd type="none" w="med" len="med"/>
-                    </a:lnT>
-                    <a:lnB w="12700" cap="flat" cmpd="sng" algn="ctr">
-                      <a:noFill/>
-                      <a:prstDash val="solid"/>
-                      <a:round/>
-                      <a:headEnd type="none" w="med" len="med"/>
-                      <a:tailEnd type="none" w="med" len="med"/>
-                    </a:lnB>
-                    <a:lnTlToBr w="12700" cmpd="sng">
-                      <a:noFill/>
-                      <a:prstDash val="solid"/>
-                    </a:lnTlToBr>
-                    <a:lnBlToTr w="12700" cmpd="sng">
-                      <a:noFill/>
-                      <a:prstDash val="solid"/>
-                    </a:lnBlToTr>
-                    <a:noFill/>
-                  </a:tcPr>
-                </a:tc>
-                <a:extLst>
-                  <a:ext uri="{0D108BD9-81ED-4DB2-BD59-A6C34878D82A}">
-                    <a16:rowId xmlns:a16="http://schemas.microsoft.com/office/drawing/2014/main" val="1022040071"/>
-                  </a:ext>
-                </a:extLst>
-              </a:tr>
-              <a:tr h="360154">
-                <a:tc>
-                  <a:txBody>
-                    <a:bodyPr/>
-                    <a:lstStyle/>
-                    <a:p>
-                      <a:pPr algn="ctr"/>
-                      <a:r>
-                        <a:rPr lang="en-US" altLang="zh-CN" sz="2200" b="1" dirty="0">
-                          <a:latin typeface="Times New Roman" panose="02020603050405020304" pitchFamily="18" charset="0"/>
-                          <a:cs typeface="Times New Roman" panose="02020603050405020304" pitchFamily="18" charset="0"/>
-                        </a:rPr>
-                        <a:t>(3, 4)</a:t>
-                      </a:r>
-                      <a:endParaRPr lang="zh-CN" altLang="en-US" sz="2200" b="1" dirty="0">
-                        <a:latin typeface="Times New Roman" panose="02020603050405020304" pitchFamily="18" charset="0"/>
-                        <a:cs typeface="Times New Roman" panose="02020603050405020304" pitchFamily="18" charset="0"/>
-                      </a:endParaRPr>
-                    </a:p>
-                  </a:txBody>
-                  <a:tcPr>
-                    <a:lnL w="12700" cap="flat" cmpd="sng" algn="ctr">
-                      <a:noFill/>
-                      <a:prstDash val="solid"/>
-                      <a:round/>
-                      <a:headEnd type="none" w="med" len="med"/>
-                      <a:tailEnd type="none" w="med" len="med"/>
-                    </a:lnL>
-                    <a:lnR w="12700" cap="flat" cmpd="sng" algn="ctr">
-                      <a:noFill/>
-                      <a:prstDash val="solid"/>
-                      <a:round/>
-                      <a:headEnd type="none" w="med" len="med"/>
-                      <a:tailEnd type="none" w="med" len="med"/>
-                    </a:lnR>
-                    <a:lnT w="12700" cap="flat" cmpd="sng" algn="ctr">
-                      <a:noFill/>
-                      <a:prstDash val="solid"/>
-                      <a:round/>
-                      <a:headEnd type="none" w="med" len="med"/>
-                      <a:tailEnd type="none" w="med" len="med"/>
-                    </a:lnT>
-                    <a:lnB w="12700" cap="flat" cmpd="sng" algn="ctr">
-                      <a:noFill/>
-                      <a:prstDash val="solid"/>
-                      <a:round/>
-                      <a:headEnd type="none" w="med" len="med"/>
-                      <a:tailEnd type="none" w="med" len="med"/>
-                    </a:lnB>
-                    <a:lnTlToBr w="12700" cmpd="sng">
-                      <a:noFill/>
-                      <a:prstDash val="solid"/>
-                    </a:lnTlToBr>
-                    <a:lnBlToTr w="12700" cmpd="sng">
-                      <a:noFill/>
-                      <a:prstDash val="solid"/>
-                    </a:lnBlToTr>
-                    <a:noFill/>
-                  </a:tcPr>
-                </a:tc>
-                <a:tc>
-                  <a:txBody>
-                    <a:bodyPr/>
-                    <a:lstStyle/>
-                    <a:p>
-                      <a:pPr algn="ctr"/>
-                      <a:r>
-                        <a:rPr lang="en-US" altLang="zh-CN" sz="2200" b="1" dirty="0">
-                          <a:latin typeface="Times New Roman" panose="02020603050405020304" pitchFamily="18" charset="0"/>
-                          <a:cs typeface="Times New Roman" panose="02020603050405020304" pitchFamily="18" charset="0"/>
-                        </a:rPr>
-                        <a:t>0</a:t>
-                      </a:r>
-                      <a:endParaRPr lang="zh-CN" altLang="en-US" sz="2200" b="1" dirty="0">
-                        <a:latin typeface="Times New Roman" panose="02020603050405020304" pitchFamily="18" charset="0"/>
-                        <a:cs typeface="Times New Roman" panose="02020603050405020304" pitchFamily="18" charset="0"/>
-                      </a:endParaRPr>
-                    </a:p>
-                  </a:txBody>
-                  <a:tcPr>
-                    <a:lnL w="12700" cap="flat" cmpd="sng" algn="ctr">
-                      <a:noFill/>
-                      <a:prstDash val="solid"/>
-                      <a:round/>
-                      <a:headEnd type="none" w="med" len="med"/>
-                      <a:tailEnd type="none" w="med" len="med"/>
-                    </a:lnL>
-                    <a:lnR w="12700" cap="flat" cmpd="sng" algn="ctr">
-                      <a:noFill/>
-                      <a:prstDash val="solid"/>
-                      <a:round/>
-                      <a:headEnd type="none" w="med" len="med"/>
-                      <a:tailEnd type="none" w="med" len="med"/>
-                    </a:lnR>
-                    <a:lnT w="12700" cap="flat" cmpd="sng" algn="ctr">
-                      <a:noFill/>
-                      <a:prstDash val="solid"/>
-                      <a:round/>
-                      <a:headEnd type="none" w="med" len="med"/>
-                      <a:tailEnd type="none" w="med" len="med"/>
-                    </a:lnT>
-                    <a:lnB w="12700" cap="flat" cmpd="sng" algn="ctr">
-                      <a:noFill/>
-                      <a:prstDash val="solid"/>
-                      <a:round/>
-                      <a:headEnd type="none" w="med" len="med"/>
-                      <a:tailEnd type="none" w="med" len="med"/>
-                    </a:lnB>
-                    <a:lnTlToBr w="12700" cmpd="sng">
-                      <a:noFill/>
-                      <a:prstDash val="solid"/>
-                    </a:lnTlToBr>
-                    <a:lnBlToTr w="12700" cmpd="sng">
-                      <a:noFill/>
-                      <a:prstDash val="solid"/>
-                    </a:lnBlToTr>
-                    <a:noFill/>
-                  </a:tcPr>
-                </a:tc>
-                <a:extLst>
-                  <a:ext uri="{0D108BD9-81ED-4DB2-BD59-A6C34878D82A}">
-                    <a16:rowId xmlns:a16="http://schemas.microsoft.com/office/drawing/2014/main" val="2817310640"/>
-                  </a:ext>
-                </a:extLst>
-              </a:tr>
-            </a:tbl>
-          </a:graphicData>
-        </a:graphic>
-      </p:graphicFrame>
-      <p:sp>
-        <p:nvSpPr>
-          <p:cNvPr id="16" name="箭头: 右 15">
-            <a:extLst>
-              <a:ext uri="{FF2B5EF4-FFF2-40B4-BE49-F238E27FC236}">
-                <a16:creationId xmlns:a16="http://schemas.microsoft.com/office/drawing/2014/main" id="{FC795799-2757-4B69-8148-12E9DA1C2DCD}"/>
-              </a:ext>
-            </a:extLst>
-          </p:cNvPr>
-          <p:cNvSpPr/>
-          <p:nvPr/>
-        </p:nvSpPr>
-        <p:spPr>
-          <a:xfrm>
-            <a:off x="7826861" y="3417324"/>
-            <a:ext cx="682176" cy="246210"/>
-          </a:xfrm>
-          <a:prstGeom prst="rightArrow">
-            <a:avLst/>
-          </a:prstGeom>
-        </p:spPr>
-        <p:style>
-          <a:lnRef idx="2">
-            <a:schemeClr val="dk1">
-              <a:shade val="50000"/>
-            </a:schemeClr>
-          </a:lnRef>
-          <a:fillRef idx="1">
-            <a:schemeClr val="dk1"/>
-          </a:fillRef>
-          <a:effectRef idx="0">
-            <a:schemeClr val="dk1"/>
-          </a:effectRef>
-          <a:fontRef idx="minor">
-            <a:schemeClr val="lt1"/>
-          </a:fontRef>
-        </p:style>
-        <p:txBody>
-          <a:bodyPr rtlCol="0" anchor="ctr"/>
-          <a:lstStyle/>
-          <a:p>
-            <a:pPr algn="ctr"/>
-            <a:endParaRPr lang="zh-CN" altLang="en-US" b="1">
-              <a:latin typeface="Arial" panose="020B0604020202020204" pitchFamily="34" charset="0"/>
-              <a:cs typeface="Arial" panose="020B0604020202020204" pitchFamily="34" charset="0"/>
-            </a:endParaRPr>
-          </a:p>
-        </p:txBody>
-      </p:sp>
-      <p:sp>
-        <p:nvSpPr>
-          <p:cNvPr id="2" name="文本框 1">
-            <a:extLst>
-              <a:ext uri="{FF2B5EF4-FFF2-40B4-BE49-F238E27FC236}">
-                <a16:creationId xmlns:a16="http://schemas.microsoft.com/office/drawing/2014/main" id="{E829DC47-F0EC-4EDC-B77E-9CDCB911AA5F}"/>
-              </a:ext>
-            </a:extLst>
-          </p:cNvPr>
-          <p:cNvSpPr txBox="1"/>
-          <p:nvPr/>
-        </p:nvSpPr>
-        <p:spPr>
-          <a:xfrm>
-            <a:off x="730212" y="2351554"/>
-            <a:ext cx="4622837" cy="2031325"/>
-          </a:xfrm>
-          <a:prstGeom prst="rect">
-            <a:avLst/>
-          </a:prstGeom>
-          <a:noFill/>
-        </p:spPr>
-        <p:txBody>
-          <a:bodyPr wrap="square" rtlCol="0">
-            <a:spAutoFit/>
-          </a:bodyPr>
-          <a:lstStyle/>
-          <a:p>
-            <a:pPr marL="342900" indent="-342900">
-              <a:buAutoNum type="arabicPeriod"/>
-            </a:pPr>
-            <a:r>
-              <a:rPr lang="en-US" altLang="zh-CN" b="1" dirty="0">
-                <a:latin typeface="Arial" panose="020B0604020202020204" pitchFamily="34" charset="0"/>
-                <a:cs typeface="Arial" panose="020B0604020202020204" pitchFamily="34" charset="0"/>
-              </a:rPr>
-              <a:t>Randomly generate a legal network architecture.</a:t>
-            </a:r>
-          </a:p>
-          <a:p>
-            <a:pPr marL="342900" indent="-342900">
-              <a:buAutoNum type="arabicPeriod"/>
-            </a:pPr>
-            <a:endParaRPr lang="en-US" altLang="zh-CN" dirty="0">
-              <a:latin typeface="Arial" panose="020B0604020202020204" pitchFamily="34" charset="0"/>
-              <a:cs typeface="Arial" panose="020B0604020202020204" pitchFamily="34" charset="0"/>
-            </a:endParaRPr>
-          </a:p>
-          <a:p>
-            <a:pPr marL="342900" indent="-342900">
-              <a:buAutoNum type="arabicPeriod"/>
-            </a:pPr>
-            <a:r>
-              <a:rPr lang="en-US" altLang="zh-CN" dirty="0">
-                <a:solidFill>
-                  <a:schemeClr val="bg1">
-                    <a:lumMod val="50000"/>
-                  </a:schemeClr>
-                </a:solidFill>
-                <a:latin typeface="Arial" panose="020B0604020202020204" pitchFamily="34" charset="0"/>
-                <a:cs typeface="Arial" panose="020B0604020202020204" pitchFamily="34" charset="0"/>
-              </a:rPr>
-              <a:t>Initialize age and life span of the individual</a:t>
-            </a:r>
-          </a:p>
-          <a:p>
-            <a:pPr marL="342900" indent="-342900">
-              <a:buAutoNum type="arabicPeriod"/>
-            </a:pPr>
-            <a:endParaRPr lang="en-US" altLang="zh-CN" dirty="0">
-              <a:solidFill>
-                <a:schemeClr val="bg1">
-                  <a:lumMod val="50000"/>
-                </a:schemeClr>
-              </a:solidFill>
-              <a:latin typeface="Arial" panose="020B0604020202020204" pitchFamily="34" charset="0"/>
-              <a:cs typeface="Arial" panose="020B0604020202020204" pitchFamily="34" charset="0"/>
-            </a:endParaRPr>
-          </a:p>
-          <a:p>
-            <a:pPr marL="342900" indent="-342900">
-              <a:buAutoNum type="arabicPeriod"/>
-            </a:pPr>
-            <a:r>
-              <a:rPr lang="en-US" altLang="zh-CN" dirty="0">
-                <a:solidFill>
-                  <a:schemeClr val="bg1">
-                    <a:lumMod val="50000"/>
-                  </a:schemeClr>
-                </a:solidFill>
-                <a:latin typeface="Arial" panose="020B0604020202020204" pitchFamily="34" charset="0"/>
-                <a:cs typeface="Arial" panose="020B0604020202020204" pitchFamily="34" charset="0"/>
-              </a:rPr>
-              <a:t>Train the NN and get its accuracy. </a:t>
-            </a:r>
-            <a:endParaRPr lang="zh-CN" altLang="en-US" dirty="0">
-              <a:solidFill>
-                <a:schemeClr val="bg1">
-                  <a:lumMod val="50000"/>
-                </a:schemeClr>
-              </a:solidFill>
-              <a:latin typeface="Arial" panose="020B0604020202020204" pitchFamily="34" charset="0"/>
-              <a:cs typeface="Arial" panose="020B0604020202020204" pitchFamily="34" charset="0"/>
-            </a:endParaRPr>
-          </a:p>
-        </p:txBody>
-      </p:sp>
-      <p:sp>
-        <p:nvSpPr>
-          <p:cNvPr id="12" name="矩形 11">
-            <a:extLst>
-              <a:ext uri="{FF2B5EF4-FFF2-40B4-BE49-F238E27FC236}">
-                <a16:creationId xmlns:a16="http://schemas.microsoft.com/office/drawing/2014/main" id="{44623C05-05E8-434B-8402-9271999706A1}"/>
-              </a:ext>
-            </a:extLst>
-          </p:cNvPr>
-          <p:cNvSpPr/>
-          <p:nvPr/>
-        </p:nvSpPr>
-        <p:spPr>
-          <a:xfrm>
-            <a:off x="10386202" y="6363425"/>
-            <a:ext cx="607834" cy="258900"/>
-          </a:xfrm>
-          <a:prstGeom prst="rect">
-            <a:avLst/>
-          </a:prstGeom>
-          <a:noFill/>
-          <a:ln w="38100"/>
-        </p:spPr>
-        <p:style>
-          <a:lnRef idx="2">
-            <a:schemeClr val="dk1">
-              <a:shade val="50000"/>
-            </a:schemeClr>
-          </a:lnRef>
-          <a:fillRef idx="1">
-            <a:schemeClr val="dk1"/>
-          </a:fillRef>
-          <a:effectRef idx="0">
-            <a:schemeClr val="dk1"/>
-          </a:effectRef>
-          <a:fontRef idx="minor">
-            <a:schemeClr val="lt1"/>
-          </a:fontRef>
-        </p:style>
-        <p:txBody>
-          <a:bodyPr rtlCol="0" anchor="ctr"/>
-          <a:lstStyle/>
-          <a:p>
-            <a:pPr algn="ctr"/>
-            <a:r>
-              <a:rPr lang="en-US" altLang="zh-CN" b="1" dirty="0">
-                <a:solidFill>
-                  <a:schemeClr val="tx1"/>
-                </a:solidFill>
-                <a:latin typeface="Arial" panose="020B0604020202020204" pitchFamily="34" charset="0"/>
-                <a:cs typeface="Arial" panose="020B0604020202020204" pitchFamily="34" charset="0"/>
-              </a:rPr>
-              <a:t>5</a:t>
-            </a:r>
-            <a:endParaRPr lang="zh-CN" altLang="en-US" b="1" dirty="0">
-              <a:solidFill>
-                <a:schemeClr val="tx1"/>
-              </a:solidFill>
-              <a:latin typeface="Arial" panose="020B0604020202020204" pitchFamily="34" charset="0"/>
-              <a:cs typeface="Arial" panose="020B0604020202020204" pitchFamily="34" charset="0"/>
-            </a:endParaRPr>
-          </a:p>
-        </p:txBody>
-      </p:sp>
+      </p:pic>
     </p:spTree>
     <p:extLst>
       <p:ext uri="{BB962C8B-B14F-4D97-AF65-F5344CB8AC3E}">
-        <p14:creationId xmlns:p14="http://schemas.microsoft.com/office/powerpoint/2010/main" val="399615947"/>
+        <p14:creationId xmlns:p14="http://schemas.microsoft.com/office/powerpoint/2010/main" val="1622894134"/>
       </p:ext>
     </p:extLst>
   </p:cSld>

--- a/pre/final/5.9_final_report.pptx
+++ b/pre/final/5.9_final_report.pptx
@@ -5,7 +5,7 @@
     <p:sldMasterId id="2147483648" r:id="rId1"/>
   </p:sldMasterIdLst>
   <p:notesMasterIdLst>
-    <p:notesMasterId r:id="rId35"/>
+    <p:notesMasterId r:id="rId37"/>
   </p:notesMasterIdLst>
   <p:sldIdLst>
     <p:sldId id="256" r:id="rId2"/>
@@ -38,9 +38,11 @@
     <p:sldId id="298" r:id="rId29"/>
     <p:sldId id="287" r:id="rId30"/>
     <p:sldId id="291" r:id="rId31"/>
-    <p:sldId id="289" r:id="rId32"/>
-    <p:sldId id="290" r:id="rId33"/>
-    <p:sldId id="288" r:id="rId34"/>
+    <p:sldId id="299" r:id="rId32"/>
+    <p:sldId id="300" r:id="rId33"/>
+    <p:sldId id="290" r:id="rId34"/>
+    <p:sldId id="288" r:id="rId35"/>
+    <p:sldId id="301" r:id="rId36"/>
   </p:sldIdLst>
   <p:sldSz cx="12192000" cy="6858000"/>
   <p:notesSz cx="6858000" cy="9144000"/>
@@ -174,9 +176,11 @@
             <p14:sldId id="298"/>
             <p14:sldId id="287"/>
             <p14:sldId id="291"/>
-            <p14:sldId id="289"/>
+            <p14:sldId id="299"/>
+            <p14:sldId id="300"/>
             <p14:sldId id="290"/>
             <p14:sldId id="288"/>
+            <p14:sldId id="301"/>
           </p14:sldIdLst>
         </p14:section>
         <p14:section name="resource" id="{6474D955-B10D-4AD0-84E1-E948BF589C32}">
@@ -4314,17 +4318,24 @@
               </a:rPr>
             </a:br>
             <a:br>
-              <a:rPr lang="en-US" sz="4000" b="1" dirty="0">
+              <a:rPr lang="en-US" sz="4000" b="1">
                 <a:latin typeface="Arial" panose="020B0604020202020204" pitchFamily="34" charset="0"/>
                 <a:cs typeface="Arial" panose="020B0604020202020204" pitchFamily="34" charset="0"/>
               </a:rPr>
             </a:br>
             <a:r>
+              <a:rPr lang="en-US" sz="3000" b="1">
+                <a:latin typeface="Arial" panose="020B0604020202020204" pitchFamily="34" charset="0"/>
+                <a:cs typeface="Arial" panose="020B0604020202020204" pitchFamily="34" charset="0"/>
+              </a:rPr>
+              <a:t>Final </a:t>
+            </a:r>
+            <a:r>
               <a:rPr lang="en-US" sz="3000" b="1" dirty="0">
                 <a:latin typeface="Arial" panose="020B0604020202020204" pitchFamily="34" charset="0"/>
                 <a:cs typeface="Arial" panose="020B0604020202020204" pitchFamily="34" charset="0"/>
               </a:rPr>
-              <a:t>Mid-term Report</a:t>
+              <a:t>Report</a:t>
             </a:r>
             <a:endParaRPr lang="en-US" sz="3000" dirty="0">
               <a:latin typeface="Arial" panose="020B0604020202020204" pitchFamily="34" charset="0"/>
@@ -19255,7 +19266,7 @@
         <p:spPr>
           <a:xfrm>
             <a:off x="838199" y="1689624"/>
-            <a:ext cx="10228385" cy="3785652"/>
+            <a:ext cx="10228385" cy="4154984"/>
           </a:xfrm>
           <a:prstGeom prst="rect">
             <a:avLst/>
@@ -19287,16 +19298,12 @@
           </a:p>
           <a:p>
             <a:r>
-              <a:rPr lang="en-US" altLang="zh-CN" sz="2400">
+              <a:rPr lang="en-US" altLang="zh-CN" sz="2400" dirty="0">
                 <a:latin typeface="Arial" panose="020B0604020202020204" pitchFamily="34" charset="0"/>
                 <a:cs typeface="Arial" panose="020B0604020202020204" pitchFamily="34" charset="0"/>
               </a:rPr>
               <a:t>Default lifetime: 10</a:t>
             </a:r>
-            <a:endParaRPr lang="en-US" altLang="zh-CN" sz="2400" dirty="0">
-              <a:latin typeface="Arial" panose="020B0604020202020204" pitchFamily="34" charset="0"/>
-              <a:cs typeface="Arial" panose="020B0604020202020204" pitchFamily="34" charset="0"/>
-            </a:endParaRPr>
           </a:p>
           <a:p>
             <a:r>
@@ -19304,7 +19311,7 @@
                 <a:latin typeface="Arial" panose="020B0604020202020204" pitchFamily="34" charset="0"/>
                 <a:cs typeface="Arial" panose="020B0604020202020204" pitchFamily="34" charset="0"/>
               </a:rPr>
-              <a:t>Sample size: 5</a:t>
+              <a:t>Tournament size: 5</a:t>
             </a:r>
           </a:p>
           <a:p>
@@ -19322,12 +19329,22 @@
                 <a:latin typeface="Arial" panose="020B0604020202020204" pitchFamily="34" charset="0"/>
                 <a:cs typeface="Arial" panose="020B0604020202020204" pitchFamily="34" charset="0"/>
               </a:rPr>
-              <a:t>Batch size: 100</a:t>
-            </a:r>
-          </a:p>
-          <a:p>
+              <a:t>Batch size: </a:t>
+            </a:r>
             <a:r>
               <a:rPr lang="en-US" altLang="zh-CN" sz="2400" dirty="0">
+                <a:solidFill>
+                  <a:srgbClr val="FF0000"/>
+                </a:solidFill>
+                <a:latin typeface="Arial" panose="020B0604020202020204" pitchFamily="34" charset="0"/>
+                <a:cs typeface="Arial" panose="020B0604020202020204" pitchFamily="34" charset="0"/>
+              </a:rPr>
+              <a:t>400</a:t>
+            </a:r>
+          </a:p>
+          <a:p>
+            <a:r>
+              <a:rPr lang="en-US" altLang="zh-CN" sz="2400" dirty="0">
                 <a:latin typeface="Arial" panose="020B0604020202020204" pitchFamily="34" charset="0"/>
                 <a:cs typeface="Arial" panose="020B0604020202020204" pitchFamily="34" charset="0"/>
               </a:rPr>
@@ -19340,12 +19357,22 @@
                 <a:latin typeface="Arial" panose="020B0604020202020204" pitchFamily="34" charset="0"/>
                 <a:cs typeface="Arial" panose="020B0604020202020204" pitchFamily="34" charset="0"/>
               </a:rPr>
-              <a:t>Epoch: 20</a:t>
-            </a:r>
-          </a:p>
-          <a:p>
+              <a:t>Epoch: </a:t>
+            </a:r>
             <a:r>
               <a:rPr lang="en-US" altLang="zh-CN" sz="2400" dirty="0">
+                <a:solidFill>
+                  <a:srgbClr val="FF0000"/>
+                </a:solidFill>
+                <a:latin typeface="Arial" panose="020B0604020202020204" pitchFamily="34" charset="0"/>
+                <a:cs typeface="Arial" panose="020B0604020202020204" pitchFamily="34" charset="0"/>
+              </a:rPr>
+              <a:t>40</a:t>
+            </a:r>
+          </a:p>
+          <a:p>
+            <a:r>
+              <a:rPr lang="en-US" altLang="zh-CN" sz="2400" dirty="0">
                 <a:latin typeface="Arial" panose="020B0604020202020204" pitchFamily="34" charset="0"/>
                 <a:cs typeface="Arial" panose="020B0604020202020204" pitchFamily="34" charset="0"/>
               </a:rPr>
@@ -19358,7 +19385,77 @@
                 <a:latin typeface="Arial" panose="020B0604020202020204" pitchFamily="34" charset="0"/>
                 <a:cs typeface="Arial" panose="020B0604020202020204" pitchFamily="34" charset="0"/>
               </a:rPr>
-              <a:t>Number of channels: 32 for stack1, 64 for stack2 and 128 for stack3</a:t>
+              <a:t>Number of channels: 64 for stack1, 128 for stack2,</a:t>
+            </a:r>
+            <a:r>
+              <a:rPr lang="zh-CN" altLang="en-US" sz="2400" dirty="0">
+                <a:latin typeface="Arial" panose="020B0604020202020204" pitchFamily="34" charset="0"/>
+                <a:cs typeface="Arial" panose="020B0604020202020204" pitchFamily="34" charset="0"/>
+              </a:rPr>
+              <a:t> </a:t>
+            </a:r>
+            <a:r>
+              <a:rPr lang="en-US" altLang="zh-CN" sz="2400" dirty="0">
+                <a:latin typeface="Arial" panose="020B0604020202020204" pitchFamily="34" charset="0"/>
+                <a:cs typeface="Arial" panose="020B0604020202020204" pitchFamily="34" charset="0"/>
+              </a:rPr>
+              <a:t>256 for stack3</a:t>
+            </a:r>
+            <a:r>
+              <a:rPr lang="zh-CN" altLang="en-US" sz="2400" dirty="0">
+                <a:latin typeface="Arial" panose="020B0604020202020204" pitchFamily="34" charset="0"/>
+                <a:cs typeface="Arial" panose="020B0604020202020204" pitchFamily="34" charset="0"/>
+              </a:rPr>
+              <a:t> </a:t>
+            </a:r>
+            <a:r>
+              <a:rPr lang="en-US" altLang="zh-CN" sz="2400" dirty="0">
+                <a:latin typeface="Arial" panose="020B0604020202020204" pitchFamily="34" charset="0"/>
+                <a:cs typeface="Arial" panose="020B0604020202020204" pitchFamily="34" charset="0"/>
+              </a:rPr>
+              <a:t>and</a:t>
+            </a:r>
+            <a:r>
+              <a:rPr lang="zh-CN" altLang="en-US" sz="2400" dirty="0">
+                <a:latin typeface="Arial" panose="020B0604020202020204" pitchFamily="34" charset="0"/>
+                <a:cs typeface="Arial" panose="020B0604020202020204" pitchFamily="34" charset="0"/>
+              </a:rPr>
+              <a:t> </a:t>
+            </a:r>
+            <a:r>
+              <a:rPr lang="en-US" altLang="zh-CN" sz="2400" dirty="0">
+                <a:latin typeface="Arial" panose="020B0604020202020204" pitchFamily="34" charset="0"/>
+                <a:cs typeface="Arial" panose="020B0604020202020204" pitchFamily="34" charset="0"/>
+              </a:rPr>
+              <a:t>512</a:t>
+            </a:r>
+            <a:r>
+              <a:rPr lang="zh-CN" altLang="en-US" sz="2400" dirty="0">
+                <a:latin typeface="Arial" panose="020B0604020202020204" pitchFamily="34" charset="0"/>
+                <a:cs typeface="Arial" panose="020B0604020202020204" pitchFamily="34" charset="0"/>
+              </a:rPr>
+              <a:t> </a:t>
+            </a:r>
+            <a:r>
+              <a:rPr lang="en-US" altLang="zh-CN" sz="2400" dirty="0">
+                <a:latin typeface="Arial" panose="020B0604020202020204" pitchFamily="34" charset="0"/>
+                <a:cs typeface="Arial" panose="020B0604020202020204" pitchFamily="34" charset="0"/>
+              </a:rPr>
+              <a:t>for</a:t>
+            </a:r>
+            <a:r>
+              <a:rPr lang="zh-CN" altLang="en-US" sz="2400" dirty="0">
+                <a:latin typeface="Arial" panose="020B0604020202020204" pitchFamily="34" charset="0"/>
+                <a:cs typeface="Arial" panose="020B0604020202020204" pitchFamily="34" charset="0"/>
+              </a:rPr>
+              <a:t> </a:t>
+            </a:r>
+            <a:r>
+              <a:rPr lang="en-US" altLang="zh-CN" sz="2400" dirty="0">
+                <a:latin typeface="Arial" panose="020B0604020202020204" pitchFamily="34" charset="0"/>
+                <a:cs typeface="Arial" panose="020B0604020202020204" pitchFamily="34" charset="0"/>
+              </a:rPr>
+              <a:t>stack4</a:t>
             </a:r>
             <a:endParaRPr lang="zh-CN" altLang="en-US" sz="2400" dirty="0">
               <a:latin typeface="Arial" panose="020B0604020202020204" pitchFamily="34" charset="0"/>
@@ -19428,7 +19525,21 @@
                 <a:latin typeface="Arial" panose="020B0604020202020204" pitchFamily="34" charset="0"/>
                 <a:cs typeface="Arial" panose="020B0604020202020204" pitchFamily="34" charset="0"/>
               </a:rPr>
-              <a:t>Result</a:t>
+              <a:t>Initial</a:t>
+            </a:r>
+            <a:r>
+              <a:rPr lang="zh-CN" altLang="en-US" dirty="0">
+                <a:latin typeface="Arial" panose="020B0604020202020204" pitchFamily="34" charset="0"/>
+                <a:cs typeface="Arial" panose="020B0604020202020204" pitchFamily="34" charset="0"/>
+              </a:rPr>
+              <a:t> </a:t>
+            </a:r>
+            <a:r>
+              <a:rPr lang="en-US" altLang="zh-CN" dirty="0">
+                <a:latin typeface="Arial" panose="020B0604020202020204" pitchFamily="34" charset="0"/>
+                <a:cs typeface="Arial" panose="020B0604020202020204" pitchFamily="34" charset="0"/>
+              </a:rPr>
+              <a:t>Structure</a:t>
             </a:r>
             <a:endParaRPr lang="zh-CN" altLang="en-US" dirty="0">
               <a:latin typeface="Arial" panose="020B0604020202020204" pitchFamily="34" charset="0"/>
@@ -19606,1404 +19717,12 @@
           </a:p>
         </p:txBody>
       </p:sp>
-      <p:grpSp>
-        <p:nvGrpSpPr>
-          <p:cNvPr id="3" name="组合 2">
-            <a:extLst>
-              <a:ext uri="{FF2B5EF4-FFF2-40B4-BE49-F238E27FC236}">
-                <a16:creationId xmlns:a16="http://schemas.microsoft.com/office/drawing/2014/main" id="{015D9AC5-CB16-4327-93AF-AF0AF5093EE3}"/>
-              </a:ext>
-            </a:extLst>
-          </p:cNvPr>
-          <p:cNvGrpSpPr/>
-          <p:nvPr/>
-        </p:nvGrpSpPr>
-        <p:grpSpPr>
-          <a:xfrm>
-            <a:off x="5293048" y="1048274"/>
-            <a:ext cx="3158850" cy="5444601"/>
-            <a:chOff x="8547985" y="928688"/>
-            <a:chExt cx="3158850" cy="5444601"/>
-          </a:xfrm>
-        </p:grpSpPr>
-        <p:sp>
-          <p:nvSpPr>
-            <p:cNvPr id="4" name="矩形 3">
-              <a:extLst>
-                <a:ext uri="{FF2B5EF4-FFF2-40B4-BE49-F238E27FC236}">
-                  <a16:creationId xmlns:a16="http://schemas.microsoft.com/office/drawing/2014/main" id="{27446143-D64E-4809-AD2A-D3643A939526}"/>
-                </a:ext>
-              </a:extLst>
-            </p:cNvPr>
-            <p:cNvSpPr/>
-            <p:nvPr/>
-          </p:nvSpPr>
-          <p:spPr>
-            <a:xfrm>
-              <a:off x="10588592" y="928688"/>
-              <a:ext cx="678180" cy="388620"/>
-            </a:xfrm>
-            <a:prstGeom prst="rect">
-              <a:avLst/>
-            </a:prstGeom>
-            <a:noFill/>
-            <a:ln w="38100"/>
-          </p:spPr>
-          <p:style>
-            <a:lnRef idx="2">
-              <a:schemeClr val="dk1">
-                <a:shade val="50000"/>
-              </a:schemeClr>
-            </a:lnRef>
-            <a:fillRef idx="1">
-              <a:schemeClr val="dk1"/>
-            </a:fillRef>
-            <a:effectRef idx="0">
-              <a:schemeClr val="dk1"/>
-            </a:effectRef>
-            <a:fontRef idx="minor">
-              <a:schemeClr val="lt1"/>
-            </a:fontRef>
-          </p:style>
-          <p:txBody>
-            <a:bodyPr rtlCol="0" anchor="ctr"/>
-            <a:lstStyle/>
-            <a:p>
-              <a:pPr algn="ctr"/>
-              <a:r>
-                <a:rPr lang="en-US" altLang="zh-CN" b="1" dirty="0">
-                  <a:solidFill>
-                    <a:schemeClr val="tx1"/>
-                  </a:solidFill>
-                  <a:latin typeface="Arial" panose="020B0604020202020204" pitchFamily="34" charset="0"/>
-                  <a:cs typeface="Arial" panose="020B0604020202020204" pitchFamily="34" charset="0"/>
-                </a:rPr>
-                <a:t>1</a:t>
-              </a:r>
-              <a:endParaRPr lang="zh-CN" altLang="en-US" b="1" dirty="0">
-                <a:solidFill>
-                  <a:schemeClr val="tx1"/>
-                </a:solidFill>
-                <a:latin typeface="Arial" panose="020B0604020202020204" pitchFamily="34" charset="0"/>
-                <a:cs typeface="Arial" panose="020B0604020202020204" pitchFamily="34" charset="0"/>
-              </a:endParaRPr>
-            </a:p>
-          </p:txBody>
-        </p:sp>
-        <p:sp>
-          <p:nvSpPr>
-            <p:cNvPr id="5" name="矩形 4">
-              <a:extLst>
-                <a:ext uri="{FF2B5EF4-FFF2-40B4-BE49-F238E27FC236}">
-                  <a16:creationId xmlns:a16="http://schemas.microsoft.com/office/drawing/2014/main" id="{8CDC6B79-6F9B-4E98-A76D-4E9603D32442}"/>
-                </a:ext>
-              </a:extLst>
-            </p:cNvPr>
-            <p:cNvSpPr/>
-            <p:nvPr/>
-          </p:nvSpPr>
-          <p:spPr>
-            <a:xfrm>
-              <a:off x="9084945" y="928688"/>
-              <a:ext cx="678180" cy="388620"/>
-            </a:xfrm>
-            <a:prstGeom prst="rect">
-              <a:avLst/>
-            </a:prstGeom>
-            <a:noFill/>
-            <a:ln w="38100"/>
-          </p:spPr>
-          <p:style>
-            <a:lnRef idx="2">
-              <a:schemeClr val="dk1">
-                <a:shade val="50000"/>
-              </a:schemeClr>
-            </a:lnRef>
-            <a:fillRef idx="1">
-              <a:schemeClr val="dk1"/>
-            </a:fillRef>
-            <a:effectRef idx="0">
-              <a:schemeClr val="dk1"/>
-            </a:effectRef>
-            <a:fontRef idx="minor">
-              <a:schemeClr val="lt1"/>
-            </a:fontRef>
-          </p:style>
-          <p:txBody>
-            <a:bodyPr rtlCol="0" anchor="ctr"/>
-            <a:lstStyle/>
-            <a:p>
-              <a:pPr algn="ctr"/>
-              <a:r>
-                <a:rPr lang="en-US" altLang="zh-CN" b="1" dirty="0">
-                  <a:solidFill>
-                    <a:schemeClr val="tx1"/>
-                  </a:solidFill>
-                  <a:latin typeface="Arial" panose="020B0604020202020204" pitchFamily="34" charset="0"/>
-                  <a:cs typeface="Arial" panose="020B0604020202020204" pitchFamily="34" charset="0"/>
-                </a:rPr>
-                <a:t>0</a:t>
-              </a:r>
-              <a:endParaRPr lang="zh-CN" altLang="en-US" b="1" dirty="0">
-                <a:solidFill>
-                  <a:schemeClr val="tx1"/>
-                </a:solidFill>
-                <a:latin typeface="Arial" panose="020B0604020202020204" pitchFamily="34" charset="0"/>
-                <a:cs typeface="Arial" panose="020B0604020202020204" pitchFamily="34" charset="0"/>
-              </a:endParaRPr>
-            </a:p>
-          </p:txBody>
-        </p:sp>
-        <p:sp>
-          <p:nvSpPr>
-            <p:cNvPr id="6" name="矩形 5">
-              <a:extLst>
-                <a:ext uri="{FF2B5EF4-FFF2-40B4-BE49-F238E27FC236}">
-                  <a16:creationId xmlns:a16="http://schemas.microsoft.com/office/drawing/2014/main" id="{B25ED3E5-1E62-4577-B1A9-DFE39D6DC3C1}"/>
-                </a:ext>
-              </a:extLst>
-            </p:cNvPr>
-            <p:cNvSpPr/>
-            <p:nvPr/>
-          </p:nvSpPr>
-          <p:spPr>
-            <a:xfrm>
-              <a:off x="9082234" y="2611456"/>
-              <a:ext cx="678180" cy="388620"/>
-            </a:xfrm>
-            <a:prstGeom prst="rect">
-              <a:avLst/>
-            </a:prstGeom>
-            <a:noFill/>
-            <a:ln w="38100"/>
-          </p:spPr>
-          <p:style>
-            <a:lnRef idx="2">
-              <a:schemeClr val="dk1">
-                <a:shade val="50000"/>
-              </a:schemeClr>
-            </a:lnRef>
-            <a:fillRef idx="1">
-              <a:schemeClr val="dk1"/>
-            </a:fillRef>
-            <a:effectRef idx="0">
-              <a:schemeClr val="dk1"/>
-            </a:effectRef>
-            <a:fontRef idx="minor">
-              <a:schemeClr val="lt1"/>
-            </a:fontRef>
-          </p:style>
-          <p:txBody>
-            <a:bodyPr rtlCol="0" anchor="ctr"/>
-            <a:lstStyle/>
-            <a:p>
-              <a:pPr algn="ctr"/>
-              <a:r>
-                <a:rPr lang="en-US" altLang="zh-CN" b="1" dirty="0">
-                  <a:solidFill>
-                    <a:schemeClr val="tx1"/>
-                  </a:solidFill>
-                  <a:latin typeface="Arial" panose="020B0604020202020204" pitchFamily="34" charset="0"/>
-                  <a:cs typeface="Arial" panose="020B0604020202020204" pitchFamily="34" charset="0"/>
-                </a:rPr>
-                <a:t>2</a:t>
-              </a:r>
-              <a:endParaRPr lang="zh-CN" altLang="en-US" b="1" dirty="0">
-                <a:solidFill>
-                  <a:schemeClr val="tx1"/>
-                </a:solidFill>
-                <a:latin typeface="Arial" panose="020B0604020202020204" pitchFamily="34" charset="0"/>
-                <a:cs typeface="Arial" panose="020B0604020202020204" pitchFamily="34" charset="0"/>
-              </a:endParaRPr>
-            </a:p>
-          </p:txBody>
-        </p:sp>
-        <p:sp>
-          <p:nvSpPr>
-            <p:cNvPr id="7" name="矩形 6">
-              <a:extLst>
-                <a:ext uri="{FF2B5EF4-FFF2-40B4-BE49-F238E27FC236}">
-                  <a16:creationId xmlns:a16="http://schemas.microsoft.com/office/drawing/2014/main" id="{20DA319B-EB45-4064-B4CA-7C7CBE2DDC14}"/>
-                </a:ext>
-              </a:extLst>
-            </p:cNvPr>
-            <p:cNvSpPr/>
-            <p:nvPr/>
-          </p:nvSpPr>
-          <p:spPr>
-            <a:xfrm>
-              <a:off x="8567546" y="3600874"/>
-              <a:ext cx="678180" cy="388620"/>
-            </a:xfrm>
-            <a:prstGeom prst="rect">
-              <a:avLst/>
-            </a:prstGeom>
-            <a:noFill/>
-            <a:ln w="38100"/>
-          </p:spPr>
-          <p:style>
-            <a:lnRef idx="2">
-              <a:schemeClr val="dk1">
-                <a:shade val="50000"/>
-              </a:schemeClr>
-            </a:lnRef>
-            <a:fillRef idx="1">
-              <a:schemeClr val="dk1"/>
-            </a:fillRef>
-            <a:effectRef idx="0">
-              <a:schemeClr val="dk1"/>
-            </a:effectRef>
-            <a:fontRef idx="minor">
-              <a:schemeClr val="lt1"/>
-            </a:fontRef>
-          </p:style>
-          <p:txBody>
-            <a:bodyPr rtlCol="0" anchor="ctr"/>
-            <a:lstStyle/>
-            <a:p>
-              <a:pPr algn="ctr"/>
-              <a:r>
-                <a:rPr lang="en-US" altLang="zh-CN" b="1" dirty="0">
-                  <a:solidFill>
-                    <a:schemeClr val="tx1"/>
-                  </a:solidFill>
-                  <a:latin typeface="Arial" panose="020B0604020202020204" pitchFamily="34" charset="0"/>
-                  <a:cs typeface="Arial" panose="020B0604020202020204" pitchFamily="34" charset="0"/>
-                </a:rPr>
-                <a:t>3</a:t>
-              </a:r>
-              <a:endParaRPr lang="zh-CN" altLang="en-US" b="1" dirty="0">
-                <a:solidFill>
-                  <a:schemeClr val="tx1"/>
-                </a:solidFill>
-                <a:latin typeface="Arial" panose="020B0604020202020204" pitchFamily="34" charset="0"/>
-                <a:cs typeface="Arial" panose="020B0604020202020204" pitchFamily="34" charset="0"/>
-              </a:endParaRPr>
-            </a:p>
-          </p:txBody>
-        </p:sp>
-        <p:sp>
-          <p:nvSpPr>
-            <p:cNvPr id="8" name="矩形 7">
-              <a:extLst>
-                <a:ext uri="{FF2B5EF4-FFF2-40B4-BE49-F238E27FC236}">
-                  <a16:creationId xmlns:a16="http://schemas.microsoft.com/office/drawing/2014/main" id="{89E30F83-6C30-4892-84D9-EA39963312F7}"/>
-                </a:ext>
-              </a:extLst>
-            </p:cNvPr>
-            <p:cNvSpPr/>
-            <p:nvPr/>
-          </p:nvSpPr>
-          <p:spPr>
-            <a:xfrm>
-              <a:off x="8547985" y="4795272"/>
-              <a:ext cx="678180" cy="388620"/>
-            </a:xfrm>
-            <a:prstGeom prst="rect">
-              <a:avLst/>
-            </a:prstGeom>
-            <a:noFill/>
-            <a:ln w="38100"/>
-          </p:spPr>
-          <p:style>
-            <a:lnRef idx="2">
-              <a:schemeClr val="dk1">
-                <a:shade val="50000"/>
-              </a:schemeClr>
-            </a:lnRef>
-            <a:fillRef idx="1">
-              <a:schemeClr val="dk1"/>
-            </a:fillRef>
-            <a:effectRef idx="0">
-              <a:schemeClr val="dk1"/>
-            </a:effectRef>
-            <a:fontRef idx="minor">
-              <a:schemeClr val="lt1"/>
-            </a:fontRef>
-          </p:style>
-          <p:txBody>
-            <a:bodyPr rtlCol="0" anchor="ctr"/>
-            <a:lstStyle/>
-            <a:p>
-              <a:pPr algn="ctr"/>
-              <a:r>
-                <a:rPr lang="en-US" altLang="zh-CN" b="1" dirty="0">
-                  <a:solidFill>
-                    <a:schemeClr val="tx1"/>
-                  </a:solidFill>
-                  <a:latin typeface="Arial" panose="020B0604020202020204" pitchFamily="34" charset="0"/>
-                  <a:cs typeface="Arial" panose="020B0604020202020204" pitchFamily="34" charset="0"/>
-                </a:rPr>
-                <a:t>4</a:t>
-              </a:r>
-              <a:endParaRPr lang="zh-CN" altLang="en-US" b="1" dirty="0">
-                <a:solidFill>
-                  <a:schemeClr val="tx1"/>
-                </a:solidFill>
-                <a:latin typeface="Arial" panose="020B0604020202020204" pitchFamily="34" charset="0"/>
-                <a:cs typeface="Arial" panose="020B0604020202020204" pitchFamily="34" charset="0"/>
-              </a:endParaRPr>
-            </a:p>
-          </p:txBody>
-        </p:sp>
-        <p:cxnSp>
-          <p:nvCxnSpPr>
-            <p:cNvPr id="10" name="直接箭头连接符 9">
-              <a:extLst>
-                <a:ext uri="{FF2B5EF4-FFF2-40B4-BE49-F238E27FC236}">
-                  <a16:creationId xmlns:a16="http://schemas.microsoft.com/office/drawing/2014/main" id="{5553CA85-5240-467F-BD83-110D4A0499F7}"/>
-                </a:ext>
-              </a:extLst>
-            </p:cNvPr>
-            <p:cNvCxnSpPr>
-              <a:stCxn id="5" idx="2"/>
-              <a:endCxn id="6" idx="0"/>
-            </p:cNvCxnSpPr>
-            <p:nvPr/>
-          </p:nvCxnSpPr>
-          <p:spPr>
-            <a:xfrm flipH="1">
-              <a:off x="9421324" y="1317308"/>
-              <a:ext cx="2711" cy="1294148"/>
-            </a:xfrm>
-            <a:prstGeom prst="straightConnector1">
-              <a:avLst/>
-            </a:prstGeom>
-            <a:ln w="44450">
-              <a:solidFill>
-                <a:srgbClr val="7030A0"/>
-              </a:solidFill>
-              <a:tailEnd type="triangle"/>
-            </a:ln>
-          </p:spPr>
-          <p:style>
-            <a:lnRef idx="1">
-              <a:schemeClr val="dk1"/>
-            </a:lnRef>
-            <a:fillRef idx="0">
-              <a:schemeClr val="dk1"/>
-            </a:fillRef>
-            <a:effectRef idx="0">
-              <a:schemeClr val="dk1"/>
-            </a:effectRef>
-            <a:fontRef idx="minor">
-              <a:schemeClr val="tx1"/>
-            </a:fontRef>
-          </p:style>
-        </p:cxnSp>
-        <p:cxnSp>
-          <p:nvCxnSpPr>
-            <p:cNvPr id="12" name="直接箭头连接符 11">
-              <a:extLst>
-                <a:ext uri="{FF2B5EF4-FFF2-40B4-BE49-F238E27FC236}">
-                  <a16:creationId xmlns:a16="http://schemas.microsoft.com/office/drawing/2014/main" id="{A962A446-1BBA-43EA-9C9F-3D7BC892F533}"/>
-                </a:ext>
-              </a:extLst>
-            </p:cNvPr>
-            <p:cNvCxnSpPr>
-              <a:cxnSpLocks/>
-              <a:stCxn id="4" idx="2"/>
-              <a:endCxn id="21" idx="0"/>
-            </p:cNvCxnSpPr>
-            <p:nvPr/>
-          </p:nvCxnSpPr>
-          <p:spPr>
-            <a:xfrm flipH="1">
-              <a:off x="10229301" y="1317308"/>
-              <a:ext cx="698381" cy="3511145"/>
-            </a:xfrm>
-            <a:prstGeom prst="straightConnector1">
-              <a:avLst/>
-            </a:prstGeom>
-            <a:ln w="44450">
-              <a:solidFill>
-                <a:srgbClr val="0099CC"/>
-              </a:solidFill>
-              <a:prstDash val="sysDash"/>
-              <a:tailEnd type="triangle"/>
-            </a:ln>
-          </p:spPr>
-          <p:style>
-            <a:lnRef idx="1">
-              <a:schemeClr val="dk1"/>
-            </a:lnRef>
-            <a:fillRef idx="0">
-              <a:schemeClr val="dk1"/>
-            </a:fillRef>
-            <a:effectRef idx="0">
-              <a:schemeClr val="dk1"/>
-            </a:effectRef>
-            <a:fontRef idx="minor">
-              <a:schemeClr val="tx1"/>
-            </a:fontRef>
-          </p:style>
-        </p:cxnSp>
-        <p:cxnSp>
-          <p:nvCxnSpPr>
-            <p:cNvPr id="13" name="直接箭头连接符 12">
-              <a:extLst>
-                <a:ext uri="{FF2B5EF4-FFF2-40B4-BE49-F238E27FC236}">
-                  <a16:creationId xmlns:a16="http://schemas.microsoft.com/office/drawing/2014/main" id="{16701F89-856D-41A2-A17B-88C1C431F0C7}"/>
-                </a:ext>
-              </a:extLst>
-            </p:cNvPr>
-            <p:cNvCxnSpPr>
-              <a:cxnSpLocks/>
-              <a:stCxn id="6" idx="2"/>
-              <a:endCxn id="7" idx="0"/>
-            </p:cNvCxnSpPr>
-            <p:nvPr/>
-          </p:nvCxnSpPr>
-          <p:spPr>
-            <a:xfrm flipH="1">
-              <a:off x="8906636" y="3000076"/>
-              <a:ext cx="514688" cy="600798"/>
-            </a:xfrm>
-            <a:prstGeom prst="straightConnector1">
-              <a:avLst/>
-            </a:prstGeom>
-            <a:ln w="44450">
-              <a:solidFill>
-                <a:srgbClr val="0000CC"/>
-              </a:solidFill>
-              <a:prstDash val="sysDash"/>
-              <a:tailEnd type="triangle"/>
-            </a:ln>
-          </p:spPr>
-          <p:style>
-            <a:lnRef idx="1">
-              <a:schemeClr val="dk1"/>
-            </a:lnRef>
-            <a:fillRef idx="0">
-              <a:schemeClr val="dk1"/>
-            </a:fillRef>
-            <a:effectRef idx="0">
-              <a:schemeClr val="dk1"/>
-            </a:effectRef>
-            <a:fontRef idx="minor">
-              <a:schemeClr val="tx1"/>
-            </a:fontRef>
-          </p:style>
-        </p:cxnSp>
-        <p:cxnSp>
-          <p:nvCxnSpPr>
-            <p:cNvPr id="14" name="直接箭头连接符 13">
-              <a:extLst>
-                <a:ext uri="{FF2B5EF4-FFF2-40B4-BE49-F238E27FC236}">
-                  <a16:creationId xmlns:a16="http://schemas.microsoft.com/office/drawing/2014/main" id="{BF391BB1-97E3-45B6-A215-137C809D55CB}"/>
-                </a:ext>
-              </a:extLst>
-            </p:cNvPr>
-            <p:cNvCxnSpPr>
-              <a:cxnSpLocks/>
-              <a:stCxn id="5" idx="2"/>
-              <a:endCxn id="22" idx="0"/>
-            </p:cNvCxnSpPr>
-            <p:nvPr/>
-          </p:nvCxnSpPr>
-          <p:spPr>
-            <a:xfrm>
-              <a:off x="9424035" y="1317308"/>
-              <a:ext cx="1943710" cy="3511145"/>
-            </a:xfrm>
-            <a:prstGeom prst="straightConnector1">
-              <a:avLst/>
-            </a:prstGeom>
-            <a:ln w="44450">
-              <a:solidFill>
-                <a:schemeClr val="accent4">
-                  <a:lumMod val="75000"/>
-                </a:schemeClr>
-              </a:solidFill>
-              <a:prstDash val="sysDot"/>
-              <a:tailEnd type="triangle"/>
-            </a:ln>
-          </p:spPr>
-          <p:style>
-            <a:lnRef idx="1">
-              <a:schemeClr val="dk1"/>
-            </a:lnRef>
-            <a:fillRef idx="0">
-              <a:schemeClr val="dk1"/>
-            </a:fillRef>
-            <a:effectRef idx="0">
-              <a:schemeClr val="dk1"/>
-            </a:effectRef>
-            <a:fontRef idx="minor">
-              <a:schemeClr val="tx1"/>
-            </a:fontRef>
-          </p:style>
-        </p:cxnSp>
-        <p:sp>
-          <p:nvSpPr>
-            <p:cNvPr id="26" name="矩形 25">
-              <a:extLst>
-                <a:ext uri="{FF2B5EF4-FFF2-40B4-BE49-F238E27FC236}">
-                  <a16:creationId xmlns:a16="http://schemas.microsoft.com/office/drawing/2014/main" id="{9B9D38A8-5C79-461A-AF90-92A127743DDB}"/>
-                </a:ext>
-              </a:extLst>
-            </p:cNvPr>
-            <p:cNvSpPr/>
-            <p:nvPr/>
-          </p:nvSpPr>
-          <p:spPr>
-            <a:xfrm>
-              <a:off x="9869325" y="2018723"/>
-              <a:ext cx="374749" cy="369332"/>
-            </a:xfrm>
-            <a:prstGeom prst="rect">
-              <a:avLst/>
-            </a:prstGeom>
-          </p:spPr>
-          <p:txBody>
-            <a:bodyPr wrap="square">
-              <a:spAutoFit/>
-            </a:bodyPr>
-            <a:lstStyle/>
-            <a:p>
-              <a:pPr algn="ctr"/>
-              <a:r>
-                <a:rPr lang="en-US" altLang="zh-CN" b="1" dirty="0">
-                  <a:solidFill>
-                    <a:schemeClr val="accent4">
-                      <a:lumMod val="75000"/>
-                    </a:schemeClr>
-                  </a:solidFill>
-                  <a:latin typeface="Arial" panose="020B0604020202020204" pitchFamily="34" charset="0"/>
-                  <a:cs typeface="Arial" panose="020B0604020202020204" pitchFamily="34" charset="0"/>
-                </a:rPr>
-                <a:t>5</a:t>
-              </a:r>
-              <a:endParaRPr lang="zh-CN" altLang="en-US" b="1" dirty="0">
-                <a:solidFill>
-                  <a:schemeClr val="accent4">
-                    <a:lumMod val="75000"/>
-                  </a:schemeClr>
-                </a:solidFill>
-                <a:latin typeface="Arial" panose="020B0604020202020204" pitchFamily="34" charset="0"/>
-                <a:cs typeface="Arial" panose="020B0604020202020204" pitchFamily="34" charset="0"/>
-              </a:endParaRPr>
-            </a:p>
-          </p:txBody>
-        </p:sp>
-        <p:sp>
-          <p:nvSpPr>
-            <p:cNvPr id="27" name="矩形 26">
-              <a:extLst>
-                <a:ext uri="{FF2B5EF4-FFF2-40B4-BE49-F238E27FC236}">
-                  <a16:creationId xmlns:a16="http://schemas.microsoft.com/office/drawing/2014/main" id="{547828B9-BA0D-4471-8B1D-B7A86DE2A49C}"/>
-                </a:ext>
-              </a:extLst>
-            </p:cNvPr>
-            <p:cNvSpPr/>
-            <p:nvPr/>
-          </p:nvSpPr>
-          <p:spPr>
-            <a:xfrm>
-              <a:off x="10599330" y="2733850"/>
-              <a:ext cx="300082" cy="369332"/>
-            </a:xfrm>
-            <a:prstGeom prst="rect">
-              <a:avLst/>
-            </a:prstGeom>
-          </p:spPr>
-          <p:txBody>
-            <a:bodyPr wrap="none">
-              <a:spAutoFit/>
-            </a:bodyPr>
-            <a:lstStyle/>
-            <a:p>
-              <a:pPr algn="ctr"/>
-              <a:r>
-                <a:rPr lang="en-US" altLang="zh-CN" b="1" dirty="0">
-                  <a:solidFill>
-                    <a:srgbClr val="0099CC"/>
-                  </a:solidFill>
-                  <a:latin typeface="Times New Roman" panose="02020603050405020304" pitchFamily="18" charset="0"/>
-                  <a:cs typeface="Times New Roman" panose="02020603050405020304" pitchFamily="18" charset="0"/>
-                </a:rPr>
-                <a:t>6</a:t>
-              </a:r>
-              <a:endParaRPr lang="zh-CN" altLang="en-US" b="1" dirty="0">
-                <a:solidFill>
-                  <a:srgbClr val="0099CC"/>
-                </a:solidFill>
-                <a:latin typeface="Times New Roman" panose="02020603050405020304" pitchFamily="18" charset="0"/>
-                <a:cs typeface="Times New Roman" panose="02020603050405020304" pitchFamily="18" charset="0"/>
-              </a:endParaRPr>
-            </a:p>
-          </p:txBody>
-        </p:sp>
-        <p:sp>
-          <p:nvSpPr>
-            <p:cNvPr id="28" name="矩形 27">
-              <a:extLst>
-                <a:ext uri="{FF2B5EF4-FFF2-40B4-BE49-F238E27FC236}">
-                  <a16:creationId xmlns:a16="http://schemas.microsoft.com/office/drawing/2014/main" id="{191D5225-806E-49CB-807C-D002C070F822}"/>
-                </a:ext>
-              </a:extLst>
-            </p:cNvPr>
-            <p:cNvSpPr/>
-            <p:nvPr/>
-          </p:nvSpPr>
-          <p:spPr>
-            <a:xfrm>
-              <a:off x="8878115" y="3029382"/>
-              <a:ext cx="300082" cy="369332"/>
-            </a:xfrm>
-            <a:prstGeom prst="rect">
-              <a:avLst/>
-            </a:prstGeom>
-          </p:spPr>
-          <p:txBody>
-            <a:bodyPr wrap="none">
-              <a:spAutoFit/>
-            </a:bodyPr>
-            <a:lstStyle/>
-            <a:p>
-              <a:pPr algn="ctr"/>
-              <a:r>
-                <a:rPr lang="en-US" altLang="zh-CN" b="1" dirty="0">
-                  <a:solidFill>
-                    <a:srgbClr val="0000CC"/>
-                  </a:solidFill>
-                  <a:latin typeface="Times New Roman" panose="02020603050405020304" pitchFamily="18" charset="0"/>
-                  <a:cs typeface="Times New Roman" panose="02020603050405020304" pitchFamily="18" charset="0"/>
-                </a:rPr>
-                <a:t>4</a:t>
-              </a:r>
-              <a:endParaRPr lang="zh-CN" altLang="en-US" b="1" dirty="0">
-                <a:solidFill>
-                  <a:srgbClr val="0000CC"/>
-                </a:solidFill>
-                <a:latin typeface="Times New Roman" panose="02020603050405020304" pitchFamily="18" charset="0"/>
-                <a:cs typeface="Times New Roman" panose="02020603050405020304" pitchFamily="18" charset="0"/>
-              </a:endParaRPr>
-            </a:p>
-          </p:txBody>
-        </p:sp>
-        <p:sp>
-          <p:nvSpPr>
-            <p:cNvPr id="30" name="矩形 29">
-              <a:extLst>
-                <a:ext uri="{FF2B5EF4-FFF2-40B4-BE49-F238E27FC236}">
-                  <a16:creationId xmlns:a16="http://schemas.microsoft.com/office/drawing/2014/main" id="{6AC13B46-6178-4461-85F3-72378078B9C6}"/>
-                </a:ext>
-              </a:extLst>
-            </p:cNvPr>
-            <p:cNvSpPr/>
-            <p:nvPr/>
-          </p:nvSpPr>
-          <p:spPr>
-            <a:xfrm>
-              <a:off x="8813902" y="1731454"/>
-              <a:ext cx="312907" cy="369332"/>
-            </a:xfrm>
-            <a:prstGeom prst="rect">
-              <a:avLst/>
-            </a:prstGeom>
-          </p:spPr>
-          <p:txBody>
-            <a:bodyPr wrap="none">
-              <a:spAutoFit/>
-            </a:bodyPr>
-            <a:lstStyle/>
-            <a:p>
-              <a:pPr algn="ctr"/>
-              <a:r>
-                <a:rPr lang="en-US" altLang="zh-CN" b="1" dirty="0">
-                  <a:solidFill>
-                    <a:srgbClr val="7030A0"/>
-                  </a:solidFill>
-                  <a:latin typeface="Arial" panose="020B0604020202020204" pitchFamily="34" charset="0"/>
-                  <a:cs typeface="Arial" panose="020B0604020202020204" pitchFamily="34" charset="0"/>
-                </a:rPr>
-                <a:t>2</a:t>
-              </a:r>
-              <a:endParaRPr lang="zh-CN" altLang="en-US" b="1" dirty="0">
-                <a:solidFill>
-                  <a:srgbClr val="7030A0"/>
-                </a:solidFill>
-                <a:latin typeface="Arial" panose="020B0604020202020204" pitchFamily="34" charset="0"/>
-                <a:cs typeface="Arial" panose="020B0604020202020204" pitchFamily="34" charset="0"/>
-              </a:endParaRPr>
-            </a:p>
-          </p:txBody>
-        </p:sp>
-        <p:sp>
-          <p:nvSpPr>
-            <p:cNvPr id="21" name="矩形 20">
-              <a:extLst>
-                <a:ext uri="{FF2B5EF4-FFF2-40B4-BE49-F238E27FC236}">
-                  <a16:creationId xmlns:a16="http://schemas.microsoft.com/office/drawing/2014/main" id="{8669C03D-7BED-493E-981B-16B0E74278EA}"/>
-                </a:ext>
-              </a:extLst>
-            </p:cNvPr>
-            <p:cNvSpPr/>
-            <p:nvPr/>
-          </p:nvSpPr>
-          <p:spPr>
-            <a:xfrm>
-              <a:off x="9890211" y="4828453"/>
-              <a:ext cx="678180" cy="388620"/>
-            </a:xfrm>
-            <a:prstGeom prst="rect">
-              <a:avLst/>
-            </a:prstGeom>
-            <a:noFill/>
-            <a:ln w="38100"/>
-          </p:spPr>
-          <p:style>
-            <a:lnRef idx="2">
-              <a:schemeClr val="dk1">
-                <a:shade val="50000"/>
-              </a:schemeClr>
-            </a:lnRef>
-            <a:fillRef idx="1">
-              <a:schemeClr val="dk1"/>
-            </a:fillRef>
-            <a:effectRef idx="0">
-              <a:schemeClr val="dk1"/>
-            </a:effectRef>
-            <a:fontRef idx="minor">
-              <a:schemeClr val="lt1"/>
-            </a:fontRef>
-          </p:style>
-          <p:txBody>
-            <a:bodyPr rtlCol="0" anchor="ctr"/>
-            <a:lstStyle/>
-            <a:p>
-              <a:pPr algn="ctr"/>
-              <a:r>
-                <a:rPr lang="en-US" altLang="zh-CN" b="1" dirty="0">
-                  <a:solidFill>
-                    <a:schemeClr val="tx1"/>
-                  </a:solidFill>
-                  <a:latin typeface="Arial" panose="020B0604020202020204" pitchFamily="34" charset="0"/>
-                  <a:cs typeface="Arial" panose="020B0604020202020204" pitchFamily="34" charset="0"/>
-                </a:rPr>
-                <a:t>5</a:t>
-              </a:r>
-              <a:endParaRPr lang="zh-CN" altLang="en-US" b="1" dirty="0">
-                <a:solidFill>
-                  <a:schemeClr val="tx1"/>
-                </a:solidFill>
-                <a:latin typeface="Arial" panose="020B0604020202020204" pitchFamily="34" charset="0"/>
-                <a:cs typeface="Arial" panose="020B0604020202020204" pitchFamily="34" charset="0"/>
-              </a:endParaRPr>
-            </a:p>
-          </p:txBody>
-        </p:sp>
-        <p:sp>
-          <p:nvSpPr>
-            <p:cNvPr id="22" name="矩形 21">
-              <a:extLst>
-                <a:ext uri="{FF2B5EF4-FFF2-40B4-BE49-F238E27FC236}">
-                  <a16:creationId xmlns:a16="http://schemas.microsoft.com/office/drawing/2014/main" id="{B28F6A6F-0B92-4B4A-976F-C1DD193368F3}"/>
-                </a:ext>
-              </a:extLst>
-            </p:cNvPr>
-            <p:cNvSpPr/>
-            <p:nvPr/>
-          </p:nvSpPr>
-          <p:spPr>
-            <a:xfrm>
-              <a:off x="11028655" y="4828453"/>
-              <a:ext cx="678180" cy="388620"/>
-            </a:xfrm>
-            <a:prstGeom prst="rect">
-              <a:avLst/>
-            </a:prstGeom>
-            <a:noFill/>
-            <a:ln w="38100"/>
-          </p:spPr>
-          <p:style>
-            <a:lnRef idx="2">
-              <a:schemeClr val="dk1">
-                <a:shade val="50000"/>
-              </a:schemeClr>
-            </a:lnRef>
-            <a:fillRef idx="1">
-              <a:schemeClr val="dk1"/>
-            </a:fillRef>
-            <a:effectRef idx="0">
-              <a:schemeClr val="dk1"/>
-            </a:effectRef>
-            <a:fontRef idx="minor">
-              <a:schemeClr val="lt1"/>
-            </a:fontRef>
-          </p:style>
-          <p:txBody>
-            <a:bodyPr rtlCol="0" anchor="ctr"/>
-            <a:lstStyle/>
-            <a:p>
-              <a:pPr algn="ctr"/>
-              <a:r>
-                <a:rPr lang="en-US" altLang="zh-CN" b="1" dirty="0">
-                  <a:solidFill>
-                    <a:schemeClr val="tx1"/>
-                  </a:solidFill>
-                  <a:latin typeface="Arial" panose="020B0604020202020204" pitchFamily="34" charset="0"/>
-                  <a:cs typeface="Arial" panose="020B0604020202020204" pitchFamily="34" charset="0"/>
-                </a:rPr>
-                <a:t>6</a:t>
-              </a:r>
-              <a:endParaRPr lang="zh-CN" altLang="en-US" b="1" dirty="0">
-                <a:solidFill>
-                  <a:schemeClr val="tx1"/>
-                </a:solidFill>
-                <a:latin typeface="Arial" panose="020B0604020202020204" pitchFamily="34" charset="0"/>
-                <a:cs typeface="Arial" panose="020B0604020202020204" pitchFamily="34" charset="0"/>
-              </a:endParaRPr>
-            </a:p>
-          </p:txBody>
-        </p:sp>
-        <p:sp>
-          <p:nvSpPr>
-            <p:cNvPr id="23" name="矩形 22">
-              <a:extLst>
-                <a:ext uri="{FF2B5EF4-FFF2-40B4-BE49-F238E27FC236}">
-                  <a16:creationId xmlns:a16="http://schemas.microsoft.com/office/drawing/2014/main" id="{36F31BB5-A7B4-4B6B-BA2B-7E4B6D0A6A4B}"/>
-                </a:ext>
-              </a:extLst>
-            </p:cNvPr>
-            <p:cNvSpPr/>
-            <p:nvPr/>
-          </p:nvSpPr>
-          <p:spPr>
-            <a:xfrm>
-              <a:off x="9849860" y="5984669"/>
-              <a:ext cx="678180" cy="388620"/>
-            </a:xfrm>
-            <a:prstGeom prst="rect">
-              <a:avLst/>
-            </a:prstGeom>
-            <a:noFill/>
-            <a:ln w="38100"/>
-          </p:spPr>
-          <p:style>
-            <a:lnRef idx="2">
-              <a:schemeClr val="dk1">
-                <a:shade val="50000"/>
-              </a:schemeClr>
-            </a:lnRef>
-            <a:fillRef idx="1">
-              <a:schemeClr val="dk1"/>
-            </a:fillRef>
-            <a:effectRef idx="0">
-              <a:schemeClr val="dk1"/>
-            </a:effectRef>
-            <a:fontRef idx="minor">
-              <a:schemeClr val="lt1"/>
-            </a:fontRef>
-          </p:style>
-          <p:txBody>
-            <a:bodyPr rtlCol="0" anchor="ctr"/>
-            <a:lstStyle/>
-            <a:p>
-              <a:pPr algn="ctr"/>
-              <a:r>
-                <a:rPr lang="en-US" altLang="zh-CN" b="1" dirty="0">
-                  <a:solidFill>
-                    <a:schemeClr val="tx1"/>
-                  </a:solidFill>
-                  <a:latin typeface="Arial" panose="020B0604020202020204" pitchFamily="34" charset="0"/>
-                  <a:cs typeface="Arial" panose="020B0604020202020204" pitchFamily="34" charset="0"/>
-                </a:rPr>
-                <a:t>7</a:t>
-              </a:r>
-              <a:endParaRPr lang="zh-CN" altLang="en-US" b="1" dirty="0">
-                <a:solidFill>
-                  <a:schemeClr val="tx1"/>
-                </a:solidFill>
-                <a:latin typeface="Arial" panose="020B0604020202020204" pitchFamily="34" charset="0"/>
-                <a:cs typeface="Arial" panose="020B0604020202020204" pitchFamily="34" charset="0"/>
-              </a:endParaRPr>
-            </a:p>
-          </p:txBody>
-        </p:sp>
-        <p:cxnSp>
-          <p:nvCxnSpPr>
-            <p:cNvPr id="37" name="直接箭头连接符 36">
-              <a:extLst>
-                <a:ext uri="{FF2B5EF4-FFF2-40B4-BE49-F238E27FC236}">
-                  <a16:creationId xmlns:a16="http://schemas.microsoft.com/office/drawing/2014/main" id="{85FF7EAC-4345-4162-864A-07839F9B249A}"/>
-                </a:ext>
-              </a:extLst>
-            </p:cNvPr>
-            <p:cNvCxnSpPr>
-              <a:cxnSpLocks/>
-              <a:stCxn id="8" idx="2"/>
-              <a:endCxn id="23" idx="0"/>
-            </p:cNvCxnSpPr>
-            <p:nvPr/>
-          </p:nvCxnSpPr>
-          <p:spPr>
-            <a:xfrm>
-              <a:off x="8887075" y="5183892"/>
-              <a:ext cx="1301875" cy="800777"/>
-            </a:xfrm>
-            <a:prstGeom prst="straightConnector1">
-              <a:avLst/>
-            </a:prstGeom>
-            <a:ln w="44450">
-              <a:solidFill>
-                <a:schemeClr val="accent1"/>
-              </a:solidFill>
-              <a:prstDash val="sysDot"/>
-              <a:tailEnd type="triangle"/>
-            </a:ln>
-          </p:spPr>
-          <p:style>
-            <a:lnRef idx="1">
-              <a:schemeClr val="dk1"/>
-            </a:lnRef>
-            <a:fillRef idx="0">
-              <a:schemeClr val="dk1"/>
-            </a:fillRef>
-            <a:effectRef idx="0">
-              <a:schemeClr val="dk1"/>
-            </a:effectRef>
-            <a:fontRef idx="minor">
-              <a:schemeClr val="tx1"/>
-            </a:fontRef>
-          </p:style>
-        </p:cxnSp>
-        <p:cxnSp>
-          <p:nvCxnSpPr>
-            <p:cNvPr id="40" name="直接箭头连接符 39">
-              <a:extLst>
-                <a:ext uri="{FF2B5EF4-FFF2-40B4-BE49-F238E27FC236}">
-                  <a16:creationId xmlns:a16="http://schemas.microsoft.com/office/drawing/2014/main" id="{977FAEEB-D91D-4FB9-94F6-5495459283ED}"/>
-                </a:ext>
-              </a:extLst>
-            </p:cNvPr>
-            <p:cNvCxnSpPr>
-              <a:cxnSpLocks/>
-              <a:stCxn id="22" idx="2"/>
-              <a:endCxn id="23" idx="0"/>
-            </p:cNvCxnSpPr>
-            <p:nvPr/>
-          </p:nvCxnSpPr>
-          <p:spPr>
-            <a:xfrm flipH="1">
-              <a:off x="10188950" y="5217073"/>
-              <a:ext cx="1178795" cy="767596"/>
-            </a:xfrm>
-            <a:prstGeom prst="straightConnector1">
-              <a:avLst/>
-            </a:prstGeom>
-            <a:ln w="44450">
-              <a:solidFill>
-                <a:schemeClr val="accent1"/>
-              </a:solidFill>
-              <a:prstDash val="sysDot"/>
-              <a:tailEnd type="triangle"/>
-            </a:ln>
-          </p:spPr>
-          <p:style>
-            <a:lnRef idx="1">
-              <a:schemeClr val="dk1"/>
-            </a:lnRef>
-            <a:fillRef idx="0">
-              <a:schemeClr val="dk1"/>
-            </a:fillRef>
-            <a:effectRef idx="0">
-              <a:schemeClr val="dk1"/>
-            </a:effectRef>
-            <a:fontRef idx="minor">
-              <a:schemeClr val="tx1"/>
-            </a:fontRef>
-          </p:style>
-        </p:cxnSp>
-        <p:cxnSp>
-          <p:nvCxnSpPr>
-            <p:cNvPr id="43" name="直接箭头连接符 42">
-              <a:extLst>
-                <a:ext uri="{FF2B5EF4-FFF2-40B4-BE49-F238E27FC236}">
-                  <a16:creationId xmlns:a16="http://schemas.microsoft.com/office/drawing/2014/main" id="{BBBE7C4D-2784-46E8-8D64-0980613A8533}"/>
-                </a:ext>
-              </a:extLst>
-            </p:cNvPr>
-            <p:cNvCxnSpPr>
-              <a:cxnSpLocks/>
-              <a:stCxn id="21" idx="2"/>
-              <a:endCxn id="23" idx="0"/>
-            </p:cNvCxnSpPr>
-            <p:nvPr/>
-          </p:nvCxnSpPr>
-          <p:spPr>
-            <a:xfrm flipH="1">
-              <a:off x="10188950" y="5217073"/>
-              <a:ext cx="40351" cy="767596"/>
-            </a:xfrm>
-            <a:prstGeom prst="straightConnector1">
-              <a:avLst/>
-            </a:prstGeom>
-            <a:ln w="44450">
-              <a:solidFill>
-                <a:schemeClr val="accent1"/>
-              </a:solidFill>
-              <a:prstDash val="sysDot"/>
-              <a:tailEnd type="triangle"/>
-            </a:ln>
-          </p:spPr>
-          <p:style>
-            <a:lnRef idx="1">
-              <a:schemeClr val="dk1"/>
-            </a:lnRef>
-            <a:fillRef idx="0">
-              <a:schemeClr val="dk1"/>
-            </a:fillRef>
-            <a:effectRef idx="0">
-              <a:schemeClr val="dk1"/>
-            </a:effectRef>
-            <a:fontRef idx="minor">
-              <a:schemeClr val="tx1"/>
-            </a:fontRef>
-          </p:style>
-        </p:cxnSp>
-        <p:sp>
-          <p:nvSpPr>
-            <p:cNvPr id="46" name="矩形 45">
-              <a:extLst>
-                <a:ext uri="{FF2B5EF4-FFF2-40B4-BE49-F238E27FC236}">
-                  <a16:creationId xmlns:a16="http://schemas.microsoft.com/office/drawing/2014/main" id="{07463793-DC08-4949-9BCB-AFB460B23A1F}"/>
-                </a:ext>
-              </a:extLst>
-            </p:cNvPr>
-            <p:cNvSpPr/>
-            <p:nvPr/>
-          </p:nvSpPr>
-          <p:spPr>
-            <a:xfrm>
-              <a:off x="9047857" y="5383502"/>
-              <a:ext cx="312907" cy="369332"/>
-            </a:xfrm>
-            <a:prstGeom prst="rect">
-              <a:avLst/>
-            </a:prstGeom>
-          </p:spPr>
-          <p:txBody>
-            <a:bodyPr wrap="square">
-              <a:spAutoFit/>
-            </a:bodyPr>
-            <a:lstStyle/>
-            <a:p>
-              <a:pPr algn="ctr"/>
-              <a:r>
-                <a:rPr lang="en-US" altLang="zh-CN" b="1" dirty="0">
-                  <a:solidFill>
-                    <a:schemeClr val="accent1"/>
-                  </a:solidFill>
-                  <a:latin typeface="Arial" panose="020B0604020202020204" pitchFamily="34" charset="0"/>
-                  <a:cs typeface="Arial" panose="020B0604020202020204" pitchFamily="34" charset="0"/>
-                </a:rPr>
-                <a:t>1</a:t>
-              </a:r>
-              <a:endParaRPr lang="zh-CN" altLang="en-US" b="1" dirty="0">
-                <a:solidFill>
-                  <a:schemeClr val="accent1"/>
-                </a:solidFill>
-                <a:latin typeface="Arial" panose="020B0604020202020204" pitchFamily="34" charset="0"/>
-                <a:cs typeface="Arial" panose="020B0604020202020204" pitchFamily="34" charset="0"/>
-              </a:endParaRPr>
-            </a:p>
-          </p:txBody>
-        </p:sp>
-        <p:sp>
-          <p:nvSpPr>
-            <p:cNvPr id="47" name="矩形 46">
-              <a:extLst>
-                <a:ext uri="{FF2B5EF4-FFF2-40B4-BE49-F238E27FC236}">
-                  <a16:creationId xmlns:a16="http://schemas.microsoft.com/office/drawing/2014/main" id="{A08B1610-7D39-4190-9FBD-8667AC6CC43A}"/>
-                </a:ext>
-              </a:extLst>
-            </p:cNvPr>
-            <p:cNvSpPr/>
-            <p:nvPr/>
-          </p:nvSpPr>
-          <p:spPr>
-            <a:xfrm>
-              <a:off x="9890211" y="5411383"/>
-              <a:ext cx="312907" cy="369332"/>
-            </a:xfrm>
-            <a:prstGeom prst="rect">
-              <a:avLst/>
-            </a:prstGeom>
-          </p:spPr>
-          <p:txBody>
-            <a:bodyPr wrap="none">
-              <a:spAutoFit/>
-            </a:bodyPr>
-            <a:lstStyle/>
-            <a:p>
-              <a:pPr algn="ctr"/>
-              <a:r>
-                <a:rPr lang="en-US" altLang="zh-CN" b="1" dirty="0">
-                  <a:solidFill>
-                    <a:schemeClr val="accent1"/>
-                  </a:solidFill>
-                  <a:latin typeface="Arial" panose="020B0604020202020204" pitchFamily="34" charset="0"/>
-                  <a:cs typeface="Arial" panose="020B0604020202020204" pitchFamily="34" charset="0"/>
-                </a:rPr>
-                <a:t>1</a:t>
-              </a:r>
-              <a:endParaRPr lang="zh-CN" altLang="en-US" b="1" dirty="0">
-                <a:solidFill>
-                  <a:schemeClr val="accent1"/>
-                </a:solidFill>
-                <a:latin typeface="Arial" panose="020B0604020202020204" pitchFamily="34" charset="0"/>
-                <a:cs typeface="Arial" panose="020B0604020202020204" pitchFamily="34" charset="0"/>
-              </a:endParaRPr>
-            </a:p>
-          </p:txBody>
-        </p:sp>
-        <p:sp>
-          <p:nvSpPr>
-            <p:cNvPr id="48" name="矩形 47">
-              <a:extLst>
-                <a:ext uri="{FF2B5EF4-FFF2-40B4-BE49-F238E27FC236}">
-                  <a16:creationId xmlns:a16="http://schemas.microsoft.com/office/drawing/2014/main" id="{99EF1B13-F799-4AF3-9129-C44A22E46D3A}"/>
-                </a:ext>
-              </a:extLst>
-            </p:cNvPr>
-            <p:cNvSpPr/>
-            <p:nvPr/>
-          </p:nvSpPr>
-          <p:spPr>
-            <a:xfrm>
-              <a:off x="11035632" y="5478306"/>
-              <a:ext cx="312907" cy="369332"/>
-            </a:xfrm>
-            <a:prstGeom prst="rect">
-              <a:avLst/>
-            </a:prstGeom>
-          </p:spPr>
-          <p:txBody>
-            <a:bodyPr wrap="none">
-              <a:spAutoFit/>
-            </a:bodyPr>
-            <a:lstStyle/>
-            <a:p>
-              <a:pPr algn="ctr"/>
-              <a:r>
-                <a:rPr lang="en-US" altLang="zh-CN" b="1" dirty="0">
-                  <a:solidFill>
-                    <a:schemeClr val="accent1"/>
-                  </a:solidFill>
-                  <a:latin typeface="Arial" panose="020B0604020202020204" pitchFamily="34" charset="0"/>
-                  <a:cs typeface="Arial" panose="020B0604020202020204" pitchFamily="34" charset="0"/>
-                </a:rPr>
-                <a:t>1</a:t>
-              </a:r>
-              <a:endParaRPr lang="zh-CN" altLang="en-US" b="1" dirty="0">
-                <a:solidFill>
-                  <a:schemeClr val="accent1"/>
-                </a:solidFill>
-                <a:latin typeface="Arial" panose="020B0604020202020204" pitchFamily="34" charset="0"/>
-                <a:cs typeface="Arial" panose="020B0604020202020204" pitchFamily="34" charset="0"/>
-              </a:endParaRPr>
-            </a:p>
-          </p:txBody>
-        </p:sp>
-        <p:cxnSp>
-          <p:nvCxnSpPr>
-            <p:cNvPr id="60" name="直接箭头连接符 59">
-              <a:extLst>
-                <a:ext uri="{FF2B5EF4-FFF2-40B4-BE49-F238E27FC236}">
-                  <a16:creationId xmlns:a16="http://schemas.microsoft.com/office/drawing/2014/main" id="{C63BB01E-DB2E-42F1-BBA1-06643BCEF725}"/>
-                </a:ext>
-              </a:extLst>
-            </p:cNvPr>
-            <p:cNvCxnSpPr>
-              <a:cxnSpLocks/>
-              <a:stCxn id="7" idx="2"/>
-              <a:endCxn id="8" idx="0"/>
-            </p:cNvCxnSpPr>
-            <p:nvPr/>
-          </p:nvCxnSpPr>
-          <p:spPr>
-            <a:xfrm flipH="1">
-              <a:off x="8887075" y="3989494"/>
-              <a:ext cx="19561" cy="805778"/>
-            </a:xfrm>
-            <a:prstGeom prst="straightConnector1">
-              <a:avLst/>
-            </a:prstGeom>
-            <a:ln w="44450">
-              <a:solidFill>
-                <a:srgbClr val="0000CC"/>
-              </a:solidFill>
-              <a:prstDash val="sysDash"/>
-              <a:tailEnd type="triangle"/>
-            </a:ln>
-          </p:spPr>
-          <p:style>
-            <a:lnRef idx="1">
-              <a:schemeClr val="dk1"/>
-            </a:lnRef>
-            <a:fillRef idx="0">
-              <a:schemeClr val="dk1"/>
-            </a:fillRef>
-            <a:effectRef idx="0">
-              <a:schemeClr val="dk1"/>
-            </a:effectRef>
-            <a:fontRef idx="minor">
-              <a:schemeClr val="tx1"/>
-            </a:fontRef>
-          </p:style>
-        </p:cxnSp>
-        <p:sp>
-          <p:nvSpPr>
-            <p:cNvPr id="63" name="矩形 62">
-              <a:extLst>
-                <a:ext uri="{FF2B5EF4-FFF2-40B4-BE49-F238E27FC236}">
-                  <a16:creationId xmlns:a16="http://schemas.microsoft.com/office/drawing/2014/main" id="{9E635C6B-CAD1-4E9F-B301-8ED99689E95A}"/>
-                </a:ext>
-              </a:extLst>
-            </p:cNvPr>
-            <p:cNvSpPr/>
-            <p:nvPr/>
-          </p:nvSpPr>
-          <p:spPr>
-            <a:xfrm>
-              <a:off x="8596773" y="4050126"/>
-              <a:ext cx="300082" cy="369332"/>
-            </a:xfrm>
-            <a:prstGeom prst="rect">
-              <a:avLst/>
-            </a:prstGeom>
-          </p:spPr>
-          <p:txBody>
-            <a:bodyPr wrap="none">
-              <a:spAutoFit/>
-            </a:bodyPr>
-            <a:lstStyle/>
-            <a:p>
-              <a:pPr algn="ctr"/>
-              <a:r>
-                <a:rPr lang="en-US" altLang="zh-CN" b="1" dirty="0">
-                  <a:solidFill>
-                    <a:srgbClr val="0000CC"/>
-                  </a:solidFill>
-                  <a:latin typeface="Times New Roman" panose="02020603050405020304" pitchFamily="18" charset="0"/>
-                  <a:cs typeface="Times New Roman" panose="02020603050405020304" pitchFamily="18" charset="0"/>
-                </a:rPr>
-                <a:t>4</a:t>
-              </a:r>
-              <a:endParaRPr lang="zh-CN" altLang="en-US" b="1" dirty="0">
-                <a:solidFill>
-                  <a:srgbClr val="0000CC"/>
-                </a:solidFill>
-                <a:latin typeface="Times New Roman" panose="02020603050405020304" pitchFamily="18" charset="0"/>
-                <a:cs typeface="Times New Roman" panose="02020603050405020304" pitchFamily="18" charset="0"/>
-              </a:endParaRPr>
-            </a:p>
-          </p:txBody>
-        </p:sp>
-        <p:cxnSp>
-          <p:nvCxnSpPr>
-            <p:cNvPr id="66" name="直接箭头连接符 65">
-              <a:extLst>
-                <a:ext uri="{FF2B5EF4-FFF2-40B4-BE49-F238E27FC236}">
-                  <a16:creationId xmlns:a16="http://schemas.microsoft.com/office/drawing/2014/main" id="{12960518-2FEC-4A6A-A1B1-D7B25CE3494C}"/>
-                </a:ext>
-              </a:extLst>
-            </p:cNvPr>
-            <p:cNvCxnSpPr>
-              <a:cxnSpLocks/>
-              <a:stCxn id="6" idx="2"/>
-              <a:endCxn id="21" idx="0"/>
-            </p:cNvCxnSpPr>
-            <p:nvPr/>
-          </p:nvCxnSpPr>
-          <p:spPr>
-            <a:xfrm>
-              <a:off x="9421324" y="3000076"/>
-              <a:ext cx="807977" cy="1828377"/>
-            </a:xfrm>
-            <a:prstGeom prst="straightConnector1">
-              <a:avLst/>
-            </a:prstGeom>
-            <a:ln w="44450">
-              <a:solidFill>
-                <a:srgbClr val="0099CC"/>
-              </a:solidFill>
-              <a:prstDash val="sysDash"/>
-              <a:tailEnd type="triangle"/>
-            </a:ln>
-          </p:spPr>
-          <p:style>
-            <a:lnRef idx="1">
-              <a:schemeClr val="dk1"/>
-            </a:lnRef>
-            <a:fillRef idx="0">
-              <a:schemeClr val="dk1"/>
-            </a:fillRef>
-            <a:effectRef idx="0">
-              <a:schemeClr val="dk1"/>
-            </a:effectRef>
-            <a:fontRef idx="minor">
-              <a:schemeClr val="tx1"/>
-            </a:fontRef>
-          </p:style>
-        </p:cxnSp>
-        <p:sp>
-          <p:nvSpPr>
-            <p:cNvPr id="69" name="矩形 68">
-              <a:extLst>
-                <a:ext uri="{FF2B5EF4-FFF2-40B4-BE49-F238E27FC236}">
-                  <a16:creationId xmlns:a16="http://schemas.microsoft.com/office/drawing/2014/main" id="{753EEEB3-6130-4A4A-B4E7-A4144C1B9BC1}"/>
-                </a:ext>
-              </a:extLst>
-            </p:cNvPr>
-            <p:cNvSpPr/>
-            <p:nvPr/>
-          </p:nvSpPr>
-          <p:spPr>
-            <a:xfrm>
-              <a:off x="9828246" y="3548930"/>
-              <a:ext cx="300082" cy="369332"/>
-            </a:xfrm>
-            <a:prstGeom prst="rect">
-              <a:avLst/>
-            </a:prstGeom>
-          </p:spPr>
-          <p:txBody>
-            <a:bodyPr wrap="none">
-              <a:spAutoFit/>
-            </a:bodyPr>
-            <a:lstStyle/>
-            <a:p>
-              <a:pPr algn="ctr"/>
-              <a:r>
-                <a:rPr lang="en-US" altLang="zh-CN" b="1" dirty="0">
-                  <a:solidFill>
-                    <a:srgbClr val="0099CC"/>
-                  </a:solidFill>
-                  <a:latin typeface="Times New Roman" panose="02020603050405020304" pitchFamily="18" charset="0"/>
-                  <a:cs typeface="Times New Roman" panose="02020603050405020304" pitchFamily="18" charset="0"/>
-                </a:rPr>
-                <a:t>6</a:t>
-              </a:r>
-              <a:endParaRPr lang="zh-CN" altLang="en-US" b="1" dirty="0">
-                <a:solidFill>
-                  <a:srgbClr val="0099CC"/>
-                </a:solidFill>
-                <a:latin typeface="Times New Roman" panose="02020603050405020304" pitchFamily="18" charset="0"/>
-                <a:cs typeface="Times New Roman" panose="02020603050405020304" pitchFamily="18" charset="0"/>
-              </a:endParaRPr>
-            </a:p>
-          </p:txBody>
-        </p:sp>
-      </p:grpSp>
       <p:sp>
         <p:nvSpPr>
-          <p:cNvPr id="11" name="文本框 10">
-            <a:extLst>
-              <a:ext uri="{FF2B5EF4-FFF2-40B4-BE49-F238E27FC236}">
-                <a16:creationId xmlns:a16="http://schemas.microsoft.com/office/drawing/2014/main" id="{94DC0C1D-7697-4DE1-A405-1CE7D5926F12}"/>
+          <p:cNvPr id="81" name="文本框 10">
+            <a:extLst>
+              <a:ext uri="{FF2B5EF4-FFF2-40B4-BE49-F238E27FC236}">
+                <a16:creationId xmlns:a16="http://schemas.microsoft.com/office/drawing/2014/main" id="{B97AB99B-206C-C54F-A12F-85493D0FB99D}"/>
               </a:ext>
             </a:extLst>
           </p:cNvPr>
@@ -21012,8 +19731,8 @@
         </p:nvSpPr>
         <p:spPr>
           <a:xfrm>
-            <a:off x="838199" y="1689624"/>
-            <a:ext cx="4408317" cy="461665"/>
+            <a:off x="838200" y="1584935"/>
+            <a:ext cx="4408317" cy="1569660"/>
           </a:xfrm>
           <a:prstGeom prst="rect">
             <a:avLst/>
@@ -21031,9 +19750,1411 @@
                 <a:latin typeface="Arial" panose="020B0604020202020204" pitchFamily="34" charset="0"/>
                 <a:cs typeface="Arial" panose="020B0604020202020204" pitchFamily="34" charset="0"/>
               </a:rPr>
-              <a:t>70% accuracy on CIFAR-10</a:t>
+              <a:t>On</a:t>
+            </a:r>
+            <a:r>
+              <a:rPr lang="zh-CN" altLang="en-US" sz="2400" b="1" dirty="0">
+                <a:latin typeface="Arial" panose="020B0604020202020204" pitchFamily="34" charset="0"/>
+                <a:cs typeface="Arial" panose="020B0604020202020204" pitchFamily="34" charset="0"/>
+              </a:rPr>
+              <a:t> </a:t>
+            </a:r>
+            <a:r>
+              <a:rPr lang="en-US" altLang="zh-CN" sz="2400" b="1" dirty="0">
+                <a:latin typeface="Arial" panose="020B0604020202020204" pitchFamily="34" charset="0"/>
+                <a:cs typeface="Arial" panose="020B0604020202020204" pitchFamily="34" charset="0"/>
+              </a:rPr>
+              <a:t>CIFAR-10</a:t>
+            </a:r>
+          </a:p>
+          <a:p>
+            <a:r>
+              <a:rPr lang="en-US" altLang="zh-CN" sz="2400" b="1" dirty="0">
+                <a:latin typeface="Arial" panose="020B0604020202020204" pitchFamily="34" charset="0"/>
+                <a:cs typeface="Arial" panose="020B0604020202020204" pitchFamily="34" charset="0"/>
+              </a:rPr>
+              <a:t>About</a:t>
+            </a:r>
+            <a:r>
+              <a:rPr lang="zh-CN" altLang="en-US" sz="2400" b="1" dirty="0">
+                <a:latin typeface="Arial" panose="020B0604020202020204" pitchFamily="34" charset="0"/>
+                <a:cs typeface="Arial" panose="020B0604020202020204" pitchFamily="34" charset="0"/>
+              </a:rPr>
+              <a:t> </a:t>
+            </a:r>
+            <a:r>
+              <a:rPr lang="en-US" altLang="zh-CN" sz="2400" b="1" dirty="0">
+                <a:latin typeface="Arial" panose="020B0604020202020204" pitchFamily="34" charset="0"/>
+                <a:cs typeface="Arial" panose="020B0604020202020204" pitchFamily="34" charset="0"/>
+              </a:rPr>
+              <a:t>40min</a:t>
+            </a:r>
+            <a:r>
+              <a:rPr lang="zh-CN" altLang="en-US" sz="2400" b="1" dirty="0">
+                <a:latin typeface="Arial" panose="020B0604020202020204" pitchFamily="34" charset="0"/>
+                <a:cs typeface="Arial" panose="020B0604020202020204" pitchFamily="34" charset="0"/>
+              </a:rPr>
+              <a:t> </a:t>
+            </a:r>
+            <a:r>
+              <a:rPr lang="en-US" altLang="zh-CN" sz="2400" b="1" dirty="0">
+                <a:latin typeface="Arial" panose="020B0604020202020204" pitchFamily="34" charset="0"/>
+                <a:cs typeface="Arial" panose="020B0604020202020204" pitchFamily="34" charset="0"/>
+              </a:rPr>
+              <a:t>per</a:t>
+            </a:r>
+            <a:r>
+              <a:rPr lang="zh-CN" altLang="en-US" sz="2400" b="1" dirty="0">
+                <a:latin typeface="Arial" panose="020B0604020202020204" pitchFamily="34" charset="0"/>
+                <a:cs typeface="Arial" panose="020B0604020202020204" pitchFamily="34" charset="0"/>
+              </a:rPr>
+              <a:t> </a:t>
+            </a:r>
+            <a:r>
+              <a:rPr lang="en-US" altLang="zh-CN" sz="2400" b="1" dirty="0">
+                <a:latin typeface="Arial" panose="020B0604020202020204" pitchFamily="34" charset="0"/>
+                <a:cs typeface="Arial" panose="020B0604020202020204" pitchFamily="34" charset="0"/>
+              </a:rPr>
+              <a:t>individual</a:t>
+            </a:r>
+          </a:p>
+          <a:p>
+            <a:r>
+              <a:rPr lang="en-US" altLang="zh-CN" sz="2400" b="1" dirty="0">
+                <a:solidFill>
+                  <a:srgbClr val="FF0000"/>
+                </a:solidFill>
+                <a:latin typeface="Arial" panose="020B0604020202020204" pitchFamily="34" charset="0"/>
+                <a:cs typeface="Arial" panose="020B0604020202020204" pitchFamily="34" charset="0"/>
+              </a:rPr>
+              <a:t>71% </a:t>
+            </a:r>
+            <a:r>
+              <a:rPr lang="en-US" altLang="zh-CN" sz="2400" b="1" dirty="0">
+                <a:latin typeface="Arial" panose="020B0604020202020204" pitchFamily="34" charset="0"/>
+                <a:cs typeface="Arial" panose="020B0604020202020204" pitchFamily="34" charset="0"/>
+              </a:rPr>
+              <a:t>test</a:t>
+            </a:r>
+            <a:r>
+              <a:rPr lang="zh-CN" altLang="en-US" sz="2400" b="1" dirty="0">
+                <a:latin typeface="Arial" panose="020B0604020202020204" pitchFamily="34" charset="0"/>
+                <a:cs typeface="Arial" panose="020B0604020202020204" pitchFamily="34" charset="0"/>
+              </a:rPr>
+              <a:t> </a:t>
+            </a:r>
+            <a:r>
+              <a:rPr lang="en-US" altLang="zh-CN" sz="2400" b="1" dirty="0">
+                <a:latin typeface="Arial" panose="020B0604020202020204" pitchFamily="34" charset="0"/>
+                <a:cs typeface="Arial" panose="020B0604020202020204" pitchFamily="34" charset="0"/>
+              </a:rPr>
+              <a:t>accuracy</a:t>
+            </a:r>
+          </a:p>
+          <a:p>
+            <a:r>
+              <a:rPr lang="en-US" altLang="zh-CN" sz="2400" b="1" dirty="0">
+                <a:solidFill>
+                  <a:srgbClr val="FF0000"/>
+                </a:solidFill>
+                <a:latin typeface="Arial" panose="020B0604020202020204" pitchFamily="34" charset="0"/>
+                <a:cs typeface="Arial" panose="020B0604020202020204" pitchFamily="34" charset="0"/>
+              </a:rPr>
+              <a:t>88%</a:t>
+            </a:r>
+            <a:r>
+              <a:rPr lang="zh-CN" altLang="en-US" sz="2400" b="1" dirty="0">
+                <a:latin typeface="Arial" panose="020B0604020202020204" pitchFamily="34" charset="0"/>
+                <a:cs typeface="Arial" panose="020B0604020202020204" pitchFamily="34" charset="0"/>
+              </a:rPr>
+              <a:t> </a:t>
+            </a:r>
+            <a:r>
+              <a:rPr lang="en-US" altLang="zh-CN" sz="2400" b="1" dirty="0">
+                <a:latin typeface="Arial" panose="020B0604020202020204" pitchFamily="34" charset="0"/>
+                <a:cs typeface="Arial" panose="020B0604020202020204" pitchFamily="34" charset="0"/>
+              </a:rPr>
+              <a:t>training</a:t>
+            </a:r>
+            <a:r>
+              <a:rPr lang="zh-CN" altLang="en-US" sz="2400" b="1" dirty="0">
+                <a:latin typeface="Arial" panose="020B0604020202020204" pitchFamily="34" charset="0"/>
+                <a:cs typeface="Arial" panose="020B0604020202020204" pitchFamily="34" charset="0"/>
+              </a:rPr>
+              <a:t> </a:t>
+            </a:r>
+            <a:r>
+              <a:rPr lang="en-US" altLang="zh-CN" sz="2400" b="1" dirty="0">
+                <a:latin typeface="Arial" panose="020B0604020202020204" pitchFamily="34" charset="0"/>
+                <a:cs typeface="Arial" panose="020B0604020202020204" pitchFamily="34" charset="0"/>
+              </a:rPr>
+              <a:t>accuracy</a:t>
             </a:r>
             <a:endParaRPr lang="zh-CN" altLang="en-US" sz="2400" b="1" dirty="0">
+              <a:latin typeface="Arial" panose="020B0604020202020204" pitchFamily="34" charset="0"/>
+              <a:cs typeface="Arial" panose="020B0604020202020204" pitchFamily="34" charset="0"/>
+            </a:endParaRPr>
+          </a:p>
+        </p:txBody>
+      </p:sp>
+      <p:sp>
+        <p:nvSpPr>
+          <p:cNvPr id="23" name="矩形 22">
+            <a:extLst>
+              <a:ext uri="{FF2B5EF4-FFF2-40B4-BE49-F238E27FC236}">
+                <a16:creationId xmlns:a16="http://schemas.microsoft.com/office/drawing/2014/main" id="{A67DBC25-2471-4AEC-A8B6-06F27207FFBB}"/>
+              </a:ext>
+            </a:extLst>
+          </p:cNvPr>
+          <p:cNvSpPr/>
+          <p:nvPr/>
+        </p:nvSpPr>
+        <p:spPr>
+          <a:xfrm>
+            <a:off x="7392717" y="1162621"/>
+            <a:ext cx="607834" cy="258900"/>
+          </a:xfrm>
+          <a:prstGeom prst="rect">
+            <a:avLst/>
+          </a:prstGeom>
+          <a:noFill/>
+          <a:ln w="38100"/>
+        </p:spPr>
+        <p:style>
+          <a:lnRef idx="2">
+            <a:schemeClr val="dk1">
+              <a:shade val="50000"/>
+            </a:schemeClr>
+          </a:lnRef>
+          <a:fillRef idx="1">
+            <a:schemeClr val="dk1"/>
+          </a:fillRef>
+          <a:effectRef idx="0">
+            <a:schemeClr val="dk1"/>
+          </a:effectRef>
+          <a:fontRef idx="minor">
+            <a:schemeClr val="lt1"/>
+          </a:fontRef>
+        </p:style>
+        <p:txBody>
+          <a:bodyPr rtlCol="0" anchor="ctr"/>
+          <a:lstStyle/>
+          <a:p>
+            <a:pPr algn="ctr"/>
+            <a:r>
+              <a:rPr lang="en-US" altLang="zh-CN" b="1" dirty="0">
+                <a:solidFill>
+                  <a:schemeClr val="tx1"/>
+                </a:solidFill>
+                <a:latin typeface="Arial" panose="020B0604020202020204" pitchFamily="34" charset="0"/>
+                <a:cs typeface="Arial" panose="020B0604020202020204" pitchFamily="34" charset="0"/>
+              </a:rPr>
+              <a:t>1</a:t>
+            </a:r>
+            <a:endParaRPr lang="zh-CN" altLang="en-US" b="1" dirty="0">
+              <a:solidFill>
+                <a:schemeClr val="tx1"/>
+              </a:solidFill>
+              <a:latin typeface="Arial" panose="020B0604020202020204" pitchFamily="34" charset="0"/>
+              <a:cs typeface="Arial" panose="020B0604020202020204" pitchFamily="34" charset="0"/>
+            </a:endParaRPr>
+          </a:p>
+        </p:txBody>
+      </p:sp>
+      <p:sp>
+        <p:nvSpPr>
+          <p:cNvPr id="24" name="矩形 23">
+            <a:extLst>
+              <a:ext uri="{FF2B5EF4-FFF2-40B4-BE49-F238E27FC236}">
+                <a16:creationId xmlns:a16="http://schemas.microsoft.com/office/drawing/2014/main" id="{86BA74ED-D381-487C-9FF9-3466370E7C1B}"/>
+              </a:ext>
+            </a:extLst>
+          </p:cNvPr>
+          <p:cNvSpPr/>
+          <p:nvPr/>
+        </p:nvSpPr>
+        <p:spPr>
+          <a:xfrm>
+            <a:off x="5634683" y="1174628"/>
+            <a:ext cx="607834" cy="258900"/>
+          </a:xfrm>
+          <a:prstGeom prst="rect">
+            <a:avLst/>
+          </a:prstGeom>
+          <a:noFill/>
+          <a:ln w="38100"/>
+        </p:spPr>
+        <p:style>
+          <a:lnRef idx="2">
+            <a:schemeClr val="dk1">
+              <a:shade val="50000"/>
+            </a:schemeClr>
+          </a:lnRef>
+          <a:fillRef idx="1">
+            <a:schemeClr val="dk1"/>
+          </a:fillRef>
+          <a:effectRef idx="0">
+            <a:schemeClr val="dk1"/>
+          </a:effectRef>
+          <a:fontRef idx="minor">
+            <a:schemeClr val="lt1"/>
+          </a:fontRef>
+        </p:style>
+        <p:txBody>
+          <a:bodyPr rtlCol="0" anchor="ctr"/>
+          <a:lstStyle/>
+          <a:p>
+            <a:pPr algn="ctr"/>
+            <a:r>
+              <a:rPr lang="en-US" altLang="zh-CN" b="1" dirty="0">
+                <a:solidFill>
+                  <a:schemeClr val="tx1"/>
+                </a:solidFill>
+                <a:latin typeface="Arial" panose="020B0604020202020204" pitchFamily="34" charset="0"/>
+                <a:cs typeface="Arial" panose="020B0604020202020204" pitchFamily="34" charset="0"/>
+              </a:rPr>
+              <a:t>0</a:t>
+            </a:r>
+            <a:endParaRPr lang="zh-CN" altLang="en-US" b="1" dirty="0">
+              <a:solidFill>
+                <a:schemeClr val="tx1"/>
+              </a:solidFill>
+              <a:latin typeface="Arial" panose="020B0604020202020204" pitchFamily="34" charset="0"/>
+              <a:cs typeface="Arial" panose="020B0604020202020204" pitchFamily="34" charset="0"/>
+            </a:endParaRPr>
+          </a:p>
+        </p:txBody>
+      </p:sp>
+      <p:sp>
+        <p:nvSpPr>
+          <p:cNvPr id="25" name="矩形 24">
+            <a:extLst>
+              <a:ext uri="{FF2B5EF4-FFF2-40B4-BE49-F238E27FC236}">
+                <a16:creationId xmlns:a16="http://schemas.microsoft.com/office/drawing/2014/main" id="{374520E4-0974-463C-9BE3-1392C54A4421}"/>
+              </a:ext>
+            </a:extLst>
+          </p:cNvPr>
+          <p:cNvSpPr/>
+          <p:nvPr/>
+        </p:nvSpPr>
+        <p:spPr>
+          <a:xfrm>
+            <a:off x="6560332" y="2234026"/>
+            <a:ext cx="607834" cy="258900"/>
+          </a:xfrm>
+          <a:prstGeom prst="rect">
+            <a:avLst/>
+          </a:prstGeom>
+          <a:noFill/>
+          <a:ln w="38100"/>
+        </p:spPr>
+        <p:style>
+          <a:lnRef idx="2">
+            <a:schemeClr val="dk1">
+              <a:shade val="50000"/>
+            </a:schemeClr>
+          </a:lnRef>
+          <a:fillRef idx="1">
+            <a:schemeClr val="dk1"/>
+          </a:fillRef>
+          <a:effectRef idx="0">
+            <a:schemeClr val="dk1"/>
+          </a:effectRef>
+          <a:fontRef idx="minor">
+            <a:schemeClr val="lt1"/>
+          </a:fontRef>
+        </p:style>
+        <p:txBody>
+          <a:bodyPr rtlCol="0" anchor="ctr"/>
+          <a:lstStyle/>
+          <a:p>
+            <a:pPr algn="ctr"/>
+            <a:r>
+              <a:rPr lang="en-US" altLang="zh-CN" b="1" dirty="0">
+                <a:solidFill>
+                  <a:schemeClr val="tx1"/>
+                </a:solidFill>
+                <a:latin typeface="Arial" panose="020B0604020202020204" pitchFamily="34" charset="0"/>
+                <a:cs typeface="Arial" panose="020B0604020202020204" pitchFamily="34" charset="0"/>
+              </a:rPr>
+              <a:t>2</a:t>
+            </a:r>
+            <a:endParaRPr lang="zh-CN" altLang="en-US" b="1" dirty="0">
+              <a:solidFill>
+                <a:schemeClr val="tx1"/>
+              </a:solidFill>
+              <a:latin typeface="Arial" panose="020B0604020202020204" pitchFamily="34" charset="0"/>
+              <a:cs typeface="Arial" panose="020B0604020202020204" pitchFamily="34" charset="0"/>
+            </a:endParaRPr>
+          </a:p>
+        </p:txBody>
+      </p:sp>
+      <p:sp>
+        <p:nvSpPr>
+          <p:cNvPr id="26" name="矩形 25">
+            <a:extLst>
+              <a:ext uri="{FF2B5EF4-FFF2-40B4-BE49-F238E27FC236}">
+                <a16:creationId xmlns:a16="http://schemas.microsoft.com/office/drawing/2014/main" id="{B856BED6-803B-408F-ABB4-55D895113E82}"/>
+              </a:ext>
+            </a:extLst>
+          </p:cNvPr>
+          <p:cNvSpPr/>
+          <p:nvPr/>
+        </p:nvSpPr>
+        <p:spPr>
+          <a:xfrm>
+            <a:off x="6575197" y="3003267"/>
+            <a:ext cx="607834" cy="258900"/>
+          </a:xfrm>
+          <a:prstGeom prst="rect">
+            <a:avLst/>
+          </a:prstGeom>
+          <a:noFill/>
+          <a:ln w="38100"/>
+        </p:spPr>
+        <p:style>
+          <a:lnRef idx="2">
+            <a:schemeClr val="dk1">
+              <a:shade val="50000"/>
+            </a:schemeClr>
+          </a:lnRef>
+          <a:fillRef idx="1">
+            <a:schemeClr val="dk1"/>
+          </a:fillRef>
+          <a:effectRef idx="0">
+            <a:schemeClr val="dk1"/>
+          </a:effectRef>
+          <a:fontRef idx="minor">
+            <a:schemeClr val="lt1"/>
+          </a:fontRef>
+        </p:style>
+        <p:txBody>
+          <a:bodyPr rtlCol="0" anchor="ctr"/>
+          <a:lstStyle/>
+          <a:p>
+            <a:pPr algn="ctr"/>
+            <a:r>
+              <a:rPr lang="en-US" altLang="zh-CN" b="1" dirty="0">
+                <a:solidFill>
+                  <a:schemeClr val="tx1"/>
+                </a:solidFill>
+                <a:latin typeface="Arial" panose="020B0604020202020204" pitchFamily="34" charset="0"/>
+                <a:cs typeface="Arial" panose="020B0604020202020204" pitchFamily="34" charset="0"/>
+              </a:rPr>
+              <a:t>3</a:t>
+            </a:r>
+            <a:endParaRPr lang="zh-CN" altLang="en-US" b="1" dirty="0">
+              <a:solidFill>
+                <a:schemeClr val="tx1"/>
+              </a:solidFill>
+              <a:latin typeface="Arial" panose="020B0604020202020204" pitchFamily="34" charset="0"/>
+              <a:cs typeface="Arial" panose="020B0604020202020204" pitchFamily="34" charset="0"/>
+            </a:endParaRPr>
+          </a:p>
+        </p:txBody>
+      </p:sp>
+      <p:sp>
+        <p:nvSpPr>
+          <p:cNvPr id="27" name="矩形 26">
+            <a:extLst>
+              <a:ext uri="{FF2B5EF4-FFF2-40B4-BE49-F238E27FC236}">
+                <a16:creationId xmlns:a16="http://schemas.microsoft.com/office/drawing/2014/main" id="{5CCAF33F-6B54-4724-8666-1C6CAD6EABB7}"/>
+              </a:ext>
+            </a:extLst>
+          </p:cNvPr>
+          <p:cNvSpPr/>
+          <p:nvPr/>
+        </p:nvSpPr>
+        <p:spPr>
+          <a:xfrm>
+            <a:off x="6585499" y="3784171"/>
+            <a:ext cx="607834" cy="258900"/>
+          </a:xfrm>
+          <a:prstGeom prst="rect">
+            <a:avLst/>
+          </a:prstGeom>
+          <a:noFill/>
+          <a:ln w="38100"/>
+        </p:spPr>
+        <p:style>
+          <a:lnRef idx="2">
+            <a:schemeClr val="dk1">
+              <a:shade val="50000"/>
+            </a:schemeClr>
+          </a:lnRef>
+          <a:fillRef idx="1">
+            <a:schemeClr val="dk1"/>
+          </a:fillRef>
+          <a:effectRef idx="0">
+            <a:schemeClr val="dk1"/>
+          </a:effectRef>
+          <a:fontRef idx="minor">
+            <a:schemeClr val="lt1"/>
+          </a:fontRef>
+        </p:style>
+        <p:txBody>
+          <a:bodyPr rtlCol="0" anchor="ctr"/>
+          <a:lstStyle/>
+          <a:p>
+            <a:pPr algn="ctr"/>
+            <a:r>
+              <a:rPr lang="en-US" altLang="zh-CN" b="1" dirty="0">
+                <a:solidFill>
+                  <a:schemeClr val="tx1"/>
+                </a:solidFill>
+                <a:latin typeface="Arial" panose="020B0604020202020204" pitchFamily="34" charset="0"/>
+                <a:cs typeface="Arial" panose="020B0604020202020204" pitchFamily="34" charset="0"/>
+              </a:rPr>
+              <a:t>4</a:t>
+            </a:r>
+            <a:endParaRPr lang="zh-CN" altLang="en-US" b="1" dirty="0">
+              <a:solidFill>
+                <a:schemeClr val="tx1"/>
+              </a:solidFill>
+              <a:latin typeface="Arial" panose="020B0604020202020204" pitchFamily="34" charset="0"/>
+              <a:cs typeface="Arial" panose="020B0604020202020204" pitchFamily="34" charset="0"/>
+            </a:endParaRPr>
+          </a:p>
+        </p:txBody>
+      </p:sp>
+      <p:sp>
+        <p:nvSpPr>
+          <p:cNvPr id="28" name="矩形 27">
+            <a:extLst>
+              <a:ext uri="{FF2B5EF4-FFF2-40B4-BE49-F238E27FC236}">
+                <a16:creationId xmlns:a16="http://schemas.microsoft.com/office/drawing/2014/main" id="{B711CABE-4490-460A-8D2C-2DF89970674B}"/>
+              </a:ext>
+            </a:extLst>
+          </p:cNvPr>
+          <p:cNvSpPr/>
+          <p:nvPr/>
+        </p:nvSpPr>
+        <p:spPr>
+          <a:xfrm>
+            <a:off x="6591975" y="4590455"/>
+            <a:ext cx="607834" cy="258900"/>
+          </a:xfrm>
+          <a:prstGeom prst="rect">
+            <a:avLst/>
+          </a:prstGeom>
+          <a:noFill/>
+          <a:ln w="38100"/>
+        </p:spPr>
+        <p:style>
+          <a:lnRef idx="2">
+            <a:schemeClr val="dk1">
+              <a:shade val="50000"/>
+            </a:schemeClr>
+          </a:lnRef>
+          <a:fillRef idx="1">
+            <a:schemeClr val="dk1"/>
+          </a:fillRef>
+          <a:effectRef idx="0">
+            <a:schemeClr val="dk1"/>
+          </a:effectRef>
+          <a:fontRef idx="minor">
+            <a:schemeClr val="lt1"/>
+          </a:fontRef>
+        </p:style>
+        <p:txBody>
+          <a:bodyPr rtlCol="0" anchor="ctr"/>
+          <a:lstStyle/>
+          <a:p>
+            <a:pPr algn="ctr"/>
+            <a:r>
+              <a:rPr lang="en-US" altLang="zh-CN" b="1" dirty="0">
+                <a:solidFill>
+                  <a:schemeClr val="tx1"/>
+                </a:solidFill>
+                <a:latin typeface="Arial" panose="020B0604020202020204" pitchFamily="34" charset="0"/>
+                <a:cs typeface="Arial" panose="020B0604020202020204" pitchFamily="34" charset="0"/>
+              </a:rPr>
+              <a:t>5</a:t>
+            </a:r>
+            <a:endParaRPr lang="zh-CN" altLang="en-US" b="1" dirty="0">
+              <a:solidFill>
+                <a:schemeClr val="tx1"/>
+              </a:solidFill>
+              <a:latin typeface="Arial" panose="020B0604020202020204" pitchFamily="34" charset="0"/>
+              <a:cs typeface="Arial" panose="020B0604020202020204" pitchFamily="34" charset="0"/>
+            </a:endParaRPr>
+          </a:p>
+        </p:txBody>
+      </p:sp>
+      <p:sp>
+        <p:nvSpPr>
+          <p:cNvPr id="29" name="矩形 28">
+            <a:extLst>
+              <a:ext uri="{FF2B5EF4-FFF2-40B4-BE49-F238E27FC236}">
+                <a16:creationId xmlns:a16="http://schemas.microsoft.com/office/drawing/2014/main" id="{91FD8E41-952B-43BC-98C7-20CB05ABD62D}"/>
+              </a:ext>
+            </a:extLst>
+          </p:cNvPr>
+          <p:cNvSpPr/>
+          <p:nvPr/>
+        </p:nvSpPr>
+        <p:spPr>
+          <a:xfrm>
+            <a:off x="6603741" y="5391470"/>
+            <a:ext cx="607834" cy="258900"/>
+          </a:xfrm>
+          <a:prstGeom prst="rect">
+            <a:avLst/>
+          </a:prstGeom>
+          <a:noFill/>
+          <a:ln w="38100"/>
+        </p:spPr>
+        <p:style>
+          <a:lnRef idx="2">
+            <a:schemeClr val="dk1">
+              <a:shade val="50000"/>
+            </a:schemeClr>
+          </a:lnRef>
+          <a:fillRef idx="1">
+            <a:schemeClr val="dk1"/>
+          </a:fillRef>
+          <a:effectRef idx="0">
+            <a:schemeClr val="dk1"/>
+          </a:effectRef>
+          <a:fontRef idx="minor">
+            <a:schemeClr val="lt1"/>
+          </a:fontRef>
+        </p:style>
+        <p:txBody>
+          <a:bodyPr rtlCol="0" anchor="ctr"/>
+          <a:lstStyle/>
+          <a:p>
+            <a:pPr algn="ctr"/>
+            <a:r>
+              <a:rPr lang="en-US" altLang="zh-CN" b="1" dirty="0">
+                <a:solidFill>
+                  <a:schemeClr val="tx1"/>
+                </a:solidFill>
+                <a:latin typeface="Arial" panose="020B0604020202020204" pitchFamily="34" charset="0"/>
+                <a:cs typeface="Arial" panose="020B0604020202020204" pitchFamily="34" charset="0"/>
+              </a:rPr>
+              <a:t>6</a:t>
+            </a:r>
+            <a:endParaRPr lang="zh-CN" altLang="en-US" b="1" dirty="0">
+              <a:solidFill>
+                <a:schemeClr val="tx1"/>
+              </a:solidFill>
+              <a:latin typeface="Arial" panose="020B0604020202020204" pitchFamily="34" charset="0"/>
+              <a:cs typeface="Arial" panose="020B0604020202020204" pitchFamily="34" charset="0"/>
+            </a:endParaRPr>
+          </a:p>
+        </p:txBody>
+      </p:sp>
+      <p:cxnSp>
+        <p:nvCxnSpPr>
+          <p:cNvPr id="30" name="直接箭头连接符 29">
+            <a:extLst>
+              <a:ext uri="{FF2B5EF4-FFF2-40B4-BE49-F238E27FC236}">
+                <a16:creationId xmlns:a16="http://schemas.microsoft.com/office/drawing/2014/main" id="{86B0B0DC-0420-4225-A818-37D4C162312E}"/>
+              </a:ext>
+            </a:extLst>
+          </p:cNvPr>
+          <p:cNvCxnSpPr>
+            <a:cxnSpLocks/>
+            <a:stCxn id="24" idx="2"/>
+            <a:endCxn id="25" idx="0"/>
+          </p:cNvCxnSpPr>
+          <p:nvPr/>
+        </p:nvCxnSpPr>
+        <p:spPr>
+          <a:xfrm>
+            <a:off x="5938600" y="1433528"/>
+            <a:ext cx="925649" cy="800498"/>
+          </a:xfrm>
+          <a:prstGeom prst="straightConnector1">
+            <a:avLst/>
+          </a:prstGeom>
+          <a:ln w="44450">
+            <a:solidFill>
+              <a:schemeClr val="accent1"/>
+            </a:solidFill>
+            <a:prstDash val="sysDot"/>
+            <a:tailEnd type="triangle"/>
+          </a:ln>
+        </p:spPr>
+        <p:style>
+          <a:lnRef idx="1">
+            <a:schemeClr val="dk1"/>
+          </a:lnRef>
+          <a:fillRef idx="0">
+            <a:schemeClr val="dk1"/>
+          </a:fillRef>
+          <a:effectRef idx="0">
+            <a:schemeClr val="dk1"/>
+          </a:effectRef>
+          <a:fontRef idx="minor">
+            <a:schemeClr val="tx1"/>
+          </a:fontRef>
+        </p:style>
+      </p:cxnSp>
+      <p:sp>
+        <p:nvSpPr>
+          <p:cNvPr id="31" name="矩形 30">
+            <a:extLst>
+              <a:ext uri="{FF2B5EF4-FFF2-40B4-BE49-F238E27FC236}">
+                <a16:creationId xmlns:a16="http://schemas.microsoft.com/office/drawing/2014/main" id="{63F83835-BCEC-4E00-B84B-302F5E615F25}"/>
+              </a:ext>
+            </a:extLst>
+          </p:cNvPr>
+          <p:cNvSpPr/>
+          <p:nvPr/>
+        </p:nvSpPr>
+        <p:spPr>
+          <a:xfrm>
+            <a:off x="5962067" y="1690688"/>
+            <a:ext cx="280450" cy="369332"/>
+          </a:xfrm>
+          <a:prstGeom prst="rect">
+            <a:avLst/>
+          </a:prstGeom>
+        </p:spPr>
+        <p:txBody>
+          <a:bodyPr wrap="square">
+            <a:spAutoFit/>
+          </a:bodyPr>
+          <a:lstStyle/>
+          <a:p>
+            <a:pPr algn="ctr"/>
+            <a:r>
+              <a:rPr lang="en-US" altLang="zh-CN" b="1" dirty="0">
+                <a:solidFill>
+                  <a:schemeClr val="accent1"/>
+                </a:solidFill>
+                <a:latin typeface="Arial" panose="020B0604020202020204" pitchFamily="34" charset="0"/>
+                <a:cs typeface="Arial" panose="020B0604020202020204" pitchFamily="34" charset="0"/>
+              </a:rPr>
+              <a:t>1</a:t>
+            </a:r>
+            <a:endParaRPr lang="zh-CN" altLang="en-US" b="1" dirty="0">
+              <a:solidFill>
+                <a:schemeClr val="accent1"/>
+              </a:solidFill>
+              <a:latin typeface="Arial" panose="020B0604020202020204" pitchFamily="34" charset="0"/>
+              <a:cs typeface="Arial" panose="020B0604020202020204" pitchFamily="34" charset="0"/>
+            </a:endParaRPr>
+          </a:p>
+        </p:txBody>
+      </p:sp>
+      <p:cxnSp>
+        <p:nvCxnSpPr>
+          <p:cNvPr id="33" name="直接箭头连接符 32">
+            <a:extLst>
+              <a:ext uri="{FF2B5EF4-FFF2-40B4-BE49-F238E27FC236}">
+                <a16:creationId xmlns:a16="http://schemas.microsoft.com/office/drawing/2014/main" id="{4583D143-7C4B-4234-B93C-2627184EA93C}"/>
+              </a:ext>
+            </a:extLst>
+          </p:cNvPr>
+          <p:cNvCxnSpPr>
+            <a:cxnSpLocks/>
+            <a:stCxn id="23" idx="2"/>
+            <a:endCxn id="25" idx="0"/>
+          </p:cNvCxnSpPr>
+          <p:nvPr/>
+        </p:nvCxnSpPr>
+        <p:spPr>
+          <a:xfrm flipH="1">
+            <a:off x="6864249" y="1421521"/>
+            <a:ext cx="832385" cy="812505"/>
+          </a:xfrm>
+          <a:prstGeom prst="straightConnector1">
+            <a:avLst/>
+          </a:prstGeom>
+          <a:ln w="44450">
+            <a:solidFill>
+              <a:schemeClr val="accent6"/>
+            </a:solidFill>
+            <a:prstDash val="sysDash"/>
+            <a:tailEnd type="triangle"/>
+          </a:ln>
+        </p:spPr>
+        <p:style>
+          <a:lnRef idx="1">
+            <a:schemeClr val="dk1"/>
+          </a:lnRef>
+          <a:fillRef idx="0">
+            <a:schemeClr val="dk1"/>
+          </a:fillRef>
+          <a:effectRef idx="0">
+            <a:schemeClr val="dk1"/>
+          </a:effectRef>
+          <a:fontRef idx="minor">
+            <a:schemeClr val="tx1"/>
+          </a:fontRef>
+        </p:style>
+      </p:cxnSp>
+      <p:sp>
+        <p:nvSpPr>
+          <p:cNvPr id="34" name="矩形 33">
+            <a:extLst>
+              <a:ext uri="{FF2B5EF4-FFF2-40B4-BE49-F238E27FC236}">
+                <a16:creationId xmlns:a16="http://schemas.microsoft.com/office/drawing/2014/main" id="{FF5BBA83-E983-4C29-91C2-AB6D11765F88}"/>
+              </a:ext>
+            </a:extLst>
+          </p:cNvPr>
+          <p:cNvSpPr/>
+          <p:nvPr/>
+        </p:nvSpPr>
+        <p:spPr>
+          <a:xfrm>
+            <a:off x="7556564" y="1685233"/>
+            <a:ext cx="312907" cy="369332"/>
+          </a:xfrm>
+          <a:prstGeom prst="rect">
+            <a:avLst/>
+          </a:prstGeom>
+        </p:spPr>
+        <p:txBody>
+          <a:bodyPr wrap="square">
+            <a:spAutoFit/>
+          </a:bodyPr>
+          <a:lstStyle/>
+          <a:p>
+            <a:pPr algn="ctr"/>
+            <a:r>
+              <a:rPr lang="en-US" altLang="zh-CN" b="1" dirty="0">
+                <a:solidFill>
+                  <a:schemeClr val="accent6"/>
+                </a:solidFill>
+                <a:latin typeface="Arial" panose="020B0604020202020204" pitchFamily="34" charset="0"/>
+                <a:cs typeface="Arial" panose="020B0604020202020204" pitchFamily="34" charset="0"/>
+              </a:rPr>
+              <a:t>7</a:t>
+            </a:r>
+            <a:endParaRPr lang="zh-CN" altLang="en-US" b="1" dirty="0">
+              <a:solidFill>
+                <a:schemeClr val="accent6"/>
+              </a:solidFill>
+              <a:latin typeface="Arial" panose="020B0604020202020204" pitchFamily="34" charset="0"/>
+              <a:cs typeface="Arial" panose="020B0604020202020204" pitchFamily="34" charset="0"/>
+            </a:endParaRPr>
+          </a:p>
+        </p:txBody>
+      </p:sp>
+      <p:cxnSp>
+        <p:nvCxnSpPr>
+          <p:cNvPr id="35" name="直接箭头连接符 34">
+            <a:extLst>
+              <a:ext uri="{FF2B5EF4-FFF2-40B4-BE49-F238E27FC236}">
+                <a16:creationId xmlns:a16="http://schemas.microsoft.com/office/drawing/2014/main" id="{15395F54-7731-4217-8821-5C63584ADDEC}"/>
+              </a:ext>
+            </a:extLst>
+          </p:cNvPr>
+          <p:cNvCxnSpPr>
+            <a:cxnSpLocks/>
+            <a:stCxn id="25" idx="2"/>
+            <a:endCxn id="26" idx="0"/>
+          </p:cNvCxnSpPr>
+          <p:nvPr/>
+        </p:nvCxnSpPr>
+        <p:spPr>
+          <a:xfrm>
+            <a:off x="6864249" y="2492926"/>
+            <a:ext cx="14865" cy="510341"/>
+          </a:xfrm>
+          <a:prstGeom prst="straightConnector1">
+            <a:avLst/>
+          </a:prstGeom>
+          <a:ln w="44450">
+            <a:solidFill>
+              <a:schemeClr val="accent6"/>
+            </a:solidFill>
+            <a:prstDash val="sysDash"/>
+            <a:tailEnd type="triangle"/>
+          </a:ln>
+        </p:spPr>
+        <p:style>
+          <a:lnRef idx="1">
+            <a:schemeClr val="dk1"/>
+          </a:lnRef>
+          <a:fillRef idx="0">
+            <a:schemeClr val="dk1"/>
+          </a:fillRef>
+          <a:effectRef idx="0">
+            <a:schemeClr val="dk1"/>
+          </a:effectRef>
+          <a:fontRef idx="minor">
+            <a:schemeClr val="tx1"/>
+          </a:fontRef>
+        </p:style>
+      </p:cxnSp>
+      <p:sp>
+        <p:nvSpPr>
+          <p:cNvPr id="36" name="矩形 35">
+            <a:extLst>
+              <a:ext uri="{FF2B5EF4-FFF2-40B4-BE49-F238E27FC236}">
+                <a16:creationId xmlns:a16="http://schemas.microsoft.com/office/drawing/2014/main" id="{916821DE-106E-41B3-B51C-BC73F4209F6B}"/>
+              </a:ext>
+            </a:extLst>
+          </p:cNvPr>
+          <p:cNvSpPr/>
+          <p:nvPr/>
+        </p:nvSpPr>
+        <p:spPr>
+          <a:xfrm>
+            <a:off x="6930993" y="2572391"/>
+            <a:ext cx="312907" cy="369332"/>
+          </a:xfrm>
+          <a:prstGeom prst="rect">
+            <a:avLst/>
+          </a:prstGeom>
+        </p:spPr>
+        <p:txBody>
+          <a:bodyPr wrap="square">
+            <a:spAutoFit/>
+          </a:bodyPr>
+          <a:lstStyle/>
+          <a:p>
+            <a:pPr algn="ctr"/>
+            <a:r>
+              <a:rPr lang="en-US" altLang="zh-CN" b="1" dirty="0">
+                <a:solidFill>
+                  <a:schemeClr val="accent6"/>
+                </a:solidFill>
+                <a:latin typeface="Arial" panose="020B0604020202020204" pitchFamily="34" charset="0"/>
+                <a:cs typeface="Arial" panose="020B0604020202020204" pitchFamily="34" charset="0"/>
+              </a:rPr>
+              <a:t>7</a:t>
+            </a:r>
+            <a:endParaRPr lang="zh-CN" altLang="en-US" b="1" dirty="0">
+              <a:solidFill>
+                <a:schemeClr val="accent6"/>
+              </a:solidFill>
+              <a:latin typeface="Arial" panose="020B0604020202020204" pitchFamily="34" charset="0"/>
+              <a:cs typeface="Arial" panose="020B0604020202020204" pitchFamily="34" charset="0"/>
+            </a:endParaRPr>
+          </a:p>
+        </p:txBody>
+      </p:sp>
+      <p:cxnSp>
+        <p:nvCxnSpPr>
+          <p:cNvPr id="38" name="直接箭头连接符 37">
+            <a:extLst>
+              <a:ext uri="{FF2B5EF4-FFF2-40B4-BE49-F238E27FC236}">
+                <a16:creationId xmlns:a16="http://schemas.microsoft.com/office/drawing/2014/main" id="{298154C8-6372-412D-B15F-80B22BD4E2AC}"/>
+              </a:ext>
+            </a:extLst>
+          </p:cNvPr>
+          <p:cNvCxnSpPr>
+            <a:cxnSpLocks/>
+          </p:cNvCxnSpPr>
+          <p:nvPr/>
+        </p:nvCxnSpPr>
+        <p:spPr>
+          <a:xfrm>
+            <a:off x="6864249" y="3281766"/>
+            <a:ext cx="14865" cy="510341"/>
+          </a:xfrm>
+          <a:prstGeom prst="straightConnector1">
+            <a:avLst/>
+          </a:prstGeom>
+          <a:ln w="44450">
+            <a:solidFill>
+              <a:schemeClr val="accent6"/>
+            </a:solidFill>
+            <a:prstDash val="sysDash"/>
+            <a:tailEnd type="triangle"/>
+          </a:ln>
+        </p:spPr>
+        <p:style>
+          <a:lnRef idx="1">
+            <a:schemeClr val="dk1"/>
+          </a:lnRef>
+          <a:fillRef idx="0">
+            <a:schemeClr val="dk1"/>
+          </a:fillRef>
+          <a:effectRef idx="0">
+            <a:schemeClr val="dk1"/>
+          </a:effectRef>
+          <a:fontRef idx="minor">
+            <a:schemeClr val="tx1"/>
+          </a:fontRef>
+        </p:style>
+      </p:cxnSp>
+      <p:sp>
+        <p:nvSpPr>
+          <p:cNvPr id="39" name="矩形 38">
+            <a:extLst>
+              <a:ext uri="{FF2B5EF4-FFF2-40B4-BE49-F238E27FC236}">
+                <a16:creationId xmlns:a16="http://schemas.microsoft.com/office/drawing/2014/main" id="{A82B92D6-8251-4213-AD10-79728956174C}"/>
+              </a:ext>
+            </a:extLst>
+          </p:cNvPr>
+          <p:cNvSpPr/>
+          <p:nvPr/>
+        </p:nvSpPr>
+        <p:spPr>
+          <a:xfrm>
+            <a:off x="6930993" y="3361231"/>
+            <a:ext cx="312907" cy="369332"/>
+          </a:xfrm>
+          <a:prstGeom prst="rect">
+            <a:avLst/>
+          </a:prstGeom>
+        </p:spPr>
+        <p:txBody>
+          <a:bodyPr wrap="square">
+            <a:spAutoFit/>
+          </a:bodyPr>
+          <a:lstStyle/>
+          <a:p>
+            <a:pPr algn="ctr"/>
+            <a:r>
+              <a:rPr lang="en-US" altLang="zh-CN" b="1" dirty="0">
+                <a:solidFill>
+                  <a:schemeClr val="accent6"/>
+                </a:solidFill>
+                <a:latin typeface="Arial" panose="020B0604020202020204" pitchFamily="34" charset="0"/>
+                <a:cs typeface="Arial" panose="020B0604020202020204" pitchFamily="34" charset="0"/>
+              </a:rPr>
+              <a:t>7</a:t>
+            </a:r>
+            <a:endParaRPr lang="zh-CN" altLang="en-US" b="1" dirty="0">
+              <a:solidFill>
+                <a:schemeClr val="accent6"/>
+              </a:solidFill>
+              <a:latin typeface="Arial" panose="020B0604020202020204" pitchFamily="34" charset="0"/>
+              <a:cs typeface="Arial" panose="020B0604020202020204" pitchFamily="34" charset="0"/>
+            </a:endParaRPr>
+          </a:p>
+        </p:txBody>
+      </p:sp>
+      <p:cxnSp>
+        <p:nvCxnSpPr>
+          <p:cNvPr id="40" name="直接箭头连接符 39">
+            <a:extLst>
+              <a:ext uri="{FF2B5EF4-FFF2-40B4-BE49-F238E27FC236}">
+                <a16:creationId xmlns:a16="http://schemas.microsoft.com/office/drawing/2014/main" id="{EF7C86CE-6EB4-4A77-8910-EDD483243AFB}"/>
+              </a:ext>
+            </a:extLst>
+          </p:cNvPr>
+          <p:cNvCxnSpPr>
+            <a:cxnSpLocks/>
+          </p:cNvCxnSpPr>
+          <p:nvPr/>
+        </p:nvCxnSpPr>
+        <p:spPr>
+          <a:xfrm>
+            <a:off x="6880314" y="4081870"/>
+            <a:ext cx="14865" cy="510341"/>
+          </a:xfrm>
+          <a:prstGeom prst="straightConnector1">
+            <a:avLst/>
+          </a:prstGeom>
+          <a:ln w="44450">
+            <a:solidFill>
+              <a:schemeClr val="accent6"/>
+            </a:solidFill>
+            <a:prstDash val="sysDash"/>
+            <a:tailEnd type="triangle"/>
+          </a:ln>
+        </p:spPr>
+        <p:style>
+          <a:lnRef idx="1">
+            <a:schemeClr val="dk1"/>
+          </a:lnRef>
+          <a:fillRef idx="0">
+            <a:schemeClr val="dk1"/>
+          </a:fillRef>
+          <a:effectRef idx="0">
+            <a:schemeClr val="dk1"/>
+          </a:effectRef>
+          <a:fontRef idx="minor">
+            <a:schemeClr val="tx1"/>
+          </a:fontRef>
+        </p:style>
+      </p:cxnSp>
+      <p:sp>
+        <p:nvSpPr>
+          <p:cNvPr id="42" name="矩形 41">
+            <a:extLst>
+              <a:ext uri="{FF2B5EF4-FFF2-40B4-BE49-F238E27FC236}">
+                <a16:creationId xmlns:a16="http://schemas.microsoft.com/office/drawing/2014/main" id="{B388AE60-8A5D-4B86-A4AF-C691842B46CC}"/>
+              </a:ext>
+            </a:extLst>
+          </p:cNvPr>
+          <p:cNvSpPr/>
+          <p:nvPr/>
+        </p:nvSpPr>
+        <p:spPr>
+          <a:xfrm>
+            <a:off x="6947058" y="4161335"/>
+            <a:ext cx="312907" cy="369332"/>
+          </a:xfrm>
+          <a:prstGeom prst="rect">
+            <a:avLst/>
+          </a:prstGeom>
+        </p:spPr>
+        <p:txBody>
+          <a:bodyPr wrap="square">
+            <a:spAutoFit/>
+          </a:bodyPr>
+          <a:lstStyle/>
+          <a:p>
+            <a:pPr algn="ctr"/>
+            <a:r>
+              <a:rPr lang="en-US" altLang="zh-CN" b="1" dirty="0">
+                <a:solidFill>
+                  <a:schemeClr val="accent6"/>
+                </a:solidFill>
+                <a:latin typeface="Arial" panose="020B0604020202020204" pitchFamily="34" charset="0"/>
+                <a:cs typeface="Arial" panose="020B0604020202020204" pitchFamily="34" charset="0"/>
+              </a:rPr>
+              <a:t>7</a:t>
+            </a:r>
+            <a:endParaRPr lang="zh-CN" altLang="en-US" b="1" dirty="0">
+              <a:solidFill>
+                <a:schemeClr val="accent6"/>
+              </a:solidFill>
+              <a:latin typeface="Arial" panose="020B0604020202020204" pitchFamily="34" charset="0"/>
+              <a:cs typeface="Arial" panose="020B0604020202020204" pitchFamily="34" charset="0"/>
+            </a:endParaRPr>
+          </a:p>
+        </p:txBody>
+      </p:sp>
+      <p:cxnSp>
+        <p:nvCxnSpPr>
+          <p:cNvPr id="43" name="直接箭头连接符 42">
+            <a:extLst>
+              <a:ext uri="{FF2B5EF4-FFF2-40B4-BE49-F238E27FC236}">
+                <a16:creationId xmlns:a16="http://schemas.microsoft.com/office/drawing/2014/main" id="{0932CF81-DFC6-4E12-A4B4-21663A0602D4}"/>
+              </a:ext>
+            </a:extLst>
+          </p:cNvPr>
+          <p:cNvCxnSpPr>
+            <a:cxnSpLocks/>
+          </p:cNvCxnSpPr>
+          <p:nvPr/>
+        </p:nvCxnSpPr>
+        <p:spPr>
+          <a:xfrm>
+            <a:off x="6892793" y="4851750"/>
+            <a:ext cx="14865" cy="510341"/>
+          </a:xfrm>
+          <a:prstGeom prst="straightConnector1">
+            <a:avLst/>
+          </a:prstGeom>
+          <a:ln w="44450">
+            <a:solidFill>
+              <a:schemeClr val="accent6"/>
+            </a:solidFill>
+            <a:prstDash val="sysDash"/>
+            <a:tailEnd type="triangle"/>
+          </a:ln>
+        </p:spPr>
+        <p:style>
+          <a:lnRef idx="1">
+            <a:schemeClr val="dk1"/>
+          </a:lnRef>
+          <a:fillRef idx="0">
+            <a:schemeClr val="dk1"/>
+          </a:fillRef>
+          <a:effectRef idx="0">
+            <a:schemeClr val="dk1"/>
+          </a:effectRef>
+          <a:fontRef idx="minor">
+            <a:schemeClr val="tx1"/>
+          </a:fontRef>
+        </p:style>
+      </p:cxnSp>
+      <p:sp>
+        <p:nvSpPr>
+          <p:cNvPr id="44" name="矩形 43">
+            <a:extLst>
+              <a:ext uri="{FF2B5EF4-FFF2-40B4-BE49-F238E27FC236}">
+                <a16:creationId xmlns:a16="http://schemas.microsoft.com/office/drawing/2014/main" id="{FDC78D39-B760-45F9-9835-2A70A6FAA04D}"/>
+              </a:ext>
+            </a:extLst>
+          </p:cNvPr>
+          <p:cNvSpPr/>
+          <p:nvPr/>
+        </p:nvSpPr>
+        <p:spPr>
+          <a:xfrm>
+            <a:off x="6959537" y="4931215"/>
+            <a:ext cx="312907" cy="369332"/>
+          </a:xfrm>
+          <a:prstGeom prst="rect">
+            <a:avLst/>
+          </a:prstGeom>
+        </p:spPr>
+        <p:txBody>
+          <a:bodyPr wrap="square">
+            <a:spAutoFit/>
+          </a:bodyPr>
+          <a:lstStyle/>
+          <a:p>
+            <a:pPr algn="ctr"/>
+            <a:r>
+              <a:rPr lang="en-US" altLang="zh-CN" b="1" dirty="0">
+                <a:solidFill>
+                  <a:schemeClr val="accent6"/>
+                </a:solidFill>
+                <a:latin typeface="Arial" panose="020B0604020202020204" pitchFamily="34" charset="0"/>
+                <a:cs typeface="Arial" panose="020B0604020202020204" pitchFamily="34" charset="0"/>
+              </a:rPr>
+              <a:t>7</a:t>
+            </a:r>
+            <a:endParaRPr lang="zh-CN" altLang="en-US" b="1" dirty="0">
+              <a:solidFill>
+                <a:schemeClr val="accent6"/>
+              </a:solidFill>
+              <a:latin typeface="Arial" panose="020B0604020202020204" pitchFamily="34" charset="0"/>
+              <a:cs typeface="Arial" panose="020B0604020202020204" pitchFamily="34" charset="0"/>
+            </a:endParaRPr>
+          </a:p>
+        </p:txBody>
+      </p:sp>
+      <p:pic>
+        <p:nvPicPr>
+          <p:cNvPr id="45" name="图片 44">
+            <a:extLst>
+              <a:ext uri="{FF2B5EF4-FFF2-40B4-BE49-F238E27FC236}">
+                <a16:creationId xmlns:a16="http://schemas.microsoft.com/office/drawing/2014/main" id="{C06C5713-0358-4D05-A928-3BB35DD46122}"/>
+              </a:ext>
+            </a:extLst>
+          </p:cNvPr>
+          <p:cNvPicPr>
+            <a:picLocks noChangeAspect="1"/>
+          </p:cNvPicPr>
+          <p:nvPr/>
+        </p:nvPicPr>
+        <p:blipFill>
+          <a:blip r:embed="rId2">
+            <a:extLst>
+              <a:ext uri="{28A0092B-C50C-407E-A947-70E740481C1C}">
+                <a14:useLocalDpi xmlns:a14="http://schemas.microsoft.com/office/drawing/2010/main" val="0"/>
+              </a:ext>
+            </a:extLst>
+          </a:blip>
+          <a:stretch>
+            <a:fillRect/>
+          </a:stretch>
+        </p:blipFill>
+        <p:spPr>
+          <a:xfrm>
+            <a:off x="6849078" y="2503602"/>
+            <a:ext cx="638175" cy="1323975"/>
+          </a:xfrm>
+          <a:prstGeom prst="rect">
+            <a:avLst/>
+          </a:prstGeom>
+        </p:spPr>
+      </p:pic>
+      <p:pic>
+        <p:nvPicPr>
+          <p:cNvPr id="46" name="图片 45">
+            <a:extLst>
+              <a:ext uri="{FF2B5EF4-FFF2-40B4-BE49-F238E27FC236}">
+                <a16:creationId xmlns:a16="http://schemas.microsoft.com/office/drawing/2014/main" id="{2AEC7D6E-9F89-4CF1-AEFD-E92896854706}"/>
+              </a:ext>
+            </a:extLst>
+          </p:cNvPr>
+          <p:cNvPicPr>
+            <a:picLocks noChangeAspect="1"/>
+          </p:cNvPicPr>
+          <p:nvPr/>
+        </p:nvPicPr>
+        <p:blipFill>
+          <a:blip r:embed="rId2">
+            <a:extLst>
+              <a:ext uri="{28A0092B-C50C-407E-A947-70E740481C1C}">
+                <a14:useLocalDpi xmlns:a14="http://schemas.microsoft.com/office/drawing/2010/main" val="0"/>
+              </a:ext>
+            </a:extLst>
+          </a:blip>
+          <a:stretch>
+            <a:fillRect/>
+          </a:stretch>
+        </p:blipFill>
+        <p:spPr>
+          <a:xfrm>
+            <a:off x="6918389" y="3273337"/>
+            <a:ext cx="638175" cy="1323975"/>
+          </a:xfrm>
+          <a:prstGeom prst="rect">
+            <a:avLst/>
+          </a:prstGeom>
+        </p:spPr>
+      </p:pic>
+      <p:pic>
+        <p:nvPicPr>
+          <p:cNvPr id="47" name="图片 46">
+            <a:extLst>
+              <a:ext uri="{FF2B5EF4-FFF2-40B4-BE49-F238E27FC236}">
+                <a16:creationId xmlns:a16="http://schemas.microsoft.com/office/drawing/2014/main" id="{B711B24B-F39F-486E-A0E8-958CCF596CEA}"/>
+              </a:ext>
+            </a:extLst>
+          </p:cNvPr>
+          <p:cNvPicPr>
+            <a:picLocks noChangeAspect="1"/>
+          </p:cNvPicPr>
+          <p:nvPr/>
+        </p:nvPicPr>
+        <p:blipFill>
+          <a:blip r:embed="rId2">
+            <a:extLst>
+              <a:ext uri="{28A0092B-C50C-407E-A947-70E740481C1C}">
+                <a14:useLocalDpi xmlns:a14="http://schemas.microsoft.com/office/drawing/2010/main" val="0"/>
+              </a:ext>
+            </a:extLst>
+          </a:blip>
+          <a:stretch>
+            <a:fillRect/>
+          </a:stretch>
+        </p:blipFill>
+        <p:spPr>
+          <a:xfrm>
+            <a:off x="6897455" y="4067495"/>
+            <a:ext cx="638175" cy="1323975"/>
+          </a:xfrm>
+          <a:prstGeom prst="rect">
+            <a:avLst/>
+          </a:prstGeom>
+        </p:spPr>
+      </p:pic>
+      <p:sp>
+        <p:nvSpPr>
+          <p:cNvPr id="48" name="矩形 47">
+            <a:extLst>
+              <a:ext uri="{FF2B5EF4-FFF2-40B4-BE49-F238E27FC236}">
+                <a16:creationId xmlns:a16="http://schemas.microsoft.com/office/drawing/2014/main" id="{1AD44724-586C-416B-ACED-42E676BA33F3}"/>
+              </a:ext>
+            </a:extLst>
+          </p:cNvPr>
+          <p:cNvSpPr/>
+          <p:nvPr/>
+        </p:nvSpPr>
+        <p:spPr>
+          <a:xfrm>
+            <a:off x="7534018" y="2818601"/>
+            <a:ext cx="280450" cy="369332"/>
+          </a:xfrm>
+          <a:prstGeom prst="rect">
+            <a:avLst/>
+          </a:prstGeom>
+        </p:spPr>
+        <p:txBody>
+          <a:bodyPr wrap="square">
+            <a:spAutoFit/>
+          </a:bodyPr>
+          <a:lstStyle/>
+          <a:p>
+            <a:pPr algn="ctr"/>
+            <a:r>
+              <a:rPr lang="en-US" altLang="zh-CN" b="1" dirty="0">
+                <a:solidFill>
+                  <a:schemeClr val="accent1"/>
+                </a:solidFill>
+                <a:latin typeface="Arial" panose="020B0604020202020204" pitchFamily="34" charset="0"/>
+                <a:cs typeface="Arial" panose="020B0604020202020204" pitchFamily="34" charset="0"/>
+              </a:rPr>
+              <a:t>1</a:t>
+            </a:r>
+            <a:endParaRPr lang="zh-CN" altLang="en-US" b="1" dirty="0">
+              <a:solidFill>
+                <a:schemeClr val="accent1"/>
+              </a:solidFill>
+              <a:latin typeface="Arial" panose="020B0604020202020204" pitchFamily="34" charset="0"/>
+              <a:cs typeface="Arial" panose="020B0604020202020204" pitchFamily="34" charset="0"/>
+            </a:endParaRPr>
+          </a:p>
+        </p:txBody>
+      </p:sp>
+      <p:sp>
+        <p:nvSpPr>
+          <p:cNvPr id="49" name="矩形 48">
+            <a:extLst>
+              <a:ext uri="{FF2B5EF4-FFF2-40B4-BE49-F238E27FC236}">
+                <a16:creationId xmlns:a16="http://schemas.microsoft.com/office/drawing/2014/main" id="{DBC42796-7E49-4230-A91A-96307B053BBC}"/>
+              </a:ext>
+            </a:extLst>
+          </p:cNvPr>
+          <p:cNvSpPr/>
+          <p:nvPr/>
+        </p:nvSpPr>
+        <p:spPr>
+          <a:xfrm>
+            <a:off x="7582820" y="3642911"/>
+            <a:ext cx="280450" cy="369332"/>
+          </a:xfrm>
+          <a:prstGeom prst="rect">
+            <a:avLst/>
+          </a:prstGeom>
+        </p:spPr>
+        <p:txBody>
+          <a:bodyPr wrap="square">
+            <a:spAutoFit/>
+          </a:bodyPr>
+          <a:lstStyle/>
+          <a:p>
+            <a:pPr algn="ctr"/>
+            <a:r>
+              <a:rPr lang="en-US" altLang="zh-CN" b="1" dirty="0">
+                <a:solidFill>
+                  <a:schemeClr val="accent1"/>
+                </a:solidFill>
+                <a:latin typeface="Arial" panose="020B0604020202020204" pitchFamily="34" charset="0"/>
+                <a:cs typeface="Arial" panose="020B0604020202020204" pitchFamily="34" charset="0"/>
+              </a:rPr>
+              <a:t>1</a:t>
+            </a:r>
+            <a:endParaRPr lang="zh-CN" altLang="en-US" b="1" dirty="0">
+              <a:solidFill>
+                <a:schemeClr val="accent1"/>
+              </a:solidFill>
+              <a:latin typeface="Arial" panose="020B0604020202020204" pitchFamily="34" charset="0"/>
+              <a:cs typeface="Arial" panose="020B0604020202020204" pitchFamily="34" charset="0"/>
+            </a:endParaRPr>
+          </a:p>
+        </p:txBody>
+      </p:sp>
+      <p:sp>
+        <p:nvSpPr>
+          <p:cNvPr id="50" name="矩形 49">
+            <a:extLst>
+              <a:ext uri="{FF2B5EF4-FFF2-40B4-BE49-F238E27FC236}">
+                <a16:creationId xmlns:a16="http://schemas.microsoft.com/office/drawing/2014/main" id="{E279812E-5878-4CBB-92CA-1556FE0E06AD}"/>
+              </a:ext>
+            </a:extLst>
+          </p:cNvPr>
+          <p:cNvSpPr/>
+          <p:nvPr/>
+        </p:nvSpPr>
+        <p:spPr>
+          <a:xfrm>
+            <a:off x="7590028" y="4544816"/>
+            <a:ext cx="280450" cy="369332"/>
+          </a:xfrm>
+          <a:prstGeom prst="rect">
+            <a:avLst/>
+          </a:prstGeom>
+        </p:spPr>
+        <p:txBody>
+          <a:bodyPr wrap="square">
+            <a:spAutoFit/>
+          </a:bodyPr>
+          <a:lstStyle/>
+          <a:p>
+            <a:pPr algn="ctr"/>
+            <a:r>
+              <a:rPr lang="en-US" altLang="zh-CN" b="1" dirty="0">
+                <a:solidFill>
+                  <a:schemeClr val="accent1"/>
+                </a:solidFill>
+                <a:latin typeface="Arial" panose="020B0604020202020204" pitchFamily="34" charset="0"/>
+                <a:cs typeface="Arial" panose="020B0604020202020204" pitchFamily="34" charset="0"/>
+              </a:rPr>
+              <a:t>1</a:t>
+            </a:r>
+            <a:endParaRPr lang="zh-CN" altLang="en-US" b="1" dirty="0">
+              <a:solidFill>
+                <a:schemeClr val="accent1"/>
+              </a:solidFill>
               <a:latin typeface="Arial" panose="020B0604020202020204" pitchFamily="34" charset="0"/>
               <a:cs typeface="Arial" panose="020B0604020202020204" pitchFamily="34" charset="0"/>
             </a:endParaRPr>
@@ -21043,7 +21164,7 @@
     </p:spTree>
     <p:extLst>
       <p:ext uri="{BB962C8B-B14F-4D97-AF65-F5344CB8AC3E}">
-        <p14:creationId xmlns:p14="http://schemas.microsoft.com/office/powerpoint/2010/main" val="208032218"/>
+        <p14:creationId xmlns:p14="http://schemas.microsoft.com/office/powerpoint/2010/main" val="4035667305"/>
       </p:ext>
     </p:extLst>
   </p:cSld>
@@ -21072,10 +21193,10 @@
       </p:grpSpPr>
       <p:sp>
         <p:nvSpPr>
-          <p:cNvPr id="4" name="标题 1">
-            <a:extLst>
-              <a:ext uri="{FF2B5EF4-FFF2-40B4-BE49-F238E27FC236}">
-                <a16:creationId xmlns:a16="http://schemas.microsoft.com/office/drawing/2014/main" id="{D5DEED4E-8A35-4F89-AC2B-45D3FCE01389}"/>
+          <p:cNvPr id="2" name="标题 1">
+            <a:extLst>
+              <a:ext uri="{FF2B5EF4-FFF2-40B4-BE49-F238E27FC236}">
+                <a16:creationId xmlns:a16="http://schemas.microsoft.com/office/drawing/2014/main" id="{8BC5707B-FF34-4A89-AA2A-C5BC30B7FF05}"/>
               </a:ext>
             </a:extLst>
           </p:cNvPr>
@@ -21088,35 +21209,1067 @@
         </p:nvSpPr>
         <p:spPr>
           <a:xfrm>
-            <a:off x="838200" y="2766218"/>
+            <a:off x="838200" y="365125"/>
             <a:ext cx="10515600" cy="1325563"/>
           </a:xfrm>
         </p:spPr>
         <p:txBody>
-          <a:bodyPr>
-            <a:normAutofit/>
-          </a:bodyPr>
+          <a:bodyPr/>
           <a:lstStyle/>
           <a:p>
-            <a:pPr algn="ctr"/>
-            <a:r>
-              <a:rPr lang="en-US" altLang="zh-CN" sz="5000" dirty="0">
-                <a:latin typeface="Arial" panose="020B0604020202020204" pitchFamily="34" charset="0"/>
-                <a:cs typeface="Arial" panose="020B0604020202020204" pitchFamily="34" charset="0"/>
-              </a:rPr>
-              <a:t>Future Work</a:t>
-            </a:r>
-            <a:endParaRPr lang="zh-CN" altLang="en-US" sz="5000" dirty="0">
+            <a:r>
+              <a:rPr lang="en-US" altLang="zh-CN" dirty="0">
+                <a:latin typeface="Arial" panose="020B0604020202020204" pitchFamily="34" charset="0"/>
+                <a:cs typeface="Arial" panose="020B0604020202020204" pitchFamily="34" charset="0"/>
+              </a:rPr>
+              <a:t>Result</a:t>
+            </a:r>
+            <a:endParaRPr lang="zh-CN" altLang="en-US" dirty="0">
               <a:latin typeface="Arial" panose="020B0604020202020204" pitchFamily="34" charset="0"/>
               <a:cs typeface="Arial" panose="020B0604020202020204" pitchFamily="34" charset="0"/>
             </a:endParaRPr>
           </a:p>
         </p:txBody>
       </p:sp>
+      <p:sp>
+        <p:nvSpPr>
+          <p:cNvPr id="15" name="文本框 14">
+            <a:extLst>
+              <a:ext uri="{FF2B5EF4-FFF2-40B4-BE49-F238E27FC236}">
+                <a16:creationId xmlns:a16="http://schemas.microsoft.com/office/drawing/2014/main" id="{DDAF86C6-AD36-496F-ABE7-1705AC4756BE}"/>
+              </a:ext>
+            </a:extLst>
+          </p:cNvPr>
+          <p:cNvSpPr txBox="1"/>
+          <p:nvPr/>
+        </p:nvSpPr>
+        <p:spPr>
+          <a:xfrm>
+            <a:off x="8000551" y="1732199"/>
+            <a:ext cx="4299662" cy="3170099"/>
+          </a:xfrm>
+          <a:prstGeom prst="rect">
+            <a:avLst/>
+          </a:prstGeom>
+          <a:noFill/>
+        </p:spPr>
+        <p:txBody>
+          <a:bodyPr wrap="square" rtlCol="0">
+            <a:spAutoFit/>
+          </a:bodyPr>
+          <a:lstStyle/>
+          <a:p>
+            <a:r>
+              <a:rPr lang="en-US" altLang="zh-CN" sz="2000" b="1" dirty="0">
+                <a:latin typeface="Arial" panose="020B0604020202020204" pitchFamily="34" charset="0"/>
+                <a:cs typeface="Arial" panose="020B0604020202020204" pitchFamily="34" charset="0"/>
+              </a:rPr>
+              <a:t>Normal cell component:</a:t>
+            </a:r>
+          </a:p>
+          <a:p>
+            <a:r>
+              <a:rPr lang="en-US" altLang="zh-CN" sz="2000" b="1" dirty="0">
+                <a:latin typeface="Arial" panose="020B0604020202020204" pitchFamily="34" charset="0"/>
+                <a:cs typeface="Arial" panose="020B0604020202020204" pitchFamily="34" charset="0"/>
+              </a:rPr>
+              <a:t>0: zero</a:t>
+            </a:r>
+          </a:p>
+          <a:p>
+            <a:r>
+              <a:rPr lang="en-US" altLang="zh-CN" sz="2000" b="1" dirty="0">
+                <a:solidFill>
+                  <a:schemeClr val="accent1">
+                    <a:lumMod val="75000"/>
+                  </a:schemeClr>
+                </a:solidFill>
+                <a:latin typeface="Arial" panose="020B0604020202020204" pitchFamily="34" charset="0"/>
+                <a:cs typeface="Arial" panose="020B0604020202020204" pitchFamily="34" charset="0"/>
+              </a:rPr>
+              <a:t>1: identity</a:t>
+            </a:r>
+          </a:p>
+          <a:p>
+            <a:r>
+              <a:rPr lang="en-US" altLang="zh-CN" sz="2000" b="1" dirty="0">
+                <a:solidFill>
+                  <a:srgbClr val="7030A0"/>
+                </a:solidFill>
+                <a:latin typeface="Arial" panose="020B0604020202020204" pitchFamily="34" charset="0"/>
+                <a:cs typeface="Arial" panose="020B0604020202020204" pitchFamily="34" charset="0"/>
+              </a:rPr>
+              <a:t>2: 3x3 average pooling</a:t>
+            </a:r>
+          </a:p>
+          <a:p>
+            <a:r>
+              <a:rPr lang="en-US" altLang="zh-CN" sz="2000" b="1" dirty="0">
+                <a:solidFill>
+                  <a:schemeClr val="accent2">
+                    <a:lumMod val="75000"/>
+                  </a:schemeClr>
+                </a:solidFill>
+                <a:latin typeface="Arial" panose="020B0604020202020204" pitchFamily="34" charset="0"/>
+                <a:cs typeface="Arial" panose="020B0604020202020204" pitchFamily="34" charset="0"/>
+              </a:rPr>
+              <a:t>3: 3x3 max pooling</a:t>
+            </a:r>
+          </a:p>
+          <a:p>
+            <a:r>
+              <a:rPr lang="en-US" altLang="zh-CN" sz="2000" b="1" dirty="0">
+                <a:solidFill>
+                  <a:srgbClr val="0000CC"/>
+                </a:solidFill>
+                <a:latin typeface="Arial" panose="020B0604020202020204" pitchFamily="34" charset="0"/>
+                <a:cs typeface="Arial" panose="020B0604020202020204" pitchFamily="34" charset="0"/>
+              </a:rPr>
+              <a:t>4: 1x1 conv</a:t>
+            </a:r>
+          </a:p>
+          <a:p>
+            <a:r>
+              <a:rPr lang="en-US" altLang="zh-CN" sz="2000" b="1" dirty="0">
+                <a:solidFill>
+                  <a:schemeClr val="accent4">
+                    <a:lumMod val="75000"/>
+                  </a:schemeClr>
+                </a:solidFill>
+                <a:latin typeface="Arial" panose="020B0604020202020204" pitchFamily="34" charset="0"/>
+                <a:cs typeface="Arial" panose="020B0604020202020204" pitchFamily="34" charset="0"/>
+              </a:rPr>
+              <a:t>5: 3x3 depthwise-separable conv</a:t>
+            </a:r>
+          </a:p>
+          <a:p>
+            <a:r>
+              <a:rPr lang="en-US" altLang="zh-CN" sz="2000" b="1" dirty="0">
+                <a:solidFill>
+                  <a:srgbClr val="0099CC"/>
+                </a:solidFill>
+                <a:latin typeface="Arial" panose="020B0604020202020204" pitchFamily="34" charset="0"/>
+                <a:cs typeface="Arial" panose="020B0604020202020204" pitchFamily="34" charset="0"/>
+              </a:rPr>
+              <a:t>6: 3x3 dilated conv</a:t>
+            </a:r>
+          </a:p>
+          <a:p>
+            <a:r>
+              <a:rPr lang="en-US" altLang="zh-CN" sz="2000" b="1" dirty="0">
+                <a:solidFill>
+                  <a:schemeClr val="accent6">
+                    <a:lumMod val="75000"/>
+                  </a:schemeClr>
+                </a:solidFill>
+                <a:latin typeface="Arial" panose="020B0604020202020204" pitchFamily="34" charset="0"/>
+                <a:cs typeface="Arial" panose="020B0604020202020204" pitchFamily="34" charset="0"/>
+              </a:rPr>
+              <a:t>7: 3x3 conv</a:t>
+            </a:r>
+          </a:p>
+          <a:p>
+            <a:endParaRPr lang="zh-CN" altLang="en-US" sz="2000" b="1" dirty="0">
+              <a:latin typeface="Arial" panose="020B0604020202020204" pitchFamily="34" charset="0"/>
+              <a:cs typeface="Arial" panose="020B0604020202020204" pitchFamily="34" charset="0"/>
+            </a:endParaRPr>
+          </a:p>
+        </p:txBody>
+      </p:sp>
+      <p:sp>
+        <p:nvSpPr>
+          <p:cNvPr id="4" name="矩形 3">
+            <a:extLst>
+              <a:ext uri="{FF2B5EF4-FFF2-40B4-BE49-F238E27FC236}">
+                <a16:creationId xmlns:a16="http://schemas.microsoft.com/office/drawing/2014/main" id="{27446143-D64E-4809-AD2A-D3643A939526}"/>
+              </a:ext>
+            </a:extLst>
+          </p:cNvPr>
+          <p:cNvSpPr/>
+          <p:nvPr/>
+        </p:nvSpPr>
+        <p:spPr>
+          <a:xfrm>
+            <a:off x="7322371" y="1048274"/>
+            <a:ext cx="678180" cy="388620"/>
+          </a:xfrm>
+          <a:prstGeom prst="rect">
+            <a:avLst/>
+          </a:prstGeom>
+          <a:noFill/>
+          <a:ln w="38100"/>
+        </p:spPr>
+        <p:style>
+          <a:lnRef idx="2">
+            <a:schemeClr val="dk1">
+              <a:shade val="50000"/>
+            </a:schemeClr>
+          </a:lnRef>
+          <a:fillRef idx="1">
+            <a:schemeClr val="dk1"/>
+          </a:fillRef>
+          <a:effectRef idx="0">
+            <a:schemeClr val="dk1"/>
+          </a:effectRef>
+          <a:fontRef idx="minor">
+            <a:schemeClr val="lt1"/>
+          </a:fontRef>
+        </p:style>
+        <p:txBody>
+          <a:bodyPr rtlCol="0" anchor="ctr"/>
+          <a:lstStyle/>
+          <a:p>
+            <a:pPr algn="ctr"/>
+            <a:r>
+              <a:rPr lang="en-US" altLang="zh-CN" b="1" dirty="0">
+                <a:solidFill>
+                  <a:schemeClr val="tx1"/>
+                </a:solidFill>
+                <a:latin typeface="Arial" panose="020B0604020202020204" pitchFamily="34" charset="0"/>
+                <a:cs typeface="Arial" panose="020B0604020202020204" pitchFamily="34" charset="0"/>
+              </a:rPr>
+              <a:t>1</a:t>
+            </a:r>
+            <a:endParaRPr lang="zh-CN" altLang="en-US" b="1" dirty="0">
+              <a:solidFill>
+                <a:schemeClr val="tx1"/>
+              </a:solidFill>
+              <a:latin typeface="Arial" panose="020B0604020202020204" pitchFamily="34" charset="0"/>
+              <a:cs typeface="Arial" panose="020B0604020202020204" pitchFamily="34" charset="0"/>
+            </a:endParaRPr>
+          </a:p>
+        </p:txBody>
+      </p:sp>
+      <p:sp>
+        <p:nvSpPr>
+          <p:cNvPr id="5" name="矩形 4">
+            <a:extLst>
+              <a:ext uri="{FF2B5EF4-FFF2-40B4-BE49-F238E27FC236}">
+                <a16:creationId xmlns:a16="http://schemas.microsoft.com/office/drawing/2014/main" id="{8CDC6B79-6F9B-4E98-A76D-4E9603D32442}"/>
+              </a:ext>
+            </a:extLst>
+          </p:cNvPr>
+          <p:cNvSpPr/>
+          <p:nvPr/>
+        </p:nvSpPr>
+        <p:spPr>
+          <a:xfrm>
+            <a:off x="5830008" y="1048274"/>
+            <a:ext cx="678180" cy="388620"/>
+          </a:xfrm>
+          <a:prstGeom prst="rect">
+            <a:avLst/>
+          </a:prstGeom>
+          <a:noFill/>
+          <a:ln w="38100"/>
+        </p:spPr>
+        <p:style>
+          <a:lnRef idx="2">
+            <a:schemeClr val="dk1">
+              <a:shade val="50000"/>
+            </a:schemeClr>
+          </a:lnRef>
+          <a:fillRef idx="1">
+            <a:schemeClr val="dk1"/>
+          </a:fillRef>
+          <a:effectRef idx="0">
+            <a:schemeClr val="dk1"/>
+          </a:effectRef>
+          <a:fontRef idx="minor">
+            <a:schemeClr val="lt1"/>
+          </a:fontRef>
+        </p:style>
+        <p:txBody>
+          <a:bodyPr rtlCol="0" anchor="ctr"/>
+          <a:lstStyle/>
+          <a:p>
+            <a:pPr algn="ctr"/>
+            <a:r>
+              <a:rPr lang="en-US" altLang="zh-CN" b="1" dirty="0">
+                <a:solidFill>
+                  <a:schemeClr val="tx1"/>
+                </a:solidFill>
+                <a:latin typeface="Arial" panose="020B0604020202020204" pitchFamily="34" charset="0"/>
+                <a:cs typeface="Arial" panose="020B0604020202020204" pitchFamily="34" charset="0"/>
+              </a:rPr>
+              <a:t>0</a:t>
+            </a:r>
+            <a:endParaRPr lang="zh-CN" altLang="en-US" b="1" dirty="0">
+              <a:solidFill>
+                <a:schemeClr val="tx1"/>
+              </a:solidFill>
+              <a:latin typeface="Arial" panose="020B0604020202020204" pitchFamily="34" charset="0"/>
+              <a:cs typeface="Arial" panose="020B0604020202020204" pitchFamily="34" charset="0"/>
+            </a:endParaRPr>
+          </a:p>
+        </p:txBody>
+      </p:sp>
+      <p:sp>
+        <p:nvSpPr>
+          <p:cNvPr id="6" name="矩形 5">
+            <a:extLst>
+              <a:ext uri="{FF2B5EF4-FFF2-40B4-BE49-F238E27FC236}">
+                <a16:creationId xmlns:a16="http://schemas.microsoft.com/office/drawing/2014/main" id="{B25ED3E5-1E62-4577-B1A9-DFE39D6DC3C1}"/>
+              </a:ext>
+            </a:extLst>
+          </p:cNvPr>
+          <p:cNvSpPr/>
+          <p:nvPr/>
+        </p:nvSpPr>
+        <p:spPr>
+          <a:xfrm>
+            <a:off x="6508188" y="2321267"/>
+            <a:ext cx="678180" cy="388620"/>
+          </a:xfrm>
+          <a:prstGeom prst="rect">
+            <a:avLst/>
+          </a:prstGeom>
+          <a:noFill/>
+          <a:ln w="38100"/>
+        </p:spPr>
+        <p:style>
+          <a:lnRef idx="2">
+            <a:schemeClr val="dk1">
+              <a:shade val="50000"/>
+            </a:schemeClr>
+          </a:lnRef>
+          <a:fillRef idx="1">
+            <a:schemeClr val="dk1"/>
+          </a:fillRef>
+          <a:effectRef idx="0">
+            <a:schemeClr val="dk1"/>
+          </a:effectRef>
+          <a:fontRef idx="minor">
+            <a:schemeClr val="lt1"/>
+          </a:fontRef>
+        </p:style>
+        <p:txBody>
+          <a:bodyPr rtlCol="0" anchor="ctr"/>
+          <a:lstStyle/>
+          <a:p>
+            <a:pPr algn="ctr"/>
+            <a:r>
+              <a:rPr lang="en-US" altLang="zh-CN" b="1" dirty="0">
+                <a:solidFill>
+                  <a:schemeClr val="tx1"/>
+                </a:solidFill>
+                <a:latin typeface="Arial" panose="020B0604020202020204" pitchFamily="34" charset="0"/>
+                <a:cs typeface="Arial" panose="020B0604020202020204" pitchFamily="34" charset="0"/>
+              </a:rPr>
+              <a:t>2</a:t>
+            </a:r>
+            <a:endParaRPr lang="zh-CN" altLang="en-US" b="1" dirty="0">
+              <a:solidFill>
+                <a:schemeClr val="tx1"/>
+              </a:solidFill>
+              <a:latin typeface="Arial" panose="020B0604020202020204" pitchFamily="34" charset="0"/>
+              <a:cs typeface="Arial" panose="020B0604020202020204" pitchFamily="34" charset="0"/>
+            </a:endParaRPr>
+          </a:p>
+        </p:txBody>
+      </p:sp>
+      <p:sp>
+        <p:nvSpPr>
+          <p:cNvPr id="7" name="矩形 6">
+            <a:extLst>
+              <a:ext uri="{FF2B5EF4-FFF2-40B4-BE49-F238E27FC236}">
+                <a16:creationId xmlns:a16="http://schemas.microsoft.com/office/drawing/2014/main" id="{20DA319B-EB45-4064-B4CA-7C7CBE2DDC14}"/>
+              </a:ext>
+            </a:extLst>
+          </p:cNvPr>
+          <p:cNvSpPr/>
+          <p:nvPr/>
+        </p:nvSpPr>
+        <p:spPr>
+          <a:xfrm>
+            <a:off x="6508188" y="3048842"/>
+            <a:ext cx="678180" cy="388620"/>
+          </a:xfrm>
+          <a:prstGeom prst="rect">
+            <a:avLst/>
+          </a:prstGeom>
+          <a:noFill/>
+          <a:ln w="38100"/>
+        </p:spPr>
+        <p:style>
+          <a:lnRef idx="2">
+            <a:schemeClr val="dk1">
+              <a:shade val="50000"/>
+            </a:schemeClr>
+          </a:lnRef>
+          <a:fillRef idx="1">
+            <a:schemeClr val="dk1"/>
+          </a:fillRef>
+          <a:effectRef idx="0">
+            <a:schemeClr val="dk1"/>
+          </a:effectRef>
+          <a:fontRef idx="minor">
+            <a:schemeClr val="lt1"/>
+          </a:fontRef>
+        </p:style>
+        <p:txBody>
+          <a:bodyPr rtlCol="0" anchor="ctr"/>
+          <a:lstStyle/>
+          <a:p>
+            <a:pPr algn="ctr"/>
+            <a:r>
+              <a:rPr lang="en-US" altLang="zh-CN" b="1" dirty="0">
+                <a:solidFill>
+                  <a:schemeClr val="tx1"/>
+                </a:solidFill>
+                <a:latin typeface="Arial" panose="020B0604020202020204" pitchFamily="34" charset="0"/>
+                <a:cs typeface="Arial" panose="020B0604020202020204" pitchFamily="34" charset="0"/>
+              </a:rPr>
+              <a:t>3</a:t>
+            </a:r>
+            <a:endParaRPr lang="zh-CN" altLang="en-US" b="1" dirty="0">
+              <a:solidFill>
+                <a:schemeClr val="tx1"/>
+              </a:solidFill>
+              <a:latin typeface="Arial" panose="020B0604020202020204" pitchFamily="34" charset="0"/>
+              <a:cs typeface="Arial" panose="020B0604020202020204" pitchFamily="34" charset="0"/>
+            </a:endParaRPr>
+          </a:p>
+        </p:txBody>
+      </p:sp>
+      <p:sp>
+        <p:nvSpPr>
+          <p:cNvPr id="8" name="矩形 7">
+            <a:extLst>
+              <a:ext uri="{FF2B5EF4-FFF2-40B4-BE49-F238E27FC236}">
+                <a16:creationId xmlns:a16="http://schemas.microsoft.com/office/drawing/2014/main" id="{89E30F83-6C30-4892-84D9-EA39963312F7}"/>
+              </a:ext>
+            </a:extLst>
+          </p:cNvPr>
+          <p:cNvSpPr/>
+          <p:nvPr/>
+        </p:nvSpPr>
+        <p:spPr>
+          <a:xfrm>
+            <a:off x="6508188" y="3779377"/>
+            <a:ext cx="678180" cy="388620"/>
+          </a:xfrm>
+          <a:prstGeom prst="rect">
+            <a:avLst/>
+          </a:prstGeom>
+          <a:noFill/>
+          <a:ln w="38100"/>
+        </p:spPr>
+        <p:style>
+          <a:lnRef idx="2">
+            <a:schemeClr val="dk1">
+              <a:shade val="50000"/>
+            </a:schemeClr>
+          </a:lnRef>
+          <a:fillRef idx="1">
+            <a:schemeClr val="dk1"/>
+          </a:fillRef>
+          <a:effectRef idx="0">
+            <a:schemeClr val="dk1"/>
+          </a:effectRef>
+          <a:fontRef idx="minor">
+            <a:schemeClr val="lt1"/>
+          </a:fontRef>
+        </p:style>
+        <p:txBody>
+          <a:bodyPr rtlCol="0" anchor="ctr"/>
+          <a:lstStyle/>
+          <a:p>
+            <a:pPr algn="ctr"/>
+            <a:r>
+              <a:rPr lang="en-US" altLang="zh-CN" b="1" dirty="0">
+                <a:solidFill>
+                  <a:schemeClr val="tx1"/>
+                </a:solidFill>
+                <a:latin typeface="Arial" panose="020B0604020202020204" pitchFamily="34" charset="0"/>
+                <a:cs typeface="Arial" panose="020B0604020202020204" pitchFamily="34" charset="0"/>
+              </a:rPr>
+              <a:t>4</a:t>
+            </a:r>
+            <a:endParaRPr lang="zh-CN" altLang="en-US" b="1" dirty="0">
+              <a:solidFill>
+                <a:schemeClr val="tx1"/>
+              </a:solidFill>
+              <a:latin typeface="Arial" panose="020B0604020202020204" pitchFamily="34" charset="0"/>
+              <a:cs typeface="Arial" panose="020B0604020202020204" pitchFamily="34" charset="0"/>
+            </a:endParaRPr>
+          </a:p>
+        </p:txBody>
+      </p:sp>
+      <p:cxnSp>
+        <p:nvCxnSpPr>
+          <p:cNvPr id="10" name="直接箭头连接符 9">
+            <a:extLst>
+              <a:ext uri="{FF2B5EF4-FFF2-40B4-BE49-F238E27FC236}">
+                <a16:creationId xmlns:a16="http://schemas.microsoft.com/office/drawing/2014/main" id="{5553CA85-5240-467F-BD83-110D4A0499F7}"/>
+              </a:ext>
+            </a:extLst>
+          </p:cNvPr>
+          <p:cNvCxnSpPr>
+            <a:stCxn id="5" idx="2"/>
+            <a:endCxn id="6" idx="0"/>
+          </p:cNvCxnSpPr>
+          <p:nvPr/>
+        </p:nvCxnSpPr>
+        <p:spPr>
+          <a:xfrm>
+            <a:off x="6169098" y="1436894"/>
+            <a:ext cx="678180" cy="884373"/>
+          </a:xfrm>
+          <a:prstGeom prst="straightConnector1">
+            <a:avLst/>
+          </a:prstGeom>
+          <a:ln w="44450">
+            <a:solidFill>
+              <a:srgbClr val="7030A0"/>
+            </a:solidFill>
+            <a:tailEnd type="triangle"/>
+          </a:ln>
+        </p:spPr>
+        <p:style>
+          <a:lnRef idx="1">
+            <a:schemeClr val="dk1"/>
+          </a:lnRef>
+          <a:fillRef idx="0">
+            <a:schemeClr val="dk1"/>
+          </a:fillRef>
+          <a:effectRef idx="0">
+            <a:schemeClr val="dk1"/>
+          </a:effectRef>
+          <a:fontRef idx="minor">
+            <a:schemeClr val="tx1"/>
+          </a:fontRef>
+        </p:style>
+      </p:cxnSp>
+      <p:sp>
+        <p:nvSpPr>
+          <p:cNvPr id="21" name="矩形 20">
+            <a:extLst>
+              <a:ext uri="{FF2B5EF4-FFF2-40B4-BE49-F238E27FC236}">
+                <a16:creationId xmlns:a16="http://schemas.microsoft.com/office/drawing/2014/main" id="{8669C03D-7BED-493E-981B-16B0E74278EA}"/>
+              </a:ext>
+            </a:extLst>
+          </p:cNvPr>
+          <p:cNvSpPr/>
+          <p:nvPr/>
+        </p:nvSpPr>
+        <p:spPr>
+          <a:xfrm>
+            <a:off x="6508188" y="4513678"/>
+            <a:ext cx="678180" cy="388620"/>
+          </a:xfrm>
+          <a:prstGeom prst="rect">
+            <a:avLst/>
+          </a:prstGeom>
+          <a:noFill/>
+          <a:ln w="38100"/>
+        </p:spPr>
+        <p:style>
+          <a:lnRef idx="2">
+            <a:schemeClr val="dk1">
+              <a:shade val="50000"/>
+            </a:schemeClr>
+          </a:lnRef>
+          <a:fillRef idx="1">
+            <a:schemeClr val="dk1"/>
+          </a:fillRef>
+          <a:effectRef idx="0">
+            <a:schemeClr val="dk1"/>
+          </a:effectRef>
+          <a:fontRef idx="minor">
+            <a:schemeClr val="lt1"/>
+          </a:fontRef>
+        </p:style>
+        <p:txBody>
+          <a:bodyPr rtlCol="0" anchor="ctr"/>
+          <a:lstStyle/>
+          <a:p>
+            <a:pPr algn="ctr"/>
+            <a:r>
+              <a:rPr lang="en-US" altLang="zh-CN" b="1" dirty="0">
+                <a:solidFill>
+                  <a:schemeClr val="tx1"/>
+                </a:solidFill>
+                <a:latin typeface="Arial" panose="020B0604020202020204" pitchFamily="34" charset="0"/>
+                <a:cs typeface="Arial" panose="020B0604020202020204" pitchFamily="34" charset="0"/>
+              </a:rPr>
+              <a:t>5</a:t>
+            </a:r>
+            <a:endParaRPr lang="zh-CN" altLang="en-US" b="1" dirty="0">
+              <a:solidFill>
+                <a:schemeClr val="tx1"/>
+              </a:solidFill>
+              <a:latin typeface="Arial" panose="020B0604020202020204" pitchFamily="34" charset="0"/>
+              <a:cs typeface="Arial" panose="020B0604020202020204" pitchFamily="34" charset="0"/>
+            </a:endParaRPr>
+          </a:p>
+        </p:txBody>
+      </p:sp>
+      <p:cxnSp>
+        <p:nvCxnSpPr>
+          <p:cNvPr id="37" name="直接箭头连接符 36">
+            <a:extLst>
+              <a:ext uri="{FF2B5EF4-FFF2-40B4-BE49-F238E27FC236}">
+                <a16:creationId xmlns:a16="http://schemas.microsoft.com/office/drawing/2014/main" id="{85FF7EAC-4345-4162-864A-07839F9B249A}"/>
+              </a:ext>
+            </a:extLst>
+          </p:cNvPr>
+          <p:cNvCxnSpPr>
+            <a:cxnSpLocks/>
+            <a:stCxn id="8" idx="2"/>
+            <a:endCxn id="21" idx="0"/>
+          </p:cNvCxnSpPr>
+          <p:nvPr/>
+        </p:nvCxnSpPr>
+        <p:spPr>
+          <a:xfrm>
+            <a:off x="6847278" y="4167997"/>
+            <a:ext cx="0" cy="345681"/>
+          </a:xfrm>
+          <a:prstGeom prst="straightConnector1">
+            <a:avLst/>
+          </a:prstGeom>
+          <a:ln w="44450">
+            <a:solidFill>
+              <a:schemeClr val="accent1"/>
+            </a:solidFill>
+            <a:prstDash val="sysDot"/>
+            <a:tailEnd type="triangle"/>
+          </a:ln>
+        </p:spPr>
+        <p:style>
+          <a:lnRef idx="1">
+            <a:schemeClr val="dk1"/>
+          </a:lnRef>
+          <a:fillRef idx="0">
+            <a:schemeClr val="dk1"/>
+          </a:fillRef>
+          <a:effectRef idx="0">
+            <a:schemeClr val="dk1"/>
+          </a:effectRef>
+          <a:fontRef idx="minor">
+            <a:schemeClr val="tx1"/>
+          </a:fontRef>
+        </p:style>
+      </p:cxnSp>
+      <p:sp>
+        <p:nvSpPr>
+          <p:cNvPr id="11" name="文本框 10">
+            <a:extLst>
+              <a:ext uri="{FF2B5EF4-FFF2-40B4-BE49-F238E27FC236}">
+                <a16:creationId xmlns:a16="http://schemas.microsoft.com/office/drawing/2014/main" id="{94DC0C1D-7697-4DE1-A405-1CE7D5926F12}"/>
+              </a:ext>
+            </a:extLst>
+          </p:cNvPr>
+          <p:cNvSpPr txBox="1"/>
+          <p:nvPr/>
+        </p:nvSpPr>
+        <p:spPr>
+          <a:xfrm>
+            <a:off x="838200" y="1584935"/>
+            <a:ext cx="4408317" cy="1569660"/>
+          </a:xfrm>
+          <a:prstGeom prst="rect">
+            <a:avLst/>
+          </a:prstGeom>
+          <a:noFill/>
+        </p:spPr>
+        <p:txBody>
+          <a:bodyPr wrap="square" rtlCol="0">
+            <a:spAutoFit/>
+          </a:bodyPr>
+          <a:lstStyle/>
+          <a:p>
+            <a:r>
+              <a:rPr lang="en-US" altLang="zh-CN" sz="2400" b="1" dirty="0">
+                <a:latin typeface="Arial" panose="020B0604020202020204" pitchFamily="34" charset="0"/>
+                <a:cs typeface="Arial" panose="020B0604020202020204" pitchFamily="34" charset="0"/>
+              </a:rPr>
+              <a:t>On</a:t>
+            </a:r>
+            <a:r>
+              <a:rPr lang="zh-CN" altLang="en-US" sz="2400" b="1" dirty="0">
+                <a:latin typeface="Arial" panose="020B0604020202020204" pitchFamily="34" charset="0"/>
+                <a:cs typeface="Arial" panose="020B0604020202020204" pitchFamily="34" charset="0"/>
+              </a:rPr>
+              <a:t> </a:t>
+            </a:r>
+            <a:r>
+              <a:rPr lang="en-US" altLang="zh-CN" sz="2400" b="1" dirty="0">
+                <a:latin typeface="Arial" panose="020B0604020202020204" pitchFamily="34" charset="0"/>
+                <a:cs typeface="Arial" panose="020B0604020202020204" pitchFamily="34" charset="0"/>
+              </a:rPr>
+              <a:t>CIFAR-10</a:t>
+            </a:r>
+          </a:p>
+          <a:p>
+            <a:r>
+              <a:rPr lang="en-US" altLang="zh-CN" sz="2400" b="1" dirty="0">
+                <a:latin typeface="Arial" panose="020B0604020202020204" pitchFamily="34" charset="0"/>
+                <a:cs typeface="Arial" panose="020B0604020202020204" pitchFamily="34" charset="0"/>
+              </a:rPr>
+              <a:t>About</a:t>
+            </a:r>
+            <a:r>
+              <a:rPr lang="zh-CN" altLang="en-US" sz="2400" b="1" dirty="0">
+                <a:latin typeface="Arial" panose="020B0604020202020204" pitchFamily="34" charset="0"/>
+                <a:cs typeface="Arial" panose="020B0604020202020204" pitchFamily="34" charset="0"/>
+              </a:rPr>
+              <a:t> </a:t>
+            </a:r>
+            <a:r>
+              <a:rPr lang="en-US" altLang="zh-CN" sz="2400" b="1" dirty="0">
+                <a:latin typeface="Arial" panose="020B0604020202020204" pitchFamily="34" charset="0"/>
+                <a:cs typeface="Arial" panose="020B0604020202020204" pitchFamily="34" charset="0"/>
+              </a:rPr>
+              <a:t>40min</a:t>
+            </a:r>
+            <a:r>
+              <a:rPr lang="zh-CN" altLang="en-US" sz="2400" b="1" dirty="0">
+                <a:latin typeface="Arial" panose="020B0604020202020204" pitchFamily="34" charset="0"/>
+                <a:cs typeface="Arial" panose="020B0604020202020204" pitchFamily="34" charset="0"/>
+              </a:rPr>
+              <a:t> </a:t>
+            </a:r>
+            <a:r>
+              <a:rPr lang="en-US" altLang="zh-CN" sz="2400" b="1" dirty="0">
+                <a:latin typeface="Arial" panose="020B0604020202020204" pitchFamily="34" charset="0"/>
+                <a:cs typeface="Arial" panose="020B0604020202020204" pitchFamily="34" charset="0"/>
+              </a:rPr>
+              <a:t>per</a:t>
+            </a:r>
+            <a:r>
+              <a:rPr lang="zh-CN" altLang="en-US" sz="2400" b="1" dirty="0">
+                <a:latin typeface="Arial" panose="020B0604020202020204" pitchFamily="34" charset="0"/>
+                <a:cs typeface="Arial" panose="020B0604020202020204" pitchFamily="34" charset="0"/>
+              </a:rPr>
+              <a:t> </a:t>
+            </a:r>
+            <a:r>
+              <a:rPr lang="en-US" altLang="zh-CN" sz="2400" b="1" dirty="0">
+                <a:latin typeface="Arial" panose="020B0604020202020204" pitchFamily="34" charset="0"/>
+                <a:cs typeface="Arial" panose="020B0604020202020204" pitchFamily="34" charset="0"/>
+              </a:rPr>
+              <a:t>individual</a:t>
+            </a:r>
+          </a:p>
+          <a:p>
+            <a:r>
+              <a:rPr lang="en-US" altLang="zh-CN" sz="2400" b="1" dirty="0">
+                <a:solidFill>
+                  <a:srgbClr val="FF0000"/>
+                </a:solidFill>
+                <a:latin typeface="Arial" panose="020B0604020202020204" pitchFamily="34" charset="0"/>
+                <a:cs typeface="Arial" panose="020B0604020202020204" pitchFamily="34" charset="0"/>
+              </a:rPr>
+              <a:t>76% </a:t>
+            </a:r>
+            <a:r>
+              <a:rPr lang="en-US" altLang="zh-CN" sz="2400" b="1" dirty="0">
+                <a:latin typeface="Arial" panose="020B0604020202020204" pitchFamily="34" charset="0"/>
+                <a:cs typeface="Arial" panose="020B0604020202020204" pitchFamily="34" charset="0"/>
+              </a:rPr>
+              <a:t>test</a:t>
+            </a:r>
+            <a:r>
+              <a:rPr lang="zh-CN" altLang="en-US" sz="2400" b="1" dirty="0">
+                <a:latin typeface="Arial" panose="020B0604020202020204" pitchFamily="34" charset="0"/>
+                <a:cs typeface="Arial" panose="020B0604020202020204" pitchFamily="34" charset="0"/>
+              </a:rPr>
+              <a:t> </a:t>
+            </a:r>
+            <a:r>
+              <a:rPr lang="en-US" altLang="zh-CN" sz="2400" b="1" dirty="0">
+                <a:latin typeface="Arial" panose="020B0604020202020204" pitchFamily="34" charset="0"/>
+                <a:cs typeface="Arial" panose="020B0604020202020204" pitchFamily="34" charset="0"/>
+              </a:rPr>
+              <a:t>accuracy</a:t>
+            </a:r>
+          </a:p>
+          <a:p>
+            <a:r>
+              <a:rPr lang="en-US" altLang="zh-CN" sz="2400" b="1" dirty="0">
+                <a:solidFill>
+                  <a:srgbClr val="FF0000"/>
+                </a:solidFill>
+                <a:latin typeface="Arial" panose="020B0604020202020204" pitchFamily="34" charset="0"/>
+                <a:cs typeface="Arial" panose="020B0604020202020204" pitchFamily="34" charset="0"/>
+              </a:rPr>
+              <a:t>91%</a:t>
+            </a:r>
+            <a:r>
+              <a:rPr lang="zh-CN" altLang="en-US" sz="2400" b="1" dirty="0">
+                <a:latin typeface="Arial" panose="020B0604020202020204" pitchFamily="34" charset="0"/>
+                <a:cs typeface="Arial" panose="020B0604020202020204" pitchFamily="34" charset="0"/>
+              </a:rPr>
+              <a:t> </a:t>
+            </a:r>
+            <a:r>
+              <a:rPr lang="en-US" altLang="zh-CN" sz="2400" b="1" dirty="0">
+                <a:latin typeface="Arial" panose="020B0604020202020204" pitchFamily="34" charset="0"/>
+                <a:cs typeface="Arial" panose="020B0604020202020204" pitchFamily="34" charset="0"/>
+              </a:rPr>
+              <a:t>training</a:t>
+            </a:r>
+            <a:r>
+              <a:rPr lang="zh-CN" altLang="en-US" sz="2400" b="1" dirty="0">
+                <a:latin typeface="Arial" panose="020B0604020202020204" pitchFamily="34" charset="0"/>
+                <a:cs typeface="Arial" panose="020B0604020202020204" pitchFamily="34" charset="0"/>
+              </a:rPr>
+              <a:t> </a:t>
+            </a:r>
+            <a:r>
+              <a:rPr lang="en-US" altLang="zh-CN" sz="2400" b="1" dirty="0">
+                <a:latin typeface="Arial" panose="020B0604020202020204" pitchFamily="34" charset="0"/>
+                <a:cs typeface="Arial" panose="020B0604020202020204" pitchFamily="34" charset="0"/>
+              </a:rPr>
+              <a:t>accuracy</a:t>
+            </a:r>
+            <a:endParaRPr lang="zh-CN" altLang="en-US" sz="2400" b="1" dirty="0">
+              <a:latin typeface="Arial" panose="020B0604020202020204" pitchFamily="34" charset="0"/>
+              <a:cs typeface="Arial" panose="020B0604020202020204" pitchFamily="34" charset="0"/>
+            </a:endParaRPr>
+          </a:p>
+        </p:txBody>
+      </p:sp>
+      <p:cxnSp>
+        <p:nvCxnSpPr>
+          <p:cNvPr id="32" name="直接箭头连接符 12">
+            <a:extLst>
+              <a:ext uri="{FF2B5EF4-FFF2-40B4-BE49-F238E27FC236}">
+                <a16:creationId xmlns:a16="http://schemas.microsoft.com/office/drawing/2014/main" id="{A81DB8B1-0FA8-D944-833F-233C7C95084A}"/>
+              </a:ext>
+            </a:extLst>
+          </p:cNvPr>
+          <p:cNvCxnSpPr>
+            <a:cxnSpLocks/>
+            <a:stCxn id="4" idx="2"/>
+            <a:endCxn id="6" idx="0"/>
+          </p:cNvCxnSpPr>
+          <p:nvPr/>
+        </p:nvCxnSpPr>
+        <p:spPr>
+          <a:xfrm flipH="1">
+            <a:off x="6847278" y="1436894"/>
+            <a:ext cx="814183" cy="884373"/>
+          </a:xfrm>
+          <a:prstGeom prst="straightConnector1">
+            <a:avLst/>
+          </a:prstGeom>
+          <a:ln w="44450">
+            <a:solidFill>
+              <a:schemeClr val="accent6"/>
+            </a:solidFill>
+            <a:prstDash val="sysDash"/>
+            <a:tailEnd type="triangle"/>
+          </a:ln>
+        </p:spPr>
+        <p:style>
+          <a:lnRef idx="1">
+            <a:schemeClr val="dk1"/>
+          </a:lnRef>
+          <a:fillRef idx="0">
+            <a:schemeClr val="dk1"/>
+          </a:fillRef>
+          <a:effectRef idx="0">
+            <a:schemeClr val="dk1"/>
+          </a:effectRef>
+          <a:fontRef idx="minor">
+            <a:schemeClr val="tx1"/>
+          </a:fontRef>
+        </p:style>
+      </p:cxnSp>
+      <p:cxnSp>
+        <p:nvCxnSpPr>
+          <p:cNvPr id="51" name="直接箭头连接符 12">
+            <a:extLst>
+              <a:ext uri="{FF2B5EF4-FFF2-40B4-BE49-F238E27FC236}">
+                <a16:creationId xmlns:a16="http://schemas.microsoft.com/office/drawing/2014/main" id="{BD24977B-749D-3742-A683-A87223E3CA10}"/>
+              </a:ext>
+            </a:extLst>
+          </p:cNvPr>
+          <p:cNvCxnSpPr>
+            <a:cxnSpLocks/>
+            <a:stCxn id="6" idx="2"/>
+            <a:endCxn id="7" idx="0"/>
+          </p:cNvCxnSpPr>
+          <p:nvPr/>
+        </p:nvCxnSpPr>
+        <p:spPr>
+          <a:xfrm>
+            <a:off x="6847278" y="2709887"/>
+            <a:ext cx="0" cy="338955"/>
+          </a:xfrm>
+          <a:prstGeom prst="straightConnector1">
+            <a:avLst/>
+          </a:prstGeom>
+          <a:ln w="44450">
+            <a:solidFill>
+              <a:schemeClr val="accent6"/>
+            </a:solidFill>
+            <a:prstDash val="sysDash"/>
+            <a:tailEnd type="triangle"/>
+          </a:ln>
+        </p:spPr>
+        <p:style>
+          <a:lnRef idx="1">
+            <a:schemeClr val="dk1"/>
+          </a:lnRef>
+          <a:fillRef idx="0">
+            <a:schemeClr val="dk1"/>
+          </a:fillRef>
+          <a:effectRef idx="0">
+            <a:schemeClr val="dk1"/>
+          </a:effectRef>
+          <a:fontRef idx="minor">
+            <a:schemeClr val="tx1"/>
+          </a:fontRef>
+        </p:style>
+      </p:cxnSp>
+      <p:cxnSp>
+        <p:nvCxnSpPr>
+          <p:cNvPr id="54" name="直接箭头连接符 10">
+            <a:extLst>
+              <a:ext uri="{FF2B5EF4-FFF2-40B4-BE49-F238E27FC236}">
+                <a16:creationId xmlns:a16="http://schemas.microsoft.com/office/drawing/2014/main" id="{4882E41D-F460-6442-B820-1E57FC745A83}"/>
+              </a:ext>
+            </a:extLst>
+          </p:cNvPr>
+          <p:cNvCxnSpPr>
+            <a:cxnSpLocks/>
+            <a:stCxn id="4" idx="3"/>
+            <a:endCxn id="7" idx="0"/>
+          </p:cNvCxnSpPr>
+          <p:nvPr/>
+        </p:nvCxnSpPr>
+        <p:spPr>
+          <a:xfrm flipH="1">
+            <a:off x="6847278" y="1242584"/>
+            <a:ext cx="1153273" cy="1806258"/>
+          </a:xfrm>
+          <a:prstGeom prst="straightConnector1">
+            <a:avLst/>
+          </a:prstGeom>
+          <a:ln w="44450">
+            <a:solidFill>
+              <a:schemeClr val="accent2"/>
+            </a:solidFill>
+            <a:tailEnd type="triangle"/>
+          </a:ln>
+        </p:spPr>
+        <p:style>
+          <a:lnRef idx="1">
+            <a:schemeClr val="dk1"/>
+          </a:lnRef>
+          <a:fillRef idx="0">
+            <a:schemeClr val="dk1"/>
+          </a:fillRef>
+          <a:effectRef idx="0">
+            <a:schemeClr val="dk1"/>
+          </a:effectRef>
+          <a:fontRef idx="minor">
+            <a:schemeClr val="tx1"/>
+          </a:fontRef>
+        </p:style>
+      </p:cxnSp>
+      <p:cxnSp>
+        <p:nvCxnSpPr>
+          <p:cNvPr id="62" name="直接箭头连接符 36">
+            <a:extLst>
+              <a:ext uri="{FF2B5EF4-FFF2-40B4-BE49-F238E27FC236}">
+                <a16:creationId xmlns:a16="http://schemas.microsoft.com/office/drawing/2014/main" id="{A97FDCFA-7534-3748-9C24-7DBD9C9ACAB2}"/>
+              </a:ext>
+            </a:extLst>
+          </p:cNvPr>
+          <p:cNvCxnSpPr>
+            <a:cxnSpLocks/>
+            <a:stCxn id="6" idx="1"/>
+            <a:endCxn id="8" idx="0"/>
+          </p:cNvCxnSpPr>
+          <p:nvPr/>
+        </p:nvCxnSpPr>
+        <p:spPr>
+          <a:xfrm>
+            <a:off x="6508188" y="2515577"/>
+            <a:ext cx="339090" cy="1263800"/>
+          </a:xfrm>
+          <a:prstGeom prst="straightConnector1">
+            <a:avLst/>
+          </a:prstGeom>
+          <a:ln w="44450">
+            <a:solidFill>
+              <a:schemeClr val="accent1"/>
+            </a:solidFill>
+            <a:prstDash val="sysDot"/>
+            <a:tailEnd type="triangle"/>
+          </a:ln>
+        </p:spPr>
+        <p:style>
+          <a:lnRef idx="1">
+            <a:schemeClr val="dk1"/>
+          </a:lnRef>
+          <a:fillRef idx="0">
+            <a:schemeClr val="dk1"/>
+          </a:fillRef>
+          <a:effectRef idx="0">
+            <a:schemeClr val="dk1"/>
+          </a:effectRef>
+          <a:fontRef idx="minor">
+            <a:schemeClr val="tx1"/>
+          </a:fontRef>
+        </p:style>
+      </p:cxnSp>
+      <p:cxnSp>
+        <p:nvCxnSpPr>
+          <p:cNvPr id="75" name="直接箭头连接符 12">
+            <a:extLst>
+              <a:ext uri="{FF2B5EF4-FFF2-40B4-BE49-F238E27FC236}">
+                <a16:creationId xmlns:a16="http://schemas.microsoft.com/office/drawing/2014/main" id="{40FD68C5-E6A6-9842-A2E2-D1A3E0ED64A4}"/>
+              </a:ext>
+            </a:extLst>
+          </p:cNvPr>
+          <p:cNvCxnSpPr>
+            <a:cxnSpLocks/>
+            <a:stCxn id="7" idx="2"/>
+            <a:endCxn id="8" idx="0"/>
+          </p:cNvCxnSpPr>
+          <p:nvPr/>
+        </p:nvCxnSpPr>
+        <p:spPr>
+          <a:xfrm>
+            <a:off x="6847278" y="3437462"/>
+            <a:ext cx="0" cy="341915"/>
+          </a:xfrm>
+          <a:prstGeom prst="straightConnector1">
+            <a:avLst/>
+          </a:prstGeom>
+          <a:ln w="44450">
+            <a:solidFill>
+              <a:schemeClr val="accent6"/>
+            </a:solidFill>
+            <a:prstDash val="sysDash"/>
+            <a:tailEnd type="triangle"/>
+          </a:ln>
+        </p:spPr>
+        <p:style>
+          <a:lnRef idx="1">
+            <a:schemeClr val="dk1"/>
+          </a:lnRef>
+          <a:fillRef idx="0">
+            <a:schemeClr val="dk1"/>
+          </a:fillRef>
+          <a:effectRef idx="0">
+            <a:schemeClr val="dk1"/>
+          </a:effectRef>
+          <a:fontRef idx="minor">
+            <a:schemeClr val="tx1"/>
+          </a:fontRef>
+        </p:style>
+      </p:cxnSp>
     </p:spTree>
     <p:extLst>
       <p:ext uri="{BB962C8B-B14F-4D97-AF65-F5344CB8AC3E}">
-        <p14:creationId xmlns:p14="http://schemas.microsoft.com/office/powerpoint/2010/main" val="2740857928"/>
+        <p14:creationId xmlns:p14="http://schemas.microsoft.com/office/powerpoint/2010/main" val="3689725083"/>
       </p:ext>
     </p:extLst>
   </p:cSld>
@@ -21148,7 +22301,7 @@
           <p:cNvPr id="4" name="标题 1">
             <a:extLst>
               <a:ext uri="{FF2B5EF4-FFF2-40B4-BE49-F238E27FC236}">
-                <a16:creationId xmlns:a16="http://schemas.microsoft.com/office/drawing/2014/main" id="{F741896C-AF7B-49B6-A35A-62086F7FE141}"/>
+                <a16:creationId xmlns:a16="http://schemas.microsoft.com/office/drawing/2014/main" id="{D5DEED4E-8A35-4F89-AC2B-45D3FCE01389}"/>
               </a:ext>
             </a:extLst>
           </p:cNvPr>
@@ -21161,6 +22314,79 @@
         </p:nvSpPr>
         <p:spPr>
           <a:xfrm>
+            <a:off x="838200" y="2766218"/>
+            <a:ext cx="10515600" cy="1325563"/>
+          </a:xfrm>
+        </p:spPr>
+        <p:txBody>
+          <a:bodyPr>
+            <a:normAutofit/>
+          </a:bodyPr>
+          <a:lstStyle/>
+          <a:p>
+            <a:pPr algn="ctr"/>
+            <a:r>
+              <a:rPr lang="en-US" altLang="zh-CN" sz="5000" dirty="0">
+                <a:latin typeface="Arial" panose="020B0604020202020204" pitchFamily="34" charset="0"/>
+                <a:cs typeface="Arial" panose="020B0604020202020204" pitchFamily="34" charset="0"/>
+              </a:rPr>
+              <a:t>Future Work</a:t>
+            </a:r>
+            <a:endParaRPr lang="zh-CN" altLang="en-US" sz="5000" dirty="0">
+              <a:latin typeface="Arial" panose="020B0604020202020204" pitchFamily="34" charset="0"/>
+              <a:cs typeface="Arial" panose="020B0604020202020204" pitchFamily="34" charset="0"/>
+            </a:endParaRPr>
+          </a:p>
+        </p:txBody>
+      </p:sp>
+    </p:spTree>
+    <p:extLst>
+      <p:ext uri="{BB962C8B-B14F-4D97-AF65-F5344CB8AC3E}">
+        <p14:creationId xmlns:p14="http://schemas.microsoft.com/office/powerpoint/2010/main" val="2740857928"/>
+      </p:ext>
+    </p:extLst>
+  </p:cSld>
+  <p:clrMapOvr>
+    <a:masterClrMapping/>
+  </p:clrMapOvr>
+</p:sld>
+</file>
+
+<file path=ppt/slides/slide34.xml><?xml version="1.0" encoding="utf-8"?>
+<p:sld xmlns:a="http://schemas.openxmlformats.org/drawingml/2006/main" xmlns:r="http://schemas.openxmlformats.org/officeDocument/2006/relationships" xmlns:p="http://schemas.openxmlformats.org/presentationml/2006/main">
+  <p:cSld>
+    <p:spTree>
+      <p:nvGrpSpPr>
+        <p:cNvPr id="1" name=""/>
+        <p:cNvGrpSpPr/>
+        <p:nvPr/>
+      </p:nvGrpSpPr>
+      <p:grpSpPr>
+        <a:xfrm>
+          <a:off x="0" y="0"/>
+          <a:ext cx="0" cy="0"/>
+          <a:chOff x="0" y="0"/>
+          <a:chExt cx="0" cy="0"/>
+        </a:xfrm>
+      </p:grpSpPr>
+      <p:sp>
+        <p:nvSpPr>
+          <p:cNvPr id="4" name="标题 1">
+            <a:extLst>
+              <a:ext uri="{FF2B5EF4-FFF2-40B4-BE49-F238E27FC236}">
+                <a16:creationId xmlns:a16="http://schemas.microsoft.com/office/drawing/2014/main" id="{F741896C-AF7B-49B6-A35A-62086F7FE141}"/>
+              </a:ext>
+            </a:extLst>
+          </p:cNvPr>
+          <p:cNvSpPr>
+            <a:spLocks noGrp="1"/>
+          </p:cNvSpPr>
+          <p:nvPr>
+            <p:ph type="title"/>
+          </p:nvPr>
+        </p:nvSpPr>
+        <p:spPr>
+          <a:xfrm>
             <a:off x="838200" y="365125"/>
             <a:ext cx="10515600" cy="1325563"/>
           </a:xfrm>
@@ -21195,7 +22421,7 @@
         </p:nvSpPr>
         <p:spPr>
           <a:xfrm>
-            <a:off x="931178" y="2457974"/>
+            <a:off x="941569" y="2036311"/>
             <a:ext cx="9009776" cy="2785378"/>
           </a:xfrm>
           <a:prstGeom prst="rect">
@@ -21218,6 +22444,276 @@
                 <a:cs typeface="Arial" panose="020B0604020202020204" pitchFamily="34" charset="0"/>
               </a:rPr>
               <a:t>Weight Sharing of Neural Networks</a:t>
+            </a:r>
+          </a:p>
+          <a:p>
+            <a:pPr marL="800100" lvl="1" indent="-342900">
+              <a:buFont typeface="Arial" panose="020B0604020202020204" pitchFamily="34" charset="0"/>
+              <a:buChar char="•"/>
+            </a:pPr>
+            <a:r>
+              <a:rPr lang="en-US" altLang="zh-CN" sz="2500" dirty="0">
+                <a:latin typeface="Arial" panose="020B0604020202020204" pitchFamily="34" charset="0"/>
+                <a:cs typeface="Arial" panose="020B0604020202020204" pitchFamily="34" charset="0"/>
+              </a:rPr>
+              <a:t>Save</a:t>
+            </a:r>
+            <a:r>
+              <a:rPr lang="zh-CN" altLang="en-US" sz="2500" dirty="0">
+                <a:latin typeface="Arial" panose="020B0604020202020204" pitchFamily="34" charset="0"/>
+                <a:cs typeface="Arial" panose="020B0604020202020204" pitchFamily="34" charset="0"/>
+              </a:rPr>
+              <a:t> </a:t>
+            </a:r>
+            <a:r>
+              <a:rPr lang="en-US" altLang="zh-CN" sz="2500" dirty="0">
+                <a:latin typeface="Arial" panose="020B0604020202020204" pitchFamily="34" charset="0"/>
+                <a:cs typeface="Arial" panose="020B0604020202020204" pitchFamily="34" charset="0"/>
+              </a:rPr>
+              <a:t>training</a:t>
+            </a:r>
+            <a:r>
+              <a:rPr lang="zh-CN" altLang="en-US" sz="2500" dirty="0">
+                <a:latin typeface="Arial" panose="020B0604020202020204" pitchFamily="34" charset="0"/>
+                <a:cs typeface="Arial" panose="020B0604020202020204" pitchFamily="34" charset="0"/>
+              </a:rPr>
+              <a:t> </a:t>
+            </a:r>
+            <a:r>
+              <a:rPr lang="en-US" altLang="zh-CN" sz="2500" dirty="0">
+                <a:latin typeface="Arial" panose="020B0604020202020204" pitchFamily="34" charset="0"/>
+                <a:cs typeface="Arial" panose="020B0604020202020204" pitchFamily="34" charset="0"/>
+              </a:rPr>
+              <a:t>time</a:t>
+            </a:r>
+            <a:r>
+              <a:rPr lang="zh-CN" altLang="en-US" sz="2500" dirty="0">
+                <a:latin typeface="Arial" panose="020B0604020202020204" pitchFamily="34" charset="0"/>
+                <a:cs typeface="Arial" panose="020B0604020202020204" pitchFamily="34" charset="0"/>
+              </a:rPr>
+              <a:t> </a:t>
+            </a:r>
+            <a:endParaRPr lang="en-US" altLang="zh-CN" sz="2500" dirty="0">
+              <a:latin typeface="Arial" panose="020B0604020202020204" pitchFamily="34" charset="0"/>
+              <a:cs typeface="Arial" panose="020B0604020202020204" pitchFamily="34" charset="0"/>
+            </a:endParaRPr>
+          </a:p>
+          <a:p>
+            <a:pPr marL="342900" indent="-342900">
+              <a:buAutoNum type="arabicPeriod"/>
+            </a:pPr>
+            <a:r>
+              <a:rPr lang="en-US" altLang="zh-CN" sz="2500" dirty="0">
+                <a:latin typeface="Arial" panose="020B0604020202020204" pitchFamily="34" charset="0"/>
+                <a:cs typeface="Arial" panose="020B0604020202020204" pitchFamily="34" charset="0"/>
+              </a:rPr>
+              <a:t>Heuristic Mutation Operation</a:t>
+            </a:r>
+          </a:p>
+          <a:p>
+            <a:pPr marL="800100" lvl="1" indent="-342900">
+              <a:buFont typeface="Arial" panose="020B0604020202020204" pitchFamily="34" charset="0"/>
+              <a:buChar char="•"/>
+            </a:pPr>
+            <a:r>
+              <a:rPr lang="en-US" altLang="zh-CN" sz="2500" dirty="0">
+                <a:latin typeface="Arial" panose="020B0604020202020204" pitchFamily="34" charset="0"/>
+                <a:cs typeface="Arial" panose="020B0604020202020204" pitchFamily="34" charset="0"/>
+              </a:rPr>
+              <a:t>Try</a:t>
+            </a:r>
+            <a:r>
+              <a:rPr lang="zh-CN" altLang="en-US" sz="2500" dirty="0">
+                <a:latin typeface="Arial" panose="020B0604020202020204" pitchFamily="34" charset="0"/>
+                <a:cs typeface="Arial" panose="020B0604020202020204" pitchFamily="34" charset="0"/>
+              </a:rPr>
+              <a:t> </a:t>
+            </a:r>
+            <a:r>
+              <a:rPr lang="en-US" altLang="zh-CN" sz="2500" dirty="0">
+                <a:latin typeface="Arial" panose="020B0604020202020204" pitchFamily="34" charset="0"/>
+                <a:cs typeface="Arial" panose="020B0604020202020204" pitchFamily="34" charset="0"/>
+              </a:rPr>
+              <a:t>to</a:t>
+            </a:r>
+            <a:r>
+              <a:rPr lang="zh-CN" altLang="en-US" sz="2500" dirty="0">
+                <a:latin typeface="Arial" panose="020B0604020202020204" pitchFamily="34" charset="0"/>
+                <a:cs typeface="Arial" panose="020B0604020202020204" pitchFamily="34" charset="0"/>
+              </a:rPr>
+              <a:t> </a:t>
+            </a:r>
+            <a:r>
+              <a:rPr lang="en-US" altLang="zh-CN" sz="2500" dirty="0">
+                <a:latin typeface="Arial" panose="020B0604020202020204" pitchFamily="34" charset="0"/>
+                <a:cs typeface="Arial" panose="020B0604020202020204" pitchFamily="34" charset="0"/>
+              </a:rPr>
+              <a:t>mutate</a:t>
+            </a:r>
+            <a:r>
+              <a:rPr lang="zh-CN" altLang="en-US" sz="2500" dirty="0">
+                <a:latin typeface="Arial" panose="020B0604020202020204" pitchFamily="34" charset="0"/>
+                <a:cs typeface="Arial" panose="020B0604020202020204" pitchFamily="34" charset="0"/>
+              </a:rPr>
+              <a:t> </a:t>
+            </a:r>
+            <a:r>
+              <a:rPr lang="en-US" altLang="zh-CN" sz="2500" dirty="0">
+                <a:latin typeface="Arial" panose="020B0604020202020204" pitchFamily="34" charset="0"/>
+                <a:cs typeface="Arial" panose="020B0604020202020204" pitchFamily="34" charset="0"/>
+              </a:rPr>
+              <a:t>based</a:t>
+            </a:r>
+            <a:r>
+              <a:rPr lang="zh-CN" altLang="en-US" sz="2500" dirty="0">
+                <a:latin typeface="Arial" panose="020B0604020202020204" pitchFamily="34" charset="0"/>
+                <a:cs typeface="Arial" panose="020B0604020202020204" pitchFamily="34" charset="0"/>
+              </a:rPr>
+              <a:t> </a:t>
+            </a:r>
+            <a:r>
+              <a:rPr lang="en-US" altLang="zh-CN" sz="2500" dirty="0">
+                <a:latin typeface="Arial" panose="020B0604020202020204" pitchFamily="34" charset="0"/>
+                <a:cs typeface="Arial" panose="020B0604020202020204" pitchFamily="34" charset="0"/>
+              </a:rPr>
+              <a:t>on</a:t>
+            </a:r>
+            <a:r>
+              <a:rPr lang="zh-CN" altLang="en-US" sz="2500" dirty="0">
+                <a:latin typeface="Arial" panose="020B0604020202020204" pitchFamily="34" charset="0"/>
+                <a:cs typeface="Arial" panose="020B0604020202020204" pitchFamily="34" charset="0"/>
+              </a:rPr>
+              <a:t> </a:t>
+            </a:r>
+            <a:r>
+              <a:rPr lang="en-US" altLang="zh-CN" sz="2500" dirty="0">
+                <a:latin typeface="Arial" panose="020B0604020202020204" pitchFamily="34" charset="0"/>
+                <a:cs typeface="Arial" panose="020B0604020202020204" pitchFamily="34" charset="0"/>
+              </a:rPr>
+              <a:t>architectural</a:t>
+            </a:r>
+            <a:r>
+              <a:rPr lang="zh-CN" altLang="en-US" sz="2500" dirty="0">
+                <a:latin typeface="Arial" panose="020B0604020202020204" pitchFamily="34" charset="0"/>
+                <a:cs typeface="Arial" panose="020B0604020202020204" pitchFamily="34" charset="0"/>
+              </a:rPr>
+              <a:t> </a:t>
+            </a:r>
+            <a:r>
+              <a:rPr lang="en-US" altLang="zh-CN" sz="2500" dirty="0">
+                <a:latin typeface="Arial" panose="020B0604020202020204" pitchFamily="34" charset="0"/>
+                <a:cs typeface="Arial" panose="020B0604020202020204" pitchFamily="34" charset="0"/>
+              </a:rPr>
+              <a:t>knowledge</a:t>
+            </a:r>
+          </a:p>
+          <a:p>
+            <a:pPr marL="342900" indent="-342900">
+              <a:buAutoNum type="arabicPeriod"/>
+            </a:pPr>
+            <a:r>
+              <a:rPr lang="en-US" altLang="zh-CN" sz="2500" dirty="0">
+                <a:latin typeface="Arial" panose="020B0604020202020204" pitchFamily="34" charset="0"/>
+                <a:cs typeface="Arial" panose="020B0604020202020204" pitchFamily="34" charset="0"/>
+              </a:rPr>
+              <a:t>More Efficient Performance Estimation</a:t>
+            </a:r>
+          </a:p>
+          <a:p>
+            <a:pPr marL="800100" lvl="1" indent="-342900">
+              <a:buFont typeface="Arial" panose="020B0604020202020204" pitchFamily="34" charset="0"/>
+              <a:buChar char="•"/>
+            </a:pPr>
+            <a:r>
+              <a:rPr lang="en-US" altLang="zh-CN" sz="2500" dirty="0">
+                <a:latin typeface="Arial" panose="020B0604020202020204" pitchFamily="34" charset="0"/>
+                <a:cs typeface="Arial" panose="020B0604020202020204" pitchFamily="34" charset="0"/>
+              </a:rPr>
+              <a:t>Learn</a:t>
+            </a:r>
+            <a:r>
+              <a:rPr lang="zh-CN" altLang="en-US" sz="2500" dirty="0">
+                <a:latin typeface="Arial" panose="020B0604020202020204" pitchFamily="34" charset="0"/>
+                <a:cs typeface="Arial" panose="020B0604020202020204" pitchFamily="34" charset="0"/>
+              </a:rPr>
+              <a:t> </a:t>
+            </a:r>
+            <a:r>
+              <a:rPr lang="en-US" altLang="zh-CN" sz="2500" dirty="0">
+                <a:latin typeface="Arial" panose="020B0604020202020204" pitchFamily="34" charset="0"/>
+                <a:cs typeface="Arial" panose="020B0604020202020204" pitchFamily="34" charset="0"/>
+              </a:rPr>
+              <a:t>how</a:t>
+            </a:r>
+            <a:r>
+              <a:rPr lang="zh-CN" altLang="en-US" sz="2500" dirty="0">
+                <a:latin typeface="Arial" panose="020B0604020202020204" pitchFamily="34" charset="0"/>
+                <a:cs typeface="Arial" panose="020B0604020202020204" pitchFamily="34" charset="0"/>
+              </a:rPr>
+              <a:t> </a:t>
+            </a:r>
+            <a:r>
+              <a:rPr lang="en-US" altLang="zh-CN" sz="2500" dirty="0">
+                <a:latin typeface="Arial" panose="020B0604020202020204" pitchFamily="34" charset="0"/>
+                <a:cs typeface="Arial" panose="020B0604020202020204" pitchFamily="34" charset="0"/>
+              </a:rPr>
+              <a:t>to</a:t>
+            </a:r>
+            <a:r>
+              <a:rPr lang="zh-CN" altLang="en-US" sz="2500" dirty="0">
+                <a:latin typeface="Arial" panose="020B0604020202020204" pitchFamily="34" charset="0"/>
+                <a:cs typeface="Arial" panose="020B0604020202020204" pitchFamily="34" charset="0"/>
+              </a:rPr>
+              <a:t> </a:t>
+            </a:r>
+            <a:r>
+              <a:rPr lang="en-US" altLang="zh-CN" sz="2500" dirty="0">
+                <a:latin typeface="Arial" panose="020B0604020202020204" pitchFamily="34" charset="0"/>
+                <a:cs typeface="Arial" panose="020B0604020202020204" pitchFamily="34" charset="0"/>
+              </a:rPr>
+              <a:t>decide</a:t>
+            </a:r>
+            <a:r>
+              <a:rPr lang="zh-CN" altLang="en-US" sz="2500" dirty="0">
+                <a:latin typeface="Arial" panose="020B0604020202020204" pitchFamily="34" charset="0"/>
+                <a:cs typeface="Arial" panose="020B0604020202020204" pitchFamily="34" charset="0"/>
+              </a:rPr>
+              <a:t> </a:t>
+            </a:r>
+            <a:r>
+              <a:rPr lang="en-US" altLang="zh-CN" sz="2500" dirty="0">
+                <a:latin typeface="Arial" panose="020B0604020202020204" pitchFamily="34" charset="0"/>
+                <a:cs typeface="Arial" panose="020B0604020202020204" pitchFamily="34" charset="0"/>
+              </a:rPr>
+              <a:t>a</a:t>
+            </a:r>
+            <a:r>
+              <a:rPr lang="zh-CN" altLang="en-US" sz="2500" dirty="0">
+                <a:latin typeface="Arial" panose="020B0604020202020204" pitchFamily="34" charset="0"/>
+                <a:cs typeface="Arial" panose="020B0604020202020204" pitchFamily="34" charset="0"/>
+              </a:rPr>
+              <a:t> </a:t>
+            </a:r>
+            <a:r>
+              <a:rPr lang="en-US" altLang="zh-CN" sz="2500" dirty="0">
+                <a:latin typeface="Arial" panose="020B0604020202020204" pitchFamily="34" charset="0"/>
+                <a:cs typeface="Arial" panose="020B0604020202020204" pitchFamily="34" charset="0"/>
+              </a:rPr>
+              <a:t>early</a:t>
+            </a:r>
+            <a:r>
+              <a:rPr lang="zh-CN" altLang="en-US" sz="2500" dirty="0">
+                <a:latin typeface="Arial" panose="020B0604020202020204" pitchFamily="34" charset="0"/>
+                <a:cs typeface="Arial" panose="020B0604020202020204" pitchFamily="34" charset="0"/>
+              </a:rPr>
+              <a:t> </a:t>
+            </a:r>
+            <a:r>
+              <a:rPr lang="en-US" altLang="zh-CN" sz="2500" dirty="0">
+                <a:latin typeface="Arial" panose="020B0604020202020204" pitchFamily="34" charset="0"/>
+                <a:cs typeface="Arial" panose="020B0604020202020204" pitchFamily="34" charset="0"/>
+              </a:rPr>
+              <a:t>stop.</a:t>
             </a:r>
           </a:p>
           <a:p>
@@ -21229,70 +22725,99 @@
               <a:cs typeface="Arial" panose="020B0604020202020204" pitchFamily="34" charset="0"/>
             </a:endParaRPr>
           </a:p>
-          <a:p>
-            <a:pPr marL="342900" indent="-342900">
-              <a:buAutoNum type="arabicPeriod"/>
-            </a:pPr>
-            <a:r>
-              <a:rPr lang="en-US" altLang="zh-CN" sz="2500" dirty="0">
-                <a:latin typeface="Arial" panose="020B0604020202020204" pitchFamily="34" charset="0"/>
-                <a:cs typeface="Arial" panose="020B0604020202020204" pitchFamily="34" charset="0"/>
-              </a:rPr>
-              <a:t>Heuristic Mutation Operation</a:t>
-            </a:r>
-          </a:p>
-          <a:p>
-            <a:pPr marL="342900" indent="-342900">
-              <a:buAutoNum type="arabicPeriod"/>
-            </a:pPr>
-            <a:endParaRPr lang="en-US" altLang="zh-CN" sz="2500" dirty="0">
-              <a:latin typeface="Arial" panose="020B0604020202020204" pitchFamily="34" charset="0"/>
-              <a:cs typeface="Arial" panose="020B0604020202020204" pitchFamily="34" charset="0"/>
-            </a:endParaRPr>
-          </a:p>
-          <a:p>
-            <a:pPr marL="342900" indent="-342900">
-              <a:buAutoNum type="arabicPeriod"/>
-            </a:pPr>
-            <a:r>
-              <a:rPr lang="en-US" altLang="zh-CN" sz="2500" dirty="0">
-                <a:latin typeface="Arial" panose="020B0604020202020204" pitchFamily="34" charset="0"/>
-                <a:cs typeface="Arial" panose="020B0604020202020204" pitchFamily="34" charset="0"/>
-              </a:rPr>
-              <a:t>More Efficient Performance Estimation</a:t>
-            </a:r>
-          </a:p>
-          <a:p>
-            <a:pPr marL="342900" indent="-342900">
-              <a:buAutoNum type="arabicPeriod"/>
-            </a:pPr>
-            <a:endParaRPr lang="en-US" altLang="zh-CN" sz="2500" dirty="0">
-              <a:latin typeface="Arial" panose="020B0604020202020204" pitchFamily="34" charset="0"/>
-              <a:cs typeface="Arial" panose="020B0604020202020204" pitchFamily="34" charset="0"/>
-            </a:endParaRPr>
-          </a:p>
-          <a:p>
-            <a:pPr marL="342900" indent="-342900">
-              <a:buAutoNum type="arabicPeriod"/>
-            </a:pPr>
-            <a:r>
-              <a:rPr lang="en-US" altLang="zh-CN" sz="2500" dirty="0">
-                <a:latin typeface="Arial" panose="020B0604020202020204" pitchFamily="34" charset="0"/>
-                <a:cs typeface="Arial" panose="020B0604020202020204" pitchFamily="34" charset="0"/>
-              </a:rPr>
-              <a:t>Find Proper Size of a Cell</a:t>
-            </a:r>
-            <a:endParaRPr lang="zh-CN" altLang="en-US" sz="2500" dirty="0">
-              <a:latin typeface="Arial" panose="020B0604020202020204" pitchFamily="34" charset="0"/>
-              <a:cs typeface="Arial" panose="020B0604020202020204" pitchFamily="34" charset="0"/>
-            </a:endParaRPr>
-          </a:p>
         </p:txBody>
       </p:sp>
     </p:spTree>
     <p:extLst>
       <p:ext uri="{BB962C8B-B14F-4D97-AF65-F5344CB8AC3E}">
         <p14:creationId xmlns:p14="http://schemas.microsoft.com/office/powerpoint/2010/main" val="3516523388"/>
+      </p:ext>
+    </p:extLst>
+  </p:cSld>
+  <p:clrMapOvr>
+    <a:masterClrMapping/>
+  </p:clrMapOvr>
+</p:sld>
+</file>
+
+<file path=ppt/slides/slide35.xml><?xml version="1.0" encoding="utf-8"?>
+<p:sld xmlns:a="http://schemas.openxmlformats.org/drawingml/2006/main" xmlns:r="http://schemas.openxmlformats.org/officeDocument/2006/relationships" xmlns:p="http://schemas.openxmlformats.org/presentationml/2006/main">
+  <p:cSld>
+    <p:spTree>
+      <p:nvGrpSpPr>
+        <p:cNvPr id="1" name=""/>
+        <p:cNvGrpSpPr/>
+        <p:nvPr/>
+      </p:nvGrpSpPr>
+      <p:grpSpPr>
+        <a:xfrm>
+          <a:off x="0" y="0"/>
+          <a:ext cx="0" cy="0"/>
+          <a:chOff x="0" y="0"/>
+          <a:chExt cx="0" cy="0"/>
+        </a:xfrm>
+      </p:grpSpPr>
+      <p:sp>
+        <p:nvSpPr>
+          <p:cNvPr id="4" name="标题 1">
+            <a:extLst>
+              <a:ext uri="{FF2B5EF4-FFF2-40B4-BE49-F238E27FC236}">
+                <a16:creationId xmlns:a16="http://schemas.microsoft.com/office/drawing/2014/main" id="{D5DEED4E-8A35-4F89-AC2B-45D3FCE01389}"/>
+              </a:ext>
+            </a:extLst>
+          </p:cNvPr>
+          <p:cNvSpPr>
+            <a:spLocks noGrp="1"/>
+          </p:cNvSpPr>
+          <p:nvPr>
+            <p:ph type="title"/>
+          </p:nvPr>
+        </p:nvSpPr>
+        <p:spPr>
+          <a:xfrm>
+            <a:off x="838200" y="2766218"/>
+            <a:ext cx="10515600" cy="1325563"/>
+          </a:xfrm>
+        </p:spPr>
+        <p:txBody>
+          <a:bodyPr>
+            <a:normAutofit/>
+          </a:bodyPr>
+          <a:lstStyle/>
+          <a:p>
+            <a:pPr algn="ctr"/>
+            <a:r>
+              <a:rPr lang="en-US" altLang="zh-CN" sz="5000" dirty="0">
+                <a:latin typeface="Arial" panose="020B0604020202020204" pitchFamily="34" charset="0"/>
+                <a:cs typeface="Arial" panose="020B0604020202020204" pitchFamily="34" charset="0"/>
+              </a:rPr>
+              <a:t>Thank</a:t>
+            </a:r>
+            <a:r>
+              <a:rPr lang="zh-CN" altLang="en-US" sz="5000" dirty="0">
+                <a:latin typeface="Arial" panose="020B0604020202020204" pitchFamily="34" charset="0"/>
+                <a:cs typeface="Arial" panose="020B0604020202020204" pitchFamily="34" charset="0"/>
+              </a:rPr>
+              <a:t> </a:t>
+            </a:r>
+            <a:r>
+              <a:rPr lang="en-US" altLang="zh-CN" sz="5000" dirty="0">
+                <a:latin typeface="Arial" panose="020B0604020202020204" pitchFamily="34" charset="0"/>
+                <a:cs typeface="Arial" panose="020B0604020202020204" pitchFamily="34" charset="0"/>
+              </a:rPr>
+              <a:t>you!</a:t>
+            </a:r>
+            <a:endParaRPr lang="zh-CN" altLang="en-US" sz="5000" dirty="0">
+              <a:latin typeface="Arial" panose="020B0604020202020204" pitchFamily="34" charset="0"/>
+              <a:cs typeface="Arial" panose="020B0604020202020204" pitchFamily="34" charset="0"/>
+            </a:endParaRPr>
+          </a:p>
+        </p:txBody>
+      </p:sp>
+    </p:spTree>
+    <p:extLst>
+      <p:ext uri="{BB962C8B-B14F-4D97-AF65-F5344CB8AC3E}">
+        <p14:creationId xmlns:p14="http://schemas.microsoft.com/office/powerpoint/2010/main" val="4104378164"/>
       </p:ext>
     </p:extLst>
   </p:cSld>
@@ -21481,10 +23006,10 @@
         </p:nvGrpSpPr>
         <p:grpSpPr>
           <a:xfrm>
-            <a:off x="2051381" y="2000578"/>
-            <a:ext cx="8042742" cy="1700578"/>
+            <a:off x="2051382" y="2000578"/>
+            <a:ext cx="8042744" cy="1700577"/>
             <a:chOff x="2051381" y="2000578"/>
-            <a:chExt cx="8042742" cy="1700578"/>
+            <a:chExt cx="8042744" cy="1700577"/>
           </a:xfrm>
         </p:grpSpPr>
         <p:sp>
@@ -21501,7 +23026,7 @@
           </p:nvSpPr>
           <p:spPr>
             <a:xfrm rot="5400000">
-              <a:off x="3503158" y="2657798"/>
+              <a:off x="3503159" y="2657796"/>
               <a:ext cx="1672494" cy="375139"/>
             </a:xfrm>
             <a:prstGeom prst="rect">
@@ -21562,7 +23087,7 @@
           </p:nvSpPr>
           <p:spPr>
             <a:xfrm rot="5400000">
-              <a:off x="4201795" y="2657798"/>
+              <a:off x="4201796" y="2657796"/>
               <a:ext cx="1672494" cy="375139"/>
             </a:xfrm>
             <a:prstGeom prst="rect">
@@ -21623,7 +23148,7 @@
           </p:nvSpPr>
           <p:spPr>
             <a:xfrm rot="5400000">
-              <a:off x="2804521" y="2657798"/>
+              <a:off x="2804521" y="2657796"/>
               <a:ext cx="1672494" cy="375139"/>
             </a:xfrm>
             <a:prstGeom prst="rect">
@@ -21684,7 +23209,7 @@
           </p:nvSpPr>
           <p:spPr>
             <a:xfrm rot="5400000">
-              <a:off x="2109577" y="2657798"/>
+              <a:off x="2109577" y="2657796"/>
               <a:ext cx="1672494" cy="375139"/>
             </a:xfrm>
             <a:prstGeom prst="rect">
@@ -21745,7 +23270,7 @@
           </p:nvSpPr>
           <p:spPr>
             <a:xfrm rot="5400000">
-              <a:off x="4900432" y="2657798"/>
+              <a:off x="4900433" y="2657796"/>
               <a:ext cx="1672494" cy="375139"/>
             </a:xfrm>
             <a:prstGeom prst="rect">
@@ -21810,7 +23335,7 @@
           </p:nvCxnSpPr>
           <p:spPr>
             <a:xfrm rot="5400000" flipV="1">
-              <a:off x="3293296" y="2685465"/>
+              <a:off x="3293296" y="2685463"/>
               <a:ext cx="0" cy="319805"/>
             </a:xfrm>
             <a:prstGeom prst="straightConnector1">
@@ -21854,7 +23379,7 @@
           </p:nvCxnSpPr>
           <p:spPr>
             <a:xfrm rot="5400000" flipV="1">
-              <a:off x="3994837" y="2685465"/>
+              <a:off x="3994837" y="2685463"/>
               <a:ext cx="0" cy="319805"/>
             </a:xfrm>
             <a:prstGeom prst="straightConnector1">
@@ -21898,7 +23423,7 @@
           </p:nvCxnSpPr>
           <p:spPr>
             <a:xfrm rot="5400000" flipV="1">
-              <a:off x="4696378" y="2685465"/>
+              <a:off x="4696379" y="2685463"/>
               <a:ext cx="0" cy="319805"/>
             </a:xfrm>
             <a:prstGeom prst="straightConnector1">
@@ -21942,7 +23467,7 @@
           </p:nvCxnSpPr>
           <p:spPr>
             <a:xfrm rot="5400000" flipV="1">
-              <a:off x="5397919" y="2685465"/>
+              <a:off x="5397920" y="2685463"/>
               <a:ext cx="0" cy="319805"/>
             </a:xfrm>
             <a:prstGeom prst="straightConnector1">
@@ -21986,7 +23511,7 @@
           </p:nvCxnSpPr>
           <p:spPr>
             <a:xfrm rot="5400000" flipV="1">
-              <a:off x="6087055" y="2685465"/>
+              <a:off x="6087056" y="2685463"/>
               <a:ext cx="0" cy="319805"/>
             </a:xfrm>
             <a:prstGeom prst="straightConnector1">
@@ -22030,7 +23555,7 @@
           </p:nvCxnSpPr>
           <p:spPr>
             <a:xfrm rot="5400000" flipV="1">
-              <a:off x="2604159" y="2705005"/>
+              <a:off x="2604159" y="2705003"/>
               <a:ext cx="0" cy="319805"/>
             </a:xfrm>
             <a:prstGeom prst="straightConnector1">
@@ -22072,7 +23597,7 @@
           </p:nvSpPr>
           <p:spPr>
             <a:xfrm rot="5400000">
-              <a:off x="1402704" y="2677338"/>
+              <a:off x="1402704" y="2677336"/>
               <a:ext cx="1672494" cy="375139"/>
             </a:xfrm>
             <a:prstGeom prst="rect">
@@ -22133,7 +23658,7 @@
           </p:nvSpPr>
           <p:spPr>
             <a:xfrm rot="5400000">
-              <a:off x="7005360" y="2688329"/>
+              <a:off x="7005361" y="2688328"/>
               <a:ext cx="1672494" cy="353159"/>
             </a:xfrm>
             <a:prstGeom prst="rect">
@@ -22201,7 +23726,7 @@
           </p:nvSpPr>
           <p:spPr>
             <a:xfrm rot="5400000">
-              <a:off x="7697339" y="2688329"/>
+              <a:off x="7697340" y="2688328"/>
               <a:ext cx="1672494" cy="353159"/>
             </a:xfrm>
             <a:prstGeom prst="rect">
@@ -22269,7 +23794,7 @@
           </p:nvSpPr>
           <p:spPr>
             <a:xfrm rot="5400000">
-              <a:off x="8389318" y="2688329"/>
+              <a:off x="8389320" y="2688327"/>
               <a:ext cx="1672494" cy="353159"/>
             </a:xfrm>
             <a:prstGeom prst="rect">
@@ -22340,7 +23865,7 @@
           </p:nvCxnSpPr>
           <p:spPr>
             <a:xfrm rot="5400000" flipV="1">
-              <a:off x="8187596" y="2695498"/>
+              <a:off x="8187597" y="2695497"/>
               <a:ext cx="0" cy="338820"/>
             </a:xfrm>
             <a:prstGeom prst="straightConnector1">
@@ -22379,7 +23904,7 @@
           </p:nvSpPr>
           <p:spPr>
             <a:xfrm rot="5400000">
-              <a:off x="9081297" y="2688329"/>
+              <a:off x="9081299" y="2688327"/>
               <a:ext cx="1672494" cy="353159"/>
             </a:xfrm>
             <a:prstGeom prst="rect">
@@ -22447,7 +23972,7 @@
           </p:nvCxnSpPr>
           <p:spPr>
             <a:xfrm rot="5400000" flipV="1">
-              <a:off x="8879575" y="2695498"/>
+              <a:off x="8879576" y="2695497"/>
               <a:ext cx="0" cy="338820"/>
             </a:xfrm>
             <a:prstGeom prst="straightConnector1">
@@ -22486,7 +24011,7 @@
           </p:nvCxnSpPr>
           <p:spPr>
             <a:xfrm rot="5400000" flipV="1">
-              <a:off x="9571554" y="2695498"/>
+              <a:off x="9571555" y="2695497"/>
               <a:ext cx="0" cy="338820"/>
             </a:xfrm>
             <a:prstGeom prst="straightConnector1">
@@ -22525,7 +24050,7 @@
           </p:nvSpPr>
           <p:spPr>
             <a:xfrm rot="5400000">
-              <a:off x="5605224" y="2649255"/>
+              <a:off x="5605225" y="2649255"/>
               <a:ext cx="1672494" cy="375139"/>
             </a:xfrm>
             <a:prstGeom prst="rect">
@@ -22586,7 +24111,7 @@
           </p:nvSpPr>
           <p:spPr>
             <a:xfrm rot="5400000">
-              <a:off x="6303861" y="2649255"/>
+              <a:off x="6303862" y="2649255"/>
               <a:ext cx="1672494" cy="375139"/>
             </a:xfrm>
             <a:prstGeom prst="rect">
@@ -22649,7 +24174,7 @@
           </p:nvCxnSpPr>
           <p:spPr>
             <a:xfrm rot="5400000" flipV="1">
-              <a:off x="6801348" y="2676922"/>
+              <a:off x="6801349" y="2676922"/>
               <a:ext cx="0" cy="319805"/>
             </a:xfrm>
             <a:prstGeom prst="straightConnector1">
@@ -22693,7 +24218,7 @@
           </p:nvCxnSpPr>
           <p:spPr>
             <a:xfrm rot="5400000" flipV="1">
-              <a:off x="7490484" y="2676922"/>
+              <a:off x="7490484" y="2676923"/>
               <a:ext cx="0" cy="319805"/>
             </a:xfrm>
             <a:prstGeom prst="straightConnector1">
@@ -22791,6 +24316,66 @@
               <a:t>(512*1*1)</a:t>
             </a:r>
             <a:endParaRPr lang="en-US" dirty="0"/>
+          </a:p>
+        </p:txBody>
+      </p:sp>
+      <p:sp>
+        <p:nvSpPr>
+          <p:cNvPr id="7" name="文本框 6">
+            <a:extLst>
+              <a:ext uri="{FF2B5EF4-FFF2-40B4-BE49-F238E27FC236}">
+                <a16:creationId xmlns:a16="http://schemas.microsoft.com/office/drawing/2014/main" id="{B17ECF9B-11ED-4167-B434-FEBA9DD42714}"/>
+              </a:ext>
+            </a:extLst>
+          </p:cNvPr>
+          <p:cNvSpPr txBox="1"/>
+          <p:nvPr/>
+        </p:nvSpPr>
+        <p:spPr>
+          <a:xfrm>
+            <a:off x="2209800" y="5038725"/>
+            <a:ext cx="7531166" cy="1015663"/>
+          </a:xfrm>
+          <a:prstGeom prst="rect">
+            <a:avLst/>
+          </a:prstGeom>
+          <a:noFill/>
+        </p:spPr>
+        <p:txBody>
+          <a:bodyPr wrap="square" rtlCol="0">
+            <a:spAutoFit/>
+          </a:bodyPr>
+          <a:lstStyle/>
+          <a:p>
+            <a:r>
+              <a:rPr lang="en-US" altLang="zh-CN" sz="2400" b="1" dirty="0"/>
+              <a:t>Changes:</a:t>
+            </a:r>
+          </a:p>
+          <a:p>
+            <a:pPr marL="285750" indent="-285750">
+              <a:buFont typeface="Arial" panose="020B0604020202020204" pitchFamily="34" charset="0"/>
+              <a:buChar char="•"/>
+            </a:pPr>
+            <a:r>
+              <a:rPr lang="en-US" altLang="zh-CN" dirty="0"/>
+              <a:t>Cell stack depth: 2-&gt;1</a:t>
+            </a:r>
+          </a:p>
+          <a:p>
+            <a:pPr marL="285750" indent="-285750">
+              <a:buFont typeface="Arial" panose="020B0604020202020204" pitchFamily="34" charset="0"/>
+              <a:buChar char="•"/>
+            </a:pPr>
+            <a:r>
+              <a:rPr lang="en-US" altLang="zh-CN" dirty="0"/>
+              <a:t>Hidden state num: </a:t>
+            </a:r>
+            <a:r>
+              <a:rPr lang="en-US" altLang="zh-CN"/>
+              <a:t>5-&gt;4</a:t>
+            </a:r>
+            <a:endParaRPr lang="zh-CN" altLang="en-US" dirty="0"/>
           </a:p>
         </p:txBody>
       </p:sp>

--- a/pre/final/5.9_final_report.pptx
+++ b/pre/final/5.9_final_report.pptx
@@ -698,7 +698,7 @@
           <a:p>
             <a:fld id="{374AA61C-0803-42EE-A1CB-F4F439EA7E82}" type="datetimeFigureOut">
               <a:rPr lang="zh-CN" altLang="en-US" smtClean="0"/>
-              <a:t>2019/6/5</a:t>
+              <a:t>2019/6/13</a:t>
             </a:fld>
             <a:endParaRPr lang="zh-CN" altLang="en-US"/>
           </a:p>
@@ -1196,7 +1196,7 @@
           <a:p>
             <a:fld id="{B91AFA73-5BE2-4113-A064-7875BE42BFFF}" type="datetimeFigureOut">
               <a:rPr lang="zh-CN" altLang="en-US" smtClean="0"/>
-              <a:t>2019/6/5</a:t>
+              <a:t>2019/6/13</a:t>
             </a:fld>
             <a:endParaRPr lang="zh-CN" altLang="en-US"/>
           </a:p>
@@ -1394,7 +1394,7 @@
           <a:p>
             <a:fld id="{B91AFA73-5BE2-4113-A064-7875BE42BFFF}" type="datetimeFigureOut">
               <a:rPr lang="zh-CN" altLang="en-US" smtClean="0"/>
-              <a:t>2019/6/5</a:t>
+              <a:t>2019/6/13</a:t>
             </a:fld>
             <a:endParaRPr lang="zh-CN" altLang="en-US"/>
           </a:p>
@@ -1602,7 +1602,7 @@
           <a:p>
             <a:fld id="{B91AFA73-5BE2-4113-A064-7875BE42BFFF}" type="datetimeFigureOut">
               <a:rPr lang="zh-CN" altLang="en-US" smtClean="0"/>
-              <a:t>2019/6/5</a:t>
+              <a:t>2019/6/13</a:t>
             </a:fld>
             <a:endParaRPr lang="zh-CN" altLang="en-US"/>
           </a:p>
@@ -1800,7 +1800,7 @@
           <a:p>
             <a:fld id="{B91AFA73-5BE2-4113-A064-7875BE42BFFF}" type="datetimeFigureOut">
               <a:rPr lang="zh-CN" altLang="en-US" smtClean="0"/>
-              <a:t>2019/6/5</a:t>
+              <a:t>2019/6/13</a:t>
             </a:fld>
             <a:endParaRPr lang="zh-CN" altLang="en-US"/>
           </a:p>
@@ -2075,7 +2075,7 @@
           <a:p>
             <a:fld id="{B91AFA73-5BE2-4113-A064-7875BE42BFFF}" type="datetimeFigureOut">
               <a:rPr lang="zh-CN" altLang="en-US" smtClean="0"/>
-              <a:t>2019/6/5</a:t>
+              <a:t>2019/6/13</a:t>
             </a:fld>
             <a:endParaRPr lang="zh-CN" altLang="en-US"/>
           </a:p>
@@ -2340,7 +2340,7 @@
           <a:p>
             <a:fld id="{B91AFA73-5BE2-4113-A064-7875BE42BFFF}" type="datetimeFigureOut">
               <a:rPr lang="zh-CN" altLang="en-US" smtClean="0"/>
-              <a:t>2019/6/5</a:t>
+              <a:t>2019/6/13</a:t>
             </a:fld>
             <a:endParaRPr lang="zh-CN" altLang="en-US"/>
           </a:p>
@@ -2752,7 +2752,7 @@
           <a:p>
             <a:fld id="{B91AFA73-5BE2-4113-A064-7875BE42BFFF}" type="datetimeFigureOut">
               <a:rPr lang="zh-CN" altLang="en-US" smtClean="0"/>
-              <a:t>2019/6/5</a:t>
+              <a:t>2019/6/13</a:t>
             </a:fld>
             <a:endParaRPr lang="zh-CN" altLang="en-US"/>
           </a:p>
@@ -2893,7 +2893,7 @@
           <a:p>
             <a:fld id="{B91AFA73-5BE2-4113-A064-7875BE42BFFF}" type="datetimeFigureOut">
               <a:rPr lang="zh-CN" altLang="en-US" smtClean="0"/>
-              <a:t>2019/6/5</a:t>
+              <a:t>2019/6/13</a:t>
             </a:fld>
             <a:endParaRPr lang="zh-CN" altLang="en-US"/>
           </a:p>
@@ -3006,7 +3006,7 @@
           <a:p>
             <a:fld id="{B91AFA73-5BE2-4113-A064-7875BE42BFFF}" type="datetimeFigureOut">
               <a:rPr lang="zh-CN" altLang="en-US" smtClean="0"/>
-              <a:t>2019/6/5</a:t>
+              <a:t>2019/6/13</a:t>
             </a:fld>
             <a:endParaRPr lang="zh-CN" altLang="en-US"/>
           </a:p>
@@ -3317,7 +3317,7 @@
           <a:p>
             <a:fld id="{B91AFA73-5BE2-4113-A064-7875BE42BFFF}" type="datetimeFigureOut">
               <a:rPr lang="zh-CN" altLang="en-US" smtClean="0"/>
-              <a:t>2019/6/5</a:t>
+              <a:t>2019/6/13</a:t>
             </a:fld>
             <a:endParaRPr lang="zh-CN" altLang="en-US"/>
           </a:p>
@@ -3605,7 +3605,7 @@
           <a:p>
             <a:fld id="{B91AFA73-5BE2-4113-A064-7875BE42BFFF}" type="datetimeFigureOut">
               <a:rPr lang="zh-CN" altLang="en-US" smtClean="0"/>
-              <a:t>2019/6/5</a:t>
+              <a:t>2019/6/13</a:t>
             </a:fld>
             <a:endParaRPr lang="zh-CN" altLang="en-US"/>
           </a:p>
@@ -3846,7 +3846,7 @@
           <a:p>
             <a:fld id="{B91AFA73-5BE2-4113-A064-7875BE42BFFF}" type="datetimeFigureOut">
               <a:rPr lang="zh-CN" altLang="en-US" smtClean="0"/>
-              <a:t>2019/6/5</a:t>
+              <a:t>2019/6/13</a:t>
             </a:fld>
             <a:endParaRPr lang="zh-CN" altLang="en-US"/>
           </a:p>
@@ -21390,7 +21390,7 @@
         </p:nvSpPr>
         <p:spPr>
           <a:xfrm>
-            <a:off x="7322371" y="1048274"/>
+            <a:off x="7043140" y="1042492"/>
             <a:ext cx="678180" cy="388620"/>
           </a:xfrm>
           <a:prstGeom prst="rect">
@@ -21454,7 +21454,7 @@
         </p:nvSpPr>
         <p:spPr>
           <a:xfrm>
-            <a:off x="5830008" y="1048274"/>
+            <a:off x="5909653" y="1044908"/>
             <a:ext cx="678180" cy="388620"/>
           </a:xfrm>
           <a:prstGeom prst="rect">
@@ -21518,7 +21518,7 @@
         </p:nvSpPr>
         <p:spPr>
           <a:xfrm>
-            <a:off x="6508188" y="2321267"/>
+            <a:off x="5446508" y="2443197"/>
             <a:ext cx="678180" cy="388620"/>
           </a:xfrm>
           <a:prstGeom prst="rect">
@@ -21582,7 +21582,7 @@
         </p:nvSpPr>
         <p:spPr>
           <a:xfrm>
-            <a:off x="6508188" y="3048842"/>
+            <a:off x="7176258" y="3250977"/>
             <a:ext cx="678180" cy="388620"/>
           </a:xfrm>
           <a:prstGeom prst="rect">
@@ -21646,7 +21646,7 @@
         </p:nvSpPr>
         <p:spPr>
           <a:xfrm>
-            <a:off x="6508188" y="3779377"/>
+            <a:off x="5356275" y="4071848"/>
             <a:ext cx="678180" cy="388620"/>
           </a:xfrm>
           <a:prstGeom prst="rect">
@@ -21706,15 +21706,16 @@
             </a:extLst>
           </p:cNvPr>
           <p:cNvCxnSpPr>
-            <a:stCxn id="5" idx="2"/>
-            <a:endCxn id="6" idx="0"/>
+            <a:cxnSpLocks/>
+            <a:stCxn id="6" idx="2"/>
+            <a:endCxn id="7" idx="0"/>
           </p:cNvCxnSpPr>
           <p:nvPr/>
         </p:nvCxnSpPr>
         <p:spPr>
           <a:xfrm>
-            <a:off x="6169098" y="1436894"/>
-            <a:ext cx="678180" cy="884373"/>
+            <a:off x="5785598" y="2831817"/>
+            <a:ext cx="1729750" cy="419160"/>
           </a:xfrm>
           <a:prstGeom prst="straightConnector1">
             <a:avLst/>
@@ -21755,7 +21756,7 @@
         </p:nvSpPr>
         <p:spPr>
           <a:xfrm>
-            <a:off x="6508188" y="4513678"/>
+            <a:off x="6696943" y="4934321"/>
             <a:ext cx="678180" cy="388620"/>
           </a:xfrm>
           <a:prstGeom prst="rect">
@@ -21816,15 +21817,15 @@
           </p:cNvPr>
           <p:cNvCxnSpPr>
             <a:cxnSpLocks/>
-            <a:stCxn id="8" idx="2"/>
-            <a:endCxn id="21" idx="0"/>
+            <a:stCxn id="21" idx="2"/>
+            <a:endCxn id="18" idx="0"/>
           </p:cNvCxnSpPr>
           <p:nvPr/>
         </p:nvCxnSpPr>
         <p:spPr>
           <a:xfrm>
-            <a:off x="6847278" y="4167997"/>
-            <a:ext cx="0" cy="345681"/>
+            <a:off x="7036033" y="5322941"/>
+            <a:ext cx="0" cy="603288"/>
           </a:xfrm>
           <a:prstGeom prst="straightConnector1">
             <a:avLst/>
@@ -22050,8 +22051,8 @@
         </p:nvCxnSpPr>
         <p:spPr>
           <a:xfrm flipH="1">
-            <a:off x="6847278" y="1436894"/>
-            <a:ext cx="814183" cy="884373"/>
+            <a:off x="5785598" y="1431112"/>
+            <a:ext cx="1596632" cy="1012085"/>
           </a:xfrm>
           <a:prstGeom prst="straightConnector1">
             <a:avLst/>
@@ -22090,15 +22091,15 @@
           </p:cNvPr>
           <p:cNvCxnSpPr>
             <a:cxnSpLocks/>
-            <a:stCxn id="6" idx="2"/>
-            <a:endCxn id="7" idx="0"/>
+            <a:stCxn id="8" idx="2"/>
+            <a:endCxn id="21" idx="0"/>
           </p:cNvCxnSpPr>
           <p:nvPr/>
         </p:nvCxnSpPr>
         <p:spPr>
           <a:xfrm>
-            <a:off x="6847278" y="2709887"/>
-            <a:ext cx="0" cy="338955"/>
+            <a:off x="5695365" y="4460468"/>
+            <a:ext cx="1340668" cy="473853"/>
           </a:xfrm>
           <a:prstGeom prst="straightConnector1">
             <a:avLst/>
@@ -22128,70 +22129,24 @@
       </p:cxnSp>
       <p:cxnSp>
         <p:nvCxnSpPr>
-          <p:cNvPr id="54" name="直接箭头连接符 10">
-            <a:extLst>
-              <a:ext uri="{FF2B5EF4-FFF2-40B4-BE49-F238E27FC236}">
-                <a16:creationId xmlns:a16="http://schemas.microsoft.com/office/drawing/2014/main" id="{4882E41D-F460-6442-B820-1E57FC745A83}"/>
+          <p:cNvPr id="62" name="直接箭头连接符 36">
+            <a:extLst>
+              <a:ext uri="{FF2B5EF4-FFF2-40B4-BE49-F238E27FC236}">
+                <a16:creationId xmlns:a16="http://schemas.microsoft.com/office/drawing/2014/main" id="{A97FDCFA-7534-3748-9C24-7DBD9C9ACAB2}"/>
               </a:ext>
             </a:extLst>
           </p:cNvPr>
           <p:cNvCxnSpPr>
             <a:cxnSpLocks/>
-            <a:stCxn id="4" idx="3"/>
+            <a:stCxn id="4" idx="2"/>
             <a:endCxn id="7" idx="0"/>
           </p:cNvCxnSpPr>
           <p:nvPr/>
         </p:nvCxnSpPr>
         <p:spPr>
-          <a:xfrm flipH="1">
-            <a:off x="6847278" y="1242584"/>
-            <a:ext cx="1153273" cy="1806258"/>
-          </a:xfrm>
-          <a:prstGeom prst="straightConnector1">
-            <a:avLst/>
-          </a:prstGeom>
-          <a:ln w="44450">
-            <a:solidFill>
-              <a:schemeClr val="accent2"/>
-            </a:solidFill>
-            <a:tailEnd type="triangle"/>
-          </a:ln>
-        </p:spPr>
-        <p:style>
-          <a:lnRef idx="1">
-            <a:schemeClr val="dk1"/>
-          </a:lnRef>
-          <a:fillRef idx="0">
-            <a:schemeClr val="dk1"/>
-          </a:fillRef>
-          <a:effectRef idx="0">
-            <a:schemeClr val="dk1"/>
-          </a:effectRef>
-          <a:fontRef idx="minor">
-            <a:schemeClr val="tx1"/>
-          </a:fontRef>
-        </p:style>
-      </p:cxnSp>
-      <p:cxnSp>
-        <p:nvCxnSpPr>
-          <p:cNvPr id="62" name="直接箭头连接符 36">
-            <a:extLst>
-              <a:ext uri="{FF2B5EF4-FFF2-40B4-BE49-F238E27FC236}">
-                <a16:creationId xmlns:a16="http://schemas.microsoft.com/office/drawing/2014/main" id="{A97FDCFA-7534-3748-9C24-7DBD9C9ACAB2}"/>
-              </a:ext>
-            </a:extLst>
-          </p:cNvPr>
-          <p:cNvCxnSpPr>
-            <a:cxnSpLocks/>
-            <a:stCxn id="6" idx="1"/>
-            <a:endCxn id="8" idx="0"/>
-          </p:cNvCxnSpPr>
-          <p:nvPr/>
-        </p:nvCxnSpPr>
-        <p:spPr>
           <a:xfrm>
-            <a:off x="6508188" y="2515577"/>
-            <a:ext cx="339090" cy="1263800"/>
+            <a:off x="7382230" y="1431112"/>
+            <a:ext cx="133118" cy="1819865"/>
           </a:xfrm>
           <a:prstGeom prst="straightConnector1">
             <a:avLst/>
@@ -22236,9 +22191,453 @@
           <p:nvPr/>
         </p:nvCxnSpPr>
         <p:spPr>
+          <a:xfrm flipH="1">
+            <a:off x="5695365" y="3639597"/>
+            <a:ext cx="1819983" cy="432251"/>
+          </a:xfrm>
+          <a:prstGeom prst="straightConnector1">
+            <a:avLst/>
+          </a:prstGeom>
+          <a:ln w="44450">
+            <a:solidFill>
+              <a:srgbClr val="0000CC"/>
+            </a:solidFill>
+            <a:prstDash val="sysDash"/>
+            <a:tailEnd type="triangle"/>
+          </a:ln>
+        </p:spPr>
+        <p:style>
+          <a:lnRef idx="1">
+            <a:schemeClr val="dk1"/>
+          </a:lnRef>
+          <a:fillRef idx="0">
+            <a:schemeClr val="dk1"/>
+          </a:fillRef>
+          <a:effectRef idx="0">
+            <a:schemeClr val="dk1"/>
+          </a:effectRef>
+          <a:fontRef idx="minor">
+            <a:schemeClr val="tx1"/>
+          </a:fontRef>
+        </p:style>
+      </p:cxnSp>
+      <p:sp>
+        <p:nvSpPr>
+          <p:cNvPr id="18" name="矩形 17">
+            <a:extLst>
+              <a:ext uri="{FF2B5EF4-FFF2-40B4-BE49-F238E27FC236}">
+                <a16:creationId xmlns:a16="http://schemas.microsoft.com/office/drawing/2014/main" id="{3391038F-B36C-4B8E-B324-67656AF895D1}"/>
+              </a:ext>
+            </a:extLst>
+          </p:cNvPr>
+          <p:cNvSpPr/>
+          <p:nvPr/>
+        </p:nvSpPr>
+        <p:spPr>
           <a:xfrm>
-            <a:off x="6847278" y="3437462"/>
-            <a:ext cx="0" cy="341915"/>
+            <a:off x="6696943" y="5926229"/>
+            <a:ext cx="678180" cy="388620"/>
+          </a:xfrm>
+          <a:prstGeom prst="rect">
+            <a:avLst/>
+          </a:prstGeom>
+          <a:noFill/>
+          <a:ln w="38100"/>
+        </p:spPr>
+        <p:style>
+          <a:lnRef idx="2">
+            <a:schemeClr val="dk1">
+              <a:shade val="50000"/>
+            </a:schemeClr>
+          </a:lnRef>
+          <a:fillRef idx="1">
+            <a:schemeClr val="dk1"/>
+          </a:fillRef>
+          <a:effectRef idx="0">
+            <a:schemeClr val="dk1"/>
+          </a:effectRef>
+          <a:fontRef idx="minor">
+            <a:schemeClr val="lt1"/>
+          </a:fontRef>
+        </p:style>
+        <p:txBody>
+          <a:bodyPr rtlCol="0" anchor="ctr"/>
+          <a:lstStyle/>
+          <a:p>
+            <a:pPr algn="ctr"/>
+            <a:r>
+              <a:rPr lang="en-US" altLang="zh-CN" b="1" dirty="0">
+                <a:solidFill>
+                  <a:schemeClr val="tx1"/>
+                </a:solidFill>
+                <a:latin typeface="Arial" panose="020B0604020202020204" pitchFamily="34" charset="0"/>
+                <a:cs typeface="Arial" panose="020B0604020202020204" pitchFamily="34" charset="0"/>
+              </a:rPr>
+              <a:t>6</a:t>
+            </a:r>
+            <a:endParaRPr lang="zh-CN" altLang="en-US" b="1" dirty="0">
+              <a:solidFill>
+                <a:schemeClr val="tx1"/>
+              </a:solidFill>
+              <a:latin typeface="Arial" panose="020B0604020202020204" pitchFamily="34" charset="0"/>
+              <a:cs typeface="Arial" panose="020B0604020202020204" pitchFamily="34" charset="0"/>
+            </a:endParaRPr>
+          </a:p>
+        </p:txBody>
+      </p:sp>
+      <p:sp>
+        <p:nvSpPr>
+          <p:cNvPr id="28" name="矩形 27">
+            <a:extLst>
+              <a:ext uri="{FF2B5EF4-FFF2-40B4-BE49-F238E27FC236}">
+                <a16:creationId xmlns:a16="http://schemas.microsoft.com/office/drawing/2014/main" id="{0ED0D356-101E-4060-9F45-B3E12440F1FE}"/>
+              </a:ext>
+            </a:extLst>
+          </p:cNvPr>
+          <p:cNvSpPr/>
+          <p:nvPr/>
+        </p:nvSpPr>
+        <p:spPr>
+          <a:xfrm>
+            <a:off x="7195162" y="2098857"/>
+            <a:ext cx="280450" cy="369332"/>
+          </a:xfrm>
+          <a:prstGeom prst="rect">
+            <a:avLst/>
+          </a:prstGeom>
+        </p:spPr>
+        <p:txBody>
+          <a:bodyPr wrap="square">
+            <a:spAutoFit/>
+          </a:bodyPr>
+          <a:lstStyle/>
+          <a:p>
+            <a:pPr algn="ctr"/>
+            <a:r>
+              <a:rPr lang="en-US" altLang="zh-CN" b="1" dirty="0">
+                <a:solidFill>
+                  <a:schemeClr val="accent1"/>
+                </a:solidFill>
+                <a:latin typeface="Arial" panose="020B0604020202020204" pitchFamily="34" charset="0"/>
+                <a:cs typeface="Arial" panose="020B0604020202020204" pitchFamily="34" charset="0"/>
+              </a:rPr>
+              <a:t>1</a:t>
+            </a:r>
+            <a:endParaRPr lang="zh-CN" altLang="en-US" b="1" dirty="0">
+              <a:solidFill>
+                <a:schemeClr val="accent1"/>
+              </a:solidFill>
+              <a:latin typeface="Arial" panose="020B0604020202020204" pitchFamily="34" charset="0"/>
+              <a:cs typeface="Arial" panose="020B0604020202020204" pitchFamily="34" charset="0"/>
+            </a:endParaRPr>
+          </a:p>
+        </p:txBody>
+      </p:sp>
+      <p:cxnSp>
+        <p:nvCxnSpPr>
+          <p:cNvPr id="29" name="直接箭头连接符 28">
+            <a:extLst>
+              <a:ext uri="{FF2B5EF4-FFF2-40B4-BE49-F238E27FC236}">
+                <a16:creationId xmlns:a16="http://schemas.microsoft.com/office/drawing/2014/main" id="{EA15F6E7-F7BF-40F9-8A08-5ED891D4F95C}"/>
+              </a:ext>
+            </a:extLst>
+          </p:cNvPr>
+          <p:cNvCxnSpPr>
+            <a:cxnSpLocks/>
+            <a:stCxn id="5" idx="2"/>
+            <a:endCxn id="6" idx="0"/>
+          </p:cNvCxnSpPr>
+          <p:nvPr/>
+        </p:nvCxnSpPr>
+        <p:spPr>
+          <a:xfrm flipH="1">
+            <a:off x="5785598" y="1433528"/>
+            <a:ext cx="463145" cy="1009669"/>
+          </a:xfrm>
+          <a:prstGeom prst="straightConnector1">
+            <a:avLst/>
+          </a:prstGeom>
+          <a:ln w="44450">
+            <a:solidFill>
+              <a:schemeClr val="accent2"/>
+            </a:solidFill>
+            <a:tailEnd type="triangle"/>
+          </a:ln>
+        </p:spPr>
+        <p:style>
+          <a:lnRef idx="1">
+            <a:schemeClr val="dk1"/>
+          </a:lnRef>
+          <a:fillRef idx="0">
+            <a:schemeClr val="dk1"/>
+          </a:fillRef>
+          <a:effectRef idx="0">
+            <a:schemeClr val="dk1"/>
+          </a:effectRef>
+          <a:fontRef idx="minor">
+            <a:schemeClr val="tx1"/>
+          </a:fontRef>
+        </p:style>
+      </p:cxnSp>
+      <p:sp>
+        <p:nvSpPr>
+          <p:cNvPr id="30" name="矩形 29">
+            <a:extLst>
+              <a:ext uri="{FF2B5EF4-FFF2-40B4-BE49-F238E27FC236}">
+                <a16:creationId xmlns:a16="http://schemas.microsoft.com/office/drawing/2014/main" id="{33CE9C09-80DF-48E8-8745-0C871AF1BAC1}"/>
+              </a:ext>
+            </a:extLst>
+          </p:cNvPr>
+          <p:cNvSpPr/>
+          <p:nvPr/>
+        </p:nvSpPr>
+        <p:spPr>
+          <a:xfrm>
+            <a:off x="6042085" y="1637482"/>
+            <a:ext cx="312907" cy="369332"/>
+          </a:xfrm>
+          <a:prstGeom prst="rect">
+            <a:avLst/>
+          </a:prstGeom>
+        </p:spPr>
+        <p:txBody>
+          <a:bodyPr wrap="square">
+            <a:spAutoFit/>
+          </a:bodyPr>
+          <a:lstStyle/>
+          <a:p>
+            <a:pPr algn="ctr"/>
+            <a:r>
+              <a:rPr lang="en-US" altLang="zh-CN" b="1" dirty="0">
+                <a:solidFill>
+                  <a:schemeClr val="accent2"/>
+                </a:solidFill>
+                <a:latin typeface="Arial" panose="020B0604020202020204" pitchFamily="34" charset="0"/>
+                <a:cs typeface="Arial" panose="020B0604020202020204" pitchFamily="34" charset="0"/>
+              </a:rPr>
+              <a:t>3</a:t>
+            </a:r>
+            <a:endParaRPr lang="zh-CN" altLang="en-US" b="1" dirty="0">
+              <a:solidFill>
+                <a:schemeClr val="accent2"/>
+              </a:solidFill>
+              <a:latin typeface="Arial" panose="020B0604020202020204" pitchFamily="34" charset="0"/>
+              <a:cs typeface="Arial" panose="020B0604020202020204" pitchFamily="34" charset="0"/>
+            </a:endParaRPr>
+          </a:p>
+        </p:txBody>
+      </p:sp>
+      <p:sp>
+        <p:nvSpPr>
+          <p:cNvPr id="33" name="矩形 32">
+            <a:extLst>
+              <a:ext uri="{FF2B5EF4-FFF2-40B4-BE49-F238E27FC236}">
+                <a16:creationId xmlns:a16="http://schemas.microsoft.com/office/drawing/2014/main" id="{BCD8AF22-D164-4B07-9358-AC28980BDCB7}"/>
+              </a:ext>
+            </a:extLst>
+          </p:cNvPr>
+          <p:cNvSpPr/>
+          <p:nvPr/>
+        </p:nvSpPr>
+        <p:spPr>
+          <a:xfrm>
+            <a:off x="6399250" y="1560160"/>
+            <a:ext cx="312907" cy="369332"/>
+          </a:xfrm>
+          <a:prstGeom prst="rect">
+            <a:avLst/>
+          </a:prstGeom>
+        </p:spPr>
+        <p:txBody>
+          <a:bodyPr wrap="square">
+            <a:spAutoFit/>
+          </a:bodyPr>
+          <a:lstStyle/>
+          <a:p>
+            <a:pPr algn="ctr"/>
+            <a:r>
+              <a:rPr lang="en-US" altLang="zh-CN" b="1" dirty="0">
+                <a:solidFill>
+                  <a:schemeClr val="accent6"/>
+                </a:solidFill>
+                <a:latin typeface="Arial" panose="020B0604020202020204" pitchFamily="34" charset="0"/>
+                <a:cs typeface="Arial" panose="020B0604020202020204" pitchFamily="34" charset="0"/>
+              </a:rPr>
+              <a:t>7</a:t>
+            </a:r>
+            <a:endParaRPr lang="zh-CN" altLang="en-US" b="1" dirty="0">
+              <a:solidFill>
+                <a:schemeClr val="accent6"/>
+              </a:solidFill>
+              <a:latin typeface="Arial" panose="020B0604020202020204" pitchFamily="34" charset="0"/>
+              <a:cs typeface="Arial" panose="020B0604020202020204" pitchFamily="34" charset="0"/>
+            </a:endParaRPr>
+          </a:p>
+        </p:txBody>
+      </p:sp>
+      <p:sp>
+        <p:nvSpPr>
+          <p:cNvPr id="49" name="矩形 48">
+            <a:extLst>
+              <a:ext uri="{FF2B5EF4-FFF2-40B4-BE49-F238E27FC236}">
+                <a16:creationId xmlns:a16="http://schemas.microsoft.com/office/drawing/2014/main" id="{4B3A6C3B-274D-4674-B635-BFE274C1064D}"/>
+              </a:ext>
+            </a:extLst>
+          </p:cNvPr>
+          <p:cNvSpPr/>
+          <p:nvPr/>
+        </p:nvSpPr>
+        <p:spPr>
+          <a:xfrm>
+            <a:off x="6789685" y="2769303"/>
+            <a:ext cx="312907" cy="369332"/>
+          </a:xfrm>
+          <a:prstGeom prst="rect">
+            <a:avLst/>
+          </a:prstGeom>
+        </p:spPr>
+        <p:txBody>
+          <a:bodyPr wrap="square">
+            <a:spAutoFit/>
+          </a:bodyPr>
+          <a:lstStyle/>
+          <a:p>
+            <a:pPr algn="ctr"/>
+            <a:r>
+              <a:rPr lang="en-US" altLang="zh-CN" b="1" dirty="0">
+                <a:solidFill>
+                  <a:srgbClr val="7030A0"/>
+                </a:solidFill>
+                <a:latin typeface="Arial" panose="020B0604020202020204" pitchFamily="34" charset="0"/>
+                <a:cs typeface="Arial" panose="020B0604020202020204" pitchFamily="34" charset="0"/>
+              </a:rPr>
+              <a:t>2</a:t>
+            </a:r>
+            <a:endParaRPr lang="zh-CN" altLang="en-US" b="1" dirty="0">
+              <a:solidFill>
+                <a:srgbClr val="7030A0"/>
+              </a:solidFill>
+              <a:latin typeface="Arial" panose="020B0604020202020204" pitchFamily="34" charset="0"/>
+              <a:cs typeface="Arial" panose="020B0604020202020204" pitchFamily="34" charset="0"/>
+            </a:endParaRPr>
+          </a:p>
+        </p:txBody>
+      </p:sp>
+      <p:sp>
+        <p:nvSpPr>
+          <p:cNvPr id="83" name="矩形 82">
+            <a:extLst>
+              <a:ext uri="{FF2B5EF4-FFF2-40B4-BE49-F238E27FC236}">
+                <a16:creationId xmlns:a16="http://schemas.microsoft.com/office/drawing/2014/main" id="{28F7BB38-3F0C-47CA-9366-43599E09605D}"/>
+              </a:ext>
+            </a:extLst>
+          </p:cNvPr>
+          <p:cNvSpPr/>
+          <p:nvPr/>
+        </p:nvSpPr>
+        <p:spPr>
+          <a:xfrm>
+            <a:off x="7036033" y="5379884"/>
+            <a:ext cx="280450" cy="369332"/>
+          </a:xfrm>
+          <a:prstGeom prst="rect">
+            <a:avLst/>
+          </a:prstGeom>
+        </p:spPr>
+        <p:txBody>
+          <a:bodyPr wrap="square">
+            <a:spAutoFit/>
+          </a:bodyPr>
+          <a:lstStyle/>
+          <a:p>
+            <a:pPr algn="ctr"/>
+            <a:r>
+              <a:rPr lang="en-US" altLang="zh-CN" b="1" dirty="0">
+                <a:solidFill>
+                  <a:schemeClr val="accent1"/>
+                </a:solidFill>
+                <a:latin typeface="Arial" panose="020B0604020202020204" pitchFamily="34" charset="0"/>
+                <a:cs typeface="Arial" panose="020B0604020202020204" pitchFamily="34" charset="0"/>
+              </a:rPr>
+              <a:t>1</a:t>
+            </a:r>
+            <a:endParaRPr lang="zh-CN" altLang="en-US" b="1" dirty="0">
+              <a:solidFill>
+                <a:schemeClr val="accent1"/>
+              </a:solidFill>
+              <a:latin typeface="Arial" panose="020B0604020202020204" pitchFamily="34" charset="0"/>
+              <a:cs typeface="Arial" panose="020B0604020202020204" pitchFamily="34" charset="0"/>
+            </a:endParaRPr>
+          </a:p>
+        </p:txBody>
+      </p:sp>
+      <p:cxnSp>
+        <p:nvCxnSpPr>
+          <p:cNvPr id="84" name="直接箭头连接符 12">
+            <a:extLst>
+              <a:ext uri="{FF2B5EF4-FFF2-40B4-BE49-F238E27FC236}">
+                <a16:creationId xmlns:a16="http://schemas.microsoft.com/office/drawing/2014/main" id="{FB15F5D7-7069-4949-92EA-BE5B01940AAB}"/>
+              </a:ext>
+            </a:extLst>
+          </p:cNvPr>
+          <p:cNvCxnSpPr>
+            <a:cxnSpLocks/>
+            <a:stCxn id="4" idx="2"/>
+            <a:endCxn id="8" idx="0"/>
+          </p:cNvCxnSpPr>
+          <p:nvPr/>
+        </p:nvCxnSpPr>
+        <p:spPr>
+          <a:xfrm flipH="1">
+            <a:off x="5695365" y="1431112"/>
+            <a:ext cx="1686865" cy="2640736"/>
+          </a:xfrm>
+          <a:prstGeom prst="straightConnector1">
+            <a:avLst/>
+          </a:prstGeom>
+          <a:ln w="44450">
+            <a:solidFill>
+              <a:srgbClr val="00B0F0"/>
+            </a:solidFill>
+            <a:prstDash val="sysDash"/>
+            <a:tailEnd type="triangle"/>
+          </a:ln>
+        </p:spPr>
+        <p:style>
+          <a:lnRef idx="1">
+            <a:schemeClr val="dk1"/>
+          </a:lnRef>
+          <a:fillRef idx="0">
+            <a:schemeClr val="dk1"/>
+          </a:fillRef>
+          <a:effectRef idx="0">
+            <a:schemeClr val="dk1"/>
+          </a:effectRef>
+          <a:fontRef idx="minor">
+            <a:schemeClr val="tx1"/>
+          </a:fontRef>
+        </p:style>
+      </p:cxnSp>
+      <p:cxnSp>
+        <p:nvCxnSpPr>
+          <p:cNvPr id="85" name="直接箭头连接符 12">
+            <a:extLst>
+              <a:ext uri="{FF2B5EF4-FFF2-40B4-BE49-F238E27FC236}">
+                <a16:creationId xmlns:a16="http://schemas.microsoft.com/office/drawing/2014/main" id="{B44761AC-A713-4F8E-B999-7449B480A94D}"/>
+              </a:ext>
+            </a:extLst>
+          </p:cNvPr>
+          <p:cNvCxnSpPr>
+            <a:cxnSpLocks/>
+            <a:stCxn id="6" idx="2"/>
+            <a:endCxn id="21" idx="0"/>
+          </p:cNvCxnSpPr>
+          <p:nvPr/>
+        </p:nvCxnSpPr>
+        <p:spPr>
+          <a:xfrm>
+            <a:off x="5785598" y="2831817"/>
+            <a:ext cx="1250435" cy="2102504"/>
           </a:xfrm>
           <a:prstGeom prst="straightConnector1">
             <a:avLst/>
@@ -22266,6 +22665,374 @@
           </a:fontRef>
         </p:style>
       </p:cxnSp>
+      <p:cxnSp>
+        <p:nvCxnSpPr>
+          <p:cNvPr id="91" name="直接箭头连接符 36">
+            <a:extLst>
+              <a:ext uri="{FF2B5EF4-FFF2-40B4-BE49-F238E27FC236}">
+                <a16:creationId xmlns:a16="http://schemas.microsoft.com/office/drawing/2014/main" id="{16E233C1-AEE0-4C1F-9CFC-D23F108FC744}"/>
+              </a:ext>
+            </a:extLst>
+          </p:cNvPr>
+          <p:cNvCxnSpPr>
+            <a:cxnSpLocks/>
+            <a:stCxn id="6" idx="2"/>
+            <a:endCxn id="8" idx="0"/>
+          </p:cNvCxnSpPr>
+          <p:nvPr/>
+        </p:nvCxnSpPr>
+        <p:spPr>
+          <a:xfrm flipH="1">
+            <a:off x="5695365" y="2831817"/>
+            <a:ext cx="90233" cy="1240031"/>
+          </a:xfrm>
+          <a:prstGeom prst="straightConnector1">
+            <a:avLst/>
+          </a:prstGeom>
+          <a:ln w="44450">
+            <a:solidFill>
+              <a:schemeClr val="accent1"/>
+            </a:solidFill>
+            <a:prstDash val="sysDot"/>
+            <a:tailEnd type="triangle"/>
+          </a:ln>
+        </p:spPr>
+        <p:style>
+          <a:lnRef idx="1">
+            <a:schemeClr val="dk1"/>
+          </a:lnRef>
+          <a:fillRef idx="0">
+            <a:schemeClr val="dk1"/>
+          </a:fillRef>
+          <a:effectRef idx="0">
+            <a:schemeClr val="dk1"/>
+          </a:effectRef>
+          <a:fontRef idx="minor">
+            <a:schemeClr val="tx1"/>
+          </a:fontRef>
+        </p:style>
+      </p:cxnSp>
+      <p:cxnSp>
+        <p:nvCxnSpPr>
+          <p:cNvPr id="96" name="直接箭头连接符 36">
+            <a:extLst>
+              <a:ext uri="{FF2B5EF4-FFF2-40B4-BE49-F238E27FC236}">
+                <a16:creationId xmlns:a16="http://schemas.microsoft.com/office/drawing/2014/main" id="{225B639F-844A-4E0F-97AA-3E78D1C667A1}"/>
+              </a:ext>
+            </a:extLst>
+          </p:cNvPr>
+          <p:cNvCxnSpPr>
+            <a:cxnSpLocks/>
+            <a:stCxn id="7" idx="2"/>
+            <a:endCxn id="21" idx="0"/>
+          </p:cNvCxnSpPr>
+          <p:nvPr/>
+        </p:nvCxnSpPr>
+        <p:spPr>
+          <a:xfrm flipH="1">
+            <a:off x="7036033" y="3639597"/>
+            <a:ext cx="479315" cy="1294724"/>
+          </a:xfrm>
+          <a:prstGeom prst="straightConnector1">
+            <a:avLst/>
+          </a:prstGeom>
+          <a:ln w="44450">
+            <a:solidFill>
+              <a:schemeClr val="accent1"/>
+            </a:solidFill>
+            <a:prstDash val="sysDot"/>
+            <a:tailEnd type="triangle"/>
+          </a:ln>
+        </p:spPr>
+        <p:style>
+          <a:lnRef idx="1">
+            <a:schemeClr val="dk1"/>
+          </a:lnRef>
+          <a:fillRef idx="0">
+            <a:schemeClr val="dk1"/>
+          </a:fillRef>
+          <a:effectRef idx="0">
+            <a:schemeClr val="dk1"/>
+          </a:effectRef>
+          <a:fontRef idx="minor">
+            <a:schemeClr val="tx1"/>
+          </a:fontRef>
+        </p:style>
+      </p:cxnSp>
+      <p:sp>
+        <p:nvSpPr>
+          <p:cNvPr id="108" name="矩形 107">
+            <a:extLst>
+              <a:ext uri="{FF2B5EF4-FFF2-40B4-BE49-F238E27FC236}">
+                <a16:creationId xmlns:a16="http://schemas.microsoft.com/office/drawing/2014/main" id="{1B8B65F9-4970-46F3-991F-F6B4177F32CB}"/>
+              </a:ext>
+            </a:extLst>
+          </p:cNvPr>
+          <p:cNvSpPr/>
+          <p:nvPr/>
+        </p:nvSpPr>
+        <p:spPr>
+          <a:xfrm>
+            <a:off x="6208500" y="3399660"/>
+            <a:ext cx="312907" cy="369332"/>
+          </a:xfrm>
+          <a:prstGeom prst="rect">
+            <a:avLst/>
+          </a:prstGeom>
+        </p:spPr>
+        <p:txBody>
+          <a:bodyPr wrap="square">
+            <a:spAutoFit/>
+          </a:bodyPr>
+          <a:lstStyle/>
+          <a:p>
+            <a:pPr algn="ctr"/>
+            <a:r>
+              <a:rPr lang="en-US" altLang="zh-CN" b="1" dirty="0">
+                <a:solidFill>
+                  <a:schemeClr val="accent6"/>
+                </a:solidFill>
+                <a:latin typeface="Arial" panose="020B0604020202020204" pitchFamily="34" charset="0"/>
+                <a:cs typeface="Arial" panose="020B0604020202020204" pitchFamily="34" charset="0"/>
+              </a:rPr>
+              <a:t>7</a:t>
+            </a:r>
+            <a:endParaRPr lang="zh-CN" altLang="en-US" b="1" dirty="0">
+              <a:solidFill>
+                <a:schemeClr val="accent6"/>
+              </a:solidFill>
+              <a:latin typeface="Arial" panose="020B0604020202020204" pitchFamily="34" charset="0"/>
+              <a:cs typeface="Arial" panose="020B0604020202020204" pitchFamily="34" charset="0"/>
+            </a:endParaRPr>
+          </a:p>
+        </p:txBody>
+      </p:sp>
+      <p:sp>
+        <p:nvSpPr>
+          <p:cNvPr id="109" name="矩形 108">
+            <a:extLst>
+              <a:ext uri="{FF2B5EF4-FFF2-40B4-BE49-F238E27FC236}">
+                <a16:creationId xmlns:a16="http://schemas.microsoft.com/office/drawing/2014/main" id="{4CDCEECE-3D5B-4912-BEDF-92CE369C5393}"/>
+              </a:ext>
+            </a:extLst>
+          </p:cNvPr>
+          <p:cNvSpPr/>
+          <p:nvPr/>
+        </p:nvSpPr>
+        <p:spPr>
+          <a:xfrm>
+            <a:off x="5993240" y="4638346"/>
+            <a:ext cx="312907" cy="369332"/>
+          </a:xfrm>
+          <a:prstGeom prst="rect">
+            <a:avLst/>
+          </a:prstGeom>
+        </p:spPr>
+        <p:txBody>
+          <a:bodyPr wrap="square">
+            <a:spAutoFit/>
+          </a:bodyPr>
+          <a:lstStyle/>
+          <a:p>
+            <a:pPr algn="ctr"/>
+            <a:r>
+              <a:rPr lang="en-US" altLang="zh-CN" b="1" dirty="0">
+                <a:solidFill>
+                  <a:schemeClr val="accent6"/>
+                </a:solidFill>
+                <a:latin typeface="Arial" panose="020B0604020202020204" pitchFamily="34" charset="0"/>
+                <a:cs typeface="Arial" panose="020B0604020202020204" pitchFamily="34" charset="0"/>
+              </a:rPr>
+              <a:t>7</a:t>
+            </a:r>
+            <a:endParaRPr lang="zh-CN" altLang="en-US" b="1" dirty="0">
+              <a:solidFill>
+                <a:schemeClr val="accent6"/>
+              </a:solidFill>
+              <a:latin typeface="Arial" panose="020B0604020202020204" pitchFamily="34" charset="0"/>
+              <a:cs typeface="Arial" panose="020B0604020202020204" pitchFamily="34" charset="0"/>
+            </a:endParaRPr>
+          </a:p>
+        </p:txBody>
+      </p:sp>
+      <p:sp>
+        <p:nvSpPr>
+          <p:cNvPr id="111" name="矩形 110">
+            <a:extLst>
+              <a:ext uri="{FF2B5EF4-FFF2-40B4-BE49-F238E27FC236}">
+                <a16:creationId xmlns:a16="http://schemas.microsoft.com/office/drawing/2014/main" id="{ED918382-28EA-41BE-87BE-6842C663596C}"/>
+              </a:ext>
+            </a:extLst>
+          </p:cNvPr>
+          <p:cNvSpPr/>
+          <p:nvPr/>
+        </p:nvSpPr>
+        <p:spPr>
+          <a:xfrm>
+            <a:off x="7267753" y="4198470"/>
+            <a:ext cx="280450" cy="369332"/>
+          </a:xfrm>
+          <a:prstGeom prst="rect">
+            <a:avLst/>
+          </a:prstGeom>
+        </p:spPr>
+        <p:txBody>
+          <a:bodyPr wrap="square">
+            <a:spAutoFit/>
+          </a:bodyPr>
+          <a:lstStyle/>
+          <a:p>
+            <a:pPr algn="ctr"/>
+            <a:r>
+              <a:rPr lang="en-US" altLang="zh-CN" b="1" dirty="0">
+                <a:solidFill>
+                  <a:schemeClr val="accent1"/>
+                </a:solidFill>
+                <a:latin typeface="Arial" panose="020B0604020202020204" pitchFamily="34" charset="0"/>
+                <a:cs typeface="Arial" panose="020B0604020202020204" pitchFamily="34" charset="0"/>
+              </a:rPr>
+              <a:t>1</a:t>
+            </a:r>
+            <a:endParaRPr lang="zh-CN" altLang="en-US" b="1" dirty="0">
+              <a:solidFill>
+                <a:schemeClr val="accent1"/>
+              </a:solidFill>
+              <a:latin typeface="Arial" panose="020B0604020202020204" pitchFamily="34" charset="0"/>
+              <a:cs typeface="Arial" panose="020B0604020202020204" pitchFamily="34" charset="0"/>
+            </a:endParaRPr>
+          </a:p>
+        </p:txBody>
+      </p:sp>
+      <p:sp>
+        <p:nvSpPr>
+          <p:cNvPr id="112" name="矩形 111">
+            <a:extLst>
+              <a:ext uri="{FF2B5EF4-FFF2-40B4-BE49-F238E27FC236}">
+                <a16:creationId xmlns:a16="http://schemas.microsoft.com/office/drawing/2014/main" id="{DF5E353F-9AC3-476E-A7D4-4E69C6005767}"/>
+              </a:ext>
+            </a:extLst>
+          </p:cNvPr>
+          <p:cNvSpPr/>
+          <p:nvPr/>
+        </p:nvSpPr>
+        <p:spPr>
+          <a:xfrm>
+            <a:off x="6723127" y="3741923"/>
+            <a:ext cx="312906" cy="369332"/>
+          </a:xfrm>
+          <a:prstGeom prst="rect">
+            <a:avLst/>
+          </a:prstGeom>
+        </p:spPr>
+        <p:txBody>
+          <a:bodyPr wrap="none">
+            <a:spAutoFit/>
+          </a:bodyPr>
+          <a:lstStyle/>
+          <a:p>
+            <a:r>
+              <a:rPr lang="en-US" altLang="zh-CN" b="1" dirty="0">
+                <a:solidFill>
+                  <a:srgbClr val="0000CC"/>
+                </a:solidFill>
+                <a:latin typeface="Arial" panose="020B0604020202020204" pitchFamily="34" charset="0"/>
+                <a:cs typeface="Arial" panose="020B0604020202020204" pitchFamily="34" charset="0"/>
+              </a:rPr>
+              <a:t>4</a:t>
+            </a:r>
+            <a:endParaRPr lang="zh-CN" altLang="en-US" dirty="0"/>
+          </a:p>
+        </p:txBody>
+      </p:sp>
+      <p:sp>
+        <p:nvSpPr>
+          <p:cNvPr id="113" name="矩形 112">
+            <a:extLst>
+              <a:ext uri="{FF2B5EF4-FFF2-40B4-BE49-F238E27FC236}">
+                <a16:creationId xmlns:a16="http://schemas.microsoft.com/office/drawing/2014/main" id="{885DD4ED-5604-4C69-8CF8-D888DEE4605F}"/>
+              </a:ext>
+            </a:extLst>
+          </p:cNvPr>
+          <p:cNvSpPr/>
+          <p:nvPr/>
+        </p:nvSpPr>
+        <p:spPr>
+          <a:xfrm>
+            <a:off x="5431482" y="3228663"/>
+            <a:ext cx="280450" cy="369332"/>
+          </a:xfrm>
+          <a:prstGeom prst="rect">
+            <a:avLst/>
+          </a:prstGeom>
+        </p:spPr>
+        <p:txBody>
+          <a:bodyPr wrap="square">
+            <a:spAutoFit/>
+          </a:bodyPr>
+          <a:lstStyle/>
+          <a:p>
+            <a:pPr algn="ctr"/>
+            <a:r>
+              <a:rPr lang="en-US" altLang="zh-CN" b="1" dirty="0">
+                <a:solidFill>
+                  <a:schemeClr val="accent1"/>
+                </a:solidFill>
+                <a:latin typeface="Arial" panose="020B0604020202020204" pitchFamily="34" charset="0"/>
+                <a:cs typeface="Arial" panose="020B0604020202020204" pitchFamily="34" charset="0"/>
+              </a:rPr>
+              <a:t>1</a:t>
+            </a:r>
+            <a:endParaRPr lang="zh-CN" altLang="en-US" b="1" dirty="0">
+              <a:solidFill>
+                <a:schemeClr val="accent1"/>
+              </a:solidFill>
+              <a:latin typeface="Arial" panose="020B0604020202020204" pitchFamily="34" charset="0"/>
+              <a:cs typeface="Arial" panose="020B0604020202020204" pitchFamily="34" charset="0"/>
+            </a:endParaRPr>
+          </a:p>
+        </p:txBody>
+      </p:sp>
+      <p:sp>
+        <p:nvSpPr>
+          <p:cNvPr id="115" name="矩形 114">
+            <a:extLst>
+              <a:ext uri="{FF2B5EF4-FFF2-40B4-BE49-F238E27FC236}">
+                <a16:creationId xmlns:a16="http://schemas.microsoft.com/office/drawing/2014/main" id="{5E446EB3-0790-4EB6-BCF7-DA4461B3B16C}"/>
+              </a:ext>
+            </a:extLst>
+          </p:cNvPr>
+          <p:cNvSpPr/>
+          <p:nvPr/>
+        </p:nvSpPr>
+        <p:spPr>
+          <a:xfrm>
+            <a:off x="6324679" y="2393018"/>
+            <a:ext cx="312906" cy="369332"/>
+          </a:xfrm>
+          <a:prstGeom prst="rect">
+            <a:avLst/>
+          </a:prstGeom>
+        </p:spPr>
+        <p:txBody>
+          <a:bodyPr wrap="none">
+            <a:spAutoFit/>
+          </a:bodyPr>
+          <a:lstStyle/>
+          <a:p>
+            <a:r>
+              <a:rPr lang="en-US" altLang="zh-CN" b="1" dirty="0">
+                <a:solidFill>
+                  <a:srgbClr val="0099CC"/>
+                </a:solidFill>
+                <a:latin typeface="Arial" panose="020B0604020202020204" pitchFamily="34" charset="0"/>
+                <a:cs typeface="Arial" panose="020B0604020202020204" pitchFamily="34" charset="0"/>
+              </a:rPr>
+              <a:t>6</a:t>
+            </a:r>
+            <a:endParaRPr lang="zh-CN" altLang="en-US" dirty="0"/>
+          </a:p>
+        </p:txBody>
+      </p:sp>
     </p:spTree>
     <p:extLst>
       <p:ext uri="{BB962C8B-B14F-4D97-AF65-F5344CB8AC3E}">
